--- a/The-Limits-to-Growth/LTG-L05a-Limits-to-Growth-and-Planetary-Boundaries.pptx
+++ b/The-Limits-to-Growth/LTG-L05a-Limits-to-Growth-and-Planetary-Boundaries.pptx
@@ -62,7 +62,7 @@
     <p:sldId id="310" r:id="rId57"/>
   </p:sldIdLst>
   <p:sldSz cx="12192000" cy="6858000"/>
-  <p:notesSz cx="7559675" cy="10691813"/>
+  <p:notesSz cx="7772400" cy="10058400"/>
 </p:presentation>
 </file>
 
@@ -107,7 +107,7 @@
       </p:grpSpPr>
       <p:sp>
         <p:nvSpPr>
-          <p:cNvPr id="33" name="PlaceHolder 1"/>
+          <p:cNvPr id="31" name="PlaceHolder 1"/>
           <p:cNvSpPr>
             <a:spLocks noGrp="1"/>
           </p:cNvSpPr>
@@ -136,18 +136,18 @@
             <a:pPr indent="0" algn="ctr">
               <a:buNone/>
             </a:pPr>
-            <a:endParaRPr b="0" lang="de-DE" sz="4400" spc="-1" strike="noStrike">
-              <a:solidFill>
-                <a:srgbClr val="000000"/>
-              </a:solidFill>
-              <a:latin typeface="Arial"/>
-            </a:endParaRPr>
-          </a:p>
-        </p:txBody>
-      </p:sp>
-      <p:sp>
-        <p:nvSpPr>
-          <p:cNvPr id="34" name="PlaceHolder 2"/>
+            <a:endParaRPr b="0" lang="en-US" sz="4400" spc="-1" strike="noStrike">
+              <a:solidFill>
+                <a:srgbClr val="000000"/>
+              </a:solidFill>
+              <a:latin typeface="Arial"/>
+            </a:endParaRPr>
+          </a:p>
+        </p:txBody>
+      </p:sp>
+      <p:sp>
+        <p:nvSpPr>
+          <p:cNvPr id="32" name="PlaceHolder 2"/>
           <p:cNvSpPr>
             <a:spLocks noGrp="1"/>
           </p:cNvSpPr>
@@ -179,18 +179,18 @@
               </a:spcBef>
               <a:buNone/>
             </a:pPr>
-            <a:endParaRPr b="0" lang="de-DE" sz="3200" spc="-1" strike="noStrike">
-              <a:solidFill>
-                <a:srgbClr val="000000"/>
-              </a:solidFill>
-              <a:latin typeface="Arial"/>
-            </a:endParaRPr>
-          </a:p>
-        </p:txBody>
-      </p:sp>
-      <p:sp>
-        <p:nvSpPr>
-          <p:cNvPr id="35" name="PlaceHolder 3"/>
+            <a:endParaRPr b="0" lang="en-US" sz="3200" spc="-1" strike="noStrike">
+              <a:solidFill>
+                <a:srgbClr val="000000"/>
+              </a:solidFill>
+              <a:latin typeface="Arial"/>
+            </a:endParaRPr>
+          </a:p>
+        </p:txBody>
+      </p:sp>
+      <p:sp>
+        <p:nvSpPr>
+          <p:cNvPr id="33" name="PlaceHolder 3"/>
           <p:cNvSpPr>
             <a:spLocks noGrp="1"/>
           </p:cNvSpPr>
@@ -222,7 +222,7 @@
               </a:spcBef>
               <a:buNone/>
             </a:pPr>
-            <a:endParaRPr b="0" lang="de-DE" sz="3200" spc="-1" strike="noStrike">
+            <a:endParaRPr b="0" lang="en-US" sz="3200" spc="-1" strike="noStrike">
               <a:solidFill>
                 <a:srgbClr val="000000"/>
               </a:solidFill>
@@ -255,7 +255,7 @@
       </p:grpSpPr>
       <p:sp>
         <p:nvSpPr>
-          <p:cNvPr id="36" name="PlaceHolder 1"/>
+          <p:cNvPr id="34" name="PlaceHolder 1"/>
           <p:cNvSpPr>
             <a:spLocks noGrp="1"/>
           </p:cNvSpPr>
@@ -284,18 +284,18 @@
             <a:pPr indent="0" algn="ctr">
               <a:buNone/>
             </a:pPr>
-            <a:endParaRPr b="0" lang="de-DE" sz="4400" spc="-1" strike="noStrike">
-              <a:solidFill>
-                <a:srgbClr val="000000"/>
-              </a:solidFill>
-              <a:latin typeface="Arial"/>
-            </a:endParaRPr>
-          </a:p>
-        </p:txBody>
-      </p:sp>
-      <p:sp>
-        <p:nvSpPr>
-          <p:cNvPr id="37" name="PlaceHolder 2"/>
+            <a:endParaRPr b="0" lang="en-US" sz="4400" spc="-1" strike="noStrike">
+              <a:solidFill>
+                <a:srgbClr val="000000"/>
+              </a:solidFill>
+              <a:latin typeface="Arial"/>
+            </a:endParaRPr>
+          </a:p>
+        </p:txBody>
+      </p:sp>
+      <p:sp>
+        <p:nvSpPr>
+          <p:cNvPr id="35" name="PlaceHolder 2"/>
           <p:cNvSpPr>
             <a:spLocks noGrp="1"/>
           </p:cNvSpPr>
@@ -327,18 +327,18 @@
               </a:spcBef>
               <a:buNone/>
             </a:pPr>
-            <a:endParaRPr b="0" lang="de-DE" sz="3200" spc="-1" strike="noStrike">
-              <a:solidFill>
-                <a:srgbClr val="000000"/>
-              </a:solidFill>
-              <a:latin typeface="Arial"/>
-            </a:endParaRPr>
-          </a:p>
-        </p:txBody>
-      </p:sp>
-      <p:sp>
-        <p:nvSpPr>
-          <p:cNvPr id="38" name="PlaceHolder 3"/>
+            <a:endParaRPr b="0" lang="en-US" sz="3200" spc="-1" strike="noStrike">
+              <a:solidFill>
+                <a:srgbClr val="000000"/>
+              </a:solidFill>
+              <a:latin typeface="Arial"/>
+            </a:endParaRPr>
+          </a:p>
+        </p:txBody>
+      </p:sp>
+      <p:sp>
+        <p:nvSpPr>
+          <p:cNvPr id="36" name="PlaceHolder 3"/>
           <p:cNvSpPr>
             <a:spLocks noGrp="1"/>
           </p:cNvSpPr>
@@ -370,18 +370,18 @@
               </a:spcBef>
               <a:buNone/>
             </a:pPr>
-            <a:endParaRPr b="0" lang="de-DE" sz="3200" spc="-1" strike="noStrike">
-              <a:solidFill>
-                <a:srgbClr val="000000"/>
-              </a:solidFill>
-              <a:latin typeface="Arial"/>
-            </a:endParaRPr>
-          </a:p>
-        </p:txBody>
-      </p:sp>
-      <p:sp>
-        <p:nvSpPr>
-          <p:cNvPr id="39" name="PlaceHolder 4"/>
+            <a:endParaRPr b="0" lang="en-US" sz="3200" spc="-1" strike="noStrike">
+              <a:solidFill>
+                <a:srgbClr val="000000"/>
+              </a:solidFill>
+              <a:latin typeface="Arial"/>
+            </a:endParaRPr>
+          </a:p>
+        </p:txBody>
+      </p:sp>
+      <p:sp>
+        <p:nvSpPr>
+          <p:cNvPr id="37" name="PlaceHolder 4"/>
           <p:cNvSpPr>
             <a:spLocks noGrp="1"/>
           </p:cNvSpPr>
@@ -413,18 +413,18 @@
               </a:spcBef>
               <a:buNone/>
             </a:pPr>
-            <a:endParaRPr b="0" lang="de-DE" sz="3200" spc="-1" strike="noStrike">
-              <a:solidFill>
-                <a:srgbClr val="000000"/>
-              </a:solidFill>
-              <a:latin typeface="Arial"/>
-            </a:endParaRPr>
-          </a:p>
-        </p:txBody>
-      </p:sp>
-      <p:sp>
-        <p:nvSpPr>
-          <p:cNvPr id="40" name="PlaceHolder 5"/>
+            <a:endParaRPr b="0" lang="en-US" sz="3200" spc="-1" strike="noStrike">
+              <a:solidFill>
+                <a:srgbClr val="000000"/>
+              </a:solidFill>
+              <a:latin typeface="Arial"/>
+            </a:endParaRPr>
+          </a:p>
+        </p:txBody>
+      </p:sp>
+      <p:sp>
+        <p:nvSpPr>
+          <p:cNvPr id="38" name="PlaceHolder 5"/>
           <p:cNvSpPr>
             <a:spLocks noGrp="1"/>
           </p:cNvSpPr>
@@ -456,7 +456,7 @@
               </a:spcBef>
               <a:buNone/>
             </a:pPr>
-            <a:endParaRPr b="0" lang="de-DE" sz="3200" spc="-1" strike="noStrike">
+            <a:endParaRPr b="0" lang="en-US" sz="3200" spc="-1" strike="noStrike">
               <a:solidFill>
                 <a:srgbClr val="000000"/>
               </a:solidFill>
@@ -489,7 +489,7 @@
       </p:grpSpPr>
       <p:sp>
         <p:nvSpPr>
-          <p:cNvPr id="41" name="PlaceHolder 1"/>
+          <p:cNvPr id="39" name="PlaceHolder 1"/>
           <p:cNvSpPr>
             <a:spLocks noGrp="1"/>
           </p:cNvSpPr>
@@ -518,18 +518,18 @@
             <a:pPr indent="0" algn="ctr">
               <a:buNone/>
             </a:pPr>
-            <a:endParaRPr b="0" lang="de-DE" sz="4400" spc="-1" strike="noStrike">
-              <a:solidFill>
-                <a:srgbClr val="000000"/>
-              </a:solidFill>
-              <a:latin typeface="Arial"/>
-            </a:endParaRPr>
-          </a:p>
-        </p:txBody>
-      </p:sp>
-      <p:sp>
-        <p:nvSpPr>
-          <p:cNvPr id="42" name="PlaceHolder 2"/>
+            <a:endParaRPr b="0" lang="en-US" sz="4400" spc="-1" strike="noStrike">
+              <a:solidFill>
+                <a:srgbClr val="000000"/>
+              </a:solidFill>
+              <a:latin typeface="Arial"/>
+            </a:endParaRPr>
+          </a:p>
+        </p:txBody>
+      </p:sp>
+      <p:sp>
+        <p:nvSpPr>
+          <p:cNvPr id="40" name="PlaceHolder 2"/>
           <p:cNvSpPr>
             <a:spLocks noGrp="1"/>
           </p:cNvSpPr>
@@ -561,18 +561,18 @@
               </a:spcBef>
               <a:buNone/>
             </a:pPr>
-            <a:endParaRPr b="0" lang="de-DE" sz="3200" spc="-1" strike="noStrike">
-              <a:solidFill>
-                <a:srgbClr val="000000"/>
-              </a:solidFill>
-              <a:latin typeface="Arial"/>
-            </a:endParaRPr>
-          </a:p>
-        </p:txBody>
-      </p:sp>
-      <p:sp>
-        <p:nvSpPr>
-          <p:cNvPr id="43" name="PlaceHolder 3"/>
+            <a:endParaRPr b="0" lang="en-US" sz="3200" spc="-1" strike="noStrike">
+              <a:solidFill>
+                <a:srgbClr val="000000"/>
+              </a:solidFill>
+              <a:latin typeface="Arial"/>
+            </a:endParaRPr>
+          </a:p>
+        </p:txBody>
+      </p:sp>
+      <p:sp>
+        <p:nvSpPr>
+          <p:cNvPr id="41" name="PlaceHolder 3"/>
           <p:cNvSpPr>
             <a:spLocks noGrp="1"/>
           </p:cNvSpPr>
@@ -604,18 +604,18 @@
               </a:spcBef>
               <a:buNone/>
             </a:pPr>
-            <a:endParaRPr b="0" lang="de-DE" sz="3200" spc="-1" strike="noStrike">
-              <a:solidFill>
-                <a:srgbClr val="000000"/>
-              </a:solidFill>
-              <a:latin typeface="Arial"/>
-            </a:endParaRPr>
-          </a:p>
-        </p:txBody>
-      </p:sp>
-      <p:sp>
-        <p:nvSpPr>
-          <p:cNvPr id="44" name="PlaceHolder 4"/>
+            <a:endParaRPr b="0" lang="en-US" sz="3200" spc="-1" strike="noStrike">
+              <a:solidFill>
+                <a:srgbClr val="000000"/>
+              </a:solidFill>
+              <a:latin typeface="Arial"/>
+            </a:endParaRPr>
+          </a:p>
+        </p:txBody>
+      </p:sp>
+      <p:sp>
+        <p:nvSpPr>
+          <p:cNvPr id="42" name="PlaceHolder 4"/>
           <p:cNvSpPr>
             <a:spLocks noGrp="1"/>
           </p:cNvSpPr>
@@ -647,18 +647,18 @@
               </a:spcBef>
               <a:buNone/>
             </a:pPr>
-            <a:endParaRPr b="0" lang="de-DE" sz="3200" spc="-1" strike="noStrike">
-              <a:solidFill>
-                <a:srgbClr val="000000"/>
-              </a:solidFill>
-              <a:latin typeface="Arial"/>
-            </a:endParaRPr>
-          </a:p>
-        </p:txBody>
-      </p:sp>
-      <p:sp>
-        <p:nvSpPr>
-          <p:cNvPr id="45" name="PlaceHolder 5"/>
+            <a:endParaRPr b="0" lang="en-US" sz="3200" spc="-1" strike="noStrike">
+              <a:solidFill>
+                <a:srgbClr val="000000"/>
+              </a:solidFill>
+              <a:latin typeface="Arial"/>
+            </a:endParaRPr>
+          </a:p>
+        </p:txBody>
+      </p:sp>
+      <p:sp>
+        <p:nvSpPr>
+          <p:cNvPr id="43" name="PlaceHolder 5"/>
           <p:cNvSpPr>
             <a:spLocks noGrp="1"/>
           </p:cNvSpPr>
@@ -690,18 +690,18 @@
               </a:spcBef>
               <a:buNone/>
             </a:pPr>
-            <a:endParaRPr b="0" lang="de-DE" sz="3200" spc="-1" strike="noStrike">
-              <a:solidFill>
-                <a:srgbClr val="000000"/>
-              </a:solidFill>
-              <a:latin typeface="Arial"/>
-            </a:endParaRPr>
-          </a:p>
-        </p:txBody>
-      </p:sp>
-      <p:sp>
-        <p:nvSpPr>
-          <p:cNvPr id="46" name="PlaceHolder 6"/>
+            <a:endParaRPr b="0" lang="en-US" sz="3200" spc="-1" strike="noStrike">
+              <a:solidFill>
+                <a:srgbClr val="000000"/>
+              </a:solidFill>
+              <a:latin typeface="Arial"/>
+            </a:endParaRPr>
+          </a:p>
+        </p:txBody>
+      </p:sp>
+      <p:sp>
+        <p:nvSpPr>
+          <p:cNvPr id="44" name="PlaceHolder 6"/>
           <p:cNvSpPr>
             <a:spLocks noGrp="1"/>
           </p:cNvSpPr>
@@ -733,18 +733,18 @@
               </a:spcBef>
               <a:buNone/>
             </a:pPr>
-            <a:endParaRPr b="0" lang="de-DE" sz="3200" spc="-1" strike="noStrike">
-              <a:solidFill>
-                <a:srgbClr val="000000"/>
-              </a:solidFill>
-              <a:latin typeface="Arial"/>
-            </a:endParaRPr>
-          </a:p>
-        </p:txBody>
-      </p:sp>
-      <p:sp>
-        <p:nvSpPr>
-          <p:cNvPr id="47" name="PlaceHolder 7"/>
+            <a:endParaRPr b="0" lang="en-US" sz="3200" spc="-1" strike="noStrike">
+              <a:solidFill>
+                <a:srgbClr val="000000"/>
+              </a:solidFill>
+              <a:latin typeface="Arial"/>
+            </a:endParaRPr>
+          </a:p>
+        </p:txBody>
+      </p:sp>
+      <p:sp>
+        <p:nvSpPr>
+          <p:cNvPr id="45" name="PlaceHolder 7"/>
           <p:cNvSpPr>
             <a:spLocks noGrp="1"/>
           </p:cNvSpPr>
@@ -776,7 +776,7 @@
               </a:spcBef>
               <a:buNone/>
             </a:pPr>
-            <a:endParaRPr b="0" lang="de-DE" sz="3200" spc="-1" strike="noStrike">
+            <a:endParaRPr b="0" lang="en-US" sz="3200" spc="-1" strike="noStrike">
               <a:solidFill>
                 <a:srgbClr val="000000"/>
               </a:solidFill>
@@ -809,7 +809,7 @@
       </p:grpSpPr>
       <p:sp>
         <p:nvSpPr>
-          <p:cNvPr id="12" name="PlaceHolder 1"/>
+          <p:cNvPr id="10" name="PlaceHolder 1"/>
           <p:cNvSpPr>
             <a:spLocks noGrp="1"/>
           </p:cNvSpPr>
@@ -838,18 +838,18 @@
             <a:pPr indent="0" algn="ctr">
               <a:buNone/>
             </a:pPr>
-            <a:endParaRPr b="0" lang="de-DE" sz="4400" spc="-1" strike="noStrike">
-              <a:solidFill>
-                <a:srgbClr val="000000"/>
-              </a:solidFill>
-              <a:latin typeface="Arial"/>
-            </a:endParaRPr>
-          </a:p>
-        </p:txBody>
-      </p:sp>
-      <p:sp>
-        <p:nvSpPr>
-          <p:cNvPr id="13" name="PlaceHolder 2"/>
+            <a:endParaRPr b="0" lang="en-US" sz="4400" spc="-1" strike="noStrike">
+              <a:solidFill>
+                <a:srgbClr val="000000"/>
+              </a:solidFill>
+              <a:latin typeface="Arial"/>
+            </a:endParaRPr>
+          </a:p>
+        </p:txBody>
+      </p:sp>
+      <p:sp>
+        <p:nvSpPr>
+          <p:cNvPr id="11" name="PlaceHolder 2"/>
           <p:cNvSpPr>
             <a:spLocks noGrp="1"/>
           </p:cNvSpPr>
@@ -878,7 +878,7 @@
             <a:pPr indent="0" algn="ctr">
               <a:buNone/>
             </a:pPr>
-            <a:endParaRPr b="0" lang="de-DE" sz="3200" spc="-1" strike="noStrike">
+            <a:endParaRPr b="0" lang="en-US" sz="3200" spc="-1" strike="noStrike">
               <a:solidFill>
                 <a:srgbClr val="000000"/>
               </a:solidFill>
@@ -911,7 +911,7 @@
       </p:grpSpPr>
       <p:sp>
         <p:nvSpPr>
-          <p:cNvPr id="14" name="PlaceHolder 1"/>
+          <p:cNvPr id="12" name="PlaceHolder 1"/>
           <p:cNvSpPr>
             <a:spLocks noGrp="1"/>
           </p:cNvSpPr>
@@ -940,18 +940,18 @@
             <a:pPr indent="0" algn="ctr">
               <a:buNone/>
             </a:pPr>
-            <a:endParaRPr b="0" lang="de-DE" sz="4400" spc="-1" strike="noStrike">
-              <a:solidFill>
-                <a:srgbClr val="000000"/>
-              </a:solidFill>
-              <a:latin typeface="Arial"/>
-            </a:endParaRPr>
-          </a:p>
-        </p:txBody>
-      </p:sp>
-      <p:sp>
-        <p:nvSpPr>
-          <p:cNvPr id="15" name="PlaceHolder 2"/>
+            <a:endParaRPr b="0" lang="en-US" sz="4400" spc="-1" strike="noStrike">
+              <a:solidFill>
+                <a:srgbClr val="000000"/>
+              </a:solidFill>
+              <a:latin typeface="Arial"/>
+            </a:endParaRPr>
+          </a:p>
+        </p:txBody>
+      </p:sp>
+      <p:sp>
+        <p:nvSpPr>
+          <p:cNvPr id="13" name="PlaceHolder 2"/>
           <p:cNvSpPr>
             <a:spLocks noGrp="1"/>
           </p:cNvSpPr>
@@ -983,7 +983,7 @@
               </a:spcBef>
               <a:buNone/>
             </a:pPr>
-            <a:endParaRPr b="0" lang="de-DE" sz="3200" spc="-1" strike="noStrike">
+            <a:endParaRPr b="0" lang="en-US" sz="3200" spc="-1" strike="noStrike">
               <a:solidFill>
                 <a:srgbClr val="000000"/>
               </a:solidFill>
@@ -1016,7 +1016,7 @@
       </p:grpSpPr>
       <p:sp>
         <p:nvSpPr>
-          <p:cNvPr id="16" name="PlaceHolder 1"/>
+          <p:cNvPr id="14" name="PlaceHolder 1"/>
           <p:cNvSpPr>
             <a:spLocks noGrp="1"/>
           </p:cNvSpPr>
@@ -1045,18 +1045,18 @@
             <a:pPr indent="0" algn="ctr">
               <a:buNone/>
             </a:pPr>
-            <a:endParaRPr b="0" lang="de-DE" sz="4400" spc="-1" strike="noStrike">
-              <a:solidFill>
-                <a:srgbClr val="000000"/>
-              </a:solidFill>
-              <a:latin typeface="Arial"/>
-            </a:endParaRPr>
-          </a:p>
-        </p:txBody>
-      </p:sp>
-      <p:sp>
-        <p:nvSpPr>
-          <p:cNvPr id="17" name="PlaceHolder 2"/>
+            <a:endParaRPr b="0" lang="en-US" sz="4400" spc="-1" strike="noStrike">
+              <a:solidFill>
+                <a:srgbClr val="000000"/>
+              </a:solidFill>
+              <a:latin typeface="Arial"/>
+            </a:endParaRPr>
+          </a:p>
+        </p:txBody>
+      </p:sp>
+      <p:sp>
+        <p:nvSpPr>
+          <p:cNvPr id="15" name="PlaceHolder 2"/>
           <p:cNvSpPr>
             <a:spLocks noGrp="1"/>
           </p:cNvSpPr>
@@ -1088,18 +1088,18 @@
               </a:spcBef>
               <a:buNone/>
             </a:pPr>
-            <a:endParaRPr b="0" lang="de-DE" sz="3200" spc="-1" strike="noStrike">
-              <a:solidFill>
-                <a:srgbClr val="000000"/>
-              </a:solidFill>
-              <a:latin typeface="Arial"/>
-            </a:endParaRPr>
-          </a:p>
-        </p:txBody>
-      </p:sp>
-      <p:sp>
-        <p:nvSpPr>
-          <p:cNvPr id="18" name="PlaceHolder 3"/>
+            <a:endParaRPr b="0" lang="en-US" sz="3200" spc="-1" strike="noStrike">
+              <a:solidFill>
+                <a:srgbClr val="000000"/>
+              </a:solidFill>
+              <a:latin typeface="Arial"/>
+            </a:endParaRPr>
+          </a:p>
+        </p:txBody>
+      </p:sp>
+      <p:sp>
+        <p:nvSpPr>
+          <p:cNvPr id="16" name="PlaceHolder 3"/>
           <p:cNvSpPr>
             <a:spLocks noGrp="1"/>
           </p:cNvSpPr>
@@ -1131,7 +1131,7 @@
               </a:spcBef>
               <a:buNone/>
             </a:pPr>
-            <a:endParaRPr b="0" lang="de-DE" sz="3200" spc="-1" strike="noStrike">
+            <a:endParaRPr b="0" lang="en-US" sz="3200" spc="-1" strike="noStrike">
               <a:solidFill>
                 <a:srgbClr val="000000"/>
               </a:solidFill>
@@ -1164,7 +1164,7 @@
       </p:grpSpPr>
       <p:sp>
         <p:nvSpPr>
-          <p:cNvPr id="19" name="PlaceHolder 1"/>
+          <p:cNvPr id="17" name="PlaceHolder 1"/>
           <p:cNvSpPr>
             <a:spLocks noGrp="1"/>
           </p:cNvSpPr>
@@ -1193,7 +1193,7 @@
             <a:pPr indent="0" algn="ctr">
               <a:buNone/>
             </a:pPr>
-            <a:endParaRPr b="0" lang="de-DE" sz="4400" spc="-1" strike="noStrike">
+            <a:endParaRPr b="0" lang="en-US" sz="4400" spc="-1" strike="noStrike">
               <a:solidFill>
                 <a:srgbClr val="000000"/>
               </a:solidFill>
@@ -1226,7 +1226,7 @@
       </p:grpSpPr>
       <p:sp>
         <p:nvSpPr>
-          <p:cNvPr id="20" name="PlaceHolder 1"/>
+          <p:cNvPr id="18" name="PlaceHolder 1"/>
           <p:cNvSpPr>
             <a:spLocks noGrp="1"/>
           </p:cNvSpPr>
@@ -1253,7 +1253,7 @@
           </a:bodyPr>
           <a:p>
             <a:pPr algn="ctr"/>
-            <a:endParaRPr b="0" lang="de-DE" sz="3200" spc="-1" strike="noStrike">
+            <a:endParaRPr b="0" lang="en-US" sz="3200" spc="-1" strike="noStrike">
               <a:solidFill>
                 <a:srgbClr val="000000"/>
               </a:solidFill>
@@ -1286,7 +1286,7 @@
       </p:grpSpPr>
       <p:sp>
         <p:nvSpPr>
-          <p:cNvPr id="21" name="PlaceHolder 1"/>
+          <p:cNvPr id="19" name="PlaceHolder 1"/>
           <p:cNvSpPr>
             <a:spLocks noGrp="1"/>
           </p:cNvSpPr>
@@ -1315,18 +1315,18 @@
             <a:pPr indent="0" algn="ctr">
               <a:buNone/>
             </a:pPr>
-            <a:endParaRPr b="0" lang="de-DE" sz="4400" spc="-1" strike="noStrike">
-              <a:solidFill>
-                <a:srgbClr val="000000"/>
-              </a:solidFill>
-              <a:latin typeface="Arial"/>
-            </a:endParaRPr>
-          </a:p>
-        </p:txBody>
-      </p:sp>
-      <p:sp>
-        <p:nvSpPr>
-          <p:cNvPr id="22" name="PlaceHolder 2"/>
+            <a:endParaRPr b="0" lang="en-US" sz="4400" spc="-1" strike="noStrike">
+              <a:solidFill>
+                <a:srgbClr val="000000"/>
+              </a:solidFill>
+              <a:latin typeface="Arial"/>
+            </a:endParaRPr>
+          </a:p>
+        </p:txBody>
+      </p:sp>
+      <p:sp>
+        <p:nvSpPr>
+          <p:cNvPr id="20" name="PlaceHolder 2"/>
           <p:cNvSpPr>
             <a:spLocks noGrp="1"/>
           </p:cNvSpPr>
@@ -1358,18 +1358,18 @@
               </a:spcBef>
               <a:buNone/>
             </a:pPr>
-            <a:endParaRPr b="0" lang="de-DE" sz="3200" spc="-1" strike="noStrike">
-              <a:solidFill>
-                <a:srgbClr val="000000"/>
-              </a:solidFill>
-              <a:latin typeface="Arial"/>
-            </a:endParaRPr>
-          </a:p>
-        </p:txBody>
-      </p:sp>
-      <p:sp>
-        <p:nvSpPr>
-          <p:cNvPr id="23" name="PlaceHolder 3"/>
+            <a:endParaRPr b="0" lang="en-US" sz="3200" spc="-1" strike="noStrike">
+              <a:solidFill>
+                <a:srgbClr val="000000"/>
+              </a:solidFill>
+              <a:latin typeface="Arial"/>
+            </a:endParaRPr>
+          </a:p>
+        </p:txBody>
+      </p:sp>
+      <p:sp>
+        <p:nvSpPr>
+          <p:cNvPr id="21" name="PlaceHolder 3"/>
           <p:cNvSpPr>
             <a:spLocks noGrp="1"/>
           </p:cNvSpPr>
@@ -1401,18 +1401,18 @@
               </a:spcBef>
               <a:buNone/>
             </a:pPr>
-            <a:endParaRPr b="0" lang="de-DE" sz="3200" spc="-1" strike="noStrike">
-              <a:solidFill>
-                <a:srgbClr val="000000"/>
-              </a:solidFill>
-              <a:latin typeface="Arial"/>
-            </a:endParaRPr>
-          </a:p>
-        </p:txBody>
-      </p:sp>
-      <p:sp>
-        <p:nvSpPr>
-          <p:cNvPr id="24" name="PlaceHolder 4"/>
+            <a:endParaRPr b="0" lang="en-US" sz="3200" spc="-1" strike="noStrike">
+              <a:solidFill>
+                <a:srgbClr val="000000"/>
+              </a:solidFill>
+              <a:latin typeface="Arial"/>
+            </a:endParaRPr>
+          </a:p>
+        </p:txBody>
+      </p:sp>
+      <p:sp>
+        <p:nvSpPr>
+          <p:cNvPr id="22" name="PlaceHolder 4"/>
           <p:cNvSpPr>
             <a:spLocks noGrp="1"/>
           </p:cNvSpPr>
@@ -1444,7 +1444,7 @@
               </a:spcBef>
               <a:buNone/>
             </a:pPr>
-            <a:endParaRPr b="0" lang="de-DE" sz="3200" spc="-1" strike="noStrike">
+            <a:endParaRPr b="0" lang="en-US" sz="3200" spc="-1" strike="noStrike">
               <a:solidFill>
                 <a:srgbClr val="000000"/>
               </a:solidFill>
@@ -1477,7 +1477,7 @@
       </p:grpSpPr>
       <p:sp>
         <p:nvSpPr>
-          <p:cNvPr id="25" name="PlaceHolder 1"/>
+          <p:cNvPr id="23" name="PlaceHolder 1"/>
           <p:cNvSpPr>
             <a:spLocks noGrp="1"/>
           </p:cNvSpPr>
@@ -1506,18 +1506,18 @@
             <a:pPr indent="0" algn="ctr">
               <a:buNone/>
             </a:pPr>
-            <a:endParaRPr b="0" lang="de-DE" sz="4400" spc="-1" strike="noStrike">
-              <a:solidFill>
-                <a:srgbClr val="000000"/>
-              </a:solidFill>
-              <a:latin typeface="Arial"/>
-            </a:endParaRPr>
-          </a:p>
-        </p:txBody>
-      </p:sp>
-      <p:sp>
-        <p:nvSpPr>
-          <p:cNvPr id="26" name="PlaceHolder 2"/>
+            <a:endParaRPr b="0" lang="en-US" sz="4400" spc="-1" strike="noStrike">
+              <a:solidFill>
+                <a:srgbClr val="000000"/>
+              </a:solidFill>
+              <a:latin typeface="Arial"/>
+            </a:endParaRPr>
+          </a:p>
+        </p:txBody>
+      </p:sp>
+      <p:sp>
+        <p:nvSpPr>
+          <p:cNvPr id="24" name="PlaceHolder 2"/>
           <p:cNvSpPr>
             <a:spLocks noGrp="1"/>
           </p:cNvSpPr>
@@ -1549,18 +1549,18 @@
               </a:spcBef>
               <a:buNone/>
             </a:pPr>
-            <a:endParaRPr b="0" lang="de-DE" sz="3200" spc="-1" strike="noStrike">
-              <a:solidFill>
-                <a:srgbClr val="000000"/>
-              </a:solidFill>
-              <a:latin typeface="Arial"/>
-            </a:endParaRPr>
-          </a:p>
-        </p:txBody>
-      </p:sp>
-      <p:sp>
-        <p:nvSpPr>
-          <p:cNvPr id="27" name="PlaceHolder 3"/>
+            <a:endParaRPr b="0" lang="en-US" sz="3200" spc="-1" strike="noStrike">
+              <a:solidFill>
+                <a:srgbClr val="000000"/>
+              </a:solidFill>
+              <a:latin typeface="Arial"/>
+            </a:endParaRPr>
+          </a:p>
+        </p:txBody>
+      </p:sp>
+      <p:sp>
+        <p:nvSpPr>
+          <p:cNvPr id="25" name="PlaceHolder 3"/>
           <p:cNvSpPr>
             <a:spLocks noGrp="1"/>
           </p:cNvSpPr>
@@ -1592,18 +1592,18 @@
               </a:spcBef>
               <a:buNone/>
             </a:pPr>
-            <a:endParaRPr b="0" lang="de-DE" sz="3200" spc="-1" strike="noStrike">
-              <a:solidFill>
-                <a:srgbClr val="000000"/>
-              </a:solidFill>
-              <a:latin typeface="Arial"/>
-            </a:endParaRPr>
-          </a:p>
-        </p:txBody>
-      </p:sp>
-      <p:sp>
-        <p:nvSpPr>
-          <p:cNvPr id="28" name="PlaceHolder 4"/>
+            <a:endParaRPr b="0" lang="en-US" sz="3200" spc="-1" strike="noStrike">
+              <a:solidFill>
+                <a:srgbClr val="000000"/>
+              </a:solidFill>
+              <a:latin typeface="Arial"/>
+            </a:endParaRPr>
+          </a:p>
+        </p:txBody>
+      </p:sp>
+      <p:sp>
+        <p:nvSpPr>
+          <p:cNvPr id="26" name="PlaceHolder 4"/>
           <p:cNvSpPr>
             <a:spLocks noGrp="1"/>
           </p:cNvSpPr>
@@ -1635,7 +1635,7 @@
               </a:spcBef>
               <a:buNone/>
             </a:pPr>
-            <a:endParaRPr b="0" lang="de-DE" sz="3200" spc="-1" strike="noStrike">
+            <a:endParaRPr b="0" lang="en-US" sz="3200" spc="-1" strike="noStrike">
               <a:solidFill>
                 <a:srgbClr val="000000"/>
               </a:solidFill>
@@ -1668,7 +1668,7 @@
       </p:grpSpPr>
       <p:sp>
         <p:nvSpPr>
-          <p:cNvPr id="29" name="PlaceHolder 1"/>
+          <p:cNvPr id="27" name="PlaceHolder 1"/>
           <p:cNvSpPr>
             <a:spLocks noGrp="1"/>
           </p:cNvSpPr>
@@ -1697,18 +1697,18 @@
             <a:pPr indent="0" algn="ctr">
               <a:buNone/>
             </a:pPr>
-            <a:endParaRPr b="0" lang="de-DE" sz="4400" spc="-1" strike="noStrike">
-              <a:solidFill>
-                <a:srgbClr val="000000"/>
-              </a:solidFill>
-              <a:latin typeface="Arial"/>
-            </a:endParaRPr>
-          </a:p>
-        </p:txBody>
-      </p:sp>
-      <p:sp>
-        <p:nvSpPr>
-          <p:cNvPr id="30" name="PlaceHolder 2"/>
+            <a:endParaRPr b="0" lang="en-US" sz="4400" spc="-1" strike="noStrike">
+              <a:solidFill>
+                <a:srgbClr val="000000"/>
+              </a:solidFill>
+              <a:latin typeface="Arial"/>
+            </a:endParaRPr>
+          </a:p>
+        </p:txBody>
+      </p:sp>
+      <p:sp>
+        <p:nvSpPr>
+          <p:cNvPr id="28" name="PlaceHolder 2"/>
           <p:cNvSpPr>
             <a:spLocks noGrp="1"/>
           </p:cNvSpPr>
@@ -1740,18 +1740,18 @@
               </a:spcBef>
               <a:buNone/>
             </a:pPr>
-            <a:endParaRPr b="0" lang="de-DE" sz="3200" spc="-1" strike="noStrike">
-              <a:solidFill>
-                <a:srgbClr val="000000"/>
-              </a:solidFill>
-              <a:latin typeface="Arial"/>
-            </a:endParaRPr>
-          </a:p>
-        </p:txBody>
-      </p:sp>
-      <p:sp>
-        <p:nvSpPr>
-          <p:cNvPr id="31" name="PlaceHolder 3"/>
+            <a:endParaRPr b="0" lang="en-US" sz="3200" spc="-1" strike="noStrike">
+              <a:solidFill>
+                <a:srgbClr val="000000"/>
+              </a:solidFill>
+              <a:latin typeface="Arial"/>
+            </a:endParaRPr>
+          </a:p>
+        </p:txBody>
+      </p:sp>
+      <p:sp>
+        <p:nvSpPr>
+          <p:cNvPr id="29" name="PlaceHolder 3"/>
           <p:cNvSpPr>
             <a:spLocks noGrp="1"/>
           </p:cNvSpPr>
@@ -1783,18 +1783,18 @@
               </a:spcBef>
               <a:buNone/>
             </a:pPr>
-            <a:endParaRPr b="0" lang="de-DE" sz="3200" spc="-1" strike="noStrike">
-              <a:solidFill>
-                <a:srgbClr val="000000"/>
-              </a:solidFill>
-              <a:latin typeface="Arial"/>
-            </a:endParaRPr>
-          </a:p>
-        </p:txBody>
-      </p:sp>
-      <p:sp>
-        <p:nvSpPr>
-          <p:cNvPr id="32" name="PlaceHolder 4"/>
+            <a:endParaRPr b="0" lang="en-US" sz="3200" spc="-1" strike="noStrike">
+              <a:solidFill>
+                <a:srgbClr val="000000"/>
+              </a:solidFill>
+              <a:latin typeface="Arial"/>
+            </a:endParaRPr>
+          </a:p>
+        </p:txBody>
+      </p:sp>
+      <p:sp>
+        <p:nvSpPr>
+          <p:cNvPr id="30" name="PlaceHolder 4"/>
           <p:cNvSpPr>
             <a:spLocks noGrp="1"/>
           </p:cNvSpPr>
@@ -1826,7 +1826,7 @@
               </a:spcBef>
               <a:buNone/>
             </a:pPr>
-            <a:endParaRPr b="0" lang="de-DE" sz="3200" spc="-1" strike="noStrike">
+            <a:endParaRPr b="0" lang="en-US" sz="3200" spc="-1" strike="noStrike">
               <a:solidFill>
                 <a:srgbClr val="000000"/>
               </a:solidFill>
@@ -1873,7 +1873,7 @@
         <p:spPr>
           <a:xfrm>
             <a:off x="11444760" y="0"/>
-            <a:ext cx="728640" cy="6837480"/>
+            <a:ext cx="728280" cy="6837120"/>
           </a:xfrm>
           <a:prstGeom prst="rect">
             <a:avLst/>
@@ -1922,7 +1922,7 @@
         <p:spPr>
           <a:xfrm>
             <a:off x="11438640" y="6453360"/>
-            <a:ext cx="745560" cy="363960"/>
+            <a:ext cx="745200" cy="363960"/>
           </a:xfrm>
           <a:prstGeom prst="rect">
             <a:avLst/>
@@ -1948,7 +1948,7 @@
                 <a:spcPct val="100000"/>
               </a:lnSpc>
             </a:pPr>
-            <a:fld id="{D0F5F68F-E356-4EDF-9E4D-226F12C0660C}" type="slidenum">
+            <a:fld id="{6969F95A-ED21-4758-81B6-B54A91E58C6A}" type="slidenum">
               <a:rPr b="0" lang="en-US" sz="1800" spc="-1" strike="noStrike">
                 <a:solidFill>
                   <a:srgbClr val="808080"/>
@@ -1956,9 +1956,9 @@
                 <a:latin typeface="Arial"/>
                 <a:ea typeface="DejaVu Sans"/>
               </a:rPr>
-              <a:t>53</a:t>
+              <a:t>&lt;number&gt;</a:t>
             </a:fld>
-            <a:endParaRPr b="0" lang="de-DE" sz="1800" spc="-1" strike="noStrike">
+            <a:endParaRPr b="0" lang="en-US" sz="1800" spc="-1" strike="noStrike">
               <a:solidFill>
                 <a:srgbClr val="000000"/>
               </a:solidFill>
@@ -1976,7 +1976,7 @@
         <p:spPr>
           <a:xfrm>
             <a:off x="912240" y="1268280"/>
-            <a:ext cx="9195480" cy="348840"/>
+            <a:ext cx="9195120" cy="348480"/>
           </a:xfrm>
           <a:prstGeom prst="rect">
             <a:avLst/>
@@ -2025,7 +2025,7 @@
         <p:spPr>
           <a:xfrm>
             <a:off x="0" y="0"/>
-            <a:ext cx="3039480" cy="549360"/>
+            <a:ext cx="3039120" cy="549000"/>
           </a:xfrm>
           <a:prstGeom prst="rect">
             <a:avLst/>
@@ -2048,7 +2048,7 @@
         <p:spPr>
           <a:xfrm>
             <a:off x="7430400" y="134640"/>
-            <a:ext cx="3685320" cy="501480"/>
+            <a:ext cx="3684960" cy="501120"/>
           </a:xfrm>
           <a:prstGeom prst="rect">
             <a:avLst/>
@@ -2067,7 +2067,7 @@
         <p:spPr>
           <a:xfrm>
             <a:off x="912240" y="1268280"/>
-            <a:ext cx="9195480" cy="348840"/>
+            <a:ext cx="9195120" cy="348480"/>
           </a:xfrm>
           <a:prstGeom prst="rect">
             <a:avLst/>
@@ -2112,7 +2112,7 @@
         <p:spPr>
           <a:xfrm>
             <a:off x="11444760" y="0"/>
-            <a:ext cx="728640" cy="6837480"/>
+            <a:ext cx="728280" cy="6837120"/>
           </a:xfrm>
           <a:prstGeom prst="rect">
             <a:avLst/>
@@ -2161,7 +2161,7 @@
         <p:spPr>
           <a:xfrm>
             <a:off x="0" y="6642720"/>
-            <a:ext cx="12171600" cy="211320"/>
+            <a:ext cx="12171240" cy="211320"/>
           </a:xfrm>
           <a:prstGeom prst="rect">
             <a:avLst/>
@@ -2197,7 +2197,7 @@
               </a:rPr>
               <a:t>The Limits to Growth – TU Clausthal</a:t>
             </a:r>
-            <a:endParaRPr b="0" lang="de-DE" sz="800" spc="-1" strike="noStrike">
+            <a:endParaRPr b="0" lang="en-US" sz="800" spc="-1" strike="noStrike">
               <a:solidFill>
                 <a:srgbClr val="000000"/>
               </a:solidFill>
@@ -2219,7 +2219,7 @@
         <p:spPr>
           <a:xfrm>
             <a:off x="609480" y="273600"/>
-            <a:ext cx="10972080" cy="1144440"/>
+            <a:ext cx="10972440" cy="1144800"/>
           </a:xfrm>
           <a:prstGeom prst="rect">
             <a:avLst/>
@@ -2234,11 +2234,11 @@
             <a:noAutofit/>
           </a:bodyPr>
           <a:p>
-            <a:pPr indent="0">
+            <a:pPr indent="0" algn="ctr">
               <a:buNone/>
             </a:pPr>
             <a:r>
-              <a:rPr b="0" lang="de-DE" sz="1800" spc="-1" strike="noStrike">
+              <a:rPr b="0" lang="en-US" sz="4400" spc="-1" strike="noStrike">
                 <a:solidFill>
                   <a:srgbClr val="000000"/>
                 </a:solidFill>
@@ -2246,7 +2246,7 @@
               </a:rPr>
               <a:t>Click to edit the title text format</a:t>
             </a:r>
-            <a:endParaRPr b="0" lang="de-DE" sz="1800" spc="-1" strike="noStrike">
+            <a:endParaRPr b="0" lang="en-US" sz="4400" spc="-1" strike="noStrike">
               <a:solidFill>
                 <a:srgbClr val="000000"/>
               </a:solidFill>
@@ -2268,7 +2268,7 @@
         <p:spPr>
           <a:xfrm>
             <a:off x="609480" y="1604520"/>
-            <a:ext cx="5353920" cy="1896480"/>
+            <a:ext cx="10972440" cy="3977280"/>
           </a:xfrm>
           <a:prstGeom prst="rect">
             <a:avLst/>
@@ -2280,7 +2280,7 @@
         </p:spPr>
         <p:txBody>
           <a:bodyPr lIns="0" rIns="0" tIns="0" bIns="0" anchor="t">
-            <a:normAutofit fontScale="71666"/>
+            <a:normAutofit/>
           </a:bodyPr>
           <a:p>
             <a:pPr marL="432000" indent="-324000">
@@ -2295,7 +2295,7 @@
               <a:buChar char=""/>
             </a:pPr>
             <a:r>
-              <a:rPr b="0" lang="de-DE" sz="1800" spc="-1" strike="noStrike">
+              <a:rPr b="0" lang="en-US" sz="3200" spc="-1" strike="noStrike">
                 <a:solidFill>
                   <a:srgbClr val="000000"/>
                 </a:solidFill>
@@ -2303,7 +2303,7 @@
               </a:rPr>
               <a:t>Click to edit the outline text format</a:t>
             </a:r>
-            <a:endParaRPr b="0" lang="de-DE" sz="1800" spc="-1" strike="noStrike">
+            <a:endParaRPr b="0" lang="en-US" sz="3200" spc="-1" strike="noStrike">
               <a:solidFill>
                 <a:srgbClr val="000000"/>
               </a:solidFill>
@@ -2323,7 +2323,7 @@
               <a:buChar char=""/>
             </a:pPr>
             <a:r>
-              <a:rPr b="0" lang="de-DE" sz="1800" spc="-1" strike="noStrike">
+              <a:rPr b="0" lang="en-US" sz="2800" spc="-1" strike="noStrike">
                 <a:solidFill>
                   <a:srgbClr val="000000"/>
                 </a:solidFill>
@@ -2331,7 +2331,7 @@
               </a:rPr>
               <a:t>Second Outline Level</a:t>
             </a:r>
-            <a:endParaRPr b="0" lang="de-DE" sz="1800" spc="-1" strike="noStrike">
+            <a:endParaRPr b="0" lang="en-US" sz="2800" spc="-1" strike="noStrike">
               <a:solidFill>
                 <a:srgbClr val="000000"/>
               </a:solidFill>
@@ -2351,7 +2351,7 @@
               <a:buChar char=""/>
             </a:pPr>
             <a:r>
-              <a:rPr b="0" lang="de-DE" sz="1800" spc="-1" strike="noStrike">
+              <a:rPr b="0" lang="en-US" sz="2400" spc="-1" strike="noStrike">
                 <a:solidFill>
                   <a:srgbClr val="000000"/>
                 </a:solidFill>
@@ -2359,7 +2359,7 @@
               </a:rPr>
               <a:t>Third Outline Level</a:t>
             </a:r>
-            <a:endParaRPr b="0" lang="de-DE" sz="1800" spc="-1" strike="noStrike">
+            <a:endParaRPr b="0" lang="en-US" sz="2400" spc="-1" strike="noStrike">
               <a:solidFill>
                 <a:srgbClr val="000000"/>
               </a:solidFill>
@@ -2379,7 +2379,7 @@
               <a:buChar char=""/>
             </a:pPr>
             <a:r>
-              <a:rPr b="0" lang="de-DE" sz="1800" spc="-1" strike="noStrike">
+              <a:rPr b="0" lang="en-US" sz="2000" spc="-1" strike="noStrike">
                 <a:solidFill>
                   <a:srgbClr val="000000"/>
                 </a:solidFill>
@@ -2387,7 +2387,7 @@
               </a:rPr>
               <a:t>Fourth Outline Level</a:t>
             </a:r>
-            <a:endParaRPr b="0" lang="de-DE" sz="1800" spc="-1" strike="noStrike">
+            <a:endParaRPr b="0" lang="en-US" sz="2000" spc="-1" strike="noStrike">
               <a:solidFill>
                 <a:srgbClr val="000000"/>
               </a:solidFill>
@@ -2407,7 +2407,7 @@
               <a:buChar char=""/>
             </a:pPr>
             <a:r>
-              <a:rPr b="0" lang="de-DE" sz="1800" spc="-1" strike="noStrike">
+              <a:rPr b="0" lang="en-US" sz="2000" spc="-1" strike="noStrike">
                 <a:solidFill>
                   <a:srgbClr val="000000"/>
                 </a:solidFill>
@@ -2415,7 +2415,7 @@
               </a:rPr>
               <a:t>Fifth Outline Level</a:t>
             </a:r>
-            <a:endParaRPr b="0" lang="de-DE" sz="1800" spc="-1" strike="noStrike">
+            <a:endParaRPr b="0" lang="en-US" sz="2000" spc="-1" strike="noStrike">
               <a:solidFill>
                 <a:srgbClr val="000000"/>
               </a:solidFill>
@@ -2435,7 +2435,7 @@
               <a:buChar char=""/>
             </a:pPr>
             <a:r>
-              <a:rPr b="0" lang="de-DE" sz="1800" spc="-1" strike="noStrike">
+              <a:rPr b="0" lang="en-US" sz="2000" spc="-1" strike="noStrike">
                 <a:solidFill>
                   <a:srgbClr val="000000"/>
                 </a:solidFill>
@@ -2443,7 +2443,7 @@
               </a:rPr>
               <a:t>Sixth Outline Level</a:t>
             </a:r>
-            <a:endParaRPr b="0" lang="de-DE" sz="1800" spc="-1" strike="noStrike">
+            <a:endParaRPr b="0" lang="en-US" sz="2000" spc="-1" strike="noStrike">
               <a:solidFill>
                 <a:srgbClr val="000000"/>
               </a:solidFill>
@@ -2463,7 +2463,7 @@
               <a:buChar char=""/>
             </a:pPr>
             <a:r>
-              <a:rPr b="0" lang="de-DE" sz="1800" spc="-1" strike="noStrike">
+              <a:rPr b="0" lang="en-US" sz="2000" spc="-1" strike="noStrike">
                 <a:solidFill>
                   <a:srgbClr val="000000"/>
                 </a:solidFill>
@@ -2471,457 +2471,7 @@
               </a:rPr>
               <a:t>Seventh Outline Level</a:t>
             </a:r>
-            <a:endParaRPr b="0" lang="de-DE" sz="1800" spc="-1" strike="noStrike">
-              <a:solidFill>
-                <a:srgbClr val="000000"/>
-              </a:solidFill>
-              <a:latin typeface="Arial"/>
-            </a:endParaRPr>
-          </a:p>
-        </p:txBody>
-      </p:sp>
-      <p:sp>
-        <p:nvSpPr>
-          <p:cNvPr id="10" name="PlaceHolder 3"/>
-          <p:cNvSpPr>
-            <a:spLocks noGrp="1"/>
-          </p:cNvSpPr>
-          <p:nvPr>
-            <p:ph type="body"/>
-          </p:nvPr>
-        </p:nvSpPr>
-        <p:spPr>
-          <a:xfrm>
-            <a:off x="6231960" y="1604520"/>
-            <a:ext cx="5353920" cy="3976920"/>
-          </a:xfrm>
-          <a:prstGeom prst="rect">
-            <a:avLst/>
-          </a:prstGeom>
-          <a:noFill/>
-          <a:ln w="0">
-            <a:noFill/>
-          </a:ln>
-        </p:spPr>
-        <p:txBody>
-          <a:bodyPr lIns="0" rIns="0" tIns="0" bIns="0" anchor="t">
-            <a:normAutofit/>
-          </a:bodyPr>
-          <a:p>
-            <a:pPr marL="432000" indent="-324000">
-              <a:spcBef>
-                <a:spcPts val="1417"/>
-              </a:spcBef>
-              <a:buClr>
-                <a:srgbClr val="000000"/>
-              </a:buClr>
-              <a:buSzPct val="45000"/>
-              <a:buFont typeface="Wingdings" charset="2"/>
-              <a:buChar char=""/>
-            </a:pPr>
-            <a:r>
-              <a:rPr b="0" lang="de-DE" sz="1800" spc="-1" strike="noStrike">
-                <a:solidFill>
-                  <a:srgbClr val="000000"/>
-                </a:solidFill>
-                <a:latin typeface="Arial"/>
-              </a:rPr>
-              <a:t>Click to edit the outline text format</a:t>
-            </a:r>
-            <a:endParaRPr b="0" lang="de-DE" sz="1800" spc="-1" strike="noStrike">
-              <a:solidFill>
-                <a:srgbClr val="000000"/>
-              </a:solidFill>
-              <a:latin typeface="Arial"/>
-            </a:endParaRPr>
-          </a:p>
-          <a:p>
-            <a:pPr lvl="1" marL="864000" indent="-324000">
-              <a:spcBef>
-                <a:spcPts val="1134"/>
-              </a:spcBef>
-              <a:buClr>
-                <a:srgbClr val="000000"/>
-              </a:buClr>
-              <a:buSzPct val="75000"/>
-              <a:buFont typeface="Symbol" charset="2"/>
-              <a:buChar char=""/>
-            </a:pPr>
-            <a:r>
-              <a:rPr b="0" lang="de-DE" sz="1800" spc="-1" strike="noStrike">
-                <a:solidFill>
-                  <a:srgbClr val="000000"/>
-                </a:solidFill>
-                <a:latin typeface="Arial"/>
-              </a:rPr>
-              <a:t>Second Outline Level</a:t>
-            </a:r>
-            <a:endParaRPr b="0" lang="de-DE" sz="1800" spc="-1" strike="noStrike">
-              <a:solidFill>
-                <a:srgbClr val="000000"/>
-              </a:solidFill>
-              <a:latin typeface="Arial"/>
-            </a:endParaRPr>
-          </a:p>
-          <a:p>
-            <a:pPr lvl="2" marL="1296000" indent="-288000">
-              <a:spcBef>
-                <a:spcPts val="850"/>
-              </a:spcBef>
-              <a:buClr>
-                <a:srgbClr val="000000"/>
-              </a:buClr>
-              <a:buSzPct val="45000"/>
-              <a:buFont typeface="Wingdings" charset="2"/>
-              <a:buChar char=""/>
-            </a:pPr>
-            <a:r>
-              <a:rPr b="0" lang="de-DE" sz="1800" spc="-1" strike="noStrike">
-                <a:solidFill>
-                  <a:srgbClr val="000000"/>
-                </a:solidFill>
-                <a:latin typeface="Arial"/>
-              </a:rPr>
-              <a:t>Third Outline Level</a:t>
-            </a:r>
-            <a:endParaRPr b="0" lang="de-DE" sz="1800" spc="-1" strike="noStrike">
-              <a:solidFill>
-                <a:srgbClr val="000000"/>
-              </a:solidFill>
-              <a:latin typeface="Arial"/>
-            </a:endParaRPr>
-          </a:p>
-          <a:p>
-            <a:pPr lvl="3" marL="1728000" indent="-216000">
-              <a:spcBef>
-                <a:spcPts val="567"/>
-              </a:spcBef>
-              <a:buClr>
-                <a:srgbClr val="000000"/>
-              </a:buClr>
-              <a:buSzPct val="75000"/>
-              <a:buFont typeface="Symbol" charset="2"/>
-              <a:buChar char=""/>
-            </a:pPr>
-            <a:r>
-              <a:rPr b="0" lang="de-DE" sz="1800" spc="-1" strike="noStrike">
-                <a:solidFill>
-                  <a:srgbClr val="000000"/>
-                </a:solidFill>
-                <a:latin typeface="Arial"/>
-              </a:rPr>
-              <a:t>Fourth Outline Level</a:t>
-            </a:r>
-            <a:endParaRPr b="0" lang="de-DE" sz="1800" spc="-1" strike="noStrike">
-              <a:solidFill>
-                <a:srgbClr val="000000"/>
-              </a:solidFill>
-              <a:latin typeface="Arial"/>
-            </a:endParaRPr>
-          </a:p>
-          <a:p>
-            <a:pPr lvl="4" marL="2160000" indent="-216000">
-              <a:spcBef>
-                <a:spcPts val="283"/>
-              </a:spcBef>
-              <a:buClr>
-                <a:srgbClr val="000000"/>
-              </a:buClr>
-              <a:buSzPct val="45000"/>
-              <a:buFont typeface="Wingdings" charset="2"/>
-              <a:buChar char=""/>
-            </a:pPr>
-            <a:r>
-              <a:rPr b="0" lang="de-DE" sz="1800" spc="-1" strike="noStrike">
-                <a:solidFill>
-                  <a:srgbClr val="000000"/>
-                </a:solidFill>
-                <a:latin typeface="Arial"/>
-              </a:rPr>
-              <a:t>Fifth Outline Level</a:t>
-            </a:r>
-            <a:endParaRPr b="0" lang="de-DE" sz="1800" spc="-1" strike="noStrike">
-              <a:solidFill>
-                <a:srgbClr val="000000"/>
-              </a:solidFill>
-              <a:latin typeface="Arial"/>
-            </a:endParaRPr>
-          </a:p>
-          <a:p>
-            <a:pPr lvl="5" marL="2592000" indent="-216000">
-              <a:spcBef>
-                <a:spcPts val="283"/>
-              </a:spcBef>
-              <a:buClr>
-                <a:srgbClr val="000000"/>
-              </a:buClr>
-              <a:buSzPct val="45000"/>
-              <a:buFont typeface="Wingdings" charset="2"/>
-              <a:buChar char=""/>
-            </a:pPr>
-            <a:r>
-              <a:rPr b="0" lang="de-DE" sz="1800" spc="-1" strike="noStrike">
-                <a:solidFill>
-                  <a:srgbClr val="000000"/>
-                </a:solidFill>
-                <a:latin typeface="Arial"/>
-              </a:rPr>
-              <a:t>Sixth Outline Level</a:t>
-            </a:r>
-            <a:endParaRPr b="0" lang="de-DE" sz="1800" spc="-1" strike="noStrike">
-              <a:solidFill>
-                <a:srgbClr val="000000"/>
-              </a:solidFill>
-              <a:latin typeface="Arial"/>
-            </a:endParaRPr>
-          </a:p>
-          <a:p>
-            <a:pPr lvl="6" marL="3024000" indent="-216000">
-              <a:spcBef>
-                <a:spcPts val="283"/>
-              </a:spcBef>
-              <a:buClr>
-                <a:srgbClr val="000000"/>
-              </a:buClr>
-              <a:buSzPct val="45000"/>
-              <a:buFont typeface="Wingdings" charset="2"/>
-              <a:buChar char=""/>
-            </a:pPr>
-            <a:r>
-              <a:rPr b="0" lang="de-DE" sz="1800" spc="-1" strike="noStrike">
-                <a:solidFill>
-                  <a:srgbClr val="000000"/>
-                </a:solidFill>
-                <a:latin typeface="Arial"/>
-              </a:rPr>
-              <a:t>Seventh Outline Level</a:t>
-            </a:r>
-            <a:endParaRPr b="0" lang="de-DE" sz="1800" spc="-1" strike="noStrike">
-              <a:solidFill>
-                <a:srgbClr val="000000"/>
-              </a:solidFill>
-              <a:latin typeface="Arial"/>
-            </a:endParaRPr>
-          </a:p>
-        </p:txBody>
-      </p:sp>
-      <p:sp>
-        <p:nvSpPr>
-          <p:cNvPr id="11" name="PlaceHolder 4"/>
-          <p:cNvSpPr>
-            <a:spLocks noGrp="1"/>
-          </p:cNvSpPr>
-          <p:nvPr>
-            <p:ph type="body"/>
-          </p:nvPr>
-        </p:nvSpPr>
-        <p:spPr>
-          <a:xfrm>
-            <a:off x="609480" y="3682080"/>
-            <a:ext cx="5353920" cy="1896480"/>
-          </a:xfrm>
-          <a:prstGeom prst="rect">
-            <a:avLst/>
-          </a:prstGeom>
-          <a:noFill/>
-          <a:ln w="0">
-            <a:noFill/>
-          </a:ln>
-        </p:spPr>
-        <p:txBody>
-          <a:bodyPr lIns="0" rIns="0" tIns="0" bIns="0" anchor="t">
-            <a:normAutofit fontScale="71666"/>
-          </a:bodyPr>
-          <a:p>
-            <a:pPr marL="432000" indent="-324000">
-              <a:spcBef>
-                <a:spcPts val="1417"/>
-              </a:spcBef>
-              <a:buClr>
-                <a:srgbClr val="000000"/>
-              </a:buClr>
-              <a:buSzPct val="45000"/>
-              <a:buFont typeface="Wingdings" charset="2"/>
-              <a:buChar char=""/>
-            </a:pPr>
-            <a:r>
-              <a:rPr b="0" lang="de-DE" sz="1800" spc="-1" strike="noStrike">
-                <a:solidFill>
-                  <a:srgbClr val="000000"/>
-                </a:solidFill>
-                <a:latin typeface="Arial"/>
-              </a:rPr>
-              <a:t>Click to edit the outline text format</a:t>
-            </a:r>
-            <a:endParaRPr b="0" lang="de-DE" sz="1800" spc="-1" strike="noStrike">
-              <a:solidFill>
-                <a:srgbClr val="000000"/>
-              </a:solidFill>
-              <a:latin typeface="Arial"/>
-            </a:endParaRPr>
-          </a:p>
-          <a:p>
-            <a:pPr lvl="1" marL="864000" indent="-324000">
-              <a:spcBef>
-                <a:spcPts val="1134"/>
-              </a:spcBef>
-              <a:buClr>
-                <a:srgbClr val="000000"/>
-              </a:buClr>
-              <a:buSzPct val="75000"/>
-              <a:buFont typeface="Symbol" charset="2"/>
-              <a:buChar char=""/>
-            </a:pPr>
-            <a:r>
-              <a:rPr b="0" lang="de-DE" sz="1800" spc="-1" strike="noStrike">
-                <a:solidFill>
-                  <a:srgbClr val="000000"/>
-                </a:solidFill>
-                <a:latin typeface="Arial"/>
-              </a:rPr>
-              <a:t>Second Outline Level</a:t>
-            </a:r>
-            <a:endParaRPr b="0" lang="de-DE" sz="1800" spc="-1" strike="noStrike">
-              <a:solidFill>
-                <a:srgbClr val="000000"/>
-              </a:solidFill>
-              <a:latin typeface="Arial"/>
-            </a:endParaRPr>
-          </a:p>
-          <a:p>
-            <a:pPr lvl="2" marL="1296000" indent="-288000">
-              <a:spcBef>
-                <a:spcPts val="850"/>
-              </a:spcBef>
-              <a:buClr>
-                <a:srgbClr val="000000"/>
-              </a:buClr>
-              <a:buSzPct val="45000"/>
-              <a:buFont typeface="Wingdings" charset="2"/>
-              <a:buChar char=""/>
-            </a:pPr>
-            <a:r>
-              <a:rPr b="0" lang="de-DE" sz="1800" spc="-1" strike="noStrike">
-                <a:solidFill>
-                  <a:srgbClr val="000000"/>
-                </a:solidFill>
-                <a:latin typeface="Arial"/>
-              </a:rPr>
-              <a:t>Third Outline Level</a:t>
-            </a:r>
-            <a:endParaRPr b="0" lang="de-DE" sz="1800" spc="-1" strike="noStrike">
-              <a:solidFill>
-                <a:srgbClr val="000000"/>
-              </a:solidFill>
-              <a:latin typeface="Arial"/>
-            </a:endParaRPr>
-          </a:p>
-          <a:p>
-            <a:pPr lvl="3" marL="1728000" indent="-216000">
-              <a:spcBef>
-                <a:spcPts val="567"/>
-              </a:spcBef>
-              <a:buClr>
-                <a:srgbClr val="000000"/>
-              </a:buClr>
-              <a:buSzPct val="75000"/>
-              <a:buFont typeface="Symbol" charset="2"/>
-              <a:buChar char=""/>
-            </a:pPr>
-            <a:r>
-              <a:rPr b="0" lang="de-DE" sz="1800" spc="-1" strike="noStrike">
-                <a:solidFill>
-                  <a:srgbClr val="000000"/>
-                </a:solidFill>
-                <a:latin typeface="Arial"/>
-              </a:rPr>
-              <a:t>Fourth Outline Level</a:t>
-            </a:r>
-            <a:endParaRPr b="0" lang="de-DE" sz="1800" spc="-1" strike="noStrike">
-              <a:solidFill>
-                <a:srgbClr val="000000"/>
-              </a:solidFill>
-              <a:latin typeface="Arial"/>
-            </a:endParaRPr>
-          </a:p>
-          <a:p>
-            <a:pPr lvl="4" marL="2160000" indent="-216000">
-              <a:spcBef>
-                <a:spcPts val="283"/>
-              </a:spcBef>
-              <a:buClr>
-                <a:srgbClr val="000000"/>
-              </a:buClr>
-              <a:buSzPct val="45000"/>
-              <a:buFont typeface="Wingdings" charset="2"/>
-              <a:buChar char=""/>
-            </a:pPr>
-            <a:r>
-              <a:rPr b="0" lang="de-DE" sz="1800" spc="-1" strike="noStrike">
-                <a:solidFill>
-                  <a:srgbClr val="000000"/>
-                </a:solidFill>
-                <a:latin typeface="Arial"/>
-              </a:rPr>
-              <a:t>Fifth Outline Level</a:t>
-            </a:r>
-            <a:endParaRPr b="0" lang="de-DE" sz="1800" spc="-1" strike="noStrike">
-              <a:solidFill>
-                <a:srgbClr val="000000"/>
-              </a:solidFill>
-              <a:latin typeface="Arial"/>
-            </a:endParaRPr>
-          </a:p>
-          <a:p>
-            <a:pPr lvl="5" marL="2592000" indent="-216000">
-              <a:spcBef>
-                <a:spcPts val="283"/>
-              </a:spcBef>
-              <a:buClr>
-                <a:srgbClr val="000000"/>
-              </a:buClr>
-              <a:buSzPct val="45000"/>
-              <a:buFont typeface="Wingdings" charset="2"/>
-              <a:buChar char=""/>
-            </a:pPr>
-            <a:r>
-              <a:rPr b="0" lang="de-DE" sz="1800" spc="-1" strike="noStrike">
-                <a:solidFill>
-                  <a:srgbClr val="000000"/>
-                </a:solidFill>
-                <a:latin typeface="Arial"/>
-              </a:rPr>
-              <a:t>Sixth Outline Level</a:t>
-            </a:r>
-            <a:endParaRPr b="0" lang="de-DE" sz="1800" spc="-1" strike="noStrike">
-              <a:solidFill>
-                <a:srgbClr val="000000"/>
-              </a:solidFill>
-              <a:latin typeface="Arial"/>
-            </a:endParaRPr>
-          </a:p>
-          <a:p>
-            <a:pPr lvl="6" marL="3024000" indent="-216000">
-              <a:spcBef>
-                <a:spcPts val="283"/>
-              </a:spcBef>
-              <a:buClr>
-                <a:srgbClr val="000000"/>
-              </a:buClr>
-              <a:buSzPct val="45000"/>
-              <a:buFont typeface="Wingdings" charset="2"/>
-              <a:buChar char=""/>
-            </a:pPr>
-            <a:r>
-              <a:rPr b="0" lang="de-DE" sz="1800" spc="-1" strike="noStrike">
-                <a:solidFill>
-                  <a:srgbClr val="000000"/>
-                </a:solidFill>
-                <a:latin typeface="Arial"/>
-              </a:rPr>
-              <a:t>Seventh Outline Level</a:t>
-            </a:r>
-            <a:endParaRPr b="0" lang="de-DE" sz="1800" spc="-1" strike="noStrike">
+            <a:endParaRPr b="0" lang="en-US" sz="2000" spc="-1" strike="noStrike">
               <a:solidFill>
                 <a:srgbClr val="000000"/>
               </a:solidFill>
@@ -2969,14 +2519,14 @@
       </p:grpSpPr>
       <p:sp>
         <p:nvSpPr>
-          <p:cNvPr id="48" name="CustomShape 1"/>
+          <p:cNvPr id="46" name="CustomShape 1"/>
           <p:cNvSpPr/>
           <p:nvPr/>
         </p:nvSpPr>
         <p:spPr>
           <a:xfrm>
             <a:off x="527400" y="1412640"/>
-            <a:ext cx="10348560" cy="1135080"/>
+            <a:ext cx="10348200" cy="1134720"/>
           </a:xfrm>
           <a:prstGeom prst="rect">
             <a:avLst/>
@@ -3012,25 +2562,25 @@
               </a:rPr>
               <a:t>The Limits to Growth: Sustainability and the Circular Economy</a:t>
             </a:r>
-            <a:endParaRPr b="0" lang="de-DE" sz="3200" spc="-1" strike="noStrike">
-              <a:solidFill>
-                <a:srgbClr val="000000"/>
-              </a:solidFill>
-              <a:latin typeface="Arial"/>
-            </a:endParaRPr>
-          </a:p>
-        </p:txBody>
-      </p:sp>
-      <p:sp>
-        <p:nvSpPr>
-          <p:cNvPr id="49" name="CustomShape 2"/>
+            <a:endParaRPr b="0" lang="en-US" sz="3200" spc="-1" strike="noStrike">
+              <a:solidFill>
+                <a:srgbClr val="000000"/>
+              </a:solidFill>
+              <a:latin typeface="Arial"/>
+            </a:endParaRPr>
+          </a:p>
+        </p:txBody>
+      </p:sp>
+      <p:sp>
+        <p:nvSpPr>
+          <p:cNvPr id="47" name="CustomShape 2"/>
           <p:cNvSpPr/>
           <p:nvPr/>
         </p:nvSpPr>
         <p:spPr>
           <a:xfrm>
             <a:off x="527400" y="2852640"/>
-            <a:ext cx="10348560" cy="2355840"/>
+            <a:ext cx="10348200" cy="2355480"/>
           </a:xfrm>
           <a:prstGeom prst="rect">
             <a:avLst/>
@@ -3072,7 +2622,7 @@
               </a:rPr>
               <a:t>Lecture 5: Limits to Growth and Planetary Boundaries</a:t>
             </a:r>
-            <a:endParaRPr b="0" lang="de-DE" sz="2400" spc="-1" strike="noStrike">
+            <a:endParaRPr b="0" lang="en-US" sz="2400" spc="-1" strike="noStrike">
               <a:solidFill>
                 <a:srgbClr val="000000"/>
               </a:solidFill>
@@ -3091,7 +2641,7 @@
                 <a:tab algn="l" pos="0"/>
               </a:tabLst>
             </a:pPr>
-            <a:endParaRPr b="0" lang="de-DE" sz="2400" spc="-1" strike="noStrike">
+            <a:endParaRPr b="0" lang="en-US" sz="2400" spc="-1" strike="noStrike">
               <a:solidFill>
                 <a:srgbClr val="000000"/>
               </a:solidFill>
@@ -3110,7 +2660,7 @@
                 <a:tab algn="l" pos="0"/>
               </a:tabLst>
             </a:pPr>
-            <a:endParaRPr b="0" lang="de-DE" sz="2400" spc="-1" strike="noStrike">
+            <a:endParaRPr b="0" lang="en-US" sz="2400" spc="-1" strike="noStrike">
               <a:solidFill>
                 <a:srgbClr val="000000"/>
               </a:solidFill>
@@ -3129,7 +2679,7 @@
                 <a:tab algn="l" pos="0"/>
               </a:tabLst>
             </a:pPr>
-            <a:endParaRPr b="0" lang="de-DE" sz="2400" spc="-1" strike="noStrike">
+            <a:endParaRPr b="0" lang="en-US" sz="2400" spc="-1" strike="noStrike">
               <a:solidFill>
                 <a:srgbClr val="000000"/>
               </a:solidFill>
@@ -3158,7 +2708,7 @@
               </a:rPr>
               <a:t>Prof. Dr. Benjamin Leiding</a:t>
             </a:r>
-            <a:endParaRPr b="0" lang="de-DE" sz="1600" spc="-1" strike="noStrike">
+            <a:endParaRPr b="0" lang="en-US" sz="1600" spc="-1" strike="noStrike">
               <a:solidFill>
                 <a:srgbClr val="000000"/>
               </a:solidFill>
@@ -3200,7 +2750,7 @@
               </a:rPr>
               <a:t>M.Sc. Anant Sujatanagarjuna</a:t>
             </a:r>
-            <a:endParaRPr b="0" lang="de-DE" sz="1600" spc="-1" strike="noStrike">
+            <a:endParaRPr b="0" lang="en-US" sz="1600" spc="-1" strike="noStrike">
               <a:solidFill>
                 <a:srgbClr val="000000"/>
               </a:solidFill>
@@ -3241,14 +2791,14 @@
       </p:grpSpPr>
       <p:sp>
         <p:nvSpPr>
-          <p:cNvPr id="73" name="CustomShape 1"/>
+          <p:cNvPr id="71" name="CustomShape 1"/>
           <p:cNvSpPr/>
           <p:nvPr/>
         </p:nvSpPr>
         <p:spPr>
           <a:xfrm>
             <a:off x="335520" y="764640"/>
-            <a:ext cx="10739160" cy="489960"/>
+            <a:ext cx="10738800" cy="489600"/>
           </a:xfrm>
           <a:prstGeom prst="rect">
             <a:avLst/>
@@ -3284,7 +2834,7 @@
               </a:rPr>
               <a:t>Introduction</a:t>
             </a:r>
-            <a:endParaRPr b="0" lang="de-DE" sz="2400" spc="-1" strike="noStrike">
+            <a:endParaRPr b="0" lang="en-US" sz="2400" spc="-1" strike="noStrike">
               <a:solidFill>
                 <a:srgbClr val="000000"/>
               </a:solidFill>
@@ -3297,25 +2847,25 @@
                 <a:spcPct val="100000"/>
               </a:lnSpc>
             </a:pPr>
-            <a:endParaRPr b="0" lang="de-DE" sz="2400" spc="-1" strike="noStrike">
-              <a:solidFill>
-                <a:srgbClr val="000000"/>
-              </a:solidFill>
-              <a:latin typeface="Arial"/>
-            </a:endParaRPr>
-          </a:p>
-        </p:txBody>
-      </p:sp>
-      <p:sp>
-        <p:nvSpPr>
-          <p:cNvPr id="74" name="CustomShape 2"/>
+            <a:endParaRPr b="0" lang="en-US" sz="2400" spc="-1" strike="noStrike">
+              <a:solidFill>
+                <a:srgbClr val="000000"/>
+              </a:solidFill>
+              <a:latin typeface="Arial"/>
+            </a:endParaRPr>
+          </a:p>
+        </p:txBody>
+      </p:sp>
+      <p:sp>
+        <p:nvSpPr>
+          <p:cNvPr id="72" name="CustomShape 2"/>
           <p:cNvSpPr/>
           <p:nvPr/>
         </p:nvSpPr>
         <p:spPr>
           <a:xfrm>
             <a:off x="342360" y="1268640"/>
-            <a:ext cx="10629720" cy="5026680"/>
+            <a:ext cx="10629360" cy="5026320"/>
           </a:xfrm>
           <a:prstGeom prst="rect">
             <a:avLst/>
@@ -3381,7 +2931,7 @@
               </a:rPr>
               <a:t> </a:t>
             </a:r>
-            <a:endParaRPr b="0" lang="de-DE" sz="1800" spc="-1" strike="noStrike">
+            <a:endParaRPr b="0" lang="en-US" sz="1800" spc="-1" strike="noStrike">
               <a:solidFill>
                 <a:srgbClr val="000000"/>
               </a:solidFill>
@@ -3394,7 +2944,7 @@
                 <a:spcPct val="100000"/>
               </a:lnSpc>
             </a:pPr>
-            <a:endParaRPr b="0" lang="de-DE" sz="1800" spc="-1" strike="noStrike">
+            <a:endParaRPr b="0" lang="en-US" sz="1800" spc="-1" strike="noStrike">
               <a:solidFill>
                 <a:srgbClr val="000000"/>
               </a:solidFill>
@@ -3437,25 +2987,25 @@
               </a:rPr>
               <a:t>”</a:t>
             </a:r>
-            <a:endParaRPr b="0" lang="de-DE" sz="1800" spc="-1" strike="noStrike">
-              <a:solidFill>
-                <a:srgbClr val="000000"/>
-              </a:solidFill>
-              <a:latin typeface="Arial"/>
-            </a:endParaRPr>
-          </a:p>
-        </p:txBody>
-      </p:sp>
-      <p:sp>
-        <p:nvSpPr>
-          <p:cNvPr id="75" name="CustomShape 3"/>
+            <a:endParaRPr b="0" lang="en-US" sz="1800" spc="-1" strike="noStrike">
+              <a:solidFill>
+                <a:srgbClr val="000000"/>
+              </a:solidFill>
+              <a:latin typeface="Arial"/>
+            </a:endParaRPr>
+          </a:p>
+        </p:txBody>
+      </p:sp>
+      <p:sp>
+        <p:nvSpPr>
+          <p:cNvPr id="73" name="CustomShape 3"/>
           <p:cNvSpPr/>
           <p:nvPr/>
         </p:nvSpPr>
         <p:spPr>
           <a:xfrm>
             <a:off x="372600" y="2834640"/>
-            <a:ext cx="10599480" cy="1917360"/>
+            <a:ext cx="10599120" cy="1917000"/>
           </a:xfrm>
           <a:prstGeom prst="roundRect">
             <a:avLst>
@@ -3504,14 +3054,14 @@
       </p:sp>
       <p:sp>
         <p:nvSpPr>
-          <p:cNvPr id="76" name="CustomShape 4"/>
+          <p:cNvPr id="74" name="CustomShape 4"/>
           <p:cNvSpPr/>
           <p:nvPr/>
         </p:nvSpPr>
         <p:spPr>
           <a:xfrm>
             <a:off x="263520" y="6492240"/>
-            <a:ext cx="10611360" cy="227160"/>
+            <a:ext cx="10611000" cy="227160"/>
           </a:xfrm>
           <a:prstGeom prst="rect">
             <a:avLst/>
@@ -3547,25 +3097,25 @@
               </a:rPr>
               <a:t>Meadows (1972) – The Limits to Growth</a:t>
             </a:r>
-            <a:endParaRPr b="0" lang="de-DE" sz="900" spc="-1" strike="noStrike">
-              <a:solidFill>
-                <a:srgbClr val="000000"/>
-              </a:solidFill>
-              <a:latin typeface="Arial"/>
-            </a:endParaRPr>
-          </a:p>
-        </p:txBody>
-      </p:sp>
-      <p:sp>
-        <p:nvSpPr>
-          <p:cNvPr id="77" name="CustomShape 5"/>
+            <a:endParaRPr b="0" lang="en-US" sz="900" spc="-1" strike="noStrike">
+              <a:solidFill>
+                <a:srgbClr val="000000"/>
+              </a:solidFill>
+              <a:latin typeface="Arial"/>
+            </a:endParaRPr>
+          </a:p>
+        </p:txBody>
+      </p:sp>
+      <p:sp>
+        <p:nvSpPr>
+          <p:cNvPr id="75" name="CustomShape 5"/>
           <p:cNvSpPr/>
           <p:nvPr/>
         </p:nvSpPr>
         <p:spPr>
           <a:xfrm>
             <a:off x="432720" y="1148040"/>
-            <a:ext cx="10341360" cy="482040"/>
+            <a:ext cx="10341000" cy="481680"/>
           </a:xfrm>
           <a:prstGeom prst="rect">
             <a:avLst/>
@@ -3601,7 +3151,7 @@
               </a:rPr>
               <a:t>The Limits to Growth </a:t>
             </a:r>
-            <a:endParaRPr b="0" lang="de-DE" sz="2200" spc="-1" strike="noStrike">
+            <a:endParaRPr b="0" lang="en-US" sz="2200" spc="-1" strike="noStrike">
               <a:solidFill>
                 <a:srgbClr val="000000"/>
               </a:solidFill>
@@ -3642,14 +3192,14 @@
       </p:grpSpPr>
       <p:sp>
         <p:nvSpPr>
-          <p:cNvPr id="78" name="CustomShape 1"/>
+          <p:cNvPr id="76" name="CustomShape 1"/>
           <p:cNvSpPr/>
           <p:nvPr/>
         </p:nvSpPr>
         <p:spPr>
           <a:xfrm>
             <a:off x="335520" y="764640"/>
-            <a:ext cx="10740600" cy="491400"/>
+            <a:ext cx="10740240" cy="491040"/>
           </a:xfrm>
           <a:prstGeom prst="rect">
             <a:avLst/>
@@ -3685,25 +3235,25 @@
               </a:rPr>
               <a:t>Introduction</a:t>
             </a:r>
-            <a:endParaRPr b="0" lang="de-DE" sz="2400" spc="-1" strike="noStrike">
-              <a:solidFill>
-                <a:srgbClr val="000000"/>
-              </a:solidFill>
-              <a:latin typeface="Arial"/>
-            </a:endParaRPr>
-          </a:p>
-        </p:txBody>
-      </p:sp>
-      <p:sp>
-        <p:nvSpPr>
-          <p:cNvPr id="79" name="CustomShape 2"/>
+            <a:endParaRPr b="0" lang="en-US" sz="2400" spc="-1" strike="noStrike">
+              <a:solidFill>
+                <a:srgbClr val="000000"/>
+              </a:solidFill>
+              <a:latin typeface="Arial"/>
+            </a:endParaRPr>
+          </a:p>
+        </p:txBody>
+      </p:sp>
+      <p:sp>
+        <p:nvSpPr>
+          <p:cNvPr id="77" name="CustomShape 2"/>
           <p:cNvSpPr/>
           <p:nvPr/>
         </p:nvSpPr>
         <p:spPr>
           <a:xfrm>
             <a:off x="335520" y="1267560"/>
-            <a:ext cx="10740600" cy="5028120"/>
+            <a:ext cx="10740240" cy="5027760"/>
           </a:xfrm>
           <a:prstGeom prst="rect">
             <a:avLst/>
@@ -3732,7 +3282,7 @@
                 <a:spcPts val="360"/>
               </a:spcBef>
             </a:pPr>
-            <a:endParaRPr b="0" lang="de-DE" sz="1800" spc="-1" strike="noStrike">
+            <a:endParaRPr b="0" lang="en-US" sz="1800" spc="-1" strike="noStrike">
               <a:solidFill>
                 <a:srgbClr val="000000"/>
               </a:solidFill>
@@ -3748,7 +3298,7 @@
                 <a:spcPts val="360"/>
               </a:spcBef>
             </a:pPr>
-            <a:endParaRPr b="0" lang="de-DE" sz="1800" spc="-1" strike="noStrike">
+            <a:endParaRPr b="0" lang="en-US" sz="1800" spc="-1" strike="noStrike">
               <a:solidFill>
                 <a:srgbClr val="000000"/>
               </a:solidFill>
@@ -3759,7 +3309,7 @@
       </p:sp>
       <p:pic>
         <p:nvPicPr>
-          <p:cNvPr id="80" name="Inhaltsplatzhalter 5_1" descr=""/>
+          <p:cNvPr id="78" name="Inhaltsplatzhalter 5_1" descr=""/>
           <p:cNvPicPr/>
           <p:nvPr/>
         </p:nvPicPr>
@@ -3770,7 +3320,7 @@
         <p:spPr>
           <a:xfrm>
             <a:off x="3885480" y="1632960"/>
-            <a:ext cx="4407840" cy="4491720"/>
+            <a:ext cx="4407480" cy="4491360"/>
           </a:xfrm>
           <a:prstGeom prst="rect">
             <a:avLst/>
@@ -3787,14 +3337,14 @@
       </p:pic>
       <p:sp>
         <p:nvSpPr>
-          <p:cNvPr id="81" name="CustomShape 3"/>
+          <p:cNvPr id="79" name="CustomShape 3"/>
           <p:cNvSpPr/>
           <p:nvPr/>
         </p:nvSpPr>
         <p:spPr>
           <a:xfrm>
             <a:off x="263520" y="6411600"/>
-            <a:ext cx="10243080" cy="382680"/>
+            <a:ext cx="10242720" cy="382680"/>
           </a:xfrm>
           <a:prstGeom prst="rect">
             <a:avLst/>
@@ -3852,25 +3402,25 @@
               </a:rPr>
               <a:t> </a:t>
             </a:r>
-            <a:endParaRPr b="0" lang="de-DE" sz="900" spc="-1" strike="noStrike">
-              <a:solidFill>
-                <a:srgbClr val="000000"/>
-              </a:solidFill>
-              <a:latin typeface="Arial"/>
-            </a:endParaRPr>
-          </a:p>
-        </p:txBody>
-      </p:sp>
-      <p:sp>
-        <p:nvSpPr>
-          <p:cNvPr id="82" name="CustomShape 4"/>
+            <a:endParaRPr b="0" lang="en-US" sz="900" spc="-1" strike="noStrike">
+              <a:solidFill>
+                <a:srgbClr val="000000"/>
+              </a:solidFill>
+              <a:latin typeface="Arial"/>
+            </a:endParaRPr>
+          </a:p>
+        </p:txBody>
+      </p:sp>
+      <p:sp>
+        <p:nvSpPr>
+          <p:cNvPr id="80" name="CustomShape 4"/>
           <p:cNvSpPr/>
           <p:nvPr/>
         </p:nvSpPr>
         <p:spPr>
           <a:xfrm>
             <a:off x="432720" y="1148040"/>
-            <a:ext cx="10341360" cy="482040"/>
+            <a:ext cx="10341000" cy="481680"/>
           </a:xfrm>
           <a:prstGeom prst="rect">
             <a:avLst/>
@@ -3906,7 +3456,7 @@
               </a:rPr>
               <a:t>The Limits to Growth – World3 Standard Run </a:t>
             </a:r>
-            <a:endParaRPr b="0" lang="de-DE" sz="2200" spc="-1" strike="noStrike">
+            <a:endParaRPr b="0" lang="en-US" sz="2200" spc="-1" strike="noStrike">
               <a:solidFill>
                 <a:srgbClr val="000000"/>
               </a:solidFill>
@@ -3947,14 +3497,14 @@
       </p:grpSpPr>
       <p:sp>
         <p:nvSpPr>
-          <p:cNvPr id="83" name="CustomShape 1"/>
+          <p:cNvPr id="81" name="CustomShape 1"/>
           <p:cNvSpPr/>
           <p:nvPr/>
         </p:nvSpPr>
         <p:spPr>
           <a:xfrm>
             <a:off x="335520" y="764640"/>
-            <a:ext cx="10740600" cy="491400"/>
+            <a:ext cx="10740240" cy="491040"/>
           </a:xfrm>
           <a:prstGeom prst="rect">
             <a:avLst/>
@@ -3990,25 +3540,25 @@
               </a:rPr>
               <a:t>Introduction</a:t>
             </a:r>
-            <a:endParaRPr b="0" lang="de-DE" sz="2400" spc="-1" strike="noStrike">
-              <a:solidFill>
-                <a:srgbClr val="000000"/>
-              </a:solidFill>
-              <a:latin typeface="Arial"/>
-            </a:endParaRPr>
-          </a:p>
-        </p:txBody>
-      </p:sp>
-      <p:sp>
-        <p:nvSpPr>
-          <p:cNvPr id="84" name="CustomShape 2"/>
+            <a:endParaRPr b="0" lang="en-US" sz="2400" spc="-1" strike="noStrike">
+              <a:solidFill>
+                <a:srgbClr val="000000"/>
+              </a:solidFill>
+              <a:latin typeface="Arial"/>
+            </a:endParaRPr>
+          </a:p>
+        </p:txBody>
+      </p:sp>
+      <p:sp>
+        <p:nvSpPr>
+          <p:cNvPr id="82" name="CustomShape 2"/>
           <p:cNvSpPr/>
           <p:nvPr/>
         </p:nvSpPr>
         <p:spPr>
           <a:xfrm>
             <a:off x="335520" y="1268640"/>
-            <a:ext cx="10740600" cy="5028120"/>
+            <a:ext cx="10740240" cy="5027760"/>
           </a:xfrm>
           <a:prstGeom prst="rect">
             <a:avLst/>
@@ -4037,7 +3587,7 @@
                 <a:spcPts val="360"/>
               </a:spcBef>
             </a:pPr>
-            <a:endParaRPr b="0" lang="de-DE" sz="1800" spc="-1" strike="noStrike">
+            <a:endParaRPr b="0" lang="en-US" sz="1800" spc="-1" strike="noStrike">
               <a:solidFill>
                 <a:srgbClr val="000000"/>
               </a:solidFill>
@@ -4053,7 +3603,7 @@
                 <a:spcPts val="360"/>
               </a:spcBef>
             </a:pPr>
-            <a:endParaRPr b="0" lang="de-DE" sz="1800" spc="-1" strike="noStrike">
+            <a:endParaRPr b="0" lang="en-US" sz="1800" spc="-1" strike="noStrike">
               <a:solidFill>
                 <a:srgbClr val="000000"/>
               </a:solidFill>
@@ -4064,7 +3614,7 @@
       </p:sp>
       <p:pic>
         <p:nvPicPr>
-          <p:cNvPr id="85" name="Grafik 4_0" descr=""/>
+          <p:cNvPr id="83" name="Grafik 4_0" descr=""/>
           <p:cNvPicPr/>
           <p:nvPr/>
         </p:nvPicPr>
@@ -4075,7 +3625,7 @@
         <p:spPr>
           <a:xfrm>
             <a:off x="1128960" y="1847520"/>
-            <a:ext cx="4954320" cy="3561840"/>
+            <a:ext cx="4953960" cy="3561480"/>
           </a:xfrm>
           <a:prstGeom prst="rect">
             <a:avLst/>
@@ -4087,7 +3637,7 @@
       </p:pic>
       <p:pic>
         <p:nvPicPr>
-          <p:cNvPr id="86" name="Grafik 4_3" descr=""/>
+          <p:cNvPr id="84" name="Grafik 4_3" descr=""/>
           <p:cNvPicPr/>
           <p:nvPr/>
         </p:nvPicPr>
@@ -4098,7 +3648,7 @@
         <p:spPr>
           <a:xfrm>
             <a:off x="6732360" y="1434960"/>
-            <a:ext cx="3462840" cy="4400280"/>
+            <a:ext cx="3462480" cy="4399920"/>
           </a:xfrm>
           <a:prstGeom prst="rect">
             <a:avLst/>
@@ -4110,14 +3660,14 @@
       </p:pic>
       <p:sp>
         <p:nvSpPr>
-          <p:cNvPr id="87" name="CustomShape 3"/>
+          <p:cNvPr id="85" name="CustomShape 3"/>
           <p:cNvSpPr/>
           <p:nvPr/>
         </p:nvSpPr>
         <p:spPr>
           <a:xfrm>
             <a:off x="432720" y="1148040"/>
-            <a:ext cx="10341360" cy="482040"/>
+            <a:ext cx="10341000" cy="481680"/>
           </a:xfrm>
           <a:prstGeom prst="rect">
             <a:avLst/>
@@ -4153,7 +3703,7 @@
               </a:rPr>
               <a:t>The Limits to Growth – 1972 / 2004 </a:t>
             </a:r>
-            <a:endParaRPr b="0" lang="de-DE" sz="2200" spc="-1" strike="noStrike">
+            <a:endParaRPr b="0" lang="en-US" sz="2200" spc="-1" strike="noStrike">
               <a:solidFill>
                 <a:srgbClr val="000000"/>
               </a:solidFill>
@@ -4194,14 +3744,14 @@
       </p:grpSpPr>
       <p:sp>
         <p:nvSpPr>
-          <p:cNvPr id="88" name="CustomShape 1"/>
+          <p:cNvPr id="86" name="CustomShape 1"/>
           <p:cNvSpPr/>
           <p:nvPr/>
         </p:nvSpPr>
         <p:spPr>
           <a:xfrm>
             <a:off x="335520" y="764640"/>
-            <a:ext cx="10740600" cy="491400"/>
+            <a:ext cx="10740240" cy="491040"/>
           </a:xfrm>
           <a:prstGeom prst="rect">
             <a:avLst/>
@@ -4237,25 +3787,25 @@
               </a:rPr>
               <a:t>Introduction</a:t>
             </a:r>
-            <a:endParaRPr b="0" lang="de-DE" sz="2400" spc="-1" strike="noStrike">
-              <a:solidFill>
-                <a:srgbClr val="000000"/>
-              </a:solidFill>
-              <a:latin typeface="Arial"/>
-            </a:endParaRPr>
-          </a:p>
-        </p:txBody>
-      </p:sp>
-      <p:sp>
-        <p:nvSpPr>
-          <p:cNvPr id="89" name="CustomShape 2"/>
+            <a:endParaRPr b="0" lang="en-US" sz="2400" spc="-1" strike="noStrike">
+              <a:solidFill>
+                <a:srgbClr val="000000"/>
+              </a:solidFill>
+              <a:latin typeface="Arial"/>
+            </a:endParaRPr>
+          </a:p>
+        </p:txBody>
+      </p:sp>
+      <p:sp>
+        <p:nvSpPr>
+          <p:cNvPr id="87" name="CustomShape 2"/>
           <p:cNvSpPr/>
           <p:nvPr/>
         </p:nvSpPr>
         <p:spPr>
           <a:xfrm>
             <a:off x="335520" y="1268640"/>
-            <a:ext cx="10740600" cy="5028120"/>
+            <a:ext cx="10740240" cy="5027760"/>
           </a:xfrm>
           <a:prstGeom prst="rect">
             <a:avLst/>
@@ -4284,7 +3834,7 @@
                 <a:spcPts val="360"/>
               </a:spcBef>
             </a:pPr>
-            <a:endParaRPr b="0" lang="de-DE" sz="1800" spc="-1" strike="noStrike">
+            <a:endParaRPr b="0" lang="en-US" sz="1800" spc="-1" strike="noStrike">
               <a:solidFill>
                 <a:srgbClr val="000000"/>
               </a:solidFill>
@@ -4300,25 +3850,25 @@
                 <a:spcPts val="360"/>
               </a:spcBef>
             </a:pPr>
-            <a:endParaRPr b="0" lang="de-DE" sz="1800" spc="-1" strike="noStrike">
-              <a:solidFill>
-                <a:srgbClr val="000000"/>
-              </a:solidFill>
-              <a:latin typeface="Arial"/>
-            </a:endParaRPr>
-          </a:p>
-        </p:txBody>
-      </p:sp>
-      <p:sp>
-        <p:nvSpPr>
-          <p:cNvPr id="90" name="CustomShape 3"/>
+            <a:endParaRPr b="0" lang="en-US" sz="1800" spc="-1" strike="noStrike">
+              <a:solidFill>
+                <a:srgbClr val="000000"/>
+              </a:solidFill>
+              <a:latin typeface="Arial"/>
+            </a:endParaRPr>
+          </a:p>
+        </p:txBody>
+      </p:sp>
+      <p:sp>
+        <p:nvSpPr>
+          <p:cNvPr id="88" name="CustomShape 3"/>
           <p:cNvSpPr/>
           <p:nvPr/>
         </p:nvSpPr>
         <p:spPr>
           <a:xfrm>
             <a:off x="3719880" y="2853000"/>
-            <a:ext cx="3961440" cy="1726560"/>
+            <a:ext cx="3961080" cy="1726200"/>
           </a:xfrm>
           <a:prstGeom prst="rect">
             <a:avLst/>
@@ -4362,25 +3912,25 @@
               </a:rPr>
               <a:t>Click Me</a:t>
             </a:r>
-            <a:endParaRPr b="0" lang="de-DE" sz="1800" spc="-1" strike="noStrike">
-              <a:solidFill>
-                <a:srgbClr val="000000"/>
-              </a:solidFill>
-              <a:latin typeface="Arial"/>
-            </a:endParaRPr>
-          </a:p>
-        </p:txBody>
-      </p:sp>
-      <p:sp>
-        <p:nvSpPr>
-          <p:cNvPr id="91" name="CustomShape 4"/>
+            <a:endParaRPr b="0" lang="en-US" sz="1800" spc="-1" strike="noStrike">
+              <a:solidFill>
+                <a:srgbClr val="000000"/>
+              </a:solidFill>
+              <a:latin typeface="Arial"/>
+            </a:endParaRPr>
+          </a:p>
+        </p:txBody>
+      </p:sp>
+      <p:sp>
+        <p:nvSpPr>
+          <p:cNvPr id="89" name="CustomShape 4"/>
           <p:cNvSpPr/>
           <p:nvPr/>
         </p:nvSpPr>
         <p:spPr>
           <a:xfrm>
             <a:off x="432720" y="1148040"/>
-            <a:ext cx="10341360" cy="482040"/>
+            <a:ext cx="10341000" cy="481680"/>
           </a:xfrm>
           <a:prstGeom prst="rect">
             <a:avLst/>
@@ -4416,25 +3966,25 @@
               </a:rPr>
               <a:t>The Limits to Growth – World3 Model</a:t>
             </a:r>
-            <a:endParaRPr b="0" lang="de-DE" sz="2200" spc="-1" strike="noStrike">
-              <a:solidFill>
-                <a:srgbClr val="000000"/>
-              </a:solidFill>
-              <a:latin typeface="Arial"/>
-            </a:endParaRPr>
-          </a:p>
-        </p:txBody>
-      </p:sp>
-      <p:sp>
-        <p:nvSpPr>
-          <p:cNvPr id="92" name="CustomShape 5"/>
+            <a:endParaRPr b="0" lang="en-US" sz="2200" spc="-1" strike="noStrike">
+              <a:solidFill>
+                <a:srgbClr val="000000"/>
+              </a:solidFill>
+              <a:latin typeface="Arial"/>
+            </a:endParaRPr>
+          </a:p>
+        </p:txBody>
+      </p:sp>
+      <p:sp>
+        <p:nvSpPr>
+          <p:cNvPr id="90" name="CustomShape 5"/>
           <p:cNvSpPr/>
           <p:nvPr/>
         </p:nvSpPr>
         <p:spPr>
           <a:xfrm>
             <a:off x="3749040" y="3574440"/>
-            <a:ext cx="3961440" cy="1726560"/>
+            <a:ext cx="3961080" cy="1726200"/>
           </a:xfrm>
           <a:prstGeom prst="rect">
             <a:avLst/>
@@ -4478,7 +4028,7 @@
               </a:rPr>
               <a:t>Click Me</a:t>
             </a:r>
-            <a:endParaRPr b="0" lang="de-DE" sz="1800" spc="-1" strike="noStrike">
+            <a:endParaRPr b="0" lang="en-US" sz="1800" spc="-1" strike="noStrike">
               <a:solidFill>
                 <a:srgbClr val="000000"/>
               </a:solidFill>
@@ -4519,14 +4069,14 @@
       </p:grpSpPr>
       <p:sp>
         <p:nvSpPr>
-          <p:cNvPr id="93" name="CustomShape 1"/>
+          <p:cNvPr id="91" name="CustomShape 1"/>
           <p:cNvSpPr/>
           <p:nvPr/>
         </p:nvSpPr>
         <p:spPr>
           <a:xfrm>
             <a:off x="335520" y="4406760"/>
-            <a:ext cx="10731240" cy="1340280"/>
+            <a:ext cx="10730880" cy="1339920"/>
           </a:xfrm>
           <a:prstGeom prst="rect">
             <a:avLst/>
@@ -4562,25 +4112,25 @@
               </a:rPr>
               <a:t>Planetary Boundaries</a:t>
             </a:r>
-            <a:endParaRPr b="0" lang="de-DE" sz="3000" spc="-1" strike="noStrike">
-              <a:solidFill>
-                <a:srgbClr val="000000"/>
-              </a:solidFill>
-              <a:latin typeface="Arial"/>
-            </a:endParaRPr>
-          </a:p>
-        </p:txBody>
-      </p:sp>
-      <p:sp>
-        <p:nvSpPr>
-          <p:cNvPr id="94" name="CustomShape 2"/>
+            <a:endParaRPr b="0" lang="en-US" sz="3000" spc="-1" strike="noStrike">
+              <a:solidFill>
+                <a:srgbClr val="000000"/>
+              </a:solidFill>
+              <a:latin typeface="Arial"/>
+            </a:endParaRPr>
+          </a:p>
+        </p:txBody>
+      </p:sp>
+      <p:sp>
+        <p:nvSpPr>
+          <p:cNvPr id="92" name="CustomShape 2"/>
           <p:cNvSpPr/>
           <p:nvPr/>
         </p:nvSpPr>
         <p:spPr>
           <a:xfrm>
             <a:off x="335520" y="2906640"/>
-            <a:ext cx="10731240" cy="1478160"/>
+            <a:ext cx="10730880" cy="1477800"/>
           </a:xfrm>
           <a:prstGeom prst="rect">
             <a:avLst/>
@@ -4648,14 +4198,14 @@
       </p:grpSpPr>
       <p:sp>
         <p:nvSpPr>
-          <p:cNvPr id="95" name="CustomShape 1"/>
+          <p:cNvPr id="93" name="CustomShape 1"/>
           <p:cNvSpPr/>
           <p:nvPr/>
         </p:nvSpPr>
         <p:spPr>
           <a:xfrm>
             <a:off x="335520" y="764640"/>
-            <a:ext cx="10735920" cy="486720"/>
+            <a:ext cx="10735560" cy="486360"/>
           </a:xfrm>
           <a:prstGeom prst="rect">
             <a:avLst/>
@@ -4691,25 +4241,25 @@
               </a:rPr>
               <a:t>Planetary Boundaries</a:t>
             </a:r>
-            <a:endParaRPr b="0" lang="de-DE" sz="2400" spc="-1" strike="noStrike">
-              <a:solidFill>
-                <a:srgbClr val="000000"/>
-              </a:solidFill>
-              <a:latin typeface="Arial"/>
-            </a:endParaRPr>
-          </a:p>
-        </p:txBody>
-      </p:sp>
-      <p:sp>
-        <p:nvSpPr>
-          <p:cNvPr id="96" name="CustomShape 2"/>
+            <a:endParaRPr b="0" lang="en-US" sz="2400" spc="-1" strike="noStrike">
+              <a:solidFill>
+                <a:srgbClr val="000000"/>
+              </a:solidFill>
+              <a:latin typeface="Arial"/>
+            </a:endParaRPr>
+          </a:p>
+        </p:txBody>
+      </p:sp>
+      <p:sp>
+        <p:nvSpPr>
+          <p:cNvPr id="94" name="CustomShape 2"/>
           <p:cNvSpPr/>
           <p:nvPr/>
         </p:nvSpPr>
         <p:spPr>
           <a:xfrm>
             <a:off x="335520" y="1268280"/>
-            <a:ext cx="10735920" cy="5023440"/>
+            <a:ext cx="10735560" cy="5023080"/>
           </a:xfrm>
           <a:prstGeom prst="rect">
             <a:avLst/>
@@ -4735,7 +4285,7 @@
                 <a:spcPct val="100000"/>
               </a:lnSpc>
             </a:pPr>
-            <a:endParaRPr b="0" lang="de-DE" sz="1800" spc="-1" strike="noStrike">
+            <a:endParaRPr b="0" lang="en-US" sz="1800" spc="-1" strike="noStrike">
               <a:solidFill>
                 <a:srgbClr val="000000"/>
               </a:solidFill>
@@ -4767,7 +4317,7 @@
               </a:rPr>
               <a:t>First proposed by researchers led by Johan Rockström from the Stockholm Resilience Centre in 2009</a:t>
             </a:r>
-            <a:endParaRPr b="0" lang="de-DE" sz="1800" spc="-1" strike="noStrike">
+            <a:endParaRPr b="0" lang="en-US" sz="1800" spc="-1" strike="noStrike">
               <a:solidFill>
                 <a:srgbClr val="000000"/>
               </a:solidFill>
@@ -4799,7 +4349,7 @@
               </a:rPr>
               <a:t>Quantitative planetary boundaries within which future generations can continue to exist</a:t>
             </a:r>
-            <a:endParaRPr b="0" lang="de-DE" sz="1800" spc="-1" strike="noStrike">
+            <a:endParaRPr b="0" lang="en-US" sz="1800" spc="-1" strike="noStrike">
               <a:solidFill>
                 <a:srgbClr val="000000"/>
               </a:solidFill>
@@ -4831,7 +4381,7 @@
               </a:rPr>
               <a:t>Based on nine indicators that are of high importance for the stability and resilience of the Earth system</a:t>
             </a:r>
-            <a:endParaRPr b="0" lang="de-DE" sz="1800" spc="-1" strike="noStrike">
+            <a:endParaRPr b="0" lang="en-US" sz="1800" spc="-1" strike="noStrike">
               <a:solidFill>
                 <a:srgbClr val="000000"/>
               </a:solidFill>
@@ -4857,25 +4407,25 @@
               </a:rPr>
               <a:t>Crossing these boundaries increases uncertainties about humanity's future and the risk of severe or irreversible environmental changes</a:t>
             </a:r>
-            <a:endParaRPr b="0" lang="de-DE" sz="1800" spc="-1" strike="noStrike">
-              <a:solidFill>
-                <a:srgbClr val="000000"/>
-              </a:solidFill>
-              <a:latin typeface="Arial"/>
-            </a:endParaRPr>
-          </a:p>
-        </p:txBody>
-      </p:sp>
-      <p:sp>
-        <p:nvSpPr>
-          <p:cNvPr id="97" name="CustomShape 3"/>
+            <a:endParaRPr b="0" lang="en-US" sz="1800" spc="-1" strike="noStrike">
+              <a:solidFill>
+                <a:srgbClr val="000000"/>
+              </a:solidFill>
+              <a:latin typeface="Arial"/>
+            </a:endParaRPr>
+          </a:p>
+        </p:txBody>
+      </p:sp>
+      <p:sp>
+        <p:nvSpPr>
+          <p:cNvPr id="95" name="CustomShape 3"/>
           <p:cNvSpPr/>
           <p:nvPr/>
         </p:nvSpPr>
         <p:spPr>
           <a:xfrm>
             <a:off x="432720" y="1148040"/>
-            <a:ext cx="10341360" cy="482040"/>
+            <a:ext cx="10341000" cy="481680"/>
           </a:xfrm>
           <a:prstGeom prst="rect">
             <a:avLst/>
@@ -4911,7 +4461,7 @@
               </a:rPr>
               <a:t>Concept</a:t>
             </a:r>
-            <a:endParaRPr b="0" lang="de-DE" sz="2200" spc="-1" strike="noStrike">
+            <a:endParaRPr b="0" lang="en-US" sz="2200" spc="-1" strike="noStrike">
               <a:solidFill>
                 <a:srgbClr val="000000"/>
               </a:solidFill>
@@ -4952,14 +4502,14 @@
       </p:grpSpPr>
       <p:sp>
         <p:nvSpPr>
-          <p:cNvPr id="98" name="CustomShape 1"/>
+          <p:cNvPr id="96" name="CustomShape 1"/>
           <p:cNvSpPr/>
           <p:nvPr/>
         </p:nvSpPr>
         <p:spPr>
           <a:xfrm>
             <a:off x="335520" y="764640"/>
-            <a:ext cx="10735920" cy="486720"/>
+            <a:ext cx="10735560" cy="486360"/>
           </a:xfrm>
           <a:prstGeom prst="rect">
             <a:avLst/>
@@ -4995,25 +4545,25 @@
               </a:rPr>
               <a:t>Planetary Boundaries</a:t>
             </a:r>
-            <a:endParaRPr b="0" lang="de-DE" sz="2400" spc="-1" strike="noStrike">
-              <a:solidFill>
-                <a:srgbClr val="000000"/>
-              </a:solidFill>
-              <a:latin typeface="Arial"/>
-            </a:endParaRPr>
-          </a:p>
-        </p:txBody>
-      </p:sp>
-      <p:sp>
-        <p:nvSpPr>
-          <p:cNvPr id="99" name="CustomShape 2"/>
+            <a:endParaRPr b="0" lang="en-US" sz="2400" spc="-1" strike="noStrike">
+              <a:solidFill>
+                <a:srgbClr val="000000"/>
+              </a:solidFill>
+              <a:latin typeface="Arial"/>
+            </a:endParaRPr>
+          </a:p>
+        </p:txBody>
+      </p:sp>
+      <p:sp>
+        <p:nvSpPr>
+          <p:cNvPr id="97" name="CustomShape 2"/>
           <p:cNvSpPr/>
           <p:nvPr/>
         </p:nvSpPr>
         <p:spPr>
           <a:xfrm>
             <a:off x="335520" y="1268280"/>
-            <a:ext cx="10735920" cy="5023440"/>
+            <a:ext cx="10735560" cy="5023080"/>
           </a:xfrm>
           <a:prstGeom prst="rect">
             <a:avLst/>
@@ -5039,7 +4589,7 @@
                 <a:spcPct val="100000"/>
               </a:lnSpc>
             </a:pPr>
-            <a:endParaRPr b="0" lang="de-DE" sz="1800" spc="-1" strike="noStrike">
+            <a:endParaRPr b="0" lang="en-US" sz="1800" spc="-1" strike="noStrike">
               <a:solidFill>
                 <a:srgbClr val="000000"/>
               </a:solidFill>
@@ -5071,7 +4621,7 @@
               </a:rPr>
               <a:t>First proposed by researchers led by Johan Rockström from the Stockholm Resilience Centre in 2009</a:t>
             </a:r>
-            <a:endParaRPr b="0" lang="de-DE" sz="1800" spc="-1" strike="noStrike">
+            <a:endParaRPr b="0" lang="en-US" sz="1800" spc="-1" strike="noStrike">
               <a:solidFill>
                 <a:srgbClr val="000000"/>
               </a:solidFill>
@@ -5103,7 +4653,7 @@
               </a:rPr>
               <a:t>Quantitative planetary boundaries within which future generations can continue to exist</a:t>
             </a:r>
-            <a:endParaRPr b="0" lang="de-DE" sz="1800" spc="-1" strike="noStrike">
+            <a:endParaRPr b="0" lang="en-US" sz="1800" spc="-1" strike="noStrike">
               <a:solidFill>
                 <a:srgbClr val="000000"/>
               </a:solidFill>
@@ -5135,7 +4685,7 @@
               </a:rPr>
               <a:t>Based on nine indicators that are of high importance for the stability and resilience of the Earth system</a:t>
             </a:r>
-            <a:endParaRPr b="0" lang="de-DE" sz="1800" spc="-1" strike="noStrike">
+            <a:endParaRPr b="0" lang="en-US" sz="1800" spc="-1" strike="noStrike">
               <a:solidFill>
                 <a:srgbClr val="000000"/>
               </a:solidFill>
@@ -5167,25 +4717,25 @@
               </a:rPr>
               <a:t>Crossing these boundaries increases uncertainties about humanity's future and the risk of severe or irreversible environmental changes</a:t>
             </a:r>
-            <a:endParaRPr b="0" lang="de-DE" sz="1800" spc="-1" strike="noStrike">
-              <a:solidFill>
-                <a:srgbClr val="000000"/>
-              </a:solidFill>
-              <a:latin typeface="Arial"/>
-            </a:endParaRPr>
-          </a:p>
-        </p:txBody>
-      </p:sp>
-      <p:sp>
-        <p:nvSpPr>
-          <p:cNvPr id="100" name="CustomShape 3"/>
+            <a:endParaRPr b="0" lang="en-US" sz="1800" spc="-1" strike="noStrike">
+              <a:solidFill>
+                <a:srgbClr val="000000"/>
+              </a:solidFill>
+              <a:latin typeface="Arial"/>
+            </a:endParaRPr>
+          </a:p>
+        </p:txBody>
+      </p:sp>
+      <p:sp>
+        <p:nvSpPr>
+          <p:cNvPr id="98" name="CustomShape 3"/>
           <p:cNvSpPr/>
           <p:nvPr/>
         </p:nvSpPr>
         <p:spPr>
           <a:xfrm>
             <a:off x="432720" y="1148040"/>
-            <a:ext cx="10341360" cy="482040"/>
+            <a:ext cx="10341000" cy="481680"/>
           </a:xfrm>
           <a:prstGeom prst="rect">
             <a:avLst/>
@@ -5221,7 +4771,7 @@
               </a:rPr>
               <a:t>Concept</a:t>
             </a:r>
-            <a:endParaRPr b="0" lang="de-DE" sz="2200" spc="-1" strike="noStrike">
+            <a:endParaRPr b="0" lang="en-US" sz="2200" spc="-1" strike="noStrike">
               <a:solidFill>
                 <a:srgbClr val="000000"/>
               </a:solidFill>
@@ -5262,7 +4812,7 @@
       </p:grpSpPr>
       <p:pic>
         <p:nvPicPr>
-          <p:cNvPr id="101" name="Grafik 4" descr=""/>
+          <p:cNvPr id="99" name="Grafik 4" descr=""/>
           <p:cNvPicPr/>
           <p:nvPr/>
         </p:nvPicPr>
@@ -5273,7 +4823,7 @@
         <p:spPr>
           <a:xfrm>
             <a:off x="975240" y="911160"/>
-            <a:ext cx="10239840" cy="5758560"/>
+            <a:ext cx="10239480" cy="5758200"/>
           </a:xfrm>
           <a:prstGeom prst="rect">
             <a:avLst/>
@@ -5285,14 +4835,14 @@
       </p:pic>
       <p:sp>
         <p:nvSpPr>
-          <p:cNvPr id="102" name="CustomShape 1"/>
+          <p:cNvPr id="100" name="CustomShape 1"/>
           <p:cNvSpPr/>
           <p:nvPr/>
         </p:nvSpPr>
         <p:spPr>
           <a:xfrm>
             <a:off x="335520" y="764640"/>
-            <a:ext cx="10735920" cy="486720"/>
+            <a:ext cx="10735560" cy="486360"/>
           </a:xfrm>
           <a:prstGeom prst="rect">
             <a:avLst/>
@@ -5328,25 +4878,25 @@
               </a:rPr>
               <a:t>Planetary Boundaries</a:t>
             </a:r>
-            <a:endParaRPr b="0" lang="de-DE" sz="2400" spc="-1" strike="noStrike">
-              <a:solidFill>
-                <a:srgbClr val="000000"/>
-              </a:solidFill>
-              <a:latin typeface="Arial"/>
-            </a:endParaRPr>
-          </a:p>
-        </p:txBody>
-      </p:sp>
-      <p:sp>
-        <p:nvSpPr>
-          <p:cNvPr id="103" name="CustomShape 3"/>
+            <a:endParaRPr b="0" lang="en-US" sz="2400" spc="-1" strike="noStrike">
+              <a:solidFill>
+                <a:srgbClr val="000000"/>
+              </a:solidFill>
+              <a:latin typeface="Arial"/>
+            </a:endParaRPr>
+          </a:p>
+        </p:txBody>
+      </p:sp>
+      <p:sp>
+        <p:nvSpPr>
+          <p:cNvPr id="101" name="CustomShape 3"/>
           <p:cNvSpPr/>
           <p:nvPr/>
         </p:nvSpPr>
         <p:spPr>
           <a:xfrm>
             <a:off x="432720" y="1148040"/>
-            <a:ext cx="10341360" cy="482040"/>
+            <a:ext cx="10341000" cy="481680"/>
           </a:xfrm>
           <a:prstGeom prst="rect">
             <a:avLst/>
@@ -5382,7 +4932,7 @@
               </a:rPr>
               <a:t>Concept</a:t>
             </a:r>
-            <a:endParaRPr b="0" lang="de-DE" sz="2200" spc="-1" strike="noStrike">
+            <a:endParaRPr b="0" lang="en-US" sz="2200" spc="-1" strike="noStrike">
               <a:solidFill>
                 <a:srgbClr val="000000"/>
               </a:solidFill>
@@ -5423,7 +4973,7 @@
       </p:grpSpPr>
       <p:pic>
         <p:nvPicPr>
-          <p:cNvPr id="104" name="Grafik 5" descr=""/>
+          <p:cNvPr id="102" name="Grafik 5" descr=""/>
           <p:cNvPicPr/>
           <p:nvPr/>
         </p:nvPicPr>
@@ -5434,7 +4984,7 @@
         <p:spPr>
           <a:xfrm>
             <a:off x="975960" y="911160"/>
-            <a:ext cx="10238400" cy="5758560"/>
+            <a:ext cx="10238040" cy="5758200"/>
           </a:xfrm>
           <a:prstGeom prst="rect">
             <a:avLst/>
@@ -5446,14 +4996,14 @@
       </p:pic>
       <p:sp>
         <p:nvSpPr>
-          <p:cNvPr id="105" name="CustomShape 1"/>
+          <p:cNvPr id="103" name="CustomShape 1"/>
           <p:cNvSpPr/>
           <p:nvPr/>
         </p:nvSpPr>
         <p:spPr>
           <a:xfrm>
             <a:off x="335520" y="764640"/>
-            <a:ext cx="10735920" cy="486720"/>
+            <a:ext cx="10735560" cy="486360"/>
           </a:xfrm>
           <a:prstGeom prst="rect">
             <a:avLst/>
@@ -5489,25 +5039,25 @@
               </a:rPr>
               <a:t>Planetary Boundaries</a:t>
             </a:r>
-            <a:endParaRPr b="0" lang="de-DE" sz="2400" spc="-1" strike="noStrike">
-              <a:solidFill>
-                <a:srgbClr val="000000"/>
-              </a:solidFill>
-              <a:latin typeface="Arial"/>
-            </a:endParaRPr>
-          </a:p>
-        </p:txBody>
-      </p:sp>
-      <p:sp>
-        <p:nvSpPr>
-          <p:cNvPr id="106" name="CustomShape 3"/>
+            <a:endParaRPr b="0" lang="en-US" sz="2400" spc="-1" strike="noStrike">
+              <a:solidFill>
+                <a:srgbClr val="000000"/>
+              </a:solidFill>
+              <a:latin typeface="Arial"/>
+            </a:endParaRPr>
+          </a:p>
+        </p:txBody>
+      </p:sp>
+      <p:sp>
+        <p:nvSpPr>
+          <p:cNvPr id="104" name="CustomShape 3"/>
           <p:cNvSpPr/>
           <p:nvPr/>
         </p:nvSpPr>
         <p:spPr>
           <a:xfrm>
             <a:off x="432720" y="1148040"/>
-            <a:ext cx="10341360" cy="482040"/>
+            <a:ext cx="10341000" cy="481680"/>
           </a:xfrm>
           <a:prstGeom prst="rect">
             <a:avLst/>
@@ -5543,7 +5093,7 @@
               </a:rPr>
               <a:t>2022</a:t>
             </a:r>
-            <a:endParaRPr b="0" lang="de-DE" sz="2200" spc="-1" strike="noStrike">
+            <a:endParaRPr b="0" lang="en-US" sz="2200" spc="-1" strike="noStrike">
               <a:solidFill>
                 <a:srgbClr val="000000"/>
               </a:solidFill>
@@ -5584,14 +5134,14 @@
       </p:grpSpPr>
       <p:sp>
         <p:nvSpPr>
-          <p:cNvPr id="107" name="CustomShape 1"/>
+          <p:cNvPr id="105" name="CustomShape 1"/>
           <p:cNvSpPr/>
           <p:nvPr/>
         </p:nvSpPr>
         <p:spPr>
           <a:xfrm>
             <a:off x="335520" y="4406760"/>
-            <a:ext cx="10731240" cy="1340280"/>
+            <a:ext cx="10730880" cy="1339920"/>
           </a:xfrm>
           <a:prstGeom prst="rect">
             <a:avLst/>
@@ -5627,25 +5177,25 @@
               </a:rPr>
               <a:t>World3 Model</a:t>
             </a:r>
-            <a:endParaRPr b="0" lang="de-DE" sz="3000" spc="-1" strike="noStrike">
-              <a:solidFill>
-                <a:srgbClr val="000000"/>
-              </a:solidFill>
-              <a:latin typeface="Arial"/>
-            </a:endParaRPr>
-          </a:p>
-        </p:txBody>
-      </p:sp>
-      <p:sp>
-        <p:nvSpPr>
-          <p:cNvPr id="108" name="CustomShape 2"/>
+            <a:endParaRPr b="0" lang="en-US" sz="3000" spc="-1" strike="noStrike">
+              <a:solidFill>
+                <a:srgbClr val="000000"/>
+              </a:solidFill>
+              <a:latin typeface="Arial"/>
+            </a:endParaRPr>
+          </a:p>
+        </p:txBody>
+      </p:sp>
+      <p:sp>
+        <p:nvSpPr>
+          <p:cNvPr id="106" name="CustomShape 2"/>
           <p:cNvSpPr/>
           <p:nvPr/>
         </p:nvSpPr>
         <p:spPr>
           <a:xfrm>
             <a:off x="335520" y="2906640"/>
-            <a:ext cx="10731240" cy="1478160"/>
+            <a:ext cx="10730880" cy="1477800"/>
           </a:xfrm>
           <a:prstGeom prst="rect">
             <a:avLst/>
@@ -5713,14 +5263,14 @@
       </p:grpSpPr>
       <p:sp>
         <p:nvSpPr>
-          <p:cNvPr id="50" name="CustomShape 1"/>
+          <p:cNvPr id="48" name="CustomShape 1"/>
           <p:cNvSpPr/>
           <p:nvPr/>
         </p:nvSpPr>
         <p:spPr>
           <a:xfrm>
             <a:off x="335520" y="764640"/>
-            <a:ext cx="10732680" cy="483480"/>
+            <a:ext cx="10732320" cy="483120"/>
           </a:xfrm>
           <a:prstGeom prst="rect">
             <a:avLst/>
@@ -5756,25 +5306,25 @@
               </a:rPr>
               <a:t>License</a:t>
             </a:r>
-            <a:endParaRPr b="0" lang="de-DE" sz="2400" spc="-1" strike="noStrike">
-              <a:solidFill>
-                <a:srgbClr val="000000"/>
-              </a:solidFill>
-              <a:latin typeface="Arial"/>
-            </a:endParaRPr>
-          </a:p>
-        </p:txBody>
-      </p:sp>
-      <p:sp>
-        <p:nvSpPr>
-          <p:cNvPr id="51" name="CustomShape 2"/>
+            <a:endParaRPr b="0" lang="en-US" sz="2400" spc="-1" strike="noStrike">
+              <a:solidFill>
+                <a:srgbClr val="000000"/>
+              </a:solidFill>
+              <a:latin typeface="Arial"/>
+            </a:endParaRPr>
+          </a:p>
+        </p:txBody>
+      </p:sp>
+      <p:sp>
+        <p:nvSpPr>
+          <p:cNvPr id="49" name="CustomShape 2"/>
           <p:cNvSpPr/>
           <p:nvPr/>
         </p:nvSpPr>
         <p:spPr>
           <a:xfrm>
             <a:off x="335520" y="1268280"/>
-            <a:ext cx="10732680" cy="5020200"/>
+            <a:ext cx="10732320" cy="5019840"/>
           </a:xfrm>
           <a:prstGeom prst="rect">
             <a:avLst/>
@@ -5800,7 +5350,7 @@
                 <a:spcPct val="100000"/>
               </a:lnSpc>
             </a:pPr>
-            <a:endParaRPr b="0" lang="de-DE" sz="1800" spc="-1" strike="noStrike">
+            <a:endParaRPr b="0" lang="en-US" sz="1800" spc="-1" strike="noStrike">
               <a:solidFill>
                 <a:srgbClr val="000000"/>
               </a:solidFill>
@@ -5874,7 +5424,7 @@
               </a:rPr>
               <a:t> .</a:t>
             </a:r>
-            <a:endParaRPr b="0" lang="de-DE" sz="1800" spc="-1" strike="noStrike">
+            <a:endParaRPr b="0" lang="en-US" sz="1800" spc="-1" strike="noStrike">
               <a:solidFill>
                 <a:srgbClr val="000000"/>
               </a:solidFill>
@@ -5890,7 +5440,7 @@
                 <a:spcPts val="360"/>
               </a:spcBef>
             </a:pPr>
-            <a:endParaRPr b="0" lang="de-DE" sz="1800" spc="-1" strike="noStrike">
+            <a:endParaRPr b="0" lang="en-US" sz="1800" spc="-1" strike="noStrike">
               <a:solidFill>
                 <a:srgbClr val="000000"/>
               </a:solidFill>
@@ -5944,7 +5494,7 @@
               </a:rPr>
               <a:t>.</a:t>
             </a:r>
-            <a:endParaRPr b="0" lang="de-DE" sz="1800" spc="-1" strike="noStrike">
+            <a:endParaRPr b="0" lang="en-US" sz="1800" spc="-1" strike="noStrike">
               <a:solidFill>
                 <a:srgbClr val="000000"/>
               </a:solidFill>
@@ -5960,7 +5510,7 @@
                 <a:spcPts val="360"/>
               </a:spcBef>
             </a:pPr>
-            <a:endParaRPr b="0" lang="de-DE" sz="1800" spc="-1" strike="noStrike">
+            <a:endParaRPr b="0" lang="en-US" sz="1800" spc="-1" strike="noStrike">
               <a:solidFill>
                 <a:srgbClr val="000000"/>
               </a:solidFill>
@@ -6001,14 +5551,14 @@
       </p:grpSpPr>
       <p:sp>
         <p:nvSpPr>
-          <p:cNvPr id="109" name="CustomShape 1"/>
+          <p:cNvPr id="107" name="CustomShape 1"/>
           <p:cNvSpPr/>
           <p:nvPr/>
         </p:nvSpPr>
         <p:spPr>
           <a:xfrm>
             <a:off x="335520" y="764640"/>
-            <a:ext cx="10735920" cy="486720"/>
+            <a:ext cx="10735560" cy="486360"/>
           </a:xfrm>
           <a:prstGeom prst="rect">
             <a:avLst/>
@@ -6044,25 +5594,25 @@
               </a:rPr>
               <a:t>World3</a:t>
             </a:r>
-            <a:endParaRPr b="0" lang="de-DE" sz="2400" spc="-1" strike="noStrike">
-              <a:solidFill>
-                <a:srgbClr val="000000"/>
-              </a:solidFill>
-              <a:latin typeface="Arial"/>
-            </a:endParaRPr>
-          </a:p>
-        </p:txBody>
-      </p:sp>
-      <p:sp>
-        <p:nvSpPr>
-          <p:cNvPr id="110" name="CustomShape 2"/>
+            <a:endParaRPr b="0" lang="en-US" sz="2400" spc="-1" strike="noStrike">
+              <a:solidFill>
+                <a:srgbClr val="000000"/>
+              </a:solidFill>
+              <a:latin typeface="Arial"/>
+            </a:endParaRPr>
+          </a:p>
+        </p:txBody>
+      </p:sp>
+      <p:sp>
+        <p:nvSpPr>
+          <p:cNvPr id="108" name="CustomShape 2"/>
           <p:cNvSpPr/>
           <p:nvPr/>
         </p:nvSpPr>
         <p:spPr>
           <a:xfrm>
             <a:off x="335520" y="1268280"/>
-            <a:ext cx="10735920" cy="5023440"/>
+            <a:ext cx="10735560" cy="5023080"/>
           </a:xfrm>
           <a:prstGeom prst="rect">
             <a:avLst/>
@@ -6088,7 +5638,7 @@
                 <a:spcPct val="100000"/>
               </a:lnSpc>
             </a:pPr>
-            <a:endParaRPr b="0" lang="de-DE" sz="1800" spc="-1" strike="noStrike">
+            <a:endParaRPr b="0" lang="en-US" sz="1800" spc="-1" strike="noStrike">
               <a:solidFill>
                 <a:srgbClr val="000000"/>
               </a:solidFill>
@@ -6120,7 +5670,7 @@
               </a:rPr>
               <a:t>Developed in the 1960s at MIT by Jay Forrester</a:t>
             </a:r>
-            <a:endParaRPr b="0" lang="de-DE" sz="1800" spc="-1" strike="noStrike">
+            <a:endParaRPr b="0" lang="en-US" sz="1800" spc="-1" strike="noStrike">
               <a:solidFill>
                 <a:srgbClr val="000000"/>
               </a:solidFill>
@@ -6152,7 +5702,7 @@
               </a:rPr>
               <a:t>Methodology and mathematical modeling technique </a:t>
             </a:r>
-            <a:endParaRPr b="0" lang="de-DE" sz="1800" spc="-1" strike="noStrike">
+            <a:endParaRPr b="0" lang="en-US" sz="1800" spc="-1" strike="noStrike">
               <a:solidFill>
                 <a:srgbClr val="000000"/>
               </a:solidFill>
@@ -6184,7 +5734,7 @@
               </a:rPr>
               <a:t>Used to understand the nonlinear behaviour of complex systems over time </a:t>
             </a:r>
-            <a:endParaRPr b="0" lang="de-DE" sz="1800" spc="-1" strike="noStrike">
+            <a:endParaRPr b="0" lang="en-US" sz="1800" spc="-1" strike="noStrike">
               <a:solidFill>
                 <a:srgbClr val="000000"/>
               </a:solidFill>
@@ -6230,25 +5780,25 @@
               </a:rPr>
               <a:t>e.g., Forrester created a model called World2</a:t>
             </a:r>
-            <a:endParaRPr b="0" lang="de-DE" sz="1800" spc="-1" strike="noStrike">
-              <a:solidFill>
-                <a:srgbClr val="000000"/>
-              </a:solidFill>
-              <a:latin typeface="Arial"/>
-            </a:endParaRPr>
-          </a:p>
-        </p:txBody>
-      </p:sp>
-      <p:sp>
-        <p:nvSpPr>
-          <p:cNvPr id="111" name="CustomShape 3"/>
+            <a:endParaRPr b="0" lang="en-US" sz="1800" spc="-1" strike="noStrike">
+              <a:solidFill>
+                <a:srgbClr val="000000"/>
+              </a:solidFill>
+              <a:latin typeface="Arial"/>
+            </a:endParaRPr>
+          </a:p>
+        </p:txBody>
+      </p:sp>
+      <p:sp>
+        <p:nvSpPr>
+          <p:cNvPr id="109" name="CustomShape 3"/>
           <p:cNvSpPr/>
           <p:nvPr/>
         </p:nvSpPr>
         <p:spPr>
           <a:xfrm>
             <a:off x="432720" y="1148040"/>
-            <a:ext cx="10341360" cy="482040"/>
+            <a:ext cx="10341000" cy="481680"/>
           </a:xfrm>
           <a:prstGeom prst="rect">
             <a:avLst/>
@@ -6284,7 +5834,7 @@
               </a:rPr>
               <a:t>History – System Dynamics</a:t>
             </a:r>
-            <a:endParaRPr b="0" lang="de-DE" sz="2200" spc="-1" strike="noStrike">
+            <a:endParaRPr b="0" lang="en-US" sz="2200" spc="-1" strike="noStrike">
               <a:solidFill>
                 <a:srgbClr val="000000"/>
               </a:solidFill>
@@ -6325,14 +5875,14 @@
       </p:grpSpPr>
       <p:sp>
         <p:nvSpPr>
-          <p:cNvPr id="112" name="CustomShape 1"/>
+          <p:cNvPr id="110" name="CustomShape 1"/>
           <p:cNvSpPr/>
           <p:nvPr/>
         </p:nvSpPr>
         <p:spPr>
           <a:xfrm>
             <a:off x="335520" y="764640"/>
-            <a:ext cx="10735920" cy="486720"/>
+            <a:ext cx="10735560" cy="486360"/>
           </a:xfrm>
           <a:prstGeom prst="rect">
             <a:avLst/>
@@ -6368,25 +5918,25 @@
               </a:rPr>
               <a:t>World3</a:t>
             </a:r>
-            <a:endParaRPr b="0" lang="de-DE" sz="2400" spc="-1" strike="noStrike">
-              <a:solidFill>
-                <a:srgbClr val="000000"/>
-              </a:solidFill>
-              <a:latin typeface="Arial"/>
-            </a:endParaRPr>
-          </a:p>
-        </p:txBody>
-      </p:sp>
-      <p:sp>
-        <p:nvSpPr>
-          <p:cNvPr id="113" name="CustomShape 2"/>
+            <a:endParaRPr b="0" lang="en-US" sz="2400" spc="-1" strike="noStrike">
+              <a:solidFill>
+                <a:srgbClr val="000000"/>
+              </a:solidFill>
+              <a:latin typeface="Arial"/>
+            </a:endParaRPr>
+          </a:p>
+        </p:txBody>
+      </p:sp>
+      <p:sp>
+        <p:nvSpPr>
+          <p:cNvPr id="111" name="CustomShape 2"/>
           <p:cNvSpPr/>
           <p:nvPr/>
         </p:nvSpPr>
         <p:spPr>
           <a:xfrm>
             <a:off x="432720" y="1148040"/>
-            <a:ext cx="10341360" cy="482040"/>
+            <a:ext cx="10341000" cy="481680"/>
           </a:xfrm>
           <a:prstGeom prst="rect">
             <a:avLst/>
@@ -6422,25 +5972,25 @@
               </a:rPr>
               <a:t>History – System Dynamics</a:t>
             </a:r>
-            <a:endParaRPr b="0" lang="de-DE" sz="2200" spc="-1" strike="noStrike">
-              <a:solidFill>
-                <a:srgbClr val="000000"/>
-              </a:solidFill>
-              <a:latin typeface="Arial"/>
-            </a:endParaRPr>
-          </a:p>
-        </p:txBody>
-      </p:sp>
-      <p:sp>
-        <p:nvSpPr>
-          <p:cNvPr id="114" name="CustomShape 3"/>
+            <a:endParaRPr b="0" lang="en-US" sz="2200" spc="-1" strike="noStrike">
+              <a:solidFill>
+                <a:srgbClr val="000000"/>
+              </a:solidFill>
+              <a:latin typeface="Arial"/>
+            </a:endParaRPr>
+          </a:p>
+        </p:txBody>
+      </p:sp>
+      <p:sp>
+        <p:nvSpPr>
+          <p:cNvPr id="112" name="CustomShape 3"/>
           <p:cNvSpPr/>
           <p:nvPr/>
         </p:nvSpPr>
         <p:spPr>
           <a:xfrm>
             <a:off x="274320" y="6447960"/>
-            <a:ext cx="11149560" cy="245160"/>
+            <a:ext cx="11149200" cy="245160"/>
           </a:xfrm>
           <a:prstGeom prst="rect">
             <a:avLst/>
@@ -6488,25 +6038,25 @@
               </a:rPr>
               <a:t>Link</a:t>
             </a:r>
-            <a:endParaRPr b="0" lang="de-DE" sz="900" spc="-1" strike="noStrike">
-              <a:solidFill>
-                <a:srgbClr val="000000"/>
-              </a:solidFill>
-              <a:latin typeface="Arial"/>
-            </a:endParaRPr>
-          </a:p>
-        </p:txBody>
-      </p:sp>
-      <p:sp>
-        <p:nvSpPr>
-          <p:cNvPr id="115" name="CustomShape 4"/>
+            <a:endParaRPr b="0" lang="en-US" sz="900" spc="-1" strike="noStrike">
+              <a:solidFill>
+                <a:srgbClr val="000000"/>
+              </a:solidFill>
+              <a:latin typeface="Arial"/>
+            </a:endParaRPr>
+          </a:p>
+        </p:txBody>
+      </p:sp>
+      <p:sp>
+        <p:nvSpPr>
+          <p:cNvPr id="113" name="CustomShape 4"/>
           <p:cNvSpPr/>
           <p:nvPr/>
         </p:nvSpPr>
         <p:spPr>
           <a:xfrm>
             <a:off x="335520" y="1268280"/>
-            <a:ext cx="10735920" cy="5023440"/>
+            <a:ext cx="10735560" cy="5023080"/>
           </a:xfrm>
           <a:prstGeom prst="rect">
             <a:avLst/>
@@ -6532,7 +6082,7 @@
                 <a:spcPct val="100000"/>
               </a:lnSpc>
             </a:pPr>
-            <a:endParaRPr b="0" lang="de-DE" sz="1800" spc="-1" strike="noStrike">
+            <a:endParaRPr b="0" lang="en-US" sz="1800" spc="-1" strike="noStrike">
               <a:solidFill>
                 <a:srgbClr val="000000"/>
               </a:solidFill>
@@ -6604,7 +6154,7 @@
               </a:rPr>
               <a:t> (flows)</a:t>
             </a:r>
-            <a:endParaRPr b="0" lang="de-DE" sz="1800" spc="-1" strike="noStrike">
+            <a:endParaRPr b="0" lang="en-US" sz="1800" spc="-1" strike="noStrike">
               <a:solidFill>
                 <a:srgbClr val="000000"/>
               </a:solidFill>
@@ -6656,7 +6206,7 @@
               </a:rPr>
               <a:t>” specify the set of influencing factors for each of the rate variables</a:t>
             </a:r>
-            <a:endParaRPr b="0" lang="de-DE" sz="1800" spc="-1" strike="noStrike">
+            <a:endParaRPr b="0" lang="en-US" sz="1800" spc="-1" strike="noStrike">
               <a:solidFill>
                 <a:srgbClr val="000000"/>
               </a:solidFill>
@@ -6682,7 +6232,7 @@
               </a:rPr>
               <a:t>Levels:</a:t>
             </a:r>
-            <a:endParaRPr b="0" lang="de-DE" sz="1800" spc="-1" strike="noStrike">
+            <a:endParaRPr b="0" lang="en-US" sz="1800" spc="-1" strike="noStrike">
               <a:solidFill>
                 <a:srgbClr val="000000"/>
               </a:solidFill>
@@ -6708,7 +6258,7 @@
               </a:rPr>
               <a:t>Population (Inflows: Birth rate | Outflows: Death rate)</a:t>
             </a:r>
-            <a:endParaRPr b="0" lang="de-DE" sz="1800" spc="-1" strike="noStrike">
+            <a:endParaRPr b="0" lang="en-US" sz="1800" spc="-1" strike="noStrike">
               <a:solidFill>
                 <a:srgbClr val="000000"/>
               </a:solidFill>
@@ -6734,7 +6284,7 @@
               </a:rPr>
               <a:t>Money (Inflows: Income | Outflows: Expenses)</a:t>
             </a:r>
-            <a:endParaRPr b="0" lang="de-DE" sz="1800" spc="-1" strike="noStrike">
+            <a:endParaRPr b="0" lang="en-US" sz="1800" spc="-1" strike="noStrike">
               <a:solidFill>
                 <a:srgbClr val="000000"/>
               </a:solidFill>
@@ -6760,7 +6310,7 @@
               </a:rPr>
               <a:t>Laundry list for “Birth rate”:</a:t>
             </a:r>
-            <a:endParaRPr b="0" lang="de-DE" sz="1800" spc="-1" strike="noStrike">
+            <a:endParaRPr b="0" lang="en-US" sz="1800" spc="-1" strike="noStrike">
               <a:solidFill>
                 <a:srgbClr val="000000"/>
               </a:solidFill>
@@ -6786,7 +6336,7 @@
               </a:rPr>
               <a:t>Population</a:t>
             </a:r>
-            <a:endParaRPr b="0" lang="de-DE" sz="1800" spc="-1" strike="noStrike">
+            <a:endParaRPr b="0" lang="en-US" sz="1800" spc="-1" strike="noStrike">
               <a:solidFill>
                 <a:srgbClr val="000000"/>
               </a:solidFill>
@@ -6812,7 +6362,7 @@
               </a:rPr>
               <a:t>Standard of living</a:t>
             </a:r>
-            <a:endParaRPr b="0" lang="de-DE" sz="1800" spc="-1" strike="noStrike">
+            <a:endParaRPr b="0" lang="en-US" sz="1800" spc="-1" strike="noStrike">
               <a:solidFill>
                 <a:srgbClr val="000000"/>
               </a:solidFill>
@@ -6838,7 +6388,7 @@
               </a:rPr>
               <a:t>Food Quality</a:t>
             </a:r>
-            <a:endParaRPr b="0" lang="de-DE" sz="1800" spc="-1" strike="noStrike">
+            <a:endParaRPr b="0" lang="en-US" sz="1800" spc="-1" strike="noStrike">
               <a:solidFill>
                 <a:srgbClr val="000000"/>
               </a:solidFill>
@@ -6864,7 +6414,7 @@
               </a:rPr>
               <a:t>Food Quantity</a:t>
             </a:r>
-            <a:endParaRPr b="0" lang="de-DE" sz="1800" spc="-1" strike="noStrike">
+            <a:endParaRPr b="0" lang="en-US" sz="1800" spc="-1" strike="noStrike">
               <a:solidFill>
                 <a:srgbClr val="000000"/>
               </a:solidFill>
@@ -6890,7 +6440,7 @@
               </a:rPr>
               <a:t>Education</a:t>
             </a:r>
-            <a:endParaRPr b="0" lang="de-DE" sz="1800" spc="-1" strike="noStrike">
+            <a:endParaRPr b="0" lang="en-US" sz="1800" spc="-1" strike="noStrike">
               <a:solidFill>
                 <a:srgbClr val="000000"/>
               </a:solidFill>
@@ -6916,7 +6466,7 @@
               </a:rPr>
               <a:t>Contraceptives</a:t>
             </a:r>
-            <a:endParaRPr b="0" lang="de-DE" sz="1800" spc="-1" strike="noStrike">
+            <a:endParaRPr b="0" lang="en-US" sz="1800" spc="-1" strike="noStrike">
               <a:solidFill>
                 <a:srgbClr val="000000"/>
               </a:solidFill>
@@ -6957,14 +6507,14 @@
       </p:grpSpPr>
       <p:sp>
         <p:nvSpPr>
-          <p:cNvPr id="116" name="CustomShape 1"/>
+          <p:cNvPr id="114" name="CustomShape 1"/>
           <p:cNvSpPr/>
           <p:nvPr/>
         </p:nvSpPr>
         <p:spPr>
           <a:xfrm>
             <a:off x="335520" y="764640"/>
-            <a:ext cx="10735920" cy="486720"/>
+            <a:ext cx="10735560" cy="486360"/>
           </a:xfrm>
           <a:prstGeom prst="rect">
             <a:avLst/>
@@ -7000,25 +6550,25 @@
               </a:rPr>
               <a:t>World3</a:t>
             </a:r>
-            <a:endParaRPr b="0" lang="de-DE" sz="2400" spc="-1" strike="noStrike">
-              <a:solidFill>
-                <a:srgbClr val="000000"/>
-              </a:solidFill>
-              <a:latin typeface="Arial"/>
-            </a:endParaRPr>
-          </a:p>
-        </p:txBody>
-      </p:sp>
-      <p:sp>
-        <p:nvSpPr>
-          <p:cNvPr id="117" name="CustomShape 2"/>
+            <a:endParaRPr b="0" lang="en-US" sz="2400" spc="-1" strike="noStrike">
+              <a:solidFill>
+                <a:srgbClr val="000000"/>
+              </a:solidFill>
+              <a:latin typeface="Arial"/>
+            </a:endParaRPr>
+          </a:p>
+        </p:txBody>
+      </p:sp>
+      <p:sp>
+        <p:nvSpPr>
+          <p:cNvPr id="115" name="CustomShape 2"/>
           <p:cNvSpPr/>
           <p:nvPr/>
         </p:nvSpPr>
         <p:spPr>
           <a:xfrm>
             <a:off x="432720" y="1148040"/>
-            <a:ext cx="10341360" cy="482040"/>
+            <a:ext cx="10341000" cy="481680"/>
           </a:xfrm>
           <a:prstGeom prst="rect">
             <a:avLst/>
@@ -7054,25 +6604,25 @@
               </a:rPr>
               <a:t>History – System Dynamics</a:t>
             </a:r>
-            <a:endParaRPr b="0" lang="de-DE" sz="2200" spc="-1" strike="noStrike">
-              <a:solidFill>
-                <a:srgbClr val="000000"/>
-              </a:solidFill>
-              <a:latin typeface="Arial"/>
-            </a:endParaRPr>
-          </a:p>
-        </p:txBody>
-      </p:sp>
-      <p:sp>
-        <p:nvSpPr>
-          <p:cNvPr id="118" name="CustomShape 3"/>
+            <a:endParaRPr b="0" lang="en-US" sz="2200" spc="-1" strike="noStrike">
+              <a:solidFill>
+                <a:srgbClr val="000000"/>
+              </a:solidFill>
+              <a:latin typeface="Arial"/>
+            </a:endParaRPr>
+          </a:p>
+        </p:txBody>
+      </p:sp>
+      <p:sp>
+        <p:nvSpPr>
+          <p:cNvPr id="116" name="CustomShape 3"/>
           <p:cNvSpPr/>
           <p:nvPr/>
         </p:nvSpPr>
         <p:spPr>
           <a:xfrm>
             <a:off x="274320" y="6447960"/>
-            <a:ext cx="11149560" cy="245160"/>
+            <a:ext cx="11149200" cy="245160"/>
           </a:xfrm>
           <a:prstGeom prst="rect">
             <a:avLst/>
@@ -7120,25 +6670,25 @@
               </a:rPr>
               <a:t>Link</a:t>
             </a:r>
-            <a:endParaRPr b="0" lang="de-DE" sz="900" spc="-1" strike="noStrike">
-              <a:solidFill>
-                <a:srgbClr val="000000"/>
-              </a:solidFill>
-              <a:latin typeface="Arial"/>
-            </a:endParaRPr>
-          </a:p>
-        </p:txBody>
-      </p:sp>
-      <p:sp>
-        <p:nvSpPr>
-          <p:cNvPr id="119" name="CustomShape 4"/>
+            <a:endParaRPr b="0" lang="en-US" sz="900" spc="-1" strike="noStrike">
+              <a:solidFill>
+                <a:srgbClr val="000000"/>
+              </a:solidFill>
+              <a:latin typeface="Arial"/>
+            </a:endParaRPr>
+          </a:p>
+        </p:txBody>
+      </p:sp>
+      <p:sp>
+        <p:nvSpPr>
+          <p:cNvPr id="117" name="CustomShape 4"/>
           <p:cNvSpPr/>
           <p:nvPr/>
         </p:nvSpPr>
         <p:spPr>
           <a:xfrm>
             <a:off x="335520" y="1268280"/>
-            <a:ext cx="10735920" cy="5023440"/>
+            <a:ext cx="10735560" cy="5023080"/>
           </a:xfrm>
           <a:prstGeom prst="rect">
             <a:avLst/>
@@ -7164,7 +6714,7 @@
                 <a:spcPct val="100000"/>
               </a:lnSpc>
             </a:pPr>
-            <a:endParaRPr b="0" lang="de-DE" sz="1800" spc="-1" strike="noStrike">
+            <a:endParaRPr b="0" lang="en-US" sz="1800" spc="-1" strike="noStrike">
               <a:solidFill>
                 <a:srgbClr val="000000"/>
               </a:solidFill>
@@ -7236,7 +6786,7 @@
               </a:rPr>
               <a:t> (flows)</a:t>
             </a:r>
-            <a:endParaRPr b="0" lang="de-DE" sz="1800" spc="-1" strike="noStrike">
+            <a:endParaRPr b="0" lang="en-US" sz="1800" spc="-1" strike="noStrike">
               <a:solidFill>
                 <a:srgbClr val="000000"/>
               </a:solidFill>
@@ -7288,7 +6838,7 @@
               </a:rPr>
               <a:t>” specify the set of influencing factors for each of the rate variables</a:t>
             </a:r>
-            <a:endParaRPr b="0" lang="de-DE" sz="1800" spc="-1" strike="noStrike">
+            <a:endParaRPr b="0" lang="en-US" sz="1800" spc="-1" strike="noStrike">
               <a:solidFill>
                 <a:srgbClr val="000000"/>
               </a:solidFill>
@@ -7320,7 +6870,7 @@
               </a:rPr>
               <a:t>Levels:</a:t>
             </a:r>
-            <a:endParaRPr b="0" lang="de-DE" sz="1800" spc="-1" strike="noStrike">
+            <a:endParaRPr b="0" lang="en-US" sz="1800" spc="-1" strike="noStrike">
               <a:solidFill>
                 <a:srgbClr val="000000"/>
               </a:solidFill>
@@ -7352,7 +6902,7 @@
               </a:rPr>
               <a:t>Population (Inflows: Birth rate | Outflows: Death rate)</a:t>
             </a:r>
-            <a:endParaRPr b="0" lang="de-DE" sz="1800" spc="-1" strike="noStrike">
+            <a:endParaRPr b="0" lang="en-US" sz="1800" spc="-1" strike="noStrike">
               <a:solidFill>
                 <a:srgbClr val="000000"/>
               </a:solidFill>
@@ -7384,7 +6934,7 @@
               </a:rPr>
               <a:t>Money (Inflows: Income | Outflows: Expenses)</a:t>
             </a:r>
-            <a:endParaRPr b="0" lang="de-DE" sz="1800" spc="-1" strike="noStrike">
+            <a:endParaRPr b="0" lang="en-US" sz="1800" spc="-1" strike="noStrike">
               <a:solidFill>
                 <a:srgbClr val="000000"/>
               </a:solidFill>
@@ -7410,7 +6960,7 @@
               </a:rPr>
               <a:t>Laundry list for “Birth rate”:</a:t>
             </a:r>
-            <a:endParaRPr b="0" lang="de-DE" sz="1800" spc="-1" strike="noStrike">
+            <a:endParaRPr b="0" lang="en-US" sz="1800" spc="-1" strike="noStrike">
               <a:solidFill>
                 <a:srgbClr val="000000"/>
               </a:solidFill>
@@ -7436,7 +6986,7 @@
               </a:rPr>
               <a:t>Population</a:t>
             </a:r>
-            <a:endParaRPr b="0" lang="de-DE" sz="1800" spc="-1" strike="noStrike">
+            <a:endParaRPr b="0" lang="en-US" sz="1800" spc="-1" strike="noStrike">
               <a:solidFill>
                 <a:srgbClr val="000000"/>
               </a:solidFill>
@@ -7462,7 +7012,7 @@
               </a:rPr>
               <a:t>Standard of living</a:t>
             </a:r>
-            <a:endParaRPr b="0" lang="de-DE" sz="1800" spc="-1" strike="noStrike">
+            <a:endParaRPr b="0" lang="en-US" sz="1800" spc="-1" strike="noStrike">
               <a:solidFill>
                 <a:srgbClr val="000000"/>
               </a:solidFill>
@@ -7488,7 +7038,7 @@
               </a:rPr>
               <a:t>Food Quality</a:t>
             </a:r>
-            <a:endParaRPr b="0" lang="de-DE" sz="1800" spc="-1" strike="noStrike">
+            <a:endParaRPr b="0" lang="en-US" sz="1800" spc="-1" strike="noStrike">
               <a:solidFill>
                 <a:srgbClr val="000000"/>
               </a:solidFill>
@@ -7514,7 +7064,7 @@
               </a:rPr>
               <a:t>Food Quantity</a:t>
             </a:r>
-            <a:endParaRPr b="0" lang="de-DE" sz="1800" spc="-1" strike="noStrike">
+            <a:endParaRPr b="0" lang="en-US" sz="1800" spc="-1" strike="noStrike">
               <a:solidFill>
                 <a:srgbClr val="000000"/>
               </a:solidFill>
@@ -7540,7 +7090,7 @@
               </a:rPr>
               <a:t>Education</a:t>
             </a:r>
-            <a:endParaRPr b="0" lang="de-DE" sz="1800" spc="-1" strike="noStrike">
+            <a:endParaRPr b="0" lang="en-US" sz="1800" spc="-1" strike="noStrike">
               <a:solidFill>
                 <a:srgbClr val="000000"/>
               </a:solidFill>
@@ -7566,7 +7116,7 @@
               </a:rPr>
               <a:t>Contraceptives</a:t>
             </a:r>
-            <a:endParaRPr b="0" lang="de-DE" sz="1800" spc="-1" strike="noStrike">
+            <a:endParaRPr b="0" lang="en-US" sz="1800" spc="-1" strike="noStrike">
               <a:solidFill>
                 <a:srgbClr val="000000"/>
               </a:solidFill>
@@ -7607,14 +7157,14 @@
       </p:grpSpPr>
       <p:sp>
         <p:nvSpPr>
-          <p:cNvPr id="120" name="CustomShape 1"/>
+          <p:cNvPr id="118" name="CustomShape 1"/>
           <p:cNvSpPr/>
           <p:nvPr/>
         </p:nvSpPr>
         <p:spPr>
           <a:xfrm>
             <a:off x="335520" y="764640"/>
-            <a:ext cx="10735920" cy="486720"/>
+            <a:ext cx="10735560" cy="486360"/>
           </a:xfrm>
           <a:prstGeom prst="rect">
             <a:avLst/>
@@ -7650,25 +7200,25 @@
               </a:rPr>
               <a:t>World3</a:t>
             </a:r>
-            <a:endParaRPr b="0" lang="de-DE" sz="2400" spc="-1" strike="noStrike">
-              <a:solidFill>
-                <a:srgbClr val="000000"/>
-              </a:solidFill>
-              <a:latin typeface="Arial"/>
-            </a:endParaRPr>
-          </a:p>
-        </p:txBody>
-      </p:sp>
-      <p:sp>
-        <p:nvSpPr>
-          <p:cNvPr id="121" name="CustomShape 2"/>
+            <a:endParaRPr b="0" lang="en-US" sz="2400" spc="-1" strike="noStrike">
+              <a:solidFill>
+                <a:srgbClr val="000000"/>
+              </a:solidFill>
+              <a:latin typeface="Arial"/>
+            </a:endParaRPr>
+          </a:p>
+        </p:txBody>
+      </p:sp>
+      <p:sp>
+        <p:nvSpPr>
+          <p:cNvPr id="119" name="CustomShape 2"/>
           <p:cNvSpPr/>
           <p:nvPr/>
         </p:nvSpPr>
         <p:spPr>
           <a:xfrm>
             <a:off x="432720" y="1148040"/>
-            <a:ext cx="10341360" cy="482040"/>
+            <a:ext cx="10341000" cy="481680"/>
           </a:xfrm>
           <a:prstGeom prst="rect">
             <a:avLst/>
@@ -7704,25 +7254,25 @@
               </a:rPr>
               <a:t>History – System Dynamics</a:t>
             </a:r>
-            <a:endParaRPr b="0" lang="de-DE" sz="2200" spc="-1" strike="noStrike">
-              <a:solidFill>
-                <a:srgbClr val="000000"/>
-              </a:solidFill>
-              <a:latin typeface="Arial"/>
-            </a:endParaRPr>
-          </a:p>
-        </p:txBody>
-      </p:sp>
-      <p:sp>
-        <p:nvSpPr>
-          <p:cNvPr id="122" name="CustomShape 3"/>
+            <a:endParaRPr b="0" lang="en-US" sz="2200" spc="-1" strike="noStrike">
+              <a:solidFill>
+                <a:srgbClr val="000000"/>
+              </a:solidFill>
+              <a:latin typeface="Arial"/>
+            </a:endParaRPr>
+          </a:p>
+        </p:txBody>
+      </p:sp>
+      <p:sp>
+        <p:nvSpPr>
+          <p:cNvPr id="120" name="CustomShape 3"/>
           <p:cNvSpPr/>
           <p:nvPr/>
         </p:nvSpPr>
         <p:spPr>
           <a:xfrm>
             <a:off x="274320" y="6447960"/>
-            <a:ext cx="11149560" cy="245160"/>
+            <a:ext cx="11149200" cy="245160"/>
           </a:xfrm>
           <a:prstGeom prst="rect">
             <a:avLst/>
@@ -7770,25 +7320,25 @@
               </a:rPr>
               <a:t>Link</a:t>
             </a:r>
-            <a:endParaRPr b="0" lang="de-DE" sz="900" spc="-1" strike="noStrike">
-              <a:solidFill>
-                <a:srgbClr val="000000"/>
-              </a:solidFill>
-              <a:latin typeface="Arial"/>
-            </a:endParaRPr>
-          </a:p>
-        </p:txBody>
-      </p:sp>
-      <p:sp>
-        <p:nvSpPr>
-          <p:cNvPr id="123" name="CustomShape 4"/>
+            <a:endParaRPr b="0" lang="en-US" sz="900" spc="-1" strike="noStrike">
+              <a:solidFill>
+                <a:srgbClr val="000000"/>
+              </a:solidFill>
+              <a:latin typeface="Arial"/>
+            </a:endParaRPr>
+          </a:p>
+        </p:txBody>
+      </p:sp>
+      <p:sp>
+        <p:nvSpPr>
+          <p:cNvPr id="121" name="CustomShape 4"/>
           <p:cNvSpPr/>
           <p:nvPr/>
         </p:nvSpPr>
         <p:spPr>
           <a:xfrm>
             <a:off x="335520" y="1268280"/>
-            <a:ext cx="10735920" cy="5023440"/>
+            <a:ext cx="10735560" cy="5023080"/>
           </a:xfrm>
           <a:prstGeom prst="rect">
             <a:avLst/>
@@ -7814,7 +7364,7 @@
                 <a:spcPct val="100000"/>
               </a:lnSpc>
             </a:pPr>
-            <a:endParaRPr b="0" lang="de-DE" sz="1800" spc="-1" strike="noStrike">
+            <a:endParaRPr b="0" lang="en-US" sz="1800" spc="-1" strike="noStrike">
               <a:solidFill>
                 <a:srgbClr val="000000"/>
               </a:solidFill>
@@ -7886,7 +7436,7 @@
               </a:rPr>
               <a:t> (flows)</a:t>
             </a:r>
-            <a:endParaRPr b="0" lang="de-DE" sz="1800" spc="-1" strike="noStrike">
+            <a:endParaRPr b="0" lang="en-US" sz="1800" spc="-1" strike="noStrike">
               <a:solidFill>
                 <a:srgbClr val="000000"/>
               </a:solidFill>
@@ -7938,7 +7488,7 @@
               </a:rPr>
               <a:t>” specify the set of influencing factors for each of the rate variables</a:t>
             </a:r>
-            <a:endParaRPr b="0" lang="de-DE" sz="1800" spc="-1" strike="noStrike">
+            <a:endParaRPr b="0" lang="en-US" sz="1800" spc="-1" strike="noStrike">
               <a:solidFill>
                 <a:srgbClr val="000000"/>
               </a:solidFill>
@@ -7970,7 +7520,7 @@
               </a:rPr>
               <a:t>Levels:</a:t>
             </a:r>
-            <a:endParaRPr b="0" lang="de-DE" sz="1800" spc="-1" strike="noStrike">
+            <a:endParaRPr b="0" lang="en-US" sz="1800" spc="-1" strike="noStrike">
               <a:solidFill>
                 <a:srgbClr val="000000"/>
               </a:solidFill>
@@ -8002,7 +7552,7 @@
               </a:rPr>
               <a:t>Population (Inflows: Birth rate | Outflows: Death rate)</a:t>
             </a:r>
-            <a:endParaRPr b="0" lang="de-DE" sz="1800" spc="-1" strike="noStrike">
+            <a:endParaRPr b="0" lang="en-US" sz="1800" spc="-1" strike="noStrike">
               <a:solidFill>
                 <a:srgbClr val="000000"/>
               </a:solidFill>
@@ -8034,7 +7584,7 @@
               </a:rPr>
               <a:t>Money (Inflows: Income | Outflows: Expenses)</a:t>
             </a:r>
-            <a:endParaRPr b="0" lang="de-DE" sz="1800" spc="-1" strike="noStrike">
+            <a:endParaRPr b="0" lang="en-US" sz="1800" spc="-1" strike="noStrike">
               <a:solidFill>
                 <a:srgbClr val="000000"/>
               </a:solidFill>
@@ -8066,7 +7616,7 @@
               </a:rPr>
               <a:t>Laundry list for “Birth rate”:</a:t>
             </a:r>
-            <a:endParaRPr b="0" lang="de-DE" sz="1800" spc="-1" strike="noStrike">
+            <a:endParaRPr b="0" lang="en-US" sz="1800" spc="-1" strike="noStrike">
               <a:solidFill>
                 <a:srgbClr val="000000"/>
               </a:solidFill>
@@ -8098,7 +7648,7 @@
               </a:rPr>
               <a:t>Population</a:t>
             </a:r>
-            <a:endParaRPr b="0" lang="de-DE" sz="1800" spc="-1" strike="noStrike">
+            <a:endParaRPr b="0" lang="en-US" sz="1800" spc="-1" strike="noStrike">
               <a:solidFill>
                 <a:srgbClr val="000000"/>
               </a:solidFill>
@@ -8130,7 +7680,7 @@
               </a:rPr>
               <a:t>Standard of living</a:t>
             </a:r>
-            <a:endParaRPr b="0" lang="de-DE" sz="1800" spc="-1" strike="noStrike">
+            <a:endParaRPr b="0" lang="en-US" sz="1800" spc="-1" strike="noStrike">
               <a:solidFill>
                 <a:srgbClr val="000000"/>
               </a:solidFill>
@@ -8162,7 +7712,7 @@
               </a:rPr>
               <a:t>Food Quality</a:t>
             </a:r>
-            <a:endParaRPr b="0" lang="de-DE" sz="1800" spc="-1" strike="noStrike">
+            <a:endParaRPr b="0" lang="en-US" sz="1800" spc="-1" strike="noStrike">
               <a:solidFill>
                 <a:srgbClr val="000000"/>
               </a:solidFill>
@@ -8194,7 +7744,7 @@
               </a:rPr>
               <a:t>Food Quantity</a:t>
             </a:r>
-            <a:endParaRPr b="0" lang="de-DE" sz="1800" spc="-1" strike="noStrike">
+            <a:endParaRPr b="0" lang="en-US" sz="1800" spc="-1" strike="noStrike">
               <a:solidFill>
                 <a:srgbClr val="000000"/>
               </a:solidFill>
@@ -8226,7 +7776,7 @@
               </a:rPr>
               <a:t>Education</a:t>
             </a:r>
-            <a:endParaRPr b="0" lang="de-DE" sz="1800" spc="-1" strike="noStrike">
+            <a:endParaRPr b="0" lang="en-US" sz="1800" spc="-1" strike="noStrike">
               <a:solidFill>
                 <a:srgbClr val="000000"/>
               </a:solidFill>
@@ -8258,7 +7808,7 @@
               </a:rPr>
               <a:t>Contraceptives</a:t>
             </a:r>
-            <a:endParaRPr b="0" lang="de-DE" sz="1800" spc="-1" strike="noStrike">
+            <a:endParaRPr b="0" lang="en-US" sz="1800" spc="-1" strike="noStrike">
               <a:solidFill>
                 <a:srgbClr val="000000"/>
               </a:solidFill>
@@ -8299,14 +7849,14 @@
       </p:grpSpPr>
       <p:sp>
         <p:nvSpPr>
-          <p:cNvPr id="124" name="CustomShape 1"/>
+          <p:cNvPr id="122" name="CustomShape 1"/>
           <p:cNvSpPr/>
           <p:nvPr/>
         </p:nvSpPr>
         <p:spPr>
           <a:xfrm>
             <a:off x="335520" y="764640"/>
-            <a:ext cx="10735920" cy="486720"/>
+            <a:ext cx="10735560" cy="486360"/>
           </a:xfrm>
           <a:prstGeom prst="rect">
             <a:avLst/>
@@ -8342,25 +7892,25 @@
               </a:rPr>
               <a:t>World3</a:t>
             </a:r>
-            <a:endParaRPr b="0" lang="de-DE" sz="2400" spc="-1" strike="noStrike">
-              <a:solidFill>
-                <a:srgbClr val="000000"/>
-              </a:solidFill>
-              <a:latin typeface="Arial"/>
-            </a:endParaRPr>
-          </a:p>
-        </p:txBody>
-      </p:sp>
-      <p:sp>
-        <p:nvSpPr>
-          <p:cNvPr id="125" name="CustomShape 2"/>
+            <a:endParaRPr b="0" lang="en-US" sz="2400" spc="-1" strike="noStrike">
+              <a:solidFill>
+                <a:srgbClr val="000000"/>
+              </a:solidFill>
+              <a:latin typeface="Arial"/>
+            </a:endParaRPr>
+          </a:p>
+        </p:txBody>
+      </p:sp>
+      <p:sp>
+        <p:nvSpPr>
+          <p:cNvPr id="123" name="CustomShape 2"/>
           <p:cNvSpPr/>
           <p:nvPr/>
         </p:nvSpPr>
         <p:spPr>
           <a:xfrm>
             <a:off x="335520" y="1268280"/>
-            <a:ext cx="10735920" cy="5023440"/>
+            <a:ext cx="10735560" cy="5023080"/>
           </a:xfrm>
           <a:prstGeom prst="rect">
             <a:avLst/>
@@ -8386,7 +7936,7 @@
                 <a:spcPct val="100000"/>
               </a:lnSpc>
             </a:pPr>
-            <a:endParaRPr b="0" lang="de-DE" sz="1800" spc="-1" strike="noStrike">
+            <a:endParaRPr b="0" lang="en-US" sz="1800" spc="-1" strike="noStrike">
               <a:solidFill>
                 <a:srgbClr val="000000"/>
               </a:solidFill>
@@ -8415,7 +7965,7 @@
               </a:rPr>
               <a:t>The Club of Rome (non-governmental organization – NGO) invites Forrester to apply his ideas to the global economy and ecosystem → declines and proceeds with the project without the Club of Rome. </a:t>
             </a:r>
-            <a:endParaRPr b="0" lang="de-DE" sz="1800" spc="-1" strike="noStrike">
+            <a:endParaRPr b="0" lang="en-US" sz="1800" spc="-1" strike="noStrike">
               <a:solidFill>
                 <a:srgbClr val="000000"/>
               </a:solidFill>
@@ -8447,7 +7997,7 @@
               </a:rPr>
               <a:t>Dennis Meadows (colleague and former student of Forrester) organizes the project for The Club of Rome.</a:t>
             </a:r>
-            <a:endParaRPr b="0" lang="de-DE" sz="1800" spc="-1" strike="noStrike">
+            <a:endParaRPr b="0" lang="en-US" sz="1800" spc="-1" strike="noStrike">
               <a:solidFill>
                 <a:srgbClr val="000000"/>
               </a:solidFill>
@@ -8479,7 +8029,7 @@
               </a:rPr>
               <a:t>17 researchers spend a year refining and enlarging the Forrester World2 model →  World3.</a:t>
             </a:r>
-            <a:endParaRPr b="0" lang="de-DE" sz="1800" spc="-1" strike="noStrike">
+            <a:endParaRPr b="0" lang="en-US" sz="1800" spc="-1" strike="noStrike">
               <a:solidFill>
                 <a:srgbClr val="000000"/>
               </a:solidFill>
@@ -8511,25 +8061,25 @@
               </a:rPr>
               <a:t>World3 is considerably more complex and more powerful</a:t>
             </a:r>
-            <a:endParaRPr b="0" lang="de-DE" sz="1800" spc="-1" strike="noStrike">
-              <a:solidFill>
-                <a:srgbClr val="000000"/>
-              </a:solidFill>
-              <a:latin typeface="Arial"/>
-            </a:endParaRPr>
-          </a:p>
-        </p:txBody>
-      </p:sp>
-      <p:sp>
-        <p:nvSpPr>
-          <p:cNvPr id="126" name="CustomShape 3"/>
+            <a:endParaRPr b="0" lang="en-US" sz="1800" spc="-1" strike="noStrike">
+              <a:solidFill>
+                <a:srgbClr val="000000"/>
+              </a:solidFill>
+              <a:latin typeface="Arial"/>
+            </a:endParaRPr>
+          </a:p>
+        </p:txBody>
+      </p:sp>
+      <p:sp>
+        <p:nvSpPr>
+          <p:cNvPr id="124" name="CustomShape 3"/>
           <p:cNvSpPr/>
           <p:nvPr/>
         </p:nvSpPr>
         <p:spPr>
           <a:xfrm>
             <a:off x="432720" y="1148040"/>
-            <a:ext cx="10341360" cy="482040"/>
+            <a:ext cx="10341000" cy="481680"/>
           </a:xfrm>
           <a:prstGeom prst="rect">
             <a:avLst/>
@@ -8565,25 +8115,25 @@
               </a:rPr>
               <a:t>History – World2 to World3</a:t>
             </a:r>
-            <a:endParaRPr b="0" lang="de-DE" sz="2200" spc="-1" strike="noStrike">
-              <a:solidFill>
-                <a:srgbClr val="000000"/>
-              </a:solidFill>
-              <a:latin typeface="Arial"/>
-            </a:endParaRPr>
-          </a:p>
-        </p:txBody>
-      </p:sp>
-      <p:sp>
-        <p:nvSpPr>
-          <p:cNvPr id="127" name="CustomShape 4"/>
+            <a:endParaRPr b="0" lang="en-US" sz="2200" spc="-1" strike="noStrike">
+              <a:solidFill>
+                <a:srgbClr val="000000"/>
+              </a:solidFill>
+              <a:latin typeface="Arial"/>
+            </a:endParaRPr>
+          </a:p>
+        </p:txBody>
+      </p:sp>
+      <p:sp>
+        <p:nvSpPr>
+          <p:cNvPr id="125" name="CustomShape 4"/>
           <p:cNvSpPr/>
           <p:nvPr/>
         </p:nvSpPr>
         <p:spPr>
           <a:xfrm>
             <a:off x="263520" y="6492240"/>
-            <a:ext cx="10611360" cy="245160"/>
+            <a:ext cx="10611000" cy="245160"/>
           </a:xfrm>
           <a:prstGeom prst="rect">
             <a:avLst/>
@@ -8631,7 +8181,7 @@
               </a:rPr>
               <a:t>Link</a:t>
             </a:r>
-            <a:endParaRPr b="0" lang="de-DE" sz="900" spc="-1" strike="noStrike">
+            <a:endParaRPr b="0" lang="en-US" sz="900" spc="-1" strike="noStrike">
               <a:solidFill>
                 <a:srgbClr val="000000"/>
               </a:solidFill>
@@ -8672,14 +8222,14 @@
       </p:grpSpPr>
       <p:sp>
         <p:nvSpPr>
-          <p:cNvPr id="128" name="CustomShape 1"/>
+          <p:cNvPr id="126" name="CustomShape 1"/>
           <p:cNvSpPr/>
           <p:nvPr/>
         </p:nvSpPr>
         <p:spPr>
           <a:xfrm>
             <a:off x="335520" y="764640"/>
-            <a:ext cx="10735920" cy="486720"/>
+            <a:ext cx="10735560" cy="486360"/>
           </a:xfrm>
           <a:prstGeom prst="rect">
             <a:avLst/>
@@ -8715,25 +8265,25 @@
               </a:rPr>
               <a:t>World3</a:t>
             </a:r>
-            <a:endParaRPr b="0" lang="de-DE" sz="2400" spc="-1" strike="noStrike">
-              <a:solidFill>
-                <a:srgbClr val="000000"/>
-              </a:solidFill>
-              <a:latin typeface="Arial"/>
-            </a:endParaRPr>
-          </a:p>
-        </p:txBody>
-      </p:sp>
-      <p:sp>
-        <p:nvSpPr>
-          <p:cNvPr id="129" name="CustomShape 2"/>
+            <a:endParaRPr b="0" lang="en-US" sz="2400" spc="-1" strike="noStrike">
+              <a:solidFill>
+                <a:srgbClr val="000000"/>
+              </a:solidFill>
+              <a:latin typeface="Arial"/>
+            </a:endParaRPr>
+          </a:p>
+        </p:txBody>
+      </p:sp>
+      <p:sp>
+        <p:nvSpPr>
+          <p:cNvPr id="127" name="CustomShape 2"/>
           <p:cNvSpPr/>
           <p:nvPr/>
         </p:nvSpPr>
         <p:spPr>
           <a:xfrm>
             <a:off x="432720" y="1148040"/>
-            <a:ext cx="10341360" cy="482040"/>
+            <a:ext cx="10341000" cy="481680"/>
           </a:xfrm>
           <a:prstGeom prst="rect">
             <a:avLst/>
@@ -8769,25 +8319,25 @@
               </a:rPr>
               <a:t>Model Components</a:t>
             </a:r>
-            <a:endParaRPr b="0" lang="de-DE" sz="2200" spc="-1" strike="noStrike">
-              <a:solidFill>
-                <a:srgbClr val="000000"/>
-              </a:solidFill>
-              <a:latin typeface="Arial"/>
-            </a:endParaRPr>
-          </a:p>
-        </p:txBody>
-      </p:sp>
-      <p:sp>
-        <p:nvSpPr>
-          <p:cNvPr id="130" name="CustomShape 3"/>
+            <a:endParaRPr b="0" lang="en-US" sz="2200" spc="-1" strike="noStrike">
+              <a:solidFill>
+                <a:srgbClr val="000000"/>
+              </a:solidFill>
+              <a:latin typeface="Arial"/>
+            </a:endParaRPr>
+          </a:p>
+        </p:txBody>
+      </p:sp>
+      <p:sp>
+        <p:nvSpPr>
+          <p:cNvPr id="128" name="CustomShape 3"/>
           <p:cNvSpPr/>
           <p:nvPr/>
         </p:nvSpPr>
         <p:spPr>
           <a:xfrm>
             <a:off x="274320" y="6447960"/>
-            <a:ext cx="11149560" cy="245160"/>
+            <a:ext cx="11149200" cy="245160"/>
           </a:xfrm>
           <a:prstGeom prst="rect">
             <a:avLst/>
@@ -8835,7 +8385,7 @@
               </a:rPr>
               <a:t>Link</a:t>
             </a:r>
-            <a:endParaRPr b="0" lang="de-DE" sz="900" spc="-1" strike="noStrike">
+            <a:endParaRPr b="0" lang="en-US" sz="900" spc="-1" strike="noStrike">
               <a:solidFill>
                 <a:srgbClr val="000000"/>
               </a:solidFill>
@@ -8846,7 +8396,7 @@
       </p:sp>
       <p:pic>
         <p:nvPicPr>
-          <p:cNvPr id="131" name="Grafik 301" descr=""/>
+          <p:cNvPr id="129" name="Grafik 301" descr=""/>
           <p:cNvPicPr/>
           <p:nvPr/>
         </p:nvPicPr>
@@ -8857,7 +8407,7 @@
         <p:spPr>
           <a:xfrm>
             <a:off x="879120" y="2670480"/>
-            <a:ext cx="9641160" cy="2721960"/>
+            <a:ext cx="9640800" cy="2721600"/>
           </a:xfrm>
           <a:prstGeom prst="rect">
             <a:avLst/>
@@ -8899,14 +8449,14 @@
       </p:grpSpPr>
       <p:sp>
         <p:nvSpPr>
-          <p:cNvPr id="132" name="CustomShape 1"/>
+          <p:cNvPr id="130" name="CustomShape 1"/>
           <p:cNvSpPr/>
           <p:nvPr/>
         </p:nvSpPr>
         <p:spPr>
           <a:xfrm>
             <a:off x="335520" y="764640"/>
-            <a:ext cx="10735920" cy="486720"/>
+            <a:ext cx="10735560" cy="486360"/>
           </a:xfrm>
           <a:prstGeom prst="rect">
             <a:avLst/>
@@ -8942,25 +8492,25 @@
               </a:rPr>
               <a:t>World3</a:t>
             </a:r>
-            <a:endParaRPr b="0" lang="de-DE" sz="2400" spc="-1" strike="noStrike">
-              <a:solidFill>
-                <a:srgbClr val="000000"/>
-              </a:solidFill>
-              <a:latin typeface="Arial"/>
-            </a:endParaRPr>
-          </a:p>
-        </p:txBody>
-      </p:sp>
-      <p:sp>
-        <p:nvSpPr>
-          <p:cNvPr id="133" name="CustomShape 2"/>
+            <a:endParaRPr b="0" lang="en-US" sz="2400" spc="-1" strike="noStrike">
+              <a:solidFill>
+                <a:srgbClr val="000000"/>
+              </a:solidFill>
+              <a:latin typeface="Arial"/>
+            </a:endParaRPr>
+          </a:p>
+        </p:txBody>
+      </p:sp>
+      <p:sp>
+        <p:nvSpPr>
+          <p:cNvPr id="131" name="CustomShape 2"/>
           <p:cNvSpPr/>
           <p:nvPr/>
         </p:nvSpPr>
         <p:spPr>
           <a:xfrm>
             <a:off x="335520" y="1268280"/>
-            <a:ext cx="10735920" cy="5023440"/>
+            <a:ext cx="10735560" cy="5023080"/>
           </a:xfrm>
           <a:prstGeom prst="rect">
             <a:avLst/>
@@ -8986,7 +8536,7 @@
                 <a:spcPct val="100000"/>
               </a:lnSpc>
             </a:pPr>
-            <a:endParaRPr b="0" lang="de-DE" sz="1800" spc="-1" strike="noStrike">
+            <a:endParaRPr b="0" lang="en-US" sz="1800" spc="-1" strike="noStrike">
               <a:solidFill>
                 <a:srgbClr val="000000"/>
               </a:solidFill>
@@ -9018,7 +8568,7 @@
               </a:rPr>
               <a:t>ca. 150 equations that govern the model</a:t>
             </a:r>
-            <a:endParaRPr b="0" lang="de-DE" sz="1800" spc="-1" strike="noStrike">
+            <a:endParaRPr b="0" lang="en-US" sz="1800" spc="-1" strike="noStrike">
               <a:solidFill>
                 <a:srgbClr val="000000"/>
               </a:solidFill>
@@ -9050,7 +8600,7 @@
               </a:rPr>
               <a:t>5 main sectors</a:t>
             </a:r>
-            <a:endParaRPr b="0" lang="de-DE" sz="1800" spc="-1" strike="noStrike">
+            <a:endParaRPr b="0" lang="en-US" sz="1800" spc="-1" strike="noStrike">
               <a:solidFill>
                 <a:srgbClr val="000000"/>
               </a:solidFill>
@@ -9082,7 +8632,7 @@
               </a:rPr>
               <a:t>Population</a:t>
             </a:r>
-            <a:endParaRPr b="0" lang="de-DE" sz="1800" spc="-1" strike="noStrike">
+            <a:endParaRPr b="0" lang="en-US" sz="1800" spc="-1" strike="noStrike">
               <a:solidFill>
                 <a:srgbClr val="000000"/>
               </a:solidFill>
@@ -9114,7 +8664,7 @@
               </a:rPr>
               <a:t>Agriculture </a:t>
             </a:r>
-            <a:endParaRPr b="0" lang="de-DE" sz="1800" spc="-1" strike="noStrike">
+            <a:endParaRPr b="0" lang="en-US" sz="1800" spc="-1" strike="noStrike">
               <a:solidFill>
                 <a:srgbClr val="000000"/>
               </a:solidFill>
@@ -9146,7 +8696,7 @@
               </a:rPr>
               <a:t>Industry </a:t>
             </a:r>
-            <a:endParaRPr b="0" lang="de-DE" sz="1800" spc="-1" strike="noStrike">
+            <a:endParaRPr b="0" lang="en-US" sz="1800" spc="-1" strike="noStrike">
               <a:solidFill>
                 <a:srgbClr val="000000"/>
               </a:solidFill>
@@ -9178,7 +8728,7 @@
               </a:rPr>
               <a:t>Resources</a:t>
             </a:r>
-            <a:endParaRPr b="0" lang="de-DE" sz="1800" spc="-1" strike="noStrike">
+            <a:endParaRPr b="0" lang="en-US" sz="1800" spc="-1" strike="noStrike">
               <a:solidFill>
                 <a:srgbClr val="000000"/>
               </a:solidFill>
@@ -9210,7 +8760,7 @@
               </a:rPr>
               <a:t>Pollution</a:t>
             </a:r>
-            <a:endParaRPr b="0" lang="de-DE" sz="1800" spc="-1" strike="noStrike">
+            <a:endParaRPr b="0" lang="en-US" sz="1800" spc="-1" strike="noStrike">
               <a:solidFill>
                 <a:srgbClr val="000000"/>
               </a:solidFill>
@@ -9242,7 +8792,7 @@
               </a:rPr>
               <a:t>Covers the period from 1900 to 2100</a:t>
             </a:r>
-            <a:endParaRPr b="0" lang="de-DE" sz="1800" spc="-1" strike="noStrike">
+            <a:endParaRPr b="0" lang="en-US" sz="1800" spc="-1" strike="noStrike">
               <a:solidFill>
                 <a:srgbClr val="000000"/>
               </a:solidFill>
@@ -9274,25 +8824,25 @@
               </a:rPr>
               <a:t>Written in a language called DYNAMO</a:t>
             </a:r>
-            <a:endParaRPr b="0" lang="de-DE" sz="1800" spc="-1" strike="noStrike">
-              <a:solidFill>
-                <a:srgbClr val="000000"/>
-              </a:solidFill>
-              <a:latin typeface="Arial"/>
-            </a:endParaRPr>
-          </a:p>
-        </p:txBody>
-      </p:sp>
-      <p:sp>
-        <p:nvSpPr>
-          <p:cNvPr id="134" name="CustomShape 3"/>
+            <a:endParaRPr b="0" lang="en-US" sz="1800" spc="-1" strike="noStrike">
+              <a:solidFill>
+                <a:srgbClr val="000000"/>
+              </a:solidFill>
+              <a:latin typeface="Arial"/>
+            </a:endParaRPr>
+          </a:p>
+        </p:txBody>
+      </p:sp>
+      <p:sp>
+        <p:nvSpPr>
+          <p:cNvPr id="132" name="CustomShape 3"/>
           <p:cNvSpPr/>
           <p:nvPr/>
         </p:nvSpPr>
         <p:spPr>
           <a:xfrm>
             <a:off x="432720" y="1148040"/>
-            <a:ext cx="10341360" cy="482040"/>
+            <a:ext cx="10341000" cy="481680"/>
           </a:xfrm>
           <a:prstGeom prst="rect">
             <a:avLst/>
@@ -9328,7 +8878,7 @@
               </a:rPr>
               <a:t>Overview</a:t>
             </a:r>
-            <a:endParaRPr b="0" lang="de-DE" sz="2200" spc="-1" strike="noStrike">
+            <a:endParaRPr b="0" lang="en-US" sz="2200" spc="-1" strike="noStrike">
               <a:solidFill>
                 <a:srgbClr val="000000"/>
               </a:solidFill>
@@ -9369,14 +8919,14 @@
       </p:grpSpPr>
       <p:sp>
         <p:nvSpPr>
-          <p:cNvPr id="135" name="CustomShape 1"/>
+          <p:cNvPr id="133" name="CustomShape 1"/>
           <p:cNvSpPr/>
           <p:nvPr/>
         </p:nvSpPr>
         <p:spPr>
           <a:xfrm>
             <a:off x="335520" y="764640"/>
-            <a:ext cx="10735920" cy="486720"/>
+            <a:ext cx="10735560" cy="486360"/>
           </a:xfrm>
           <a:prstGeom prst="rect">
             <a:avLst/>
@@ -9412,25 +8962,25 @@
               </a:rPr>
               <a:t>World3</a:t>
             </a:r>
-            <a:endParaRPr b="0" lang="de-DE" sz="2400" spc="-1" strike="noStrike">
-              <a:solidFill>
-                <a:srgbClr val="000000"/>
-              </a:solidFill>
-              <a:latin typeface="Arial"/>
-            </a:endParaRPr>
-          </a:p>
-        </p:txBody>
-      </p:sp>
-      <p:sp>
-        <p:nvSpPr>
-          <p:cNvPr id="136" name="CustomShape 2"/>
+            <a:endParaRPr b="0" lang="en-US" sz="2400" spc="-1" strike="noStrike">
+              <a:solidFill>
+                <a:srgbClr val="000000"/>
+              </a:solidFill>
+              <a:latin typeface="Arial"/>
+            </a:endParaRPr>
+          </a:p>
+        </p:txBody>
+      </p:sp>
+      <p:sp>
+        <p:nvSpPr>
+          <p:cNvPr id="134" name="CustomShape 2"/>
           <p:cNvSpPr/>
           <p:nvPr/>
         </p:nvSpPr>
         <p:spPr>
           <a:xfrm>
             <a:off x="335520" y="1268280"/>
-            <a:ext cx="10735920" cy="5023440"/>
+            <a:ext cx="10735560" cy="5023080"/>
           </a:xfrm>
           <a:prstGeom prst="rect">
             <a:avLst/>
@@ -9456,7 +9006,7 @@
                 <a:spcPct val="100000"/>
               </a:lnSpc>
             </a:pPr>
-            <a:endParaRPr b="0" lang="de-DE" sz="1800" spc="-1" strike="noStrike">
+            <a:endParaRPr b="0" lang="en-US" sz="1800" spc="-1" strike="noStrike">
               <a:solidFill>
                 <a:srgbClr val="000000"/>
               </a:solidFill>
@@ -9488,7 +9038,7 @@
               </a:rPr>
               <a:t>People</a:t>
             </a:r>
-            <a:endParaRPr b="0" lang="de-DE" sz="1800" spc="-1" strike="noStrike">
+            <a:endParaRPr b="0" lang="en-US" sz="1800" spc="-1" strike="noStrike">
               <a:solidFill>
                 <a:srgbClr val="000000"/>
               </a:solidFill>
@@ -9520,7 +9070,7 @@
               </a:rPr>
               <a:t>Control mechanisms:</a:t>
             </a:r>
-            <a:endParaRPr b="0" lang="de-DE" sz="1800" spc="-1" strike="noStrike">
+            <a:endParaRPr b="0" lang="en-US" sz="1800" spc="-1" strike="noStrike">
               <a:solidFill>
                 <a:srgbClr val="000000"/>
               </a:solidFill>
@@ -9552,7 +9102,7 @@
               </a:rPr>
               <a:t>Birth rates</a:t>
             </a:r>
-            <a:endParaRPr b="0" lang="de-DE" sz="1800" spc="-1" strike="noStrike">
+            <a:endParaRPr b="0" lang="en-US" sz="1800" spc="-1" strike="noStrike">
               <a:solidFill>
                 <a:srgbClr val="000000"/>
               </a:solidFill>
@@ -9584,7 +9134,7 @@
               </a:rPr>
               <a:t>Death rates </a:t>
             </a:r>
-            <a:endParaRPr b="0" lang="de-DE" sz="1800" spc="-1" strike="noStrike">
+            <a:endParaRPr b="0" lang="en-US" sz="1800" spc="-1" strike="noStrike">
               <a:solidFill>
                 <a:srgbClr val="000000"/>
               </a:solidFill>
@@ -9616,25 +9166,25 @@
               </a:rPr>
               <a:t>Maturation  → carrying people from one age category to the next</a:t>
             </a:r>
-            <a:endParaRPr b="0" lang="de-DE" sz="1800" spc="-1" strike="noStrike">
-              <a:solidFill>
-                <a:srgbClr val="000000"/>
-              </a:solidFill>
-              <a:latin typeface="Arial"/>
-            </a:endParaRPr>
-          </a:p>
-        </p:txBody>
-      </p:sp>
-      <p:sp>
-        <p:nvSpPr>
-          <p:cNvPr id="137" name="CustomShape 3"/>
+            <a:endParaRPr b="0" lang="en-US" sz="1800" spc="-1" strike="noStrike">
+              <a:solidFill>
+                <a:srgbClr val="000000"/>
+              </a:solidFill>
+              <a:latin typeface="Arial"/>
+            </a:endParaRPr>
+          </a:p>
+        </p:txBody>
+      </p:sp>
+      <p:sp>
+        <p:nvSpPr>
+          <p:cNvPr id="135" name="CustomShape 3"/>
           <p:cNvSpPr/>
           <p:nvPr/>
         </p:nvSpPr>
         <p:spPr>
           <a:xfrm>
             <a:off x="432720" y="1148040"/>
-            <a:ext cx="10341360" cy="482040"/>
+            <a:ext cx="10341000" cy="481680"/>
           </a:xfrm>
           <a:prstGeom prst="rect">
             <a:avLst/>
@@ -9670,7 +9220,7 @@
               </a:rPr>
               <a:t>Population</a:t>
             </a:r>
-            <a:endParaRPr b="0" lang="de-DE" sz="2200" spc="-1" strike="noStrike">
+            <a:endParaRPr b="0" lang="en-US" sz="2200" spc="-1" strike="noStrike">
               <a:solidFill>
                 <a:srgbClr val="000000"/>
               </a:solidFill>
@@ -9711,14 +9261,14 @@
       </p:grpSpPr>
       <p:sp>
         <p:nvSpPr>
-          <p:cNvPr id="138" name="CustomShape 1"/>
+          <p:cNvPr id="136" name="CustomShape 1"/>
           <p:cNvSpPr/>
           <p:nvPr/>
         </p:nvSpPr>
         <p:spPr>
           <a:xfrm>
             <a:off x="335520" y="764640"/>
-            <a:ext cx="10735920" cy="486720"/>
+            <a:ext cx="10735560" cy="486360"/>
           </a:xfrm>
           <a:prstGeom prst="rect">
             <a:avLst/>
@@ -9754,25 +9304,25 @@
               </a:rPr>
               <a:t>World3</a:t>
             </a:r>
-            <a:endParaRPr b="0" lang="de-DE" sz="2400" spc="-1" strike="noStrike">
-              <a:solidFill>
-                <a:srgbClr val="000000"/>
-              </a:solidFill>
-              <a:latin typeface="Arial"/>
-            </a:endParaRPr>
-          </a:p>
-        </p:txBody>
-      </p:sp>
-      <p:sp>
-        <p:nvSpPr>
-          <p:cNvPr id="139" name="CustomShape 2"/>
+            <a:endParaRPr b="0" lang="en-US" sz="2400" spc="-1" strike="noStrike">
+              <a:solidFill>
+                <a:srgbClr val="000000"/>
+              </a:solidFill>
+              <a:latin typeface="Arial"/>
+            </a:endParaRPr>
+          </a:p>
+        </p:txBody>
+      </p:sp>
+      <p:sp>
+        <p:nvSpPr>
+          <p:cNvPr id="137" name="CustomShape 2"/>
           <p:cNvSpPr/>
           <p:nvPr/>
         </p:nvSpPr>
         <p:spPr>
           <a:xfrm>
             <a:off x="335520" y="1268280"/>
-            <a:ext cx="10735920" cy="5023440"/>
+            <a:ext cx="10735560" cy="5023080"/>
           </a:xfrm>
           <a:prstGeom prst="rect">
             <a:avLst/>
@@ -9814,7 +9364,7 @@
               </a:rPr>
               <a:t>Arable land</a:t>
             </a:r>
-            <a:endParaRPr b="0" lang="de-DE" sz="1800" spc="-1" strike="noStrike">
+            <a:endParaRPr b="0" lang="en-US" sz="1800" spc="-1" strike="noStrike">
               <a:solidFill>
                 <a:srgbClr val="000000"/>
               </a:solidFill>
@@ -9843,7 +9393,7 @@
               </a:rPr>
               <a:t>Control mechanisms:</a:t>
             </a:r>
-            <a:endParaRPr b="0" lang="de-DE" sz="1800" spc="-1" strike="noStrike">
+            <a:endParaRPr b="0" lang="en-US" sz="1800" spc="-1" strike="noStrike">
               <a:solidFill>
                 <a:srgbClr val="000000"/>
               </a:solidFill>
@@ -9872,7 +9422,7 @@
               </a:rPr>
               <a:t>Cultivation of new land </a:t>
             </a:r>
-            <a:endParaRPr b="0" lang="de-DE" sz="1800" spc="-1" strike="noStrike">
+            <a:endParaRPr b="0" lang="en-US" sz="1800" spc="-1" strike="noStrike">
               <a:solidFill>
                 <a:srgbClr val="000000"/>
               </a:solidFill>
@@ -9901,25 +9451,25 @@
               </a:rPr>
               <a:t>Farmland lost due to, e.g., erosion and urban development</a:t>
             </a:r>
-            <a:endParaRPr b="0" lang="de-DE" sz="1800" spc="-1" strike="noStrike">
-              <a:solidFill>
-                <a:srgbClr val="000000"/>
-              </a:solidFill>
-              <a:latin typeface="Arial"/>
-            </a:endParaRPr>
-          </a:p>
-        </p:txBody>
-      </p:sp>
-      <p:sp>
-        <p:nvSpPr>
-          <p:cNvPr id="140" name="CustomShape 3"/>
+            <a:endParaRPr b="0" lang="en-US" sz="1800" spc="-1" strike="noStrike">
+              <a:solidFill>
+                <a:srgbClr val="000000"/>
+              </a:solidFill>
+              <a:latin typeface="Arial"/>
+            </a:endParaRPr>
+          </a:p>
+        </p:txBody>
+      </p:sp>
+      <p:sp>
+        <p:nvSpPr>
+          <p:cNvPr id="138" name="CustomShape 3"/>
           <p:cNvSpPr/>
           <p:nvPr/>
         </p:nvSpPr>
         <p:spPr>
           <a:xfrm>
             <a:off x="432720" y="1148040"/>
-            <a:ext cx="10341360" cy="482040"/>
+            <a:ext cx="10341000" cy="481680"/>
           </a:xfrm>
           <a:prstGeom prst="rect">
             <a:avLst/>
@@ -9955,7 +9505,7 @@
               </a:rPr>
               <a:t>Agriculture</a:t>
             </a:r>
-            <a:endParaRPr b="0" lang="de-DE" sz="2200" spc="-1" strike="noStrike">
+            <a:endParaRPr b="0" lang="en-US" sz="2200" spc="-1" strike="noStrike">
               <a:solidFill>
                 <a:srgbClr val="000000"/>
               </a:solidFill>
@@ -9996,14 +9546,14 @@
       </p:grpSpPr>
       <p:sp>
         <p:nvSpPr>
-          <p:cNvPr id="141" name="CustomShape 1"/>
+          <p:cNvPr id="139" name="CustomShape 1"/>
           <p:cNvSpPr/>
           <p:nvPr/>
         </p:nvSpPr>
         <p:spPr>
           <a:xfrm>
             <a:off x="335520" y="764640"/>
-            <a:ext cx="10735920" cy="486720"/>
+            <a:ext cx="10735560" cy="486360"/>
           </a:xfrm>
           <a:prstGeom prst="rect">
             <a:avLst/>
@@ -10039,25 +9589,25 @@
               </a:rPr>
               <a:t>World3</a:t>
             </a:r>
-            <a:endParaRPr b="0" lang="de-DE" sz="2400" spc="-1" strike="noStrike">
-              <a:solidFill>
-                <a:srgbClr val="000000"/>
-              </a:solidFill>
-              <a:latin typeface="Arial"/>
-            </a:endParaRPr>
-          </a:p>
-        </p:txBody>
-      </p:sp>
-      <p:sp>
-        <p:nvSpPr>
-          <p:cNvPr id="142" name="CustomShape 2"/>
+            <a:endParaRPr b="0" lang="en-US" sz="2400" spc="-1" strike="noStrike">
+              <a:solidFill>
+                <a:srgbClr val="000000"/>
+              </a:solidFill>
+              <a:latin typeface="Arial"/>
+            </a:endParaRPr>
+          </a:p>
+        </p:txBody>
+      </p:sp>
+      <p:sp>
+        <p:nvSpPr>
+          <p:cNvPr id="140" name="CustomShape 2"/>
           <p:cNvSpPr/>
           <p:nvPr/>
         </p:nvSpPr>
         <p:spPr>
           <a:xfrm>
             <a:off x="335520" y="1268280"/>
-            <a:ext cx="10735920" cy="5023440"/>
+            <a:ext cx="10735560" cy="5023080"/>
           </a:xfrm>
           <a:prstGeom prst="rect">
             <a:avLst/>
@@ -10099,7 +9649,7 @@
               </a:rPr>
               <a:t>Capital (in USD) representing factories or other productive facilities</a:t>
             </a:r>
-            <a:endParaRPr b="0" lang="de-DE" sz="1800" spc="-1" strike="noStrike">
+            <a:endParaRPr b="0" lang="en-US" sz="1800" spc="-1" strike="noStrike">
               <a:solidFill>
                 <a:srgbClr val="000000"/>
               </a:solidFill>
@@ -10128,7 +9678,7 @@
               </a:rPr>
               <a:t>Control mechanisms:</a:t>
             </a:r>
-            <a:endParaRPr b="0" lang="de-DE" sz="1800" spc="-1" strike="noStrike">
+            <a:endParaRPr b="0" lang="en-US" sz="1800" spc="-1" strike="noStrike">
               <a:solidFill>
                 <a:srgbClr val="000000"/>
               </a:solidFill>
@@ -10157,7 +9707,7 @@
               </a:rPr>
               <a:t>Investment input / inflow</a:t>
             </a:r>
-            <a:endParaRPr b="0" lang="de-DE" sz="1800" spc="-1" strike="noStrike">
+            <a:endParaRPr b="0" lang="en-US" sz="1800" spc="-1" strike="noStrike">
               <a:solidFill>
                 <a:srgbClr val="000000"/>
               </a:solidFill>
@@ -10186,25 +9736,25 @@
               </a:rPr>
               <a:t>Investment outflow / deprecation </a:t>
             </a:r>
-            <a:endParaRPr b="0" lang="de-DE" sz="1800" spc="-1" strike="noStrike">
-              <a:solidFill>
-                <a:srgbClr val="000000"/>
-              </a:solidFill>
-              <a:latin typeface="Arial"/>
-            </a:endParaRPr>
-          </a:p>
-        </p:txBody>
-      </p:sp>
-      <p:sp>
-        <p:nvSpPr>
-          <p:cNvPr id="143" name="CustomShape 3"/>
+            <a:endParaRPr b="0" lang="en-US" sz="1800" spc="-1" strike="noStrike">
+              <a:solidFill>
+                <a:srgbClr val="000000"/>
+              </a:solidFill>
+              <a:latin typeface="Arial"/>
+            </a:endParaRPr>
+          </a:p>
+        </p:txBody>
+      </p:sp>
+      <p:sp>
+        <p:nvSpPr>
+          <p:cNvPr id="141" name="CustomShape 3"/>
           <p:cNvSpPr/>
           <p:nvPr/>
         </p:nvSpPr>
         <p:spPr>
           <a:xfrm>
             <a:off x="432720" y="1148040"/>
-            <a:ext cx="10341360" cy="482040"/>
+            <a:ext cx="10341000" cy="481680"/>
           </a:xfrm>
           <a:prstGeom prst="rect">
             <a:avLst/>
@@ -10240,7 +9790,7 @@
               </a:rPr>
               <a:t>Industry</a:t>
             </a:r>
-            <a:endParaRPr b="0" lang="de-DE" sz="2200" spc="-1" strike="noStrike">
+            <a:endParaRPr b="0" lang="en-US" sz="2200" spc="-1" strike="noStrike">
               <a:solidFill>
                 <a:srgbClr val="000000"/>
               </a:solidFill>
@@ -10281,14 +9831,14 @@
       </p:grpSpPr>
       <p:sp>
         <p:nvSpPr>
-          <p:cNvPr id="52" name="CustomShape 1"/>
+          <p:cNvPr id="50" name="CustomShape 1"/>
           <p:cNvSpPr/>
           <p:nvPr/>
         </p:nvSpPr>
         <p:spPr>
           <a:xfrm>
             <a:off x="335520" y="4406760"/>
-            <a:ext cx="10731240" cy="1340280"/>
+            <a:ext cx="10730880" cy="1339920"/>
           </a:xfrm>
           <a:prstGeom prst="rect">
             <a:avLst/>
@@ -10324,25 +9874,25 @@
               </a:rPr>
               <a:t>Updates</a:t>
             </a:r>
-            <a:endParaRPr b="0" lang="de-DE" sz="3000" spc="-1" strike="noStrike">
-              <a:solidFill>
-                <a:srgbClr val="000000"/>
-              </a:solidFill>
-              <a:latin typeface="Arial"/>
-            </a:endParaRPr>
-          </a:p>
-        </p:txBody>
-      </p:sp>
-      <p:sp>
-        <p:nvSpPr>
-          <p:cNvPr id="53" name="CustomShape 2"/>
+            <a:endParaRPr b="0" lang="en-US" sz="3000" spc="-1" strike="noStrike">
+              <a:solidFill>
+                <a:srgbClr val="000000"/>
+              </a:solidFill>
+              <a:latin typeface="Arial"/>
+            </a:endParaRPr>
+          </a:p>
+        </p:txBody>
+      </p:sp>
+      <p:sp>
+        <p:nvSpPr>
+          <p:cNvPr id="51" name="CustomShape 2"/>
           <p:cNvSpPr/>
           <p:nvPr/>
         </p:nvSpPr>
         <p:spPr>
           <a:xfrm>
             <a:off x="335520" y="2906640"/>
-            <a:ext cx="10731240" cy="1478160"/>
+            <a:ext cx="10730880" cy="1477800"/>
           </a:xfrm>
           <a:prstGeom prst="rect">
             <a:avLst/>
@@ -10410,14 +9960,14 @@
       </p:grpSpPr>
       <p:sp>
         <p:nvSpPr>
-          <p:cNvPr id="144" name="CustomShape 1"/>
+          <p:cNvPr id="142" name="CustomShape 1"/>
           <p:cNvSpPr/>
           <p:nvPr/>
         </p:nvSpPr>
         <p:spPr>
           <a:xfrm>
             <a:off x="335520" y="764640"/>
-            <a:ext cx="10735920" cy="486720"/>
+            <a:ext cx="10735560" cy="486360"/>
           </a:xfrm>
           <a:prstGeom prst="rect">
             <a:avLst/>
@@ -10453,25 +10003,25 @@
               </a:rPr>
               <a:t>World3</a:t>
             </a:r>
-            <a:endParaRPr b="0" lang="de-DE" sz="2400" spc="-1" strike="noStrike">
-              <a:solidFill>
-                <a:srgbClr val="000000"/>
-              </a:solidFill>
-              <a:latin typeface="Arial"/>
-            </a:endParaRPr>
-          </a:p>
-        </p:txBody>
-      </p:sp>
-      <p:sp>
-        <p:nvSpPr>
-          <p:cNvPr id="145" name="CustomShape 2"/>
+            <a:endParaRPr b="0" lang="en-US" sz="2400" spc="-1" strike="noStrike">
+              <a:solidFill>
+                <a:srgbClr val="000000"/>
+              </a:solidFill>
+              <a:latin typeface="Arial"/>
+            </a:endParaRPr>
+          </a:p>
+        </p:txBody>
+      </p:sp>
+      <p:sp>
+        <p:nvSpPr>
+          <p:cNvPr id="143" name="CustomShape 2"/>
           <p:cNvSpPr/>
           <p:nvPr/>
         </p:nvSpPr>
         <p:spPr>
           <a:xfrm>
             <a:off x="432720" y="1148040"/>
-            <a:ext cx="10341360" cy="482040"/>
+            <a:ext cx="10341000" cy="481680"/>
           </a:xfrm>
           <a:prstGeom prst="rect">
             <a:avLst/>
@@ -10507,7 +10057,7 @@
               </a:rPr>
               <a:t>Forrester’s Dilemma</a:t>
             </a:r>
-            <a:endParaRPr b="0" lang="de-DE" sz="2200" spc="-1" strike="noStrike">
+            <a:endParaRPr b="0" lang="en-US" sz="2200" spc="-1" strike="noStrike">
               <a:solidFill>
                 <a:srgbClr val="000000"/>
               </a:solidFill>
@@ -10518,7 +10068,7 @@
       </p:sp>
       <p:pic>
         <p:nvPicPr>
-          <p:cNvPr id="146" name="Grafik 316" descr=""/>
+          <p:cNvPr id="144" name="Grafik 316" descr=""/>
           <p:cNvPicPr/>
           <p:nvPr/>
         </p:nvPicPr>
@@ -10529,7 +10079,7 @@
         <p:spPr>
           <a:xfrm>
             <a:off x="3200760" y="1737360"/>
-            <a:ext cx="5392800" cy="3313080"/>
+            <a:ext cx="5392440" cy="3312720"/>
           </a:xfrm>
           <a:prstGeom prst="rect">
             <a:avLst/>
@@ -10541,14 +10091,14 @@
       </p:pic>
       <p:sp>
         <p:nvSpPr>
-          <p:cNvPr id="147" name="CustomShape 3"/>
+          <p:cNvPr id="145" name="CustomShape 3"/>
           <p:cNvSpPr/>
           <p:nvPr/>
         </p:nvSpPr>
         <p:spPr>
           <a:xfrm>
             <a:off x="263520" y="6492240"/>
-            <a:ext cx="10611360" cy="245160"/>
+            <a:ext cx="10611000" cy="245160"/>
           </a:xfrm>
           <a:prstGeom prst="rect">
             <a:avLst/>
@@ -10596,25 +10146,25 @@
               </a:rPr>
               <a:t>Link</a:t>
             </a:r>
-            <a:endParaRPr b="0" lang="de-DE" sz="900" spc="-1" strike="noStrike">
-              <a:solidFill>
-                <a:srgbClr val="000000"/>
-              </a:solidFill>
-              <a:latin typeface="Arial"/>
-            </a:endParaRPr>
-          </a:p>
-        </p:txBody>
-      </p:sp>
-      <p:sp>
-        <p:nvSpPr>
-          <p:cNvPr id="148" name="CustomShape 4"/>
+            <a:endParaRPr b="0" lang="en-US" sz="900" spc="-1" strike="noStrike">
+              <a:solidFill>
+                <a:srgbClr val="000000"/>
+              </a:solidFill>
+              <a:latin typeface="Arial"/>
+            </a:endParaRPr>
+          </a:p>
+        </p:txBody>
+      </p:sp>
+      <p:sp>
+        <p:nvSpPr>
+          <p:cNvPr id="146" name="CustomShape 4"/>
           <p:cNvSpPr/>
           <p:nvPr/>
         </p:nvSpPr>
         <p:spPr>
           <a:xfrm>
             <a:off x="263520" y="5486400"/>
-            <a:ext cx="10599480" cy="1004040"/>
+            <a:ext cx="10599120" cy="1003680"/>
           </a:xfrm>
           <a:prstGeom prst="roundRect">
             <a:avLst>
@@ -10663,14 +10213,14 @@
       </p:sp>
       <p:sp>
         <p:nvSpPr>
-          <p:cNvPr id="149" name="TextShape 5"/>
+          <p:cNvPr id="147" name="TextShape 5"/>
           <p:cNvSpPr/>
           <p:nvPr/>
         </p:nvSpPr>
         <p:spPr>
           <a:xfrm>
             <a:off x="457200" y="5669280"/>
-            <a:ext cx="10330920" cy="638280"/>
+            <a:ext cx="10330560" cy="637920"/>
           </a:xfrm>
           <a:prstGeom prst="rect">
             <a:avLst/>
@@ -10716,7 +10266,7 @@
               </a:rPr>
               <a:t>One can forecast future conditions in the region where action is not effective, and one can have influence in the region where forecasting is not reliable.” – Forrester, 2007</a:t>
             </a:r>
-            <a:endParaRPr b="0" lang="de-DE" sz="1800" spc="-1" strike="noStrike">
+            <a:endParaRPr b="0" lang="en-US" sz="1800" spc="-1" strike="noStrike">
               <a:solidFill>
                 <a:srgbClr val="000000"/>
               </a:solidFill>
@@ -10757,14 +10307,14 @@
       </p:grpSpPr>
       <p:sp>
         <p:nvSpPr>
-          <p:cNvPr id="150" name="CustomShape 1"/>
+          <p:cNvPr id="148" name="CustomShape 1"/>
           <p:cNvSpPr/>
           <p:nvPr/>
         </p:nvSpPr>
         <p:spPr>
           <a:xfrm>
             <a:off x="335520" y="764640"/>
-            <a:ext cx="10735920" cy="486720"/>
+            <a:ext cx="10735560" cy="486360"/>
           </a:xfrm>
           <a:prstGeom prst="rect">
             <a:avLst/>
@@ -10800,25 +10350,25 @@
               </a:rPr>
               <a:t>World3</a:t>
             </a:r>
-            <a:endParaRPr b="0" lang="de-DE" sz="2400" spc="-1" strike="noStrike">
-              <a:solidFill>
-                <a:srgbClr val="000000"/>
-              </a:solidFill>
-              <a:latin typeface="Arial"/>
-            </a:endParaRPr>
-          </a:p>
-        </p:txBody>
-      </p:sp>
-      <p:sp>
-        <p:nvSpPr>
-          <p:cNvPr id="151" name="CustomShape 2"/>
+            <a:endParaRPr b="0" lang="en-US" sz="2400" spc="-1" strike="noStrike">
+              <a:solidFill>
+                <a:srgbClr val="000000"/>
+              </a:solidFill>
+              <a:latin typeface="Arial"/>
+            </a:endParaRPr>
+          </a:p>
+        </p:txBody>
+      </p:sp>
+      <p:sp>
+        <p:nvSpPr>
+          <p:cNvPr id="149" name="CustomShape 2"/>
           <p:cNvSpPr/>
           <p:nvPr/>
         </p:nvSpPr>
         <p:spPr>
           <a:xfrm>
             <a:off x="335520" y="1268280"/>
-            <a:ext cx="10735920" cy="5023440"/>
+            <a:ext cx="10735560" cy="5023080"/>
           </a:xfrm>
           <a:prstGeom prst="rect">
             <a:avLst/>
@@ -10860,7 +10410,7 @@
               </a:rPr>
               <a:t>Varies scenarios based on different assumptions</a:t>
             </a:r>
-            <a:endParaRPr b="0" lang="de-DE" sz="1800" spc="-1" strike="noStrike">
+            <a:endParaRPr b="0" lang="en-US" sz="1800" spc="-1" strike="noStrike">
               <a:solidFill>
                 <a:srgbClr val="000000"/>
               </a:solidFill>
@@ -10892,7 +10442,7 @@
               </a:rPr>
               <a:t>4 popular scenarios:</a:t>
             </a:r>
-            <a:endParaRPr b="0" lang="de-DE" sz="1800" spc="-1" strike="noStrike">
+            <a:endParaRPr b="0" lang="en-US" sz="1800" spc="-1" strike="noStrike">
               <a:solidFill>
                 <a:srgbClr val="000000"/>
               </a:solidFill>
@@ -10918,7 +10468,7 @@
               </a:rPr>
               <a:t>Business-as-usual (BAU)</a:t>
             </a:r>
-            <a:endParaRPr b="0" lang="de-DE" sz="1800" spc="-1" strike="noStrike">
+            <a:endParaRPr b="0" lang="en-US" sz="1800" spc="-1" strike="noStrike">
               <a:solidFill>
                 <a:srgbClr val="000000"/>
               </a:solidFill>
@@ -10944,7 +10494,7 @@
               </a:rPr>
               <a:t>Business-as-usual2 (BAU2) → double the natural resources of BAU</a:t>
             </a:r>
-            <a:endParaRPr b="0" lang="de-DE" sz="1800" spc="-1" strike="noStrike">
+            <a:endParaRPr b="0" lang="en-US" sz="1800" spc="-1" strike="noStrike">
               <a:solidFill>
                 <a:srgbClr val="000000"/>
               </a:solidFill>
@@ -10970,7 +10520,7 @@
               </a:rPr>
               <a:t>Comprehensive Technology (CT) → BAU2 + exceptionally high technological development and adoption rates</a:t>
             </a:r>
-            <a:endParaRPr b="0" lang="de-DE" sz="1800" spc="-1" strike="noStrike">
+            <a:endParaRPr b="0" lang="en-US" sz="1800" spc="-1" strike="noStrike">
               <a:solidFill>
                 <a:srgbClr val="000000"/>
               </a:solidFill>
@@ -10996,25 +10546,25 @@
               </a:rPr>
               <a:t>Stabilized Wolrd (SW) → CT + changes in societal values and priorities</a:t>
             </a:r>
-            <a:endParaRPr b="0" lang="de-DE" sz="1800" spc="-1" strike="noStrike">
-              <a:solidFill>
-                <a:srgbClr val="000000"/>
-              </a:solidFill>
-              <a:latin typeface="Arial"/>
-            </a:endParaRPr>
-          </a:p>
-        </p:txBody>
-      </p:sp>
-      <p:sp>
-        <p:nvSpPr>
-          <p:cNvPr id="152" name="CustomShape 3"/>
+            <a:endParaRPr b="0" lang="en-US" sz="1800" spc="-1" strike="noStrike">
+              <a:solidFill>
+                <a:srgbClr val="000000"/>
+              </a:solidFill>
+              <a:latin typeface="Arial"/>
+            </a:endParaRPr>
+          </a:p>
+        </p:txBody>
+      </p:sp>
+      <p:sp>
+        <p:nvSpPr>
+          <p:cNvPr id="150" name="CustomShape 3"/>
           <p:cNvSpPr/>
           <p:nvPr/>
         </p:nvSpPr>
         <p:spPr>
           <a:xfrm>
             <a:off x="432720" y="1148040"/>
-            <a:ext cx="10341360" cy="482040"/>
+            <a:ext cx="10341000" cy="481680"/>
           </a:xfrm>
           <a:prstGeom prst="rect">
             <a:avLst/>
@@ -11050,7 +10600,7 @@
               </a:rPr>
               <a:t>Simulation Results</a:t>
             </a:r>
-            <a:endParaRPr b="0" lang="de-DE" sz="2200" spc="-1" strike="noStrike">
+            <a:endParaRPr b="0" lang="en-US" sz="2200" spc="-1" strike="noStrike">
               <a:solidFill>
                 <a:srgbClr val="000000"/>
               </a:solidFill>
@@ -11091,14 +10641,14 @@
       </p:grpSpPr>
       <p:sp>
         <p:nvSpPr>
-          <p:cNvPr id="153" name="CustomShape 1"/>
+          <p:cNvPr id="151" name="CustomShape 1"/>
           <p:cNvSpPr/>
           <p:nvPr/>
         </p:nvSpPr>
         <p:spPr>
           <a:xfrm>
             <a:off x="335520" y="764640"/>
-            <a:ext cx="10735920" cy="486720"/>
+            <a:ext cx="10735560" cy="486360"/>
           </a:xfrm>
           <a:prstGeom prst="rect">
             <a:avLst/>
@@ -11134,25 +10684,25 @@
               </a:rPr>
               <a:t>World3</a:t>
             </a:r>
-            <a:endParaRPr b="0" lang="de-DE" sz="2400" spc="-1" strike="noStrike">
-              <a:solidFill>
-                <a:srgbClr val="000000"/>
-              </a:solidFill>
-              <a:latin typeface="Arial"/>
-            </a:endParaRPr>
-          </a:p>
-        </p:txBody>
-      </p:sp>
-      <p:sp>
-        <p:nvSpPr>
-          <p:cNvPr id="154" name="CustomShape 2"/>
+            <a:endParaRPr b="0" lang="en-US" sz="2400" spc="-1" strike="noStrike">
+              <a:solidFill>
+                <a:srgbClr val="000000"/>
+              </a:solidFill>
+              <a:latin typeface="Arial"/>
+            </a:endParaRPr>
+          </a:p>
+        </p:txBody>
+      </p:sp>
+      <p:sp>
+        <p:nvSpPr>
+          <p:cNvPr id="152" name="CustomShape 2"/>
           <p:cNvSpPr/>
           <p:nvPr/>
         </p:nvSpPr>
         <p:spPr>
           <a:xfrm>
             <a:off x="335520" y="1268280"/>
-            <a:ext cx="10735920" cy="5023440"/>
+            <a:ext cx="10735560" cy="5023080"/>
           </a:xfrm>
           <a:prstGeom prst="rect">
             <a:avLst/>
@@ -11194,7 +10744,7 @@
               </a:rPr>
               <a:t>Varies scenarios based on different assumptions</a:t>
             </a:r>
-            <a:endParaRPr b="0" lang="de-DE" sz="1800" spc="-1" strike="noStrike">
+            <a:endParaRPr b="0" lang="en-US" sz="1800" spc="-1" strike="noStrike">
               <a:solidFill>
                 <a:srgbClr val="000000"/>
               </a:solidFill>
@@ -11226,7 +10776,7 @@
               </a:rPr>
               <a:t>4 popular scenarios:</a:t>
             </a:r>
-            <a:endParaRPr b="0" lang="de-DE" sz="1800" spc="-1" strike="noStrike">
+            <a:endParaRPr b="0" lang="en-US" sz="1800" spc="-1" strike="noStrike">
               <a:solidFill>
                 <a:srgbClr val="000000"/>
               </a:solidFill>
@@ -11258,7 +10808,7 @@
               </a:rPr>
               <a:t>Business-as-usual (BAU)</a:t>
             </a:r>
-            <a:endParaRPr b="0" lang="de-DE" sz="1800" spc="-1" strike="noStrike">
+            <a:endParaRPr b="0" lang="en-US" sz="1800" spc="-1" strike="noStrike">
               <a:solidFill>
                 <a:srgbClr val="000000"/>
               </a:solidFill>
@@ -11284,7 +10834,7 @@
               </a:rPr>
               <a:t>Business-as-usual2 (BAU2) → double the natural resources of BAU</a:t>
             </a:r>
-            <a:endParaRPr b="0" lang="de-DE" sz="1800" spc="-1" strike="noStrike">
+            <a:endParaRPr b="0" lang="en-US" sz="1800" spc="-1" strike="noStrike">
               <a:solidFill>
                 <a:srgbClr val="000000"/>
               </a:solidFill>
@@ -11310,7 +10860,7 @@
               </a:rPr>
               <a:t>Comprehensive Technology (CT) → BAU2 + exceptionally high technological development and adoption rates</a:t>
             </a:r>
-            <a:endParaRPr b="0" lang="de-DE" sz="1800" spc="-1" strike="noStrike">
+            <a:endParaRPr b="0" lang="en-US" sz="1800" spc="-1" strike="noStrike">
               <a:solidFill>
                 <a:srgbClr val="000000"/>
               </a:solidFill>
@@ -11336,25 +10886,25 @@
               </a:rPr>
               <a:t>Stabilized Wolrd (SW) → CT + changes in societal values and priorities</a:t>
             </a:r>
-            <a:endParaRPr b="0" lang="de-DE" sz="1800" spc="-1" strike="noStrike">
-              <a:solidFill>
-                <a:srgbClr val="000000"/>
-              </a:solidFill>
-              <a:latin typeface="Arial"/>
-            </a:endParaRPr>
-          </a:p>
-        </p:txBody>
-      </p:sp>
-      <p:sp>
-        <p:nvSpPr>
-          <p:cNvPr id="155" name="CustomShape 3"/>
+            <a:endParaRPr b="0" lang="en-US" sz="1800" spc="-1" strike="noStrike">
+              <a:solidFill>
+                <a:srgbClr val="000000"/>
+              </a:solidFill>
+              <a:latin typeface="Arial"/>
+            </a:endParaRPr>
+          </a:p>
+        </p:txBody>
+      </p:sp>
+      <p:sp>
+        <p:nvSpPr>
+          <p:cNvPr id="153" name="CustomShape 3"/>
           <p:cNvSpPr/>
           <p:nvPr/>
         </p:nvSpPr>
         <p:spPr>
           <a:xfrm>
             <a:off x="432720" y="1148040"/>
-            <a:ext cx="10341360" cy="482040"/>
+            <a:ext cx="10341000" cy="481680"/>
           </a:xfrm>
           <a:prstGeom prst="rect">
             <a:avLst/>
@@ -11390,7 +10940,7 @@
               </a:rPr>
               <a:t>Simulation Results</a:t>
             </a:r>
-            <a:endParaRPr b="0" lang="de-DE" sz="2200" spc="-1" strike="noStrike">
+            <a:endParaRPr b="0" lang="en-US" sz="2200" spc="-1" strike="noStrike">
               <a:solidFill>
                 <a:srgbClr val="000000"/>
               </a:solidFill>
@@ -11431,14 +10981,14 @@
       </p:grpSpPr>
       <p:sp>
         <p:nvSpPr>
-          <p:cNvPr id="156" name="CustomShape 1"/>
+          <p:cNvPr id="154" name="CustomShape 1"/>
           <p:cNvSpPr/>
           <p:nvPr/>
         </p:nvSpPr>
         <p:spPr>
           <a:xfrm>
             <a:off x="335520" y="764640"/>
-            <a:ext cx="10735920" cy="486720"/>
+            <a:ext cx="10735560" cy="486360"/>
           </a:xfrm>
           <a:prstGeom prst="rect">
             <a:avLst/>
@@ -11474,25 +11024,25 @@
               </a:rPr>
               <a:t>World3</a:t>
             </a:r>
-            <a:endParaRPr b="0" lang="de-DE" sz="2400" spc="-1" strike="noStrike">
-              <a:solidFill>
-                <a:srgbClr val="000000"/>
-              </a:solidFill>
-              <a:latin typeface="Arial"/>
-            </a:endParaRPr>
-          </a:p>
-        </p:txBody>
-      </p:sp>
-      <p:sp>
-        <p:nvSpPr>
-          <p:cNvPr id="157" name="CustomShape 2"/>
+            <a:endParaRPr b="0" lang="en-US" sz="2400" spc="-1" strike="noStrike">
+              <a:solidFill>
+                <a:srgbClr val="000000"/>
+              </a:solidFill>
+              <a:latin typeface="Arial"/>
+            </a:endParaRPr>
+          </a:p>
+        </p:txBody>
+      </p:sp>
+      <p:sp>
+        <p:nvSpPr>
+          <p:cNvPr id="155" name="CustomShape 2"/>
           <p:cNvSpPr/>
           <p:nvPr/>
         </p:nvSpPr>
         <p:spPr>
           <a:xfrm>
             <a:off x="432720" y="1148040"/>
-            <a:ext cx="10341360" cy="482040"/>
+            <a:ext cx="10341000" cy="481680"/>
           </a:xfrm>
           <a:prstGeom prst="rect">
             <a:avLst/>
@@ -11528,25 +11078,25 @@
               </a:rPr>
               <a:t>Standard Run – Business-as-Usual (BAU)</a:t>
             </a:r>
-            <a:endParaRPr b="0" lang="de-DE" sz="2200" spc="-1" strike="noStrike">
-              <a:solidFill>
-                <a:srgbClr val="000000"/>
-              </a:solidFill>
-              <a:latin typeface="Arial"/>
-            </a:endParaRPr>
-          </a:p>
-        </p:txBody>
-      </p:sp>
-      <p:sp>
-        <p:nvSpPr>
-          <p:cNvPr id="158" name="CustomShape 3"/>
+            <a:endParaRPr b="0" lang="en-US" sz="2200" spc="-1" strike="noStrike">
+              <a:solidFill>
+                <a:srgbClr val="000000"/>
+              </a:solidFill>
+              <a:latin typeface="Arial"/>
+            </a:endParaRPr>
+          </a:p>
+        </p:txBody>
+      </p:sp>
+      <p:sp>
+        <p:nvSpPr>
+          <p:cNvPr id="156" name="CustomShape 3"/>
           <p:cNvSpPr/>
           <p:nvPr/>
         </p:nvSpPr>
         <p:spPr>
           <a:xfrm>
             <a:off x="274320" y="6447960"/>
-            <a:ext cx="11149560" cy="245160"/>
+            <a:ext cx="11149200" cy="245160"/>
           </a:xfrm>
           <a:prstGeom prst="rect">
             <a:avLst/>
@@ -11594,7 +11144,7 @@
               </a:rPr>
               <a:t>Link</a:t>
             </a:r>
-            <a:endParaRPr b="0" lang="de-DE" sz="900" spc="-1" strike="noStrike">
+            <a:endParaRPr b="0" lang="en-US" sz="900" spc="-1" strike="noStrike">
               <a:solidFill>
                 <a:srgbClr val="000000"/>
               </a:solidFill>
@@ -11605,7 +11155,7 @@
       </p:sp>
       <p:pic>
         <p:nvPicPr>
-          <p:cNvPr id="159" name="Grafik 329" descr=""/>
+          <p:cNvPr id="157" name="Grafik 329" descr=""/>
           <p:cNvPicPr/>
           <p:nvPr/>
         </p:nvPicPr>
@@ -11616,7 +11166,7 @@
         <p:spPr>
           <a:xfrm>
             <a:off x="1719000" y="1755000"/>
-            <a:ext cx="7255080" cy="4149360"/>
+            <a:ext cx="7254720" cy="4149000"/>
           </a:xfrm>
           <a:prstGeom prst="rect">
             <a:avLst/>
@@ -11658,14 +11208,14 @@
       </p:grpSpPr>
       <p:sp>
         <p:nvSpPr>
-          <p:cNvPr id="160" name="CustomShape 1"/>
+          <p:cNvPr id="158" name="CustomShape 1"/>
           <p:cNvSpPr/>
           <p:nvPr/>
         </p:nvSpPr>
         <p:spPr>
           <a:xfrm>
             <a:off x="335520" y="764640"/>
-            <a:ext cx="10735920" cy="486720"/>
+            <a:ext cx="10735560" cy="486360"/>
           </a:xfrm>
           <a:prstGeom prst="rect">
             <a:avLst/>
@@ -11701,25 +11251,25 @@
               </a:rPr>
               <a:t>World3</a:t>
             </a:r>
-            <a:endParaRPr b="0" lang="de-DE" sz="2400" spc="-1" strike="noStrike">
-              <a:solidFill>
-                <a:srgbClr val="000000"/>
-              </a:solidFill>
-              <a:latin typeface="Arial"/>
-            </a:endParaRPr>
-          </a:p>
-        </p:txBody>
-      </p:sp>
-      <p:sp>
-        <p:nvSpPr>
-          <p:cNvPr id="161" name="CustomShape 2"/>
+            <a:endParaRPr b="0" lang="en-US" sz="2400" spc="-1" strike="noStrike">
+              <a:solidFill>
+                <a:srgbClr val="000000"/>
+              </a:solidFill>
+              <a:latin typeface="Arial"/>
+            </a:endParaRPr>
+          </a:p>
+        </p:txBody>
+      </p:sp>
+      <p:sp>
+        <p:nvSpPr>
+          <p:cNvPr id="159" name="CustomShape 2"/>
           <p:cNvSpPr/>
           <p:nvPr/>
         </p:nvSpPr>
         <p:spPr>
           <a:xfrm>
             <a:off x="432720" y="1148040"/>
-            <a:ext cx="10341360" cy="482040"/>
+            <a:ext cx="10341000" cy="481680"/>
           </a:xfrm>
           <a:prstGeom prst="rect">
             <a:avLst/>
@@ -11755,25 +11305,25 @@
               </a:rPr>
               <a:t>Standard Run – Business-as-Usual (BAU)</a:t>
             </a:r>
-            <a:endParaRPr b="0" lang="de-DE" sz="2200" spc="-1" strike="noStrike">
-              <a:solidFill>
-                <a:srgbClr val="000000"/>
-              </a:solidFill>
-              <a:latin typeface="Arial"/>
-            </a:endParaRPr>
-          </a:p>
-        </p:txBody>
-      </p:sp>
-      <p:sp>
-        <p:nvSpPr>
-          <p:cNvPr id="162" name="CustomShape 3"/>
+            <a:endParaRPr b="0" lang="en-US" sz="2200" spc="-1" strike="noStrike">
+              <a:solidFill>
+                <a:srgbClr val="000000"/>
+              </a:solidFill>
+              <a:latin typeface="Arial"/>
+            </a:endParaRPr>
+          </a:p>
+        </p:txBody>
+      </p:sp>
+      <p:sp>
+        <p:nvSpPr>
+          <p:cNvPr id="160" name="CustomShape 3"/>
           <p:cNvSpPr/>
           <p:nvPr/>
         </p:nvSpPr>
         <p:spPr>
           <a:xfrm>
             <a:off x="274320" y="6447960"/>
-            <a:ext cx="11149560" cy="245160"/>
+            <a:ext cx="11149200" cy="245160"/>
           </a:xfrm>
           <a:prstGeom prst="rect">
             <a:avLst/>
@@ -11821,25 +11371,25 @@
               </a:rPr>
               <a:t>Link</a:t>
             </a:r>
-            <a:endParaRPr b="0" lang="de-DE" sz="900" spc="-1" strike="noStrike">
-              <a:solidFill>
-                <a:srgbClr val="000000"/>
-              </a:solidFill>
-              <a:latin typeface="Arial"/>
-            </a:endParaRPr>
-          </a:p>
-        </p:txBody>
-      </p:sp>
-      <p:sp>
-        <p:nvSpPr>
-          <p:cNvPr id="163" name="CustomShape 4"/>
+            <a:endParaRPr b="0" lang="en-US" sz="900" spc="-1" strike="noStrike">
+              <a:solidFill>
+                <a:srgbClr val="000000"/>
+              </a:solidFill>
+              <a:latin typeface="Arial"/>
+            </a:endParaRPr>
+          </a:p>
+        </p:txBody>
+      </p:sp>
+      <p:sp>
+        <p:nvSpPr>
+          <p:cNvPr id="161" name="CustomShape 4"/>
           <p:cNvSpPr/>
           <p:nvPr/>
         </p:nvSpPr>
         <p:spPr>
           <a:xfrm>
             <a:off x="-720000" y="5982480"/>
-            <a:ext cx="11427480" cy="618480"/>
+            <a:ext cx="11427120" cy="618120"/>
           </a:xfrm>
           <a:prstGeom prst="rect">
             <a:avLst/>
@@ -11885,7 +11435,7 @@
               </a:rPr>
               <a:t>Collapse due to natural resource depletion</a:t>
             </a:r>
-            <a:endParaRPr b="0" lang="de-DE" sz="1800" spc="-1" strike="noStrike">
+            <a:endParaRPr b="0" lang="en-US" sz="1800" spc="-1" strike="noStrike">
               <a:solidFill>
                 <a:srgbClr val="000000"/>
               </a:solidFill>
@@ -11896,7 +11446,7 @@
       </p:sp>
       <p:pic>
         <p:nvPicPr>
-          <p:cNvPr id="164" name="Grafik 334" descr=""/>
+          <p:cNvPr id="162" name="Grafik 334" descr=""/>
           <p:cNvPicPr/>
           <p:nvPr/>
         </p:nvPicPr>
@@ -11907,7 +11457,7 @@
         <p:spPr>
           <a:xfrm>
             <a:off x="1719360" y="1755360"/>
-            <a:ext cx="7248960" cy="4149360"/>
+            <a:ext cx="7248600" cy="4149000"/>
           </a:xfrm>
           <a:prstGeom prst="rect">
             <a:avLst/>
@@ -11949,14 +11499,14 @@
       </p:grpSpPr>
       <p:sp>
         <p:nvSpPr>
-          <p:cNvPr id="165" name="CustomShape 1"/>
+          <p:cNvPr id="163" name="CustomShape 1"/>
           <p:cNvSpPr/>
           <p:nvPr/>
         </p:nvSpPr>
         <p:spPr>
           <a:xfrm>
             <a:off x="335520" y="764640"/>
-            <a:ext cx="10735920" cy="486720"/>
+            <a:ext cx="10735560" cy="486360"/>
           </a:xfrm>
           <a:prstGeom prst="rect">
             <a:avLst/>
@@ -11992,25 +11542,25 @@
               </a:rPr>
               <a:t>World3</a:t>
             </a:r>
-            <a:endParaRPr b="0" lang="de-DE" sz="2400" spc="-1" strike="noStrike">
-              <a:solidFill>
-                <a:srgbClr val="000000"/>
-              </a:solidFill>
-              <a:latin typeface="Arial"/>
-            </a:endParaRPr>
-          </a:p>
-        </p:txBody>
-      </p:sp>
-      <p:sp>
-        <p:nvSpPr>
-          <p:cNvPr id="166" name="CustomShape 2"/>
+            <a:endParaRPr b="0" lang="en-US" sz="2400" spc="-1" strike="noStrike">
+              <a:solidFill>
+                <a:srgbClr val="000000"/>
+              </a:solidFill>
+              <a:latin typeface="Arial"/>
+            </a:endParaRPr>
+          </a:p>
+        </p:txBody>
+      </p:sp>
+      <p:sp>
+        <p:nvSpPr>
+          <p:cNvPr id="164" name="CustomShape 2"/>
           <p:cNvSpPr/>
           <p:nvPr/>
         </p:nvSpPr>
         <p:spPr>
           <a:xfrm>
             <a:off x="335520" y="1268280"/>
-            <a:ext cx="10735920" cy="5023440"/>
+            <a:ext cx="10735560" cy="5023080"/>
           </a:xfrm>
           <a:prstGeom prst="rect">
             <a:avLst/>
@@ -12052,7 +11602,7 @@
               </a:rPr>
               <a:t>Varies scenarios based on different assumptions</a:t>
             </a:r>
-            <a:endParaRPr b="0" lang="de-DE" sz="1800" spc="-1" strike="noStrike">
+            <a:endParaRPr b="0" lang="en-US" sz="1800" spc="-1" strike="noStrike">
               <a:solidFill>
                 <a:srgbClr val="000000"/>
               </a:solidFill>
@@ -12084,7 +11634,7 @@
               </a:rPr>
               <a:t>4 popular scenarios:</a:t>
             </a:r>
-            <a:endParaRPr b="0" lang="de-DE" sz="1800" spc="-1" strike="noStrike">
+            <a:endParaRPr b="0" lang="en-US" sz="1800" spc="-1" strike="noStrike">
               <a:solidFill>
                 <a:srgbClr val="000000"/>
               </a:solidFill>
@@ -12116,7 +11666,7 @@
               </a:rPr>
               <a:t>Business-as-usual (BAU)</a:t>
             </a:r>
-            <a:endParaRPr b="0" lang="de-DE" sz="1800" spc="-1" strike="noStrike">
+            <a:endParaRPr b="0" lang="en-US" sz="1800" spc="-1" strike="noStrike">
               <a:solidFill>
                 <a:srgbClr val="000000"/>
               </a:solidFill>
@@ -12148,7 +11698,7 @@
               </a:rPr>
               <a:t>Business-as-usual2 (BAU2) → double the natural resources of BAU</a:t>
             </a:r>
-            <a:endParaRPr b="0" lang="de-DE" sz="1800" spc="-1" strike="noStrike">
+            <a:endParaRPr b="0" lang="en-US" sz="1800" spc="-1" strike="noStrike">
               <a:solidFill>
                 <a:srgbClr val="000000"/>
               </a:solidFill>
@@ -12174,7 +11724,7 @@
               </a:rPr>
               <a:t>Comprehensive Technology (CT) → BAU2 + exceptionally high technological development and adoption rates</a:t>
             </a:r>
-            <a:endParaRPr b="0" lang="de-DE" sz="1800" spc="-1" strike="noStrike">
+            <a:endParaRPr b="0" lang="en-US" sz="1800" spc="-1" strike="noStrike">
               <a:solidFill>
                 <a:srgbClr val="000000"/>
               </a:solidFill>
@@ -12200,25 +11750,25 @@
               </a:rPr>
               <a:t>Stabilized Wolrd (SW) → CT + changes in societal values and priorities</a:t>
             </a:r>
-            <a:endParaRPr b="0" lang="de-DE" sz="1800" spc="-1" strike="noStrike">
-              <a:solidFill>
-                <a:srgbClr val="000000"/>
-              </a:solidFill>
-              <a:latin typeface="Arial"/>
-            </a:endParaRPr>
-          </a:p>
-        </p:txBody>
-      </p:sp>
-      <p:sp>
-        <p:nvSpPr>
-          <p:cNvPr id="167" name="CustomShape 3"/>
+            <a:endParaRPr b="0" lang="en-US" sz="1800" spc="-1" strike="noStrike">
+              <a:solidFill>
+                <a:srgbClr val="000000"/>
+              </a:solidFill>
+              <a:latin typeface="Arial"/>
+            </a:endParaRPr>
+          </a:p>
+        </p:txBody>
+      </p:sp>
+      <p:sp>
+        <p:nvSpPr>
+          <p:cNvPr id="165" name="CustomShape 3"/>
           <p:cNvSpPr/>
           <p:nvPr/>
         </p:nvSpPr>
         <p:spPr>
           <a:xfrm>
             <a:off x="432720" y="1148040"/>
-            <a:ext cx="10341360" cy="482040"/>
+            <a:ext cx="10341000" cy="481680"/>
           </a:xfrm>
           <a:prstGeom prst="rect">
             <a:avLst/>
@@ -12254,7 +11804,7 @@
               </a:rPr>
               <a:t>Simulation Results</a:t>
             </a:r>
-            <a:endParaRPr b="0" lang="de-DE" sz="2200" spc="-1" strike="noStrike">
+            <a:endParaRPr b="0" lang="en-US" sz="2200" spc="-1" strike="noStrike">
               <a:solidFill>
                 <a:srgbClr val="000000"/>
               </a:solidFill>
@@ -12295,14 +11845,14 @@
       </p:grpSpPr>
       <p:sp>
         <p:nvSpPr>
-          <p:cNvPr id="168" name="CustomShape 1"/>
+          <p:cNvPr id="166" name="CustomShape 1"/>
           <p:cNvSpPr/>
           <p:nvPr/>
         </p:nvSpPr>
         <p:spPr>
           <a:xfrm>
             <a:off x="335520" y="764640"/>
-            <a:ext cx="10735920" cy="486720"/>
+            <a:ext cx="10735560" cy="486360"/>
           </a:xfrm>
           <a:prstGeom prst="rect">
             <a:avLst/>
@@ -12338,25 +11888,25 @@
               </a:rPr>
               <a:t>World3</a:t>
             </a:r>
-            <a:endParaRPr b="0" lang="de-DE" sz="2400" spc="-1" strike="noStrike">
-              <a:solidFill>
-                <a:srgbClr val="000000"/>
-              </a:solidFill>
-              <a:latin typeface="Arial"/>
-            </a:endParaRPr>
-          </a:p>
-        </p:txBody>
-      </p:sp>
-      <p:sp>
-        <p:nvSpPr>
-          <p:cNvPr id="169" name="CustomShape 2"/>
+            <a:endParaRPr b="0" lang="en-US" sz="2400" spc="-1" strike="noStrike">
+              <a:solidFill>
+                <a:srgbClr val="000000"/>
+              </a:solidFill>
+              <a:latin typeface="Arial"/>
+            </a:endParaRPr>
+          </a:p>
+        </p:txBody>
+      </p:sp>
+      <p:sp>
+        <p:nvSpPr>
+          <p:cNvPr id="167" name="CustomShape 2"/>
           <p:cNvSpPr/>
           <p:nvPr/>
         </p:nvSpPr>
         <p:spPr>
           <a:xfrm>
             <a:off x="432720" y="1148040"/>
-            <a:ext cx="10341360" cy="482040"/>
+            <a:ext cx="10341000" cy="481680"/>
           </a:xfrm>
           <a:prstGeom prst="rect">
             <a:avLst/>
@@ -12392,25 +11942,25 @@
               </a:rPr>
               <a:t>Standard Run – Business-as-Usual2 (BAU2)</a:t>
             </a:r>
-            <a:endParaRPr b="0" lang="de-DE" sz="2200" spc="-1" strike="noStrike">
-              <a:solidFill>
-                <a:srgbClr val="000000"/>
-              </a:solidFill>
-              <a:latin typeface="Arial"/>
-            </a:endParaRPr>
-          </a:p>
-        </p:txBody>
-      </p:sp>
-      <p:sp>
-        <p:nvSpPr>
-          <p:cNvPr id="170" name="CustomShape 3"/>
+            <a:endParaRPr b="0" lang="en-US" sz="2200" spc="-1" strike="noStrike">
+              <a:solidFill>
+                <a:srgbClr val="000000"/>
+              </a:solidFill>
+              <a:latin typeface="Arial"/>
+            </a:endParaRPr>
+          </a:p>
+        </p:txBody>
+      </p:sp>
+      <p:sp>
+        <p:nvSpPr>
+          <p:cNvPr id="168" name="CustomShape 3"/>
           <p:cNvSpPr/>
           <p:nvPr/>
         </p:nvSpPr>
         <p:spPr>
           <a:xfrm>
             <a:off x="274320" y="6447960"/>
-            <a:ext cx="11149560" cy="245160"/>
+            <a:ext cx="11149200" cy="245160"/>
           </a:xfrm>
           <a:prstGeom prst="rect">
             <a:avLst/>
@@ -12458,7 +12008,7 @@
               </a:rPr>
               <a:t>Link</a:t>
             </a:r>
-            <a:endParaRPr b="0" lang="de-DE" sz="900" spc="-1" strike="noStrike">
+            <a:endParaRPr b="0" lang="en-US" sz="900" spc="-1" strike="noStrike">
               <a:solidFill>
                 <a:srgbClr val="000000"/>
               </a:solidFill>
@@ -12469,7 +12019,7 @@
       </p:sp>
       <p:pic>
         <p:nvPicPr>
-          <p:cNvPr id="171" name="Grafik 341" descr=""/>
+          <p:cNvPr id="169" name="Grafik 341" descr=""/>
           <p:cNvPicPr/>
           <p:nvPr/>
         </p:nvPicPr>
@@ -12480,7 +12030,7 @@
         <p:spPr>
           <a:xfrm>
             <a:off x="1719000" y="1755720"/>
-            <a:ext cx="7194240" cy="4152240"/>
+            <a:ext cx="7193880" cy="4151880"/>
           </a:xfrm>
           <a:prstGeom prst="rect">
             <a:avLst/>
@@ -12522,14 +12072,14 @@
       </p:grpSpPr>
       <p:sp>
         <p:nvSpPr>
-          <p:cNvPr id="172" name="CustomShape 6"/>
+          <p:cNvPr id="170" name="CustomShape 6"/>
           <p:cNvSpPr/>
           <p:nvPr/>
         </p:nvSpPr>
         <p:spPr>
           <a:xfrm>
             <a:off x="335520" y="764640"/>
-            <a:ext cx="10735920" cy="486720"/>
+            <a:ext cx="10735560" cy="486360"/>
           </a:xfrm>
           <a:prstGeom prst="rect">
             <a:avLst/>
@@ -12565,25 +12115,25 @@
               </a:rPr>
               <a:t>World3</a:t>
             </a:r>
-            <a:endParaRPr b="0" lang="de-DE" sz="2400" spc="-1" strike="noStrike">
-              <a:solidFill>
-                <a:srgbClr val="000000"/>
-              </a:solidFill>
-              <a:latin typeface="Arial"/>
-            </a:endParaRPr>
-          </a:p>
-        </p:txBody>
-      </p:sp>
-      <p:sp>
-        <p:nvSpPr>
-          <p:cNvPr id="173" name="CustomShape 7"/>
+            <a:endParaRPr b="0" lang="en-US" sz="2400" spc="-1" strike="noStrike">
+              <a:solidFill>
+                <a:srgbClr val="000000"/>
+              </a:solidFill>
+              <a:latin typeface="Arial"/>
+            </a:endParaRPr>
+          </a:p>
+        </p:txBody>
+      </p:sp>
+      <p:sp>
+        <p:nvSpPr>
+          <p:cNvPr id="171" name="CustomShape 7"/>
           <p:cNvSpPr/>
           <p:nvPr/>
         </p:nvSpPr>
         <p:spPr>
           <a:xfrm>
             <a:off x="432720" y="1148040"/>
-            <a:ext cx="10341360" cy="482040"/>
+            <a:ext cx="10341000" cy="481680"/>
           </a:xfrm>
           <a:prstGeom prst="rect">
             <a:avLst/>
@@ -12619,25 +12169,25 @@
               </a:rPr>
               <a:t>Standard Run – Business-as-Usual2 (BAU2)</a:t>
             </a:r>
-            <a:endParaRPr b="0" lang="de-DE" sz="2200" spc="-1" strike="noStrike">
-              <a:solidFill>
-                <a:srgbClr val="000000"/>
-              </a:solidFill>
-              <a:latin typeface="Arial"/>
-            </a:endParaRPr>
-          </a:p>
-        </p:txBody>
-      </p:sp>
-      <p:sp>
-        <p:nvSpPr>
-          <p:cNvPr id="174" name="CustomShape 8"/>
+            <a:endParaRPr b="0" lang="en-US" sz="2200" spc="-1" strike="noStrike">
+              <a:solidFill>
+                <a:srgbClr val="000000"/>
+              </a:solidFill>
+              <a:latin typeface="Arial"/>
+            </a:endParaRPr>
+          </a:p>
+        </p:txBody>
+      </p:sp>
+      <p:sp>
+        <p:nvSpPr>
+          <p:cNvPr id="172" name="CustomShape 8"/>
           <p:cNvSpPr/>
           <p:nvPr/>
         </p:nvSpPr>
         <p:spPr>
           <a:xfrm>
             <a:off x="274320" y="6447960"/>
-            <a:ext cx="11149560" cy="245160"/>
+            <a:ext cx="11149200" cy="245160"/>
           </a:xfrm>
           <a:prstGeom prst="rect">
             <a:avLst/>
@@ -12685,25 +12235,25 @@
               </a:rPr>
               <a:t>Link</a:t>
             </a:r>
-            <a:endParaRPr b="0" lang="de-DE" sz="900" spc="-1" strike="noStrike">
-              <a:solidFill>
-                <a:srgbClr val="000000"/>
-              </a:solidFill>
-              <a:latin typeface="Arial"/>
-            </a:endParaRPr>
-          </a:p>
-        </p:txBody>
-      </p:sp>
-      <p:sp>
-        <p:nvSpPr>
-          <p:cNvPr id="175" name="CustomShape 9"/>
+            <a:endParaRPr b="0" lang="en-US" sz="900" spc="-1" strike="noStrike">
+              <a:solidFill>
+                <a:srgbClr val="000000"/>
+              </a:solidFill>
+              <a:latin typeface="Arial"/>
+            </a:endParaRPr>
+          </a:p>
+        </p:txBody>
+      </p:sp>
+      <p:sp>
+        <p:nvSpPr>
+          <p:cNvPr id="173" name="CustomShape 9"/>
           <p:cNvSpPr/>
           <p:nvPr/>
         </p:nvSpPr>
         <p:spPr>
           <a:xfrm>
             <a:off x="1503000" y="5971320"/>
-            <a:ext cx="7880040" cy="618480"/>
+            <a:ext cx="7879680" cy="618120"/>
           </a:xfrm>
           <a:prstGeom prst="rect">
             <a:avLst/>
@@ -12749,7 +12299,7 @@
               </a:rPr>
               <a:t>Collapse due to pollution (climate change equivalent)</a:t>
             </a:r>
-            <a:endParaRPr b="0" lang="de-DE" sz="1800" spc="-1" strike="noStrike">
+            <a:endParaRPr b="0" lang="en-US" sz="1800" spc="-1" strike="noStrike">
               <a:solidFill>
                 <a:srgbClr val="000000"/>
               </a:solidFill>
@@ -12760,7 +12310,7 @@
       </p:sp>
       <p:pic>
         <p:nvPicPr>
-          <p:cNvPr id="176" name="Grafik 346" descr=""/>
+          <p:cNvPr id="174" name="Grafik 346" descr=""/>
           <p:cNvPicPr/>
           <p:nvPr/>
         </p:nvPicPr>
@@ -12771,7 +12321,7 @@
         <p:spPr>
           <a:xfrm>
             <a:off x="1719000" y="1755720"/>
-            <a:ext cx="7194240" cy="4152240"/>
+            <a:ext cx="7193880" cy="4151880"/>
           </a:xfrm>
           <a:prstGeom prst="rect">
             <a:avLst/>
@@ -12813,14 +12363,14 @@
       </p:grpSpPr>
       <p:sp>
         <p:nvSpPr>
-          <p:cNvPr id="177" name="CustomShape 1"/>
+          <p:cNvPr id="175" name="CustomShape 1"/>
           <p:cNvSpPr/>
           <p:nvPr/>
         </p:nvSpPr>
         <p:spPr>
           <a:xfrm>
             <a:off x="335520" y="764640"/>
-            <a:ext cx="10735920" cy="486720"/>
+            <a:ext cx="10735560" cy="486360"/>
           </a:xfrm>
           <a:prstGeom prst="rect">
             <a:avLst/>
@@ -12856,25 +12406,25 @@
               </a:rPr>
               <a:t>World3</a:t>
             </a:r>
-            <a:endParaRPr b="0" lang="de-DE" sz="2400" spc="-1" strike="noStrike">
-              <a:solidFill>
-                <a:srgbClr val="000000"/>
-              </a:solidFill>
-              <a:latin typeface="Arial"/>
-            </a:endParaRPr>
-          </a:p>
-        </p:txBody>
-      </p:sp>
-      <p:sp>
-        <p:nvSpPr>
-          <p:cNvPr id="178" name="CustomShape 2"/>
+            <a:endParaRPr b="0" lang="en-US" sz="2400" spc="-1" strike="noStrike">
+              <a:solidFill>
+                <a:srgbClr val="000000"/>
+              </a:solidFill>
+              <a:latin typeface="Arial"/>
+            </a:endParaRPr>
+          </a:p>
+        </p:txBody>
+      </p:sp>
+      <p:sp>
+        <p:nvSpPr>
+          <p:cNvPr id="176" name="CustomShape 2"/>
           <p:cNvSpPr/>
           <p:nvPr/>
         </p:nvSpPr>
         <p:spPr>
           <a:xfrm>
             <a:off x="335520" y="1268280"/>
-            <a:ext cx="10735920" cy="5023440"/>
+            <a:ext cx="10735560" cy="5023080"/>
           </a:xfrm>
           <a:prstGeom prst="rect">
             <a:avLst/>
@@ -12916,7 +12466,7 @@
               </a:rPr>
               <a:t>Varies scenarios based on different assumptions</a:t>
             </a:r>
-            <a:endParaRPr b="0" lang="de-DE" sz="1800" spc="-1" strike="noStrike">
+            <a:endParaRPr b="0" lang="en-US" sz="1800" spc="-1" strike="noStrike">
               <a:solidFill>
                 <a:srgbClr val="000000"/>
               </a:solidFill>
@@ -12948,7 +12498,7 @@
               </a:rPr>
               <a:t>4 popular scenarios:</a:t>
             </a:r>
-            <a:endParaRPr b="0" lang="de-DE" sz="1800" spc="-1" strike="noStrike">
+            <a:endParaRPr b="0" lang="en-US" sz="1800" spc="-1" strike="noStrike">
               <a:solidFill>
                 <a:srgbClr val="000000"/>
               </a:solidFill>
@@ -12980,7 +12530,7 @@
               </a:rPr>
               <a:t>Business-as-usual (BAU)</a:t>
             </a:r>
-            <a:endParaRPr b="0" lang="de-DE" sz="1800" spc="-1" strike="noStrike">
+            <a:endParaRPr b="0" lang="en-US" sz="1800" spc="-1" strike="noStrike">
               <a:solidFill>
                 <a:srgbClr val="000000"/>
               </a:solidFill>
@@ -13012,7 +12562,7 @@
               </a:rPr>
               <a:t>Business-as-usual2 (BAU2) → double the natural resources of BAU</a:t>
             </a:r>
-            <a:endParaRPr b="0" lang="de-DE" sz="1800" spc="-1" strike="noStrike">
+            <a:endParaRPr b="0" lang="en-US" sz="1800" spc="-1" strike="noStrike">
               <a:solidFill>
                 <a:srgbClr val="000000"/>
               </a:solidFill>
@@ -13044,7 +12594,7 @@
               </a:rPr>
               <a:t>Comprehensive Technology (CT) → BAU2 + exceptionally high technological development and adoption rates</a:t>
             </a:r>
-            <a:endParaRPr b="0" lang="de-DE" sz="1800" spc="-1" strike="noStrike">
+            <a:endParaRPr b="0" lang="en-US" sz="1800" spc="-1" strike="noStrike">
               <a:solidFill>
                 <a:srgbClr val="000000"/>
               </a:solidFill>
@@ -13070,25 +12620,25 @@
               </a:rPr>
               <a:t>Stabilized Wolrd (SW) → CT + changes in societal values and priorities</a:t>
             </a:r>
-            <a:endParaRPr b="0" lang="de-DE" sz="1800" spc="-1" strike="noStrike">
-              <a:solidFill>
-                <a:srgbClr val="000000"/>
-              </a:solidFill>
-              <a:latin typeface="Arial"/>
-            </a:endParaRPr>
-          </a:p>
-        </p:txBody>
-      </p:sp>
-      <p:sp>
-        <p:nvSpPr>
-          <p:cNvPr id="179" name="CustomShape 3"/>
+            <a:endParaRPr b="0" lang="en-US" sz="1800" spc="-1" strike="noStrike">
+              <a:solidFill>
+                <a:srgbClr val="000000"/>
+              </a:solidFill>
+              <a:latin typeface="Arial"/>
+            </a:endParaRPr>
+          </a:p>
+        </p:txBody>
+      </p:sp>
+      <p:sp>
+        <p:nvSpPr>
+          <p:cNvPr id="177" name="CustomShape 3"/>
           <p:cNvSpPr/>
           <p:nvPr/>
         </p:nvSpPr>
         <p:spPr>
           <a:xfrm>
             <a:off x="432720" y="1148040"/>
-            <a:ext cx="10341360" cy="482040"/>
+            <a:ext cx="10341000" cy="481680"/>
           </a:xfrm>
           <a:prstGeom prst="rect">
             <a:avLst/>
@@ -13124,7 +12674,7 @@
               </a:rPr>
               <a:t>Simulation Results</a:t>
             </a:r>
-            <a:endParaRPr b="0" lang="de-DE" sz="2200" spc="-1" strike="noStrike">
+            <a:endParaRPr b="0" lang="en-US" sz="2200" spc="-1" strike="noStrike">
               <a:solidFill>
                 <a:srgbClr val="000000"/>
               </a:solidFill>
@@ -13165,14 +12715,14 @@
       </p:grpSpPr>
       <p:sp>
         <p:nvSpPr>
-          <p:cNvPr id="180" name="CustomShape 1"/>
+          <p:cNvPr id="178" name="CustomShape 1"/>
           <p:cNvSpPr/>
           <p:nvPr/>
         </p:nvSpPr>
         <p:spPr>
           <a:xfrm>
             <a:off x="335520" y="764640"/>
-            <a:ext cx="10735920" cy="486720"/>
+            <a:ext cx="10735560" cy="486360"/>
           </a:xfrm>
           <a:prstGeom prst="rect">
             <a:avLst/>
@@ -13208,25 +12758,25 @@
               </a:rPr>
               <a:t>World3</a:t>
             </a:r>
-            <a:endParaRPr b="0" lang="de-DE" sz="2400" spc="-1" strike="noStrike">
-              <a:solidFill>
-                <a:srgbClr val="000000"/>
-              </a:solidFill>
-              <a:latin typeface="Arial"/>
-            </a:endParaRPr>
-          </a:p>
-        </p:txBody>
-      </p:sp>
-      <p:sp>
-        <p:nvSpPr>
-          <p:cNvPr id="181" name="CustomShape 2"/>
+            <a:endParaRPr b="0" lang="en-US" sz="2400" spc="-1" strike="noStrike">
+              <a:solidFill>
+                <a:srgbClr val="000000"/>
+              </a:solidFill>
+              <a:latin typeface="Arial"/>
+            </a:endParaRPr>
+          </a:p>
+        </p:txBody>
+      </p:sp>
+      <p:sp>
+        <p:nvSpPr>
+          <p:cNvPr id="179" name="CustomShape 2"/>
           <p:cNvSpPr/>
           <p:nvPr/>
         </p:nvSpPr>
         <p:spPr>
           <a:xfrm>
             <a:off x="432720" y="1148040"/>
-            <a:ext cx="10341360" cy="482040"/>
+            <a:ext cx="10341000" cy="481680"/>
           </a:xfrm>
           <a:prstGeom prst="rect">
             <a:avLst/>
@@ -13262,25 +12812,25 @@
               </a:rPr>
               <a:t>Comprehensive Technology (CT)</a:t>
             </a:r>
-            <a:endParaRPr b="0" lang="de-DE" sz="2200" spc="-1" strike="noStrike">
-              <a:solidFill>
-                <a:srgbClr val="000000"/>
-              </a:solidFill>
-              <a:latin typeface="Arial"/>
-            </a:endParaRPr>
-          </a:p>
-        </p:txBody>
-      </p:sp>
-      <p:sp>
-        <p:nvSpPr>
-          <p:cNvPr id="182" name="CustomShape 3"/>
+            <a:endParaRPr b="0" lang="en-US" sz="2200" spc="-1" strike="noStrike">
+              <a:solidFill>
+                <a:srgbClr val="000000"/>
+              </a:solidFill>
+              <a:latin typeface="Arial"/>
+            </a:endParaRPr>
+          </a:p>
+        </p:txBody>
+      </p:sp>
+      <p:sp>
+        <p:nvSpPr>
+          <p:cNvPr id="180" name="CustomShape 3"/>
           <p:cNvSpPr/>
           <p:nvPr/>
         </p:nvSpPr>
         <p:spPr>
           <a:xfrm>
             <a:off x="274320" y="6447960"/>
-            <a:ext cx="11149560" cy="245160"/>
+            <a:ext cx="11149200" cy="245160"/>
           </a:xfrm>
           <a:prstGeom prst="rect">
             <a:avLst/>
@@ -13328,7 +12878,7 @@
               </a:rPr>
               <a:t>Link</a:t>
             </a:r>
-            <a:endParaRPr b="0" lang="de-DE" sz="900" spc="-1" strike="noStrike">
+            <a:endParaRPr b="0" lang="en-US" sz="900" spc="-1" strike="noStrike">
               <a:solidFill>
                 <a:srgbClr val="000000"/>
               </a:solidFill>
@@ -13339,7 +12889,7 @@
       </p:sp>
       <p:pic>
         <p:nvPicPr>
-          <p:cNvPr id="183" name="Grafik 353" descr=""/>
+          <p:cNvPr id="181" name="Grafik 353" descr=""/>
           <p:cNvPicPr/>
           <p:nvPr/>
         </p:nvPicPr>
@@ -13350,7 +12900,7 @@
         <p:spPr>
           <a:xfrm>
             <a:off x="1600200" y="1828800"/>
-            <a:ext cx="7239960" cy="4176720"/>
+            <a:ext cx="7239600" cy="4176360"/>
           </a:xfrm>
           <a:prstGeom prst="rect">
             <a:avLst/>
@@ -13392,14 +12942,14 @@
       </p:grpSpPr>
       <p:sp>
         <p:nvSpPr>
-          <p:cNvPr id="54" name="CustomShape 1"/>
+          <p:cNvPr id="52" name="CustomShape 1"/>
           <p:cNvSpPr/>
           <p:nvPr/>
         </p:nvSpPr>
         <p:spPr>
           <a:xfrm>
             <a:off x="335520" y="764640"/>
-            <a:ext cx="10735920" cy="486720"/>
+            <a:ext cx="10735560" cy="486360"/>
           </a:xfrm>
           <a:prstGeom prst="rect">
             <a:avLst/>
@@ -13435,25 +12985,25 @@
               </a:rPr>
               <a:t>COP28 – COP President → Climate Denial</a:t>
             </a:r>
-            <a:endParaRPr b="0" lang="de-DE" sz="2400" spc="-1" strike="noStrike">
-              <a:solidFill>
-                <a:srgbClr val="000000"/>
-              </a:solidFill>
-              <a:latin typeface="Arial"/>
-            </a:endParaRPr>
-          </a:p>
-        </p:txBody>
-      </p:sp>
-      <p:sp>
-        <p:nvSpPr>
-          <p:cNvPr id="55" name="CustomShape 3"/>
+            <a:endParaRPr b="0" lang="en-US" sz="2400" spc="-1" strike="noStrike">
+              <a:solidFill>
+                <a:srgbClr val="000000"/>
+              </a:solidFill>
+              <a:latin typeface="Arial"/>
+            </a:endParaRPr>
+          </a:p>
+        </p:txBody>
+      </p:sp>
+      <p:sp>
+        <p:nvSpPr>
+          <p:cNvPr id="53" name="CustomShape 3"/>
           <p:cNvSpPr/>
           <p:nvPr/>
         </p:nvSpPr>
         <p:spPr>
           <a:xfrm>
             <a:off x="263520" y="6492240"/>
-            <a:ext cx="10611360" cy="227160"/>
+            <a:ext cx="10611000" cy="227160"/>
           </a:xfrm>
           <a:prstGeom prst="rect">
             <a:avLst/>
@@ -13489,7 +13039,7 @@
               </a:rPr>
               <a:t>https://www.theguardian.com/environment/2023/dec/03/back-into-caves-cop28-president-dismisses-phase-out-of-fossil-fuels</a:t>
             </a:r>
-            <a:endParaRPr b="0" lang="de-DE" sz="900" spc="-1" strike="noStrike">
+            <a:endParaRPr b="0" lang="en-US" sz="900" spc="-1" strike="noStrike">
               <a:solidFill>
                 <a:srgbClr val="000000"/>
               </a:solidFill>
@@ -13500,7 +13050,7 @@
       </p:sp>
       <p:pic>
         <p:nvPicPr>
-          <p:cNvPr id="56" name="" descr=""/>
+          <p:cNvPr id="54" name="" descr=""/>
           <p:cNvPicPr/>
           <p:nvPr/>
         </p:nvPicPr>
@@ -13511,7 +13061,7 @@
         <p:spPr>
           <a:xfrm>
             <a:off x="3060000" y="1251720"/>
-            <a:ext cx="5217120" cy="5236920"/>
+            <a:ext cx="5216760" cy="5236560"/>
           </a:xfrm>
           <a:prstGeom prst="rect">
             <a:avLst/>
@@ -13553,14 +13103,14 @@
       </p:grpSpPr>
       <p:sp>
         <p:nvSpPr>
-          <p:cNvPr id="184" name="CustomShape 1"/>
+          <p:cNvPr id="182" name="CustomShape 1"/>
           <p:cNvSpPr/>
           <p:nvPr/>
         </p:nvSpPr>
         <p:spPr>
           <a:xfrm>
             <a:off x="335520" y="764640"/>
-            <a:ext cx="10735920" cy="486720"/>
+            <a:ext cx="10735560" cy="486360"/>
           </a:xfrm>
           <a:prstGeom prst="rect">
             <a:avLst/>
@@ -13596,25 +13146,25 @@
               </a:rPr>
               <a:t>World3</a:t>
             </a:r>
-            <a:endParaRPr b="0" lang="de-DE" sz="2400" spc="-1" strike="noStrike">
-              <a:solidFill>
-                <a:srgbClr val="000000"/>
-              </a:solidFill>
-              <a:latin typeface="Arial"/>
-            </a:endParaRPr>
-          </a:p>
-        </p:txBody>
-      </p:sp>
-      <p:sp>
-        <p:nvSpPr>
-          <p:cNvPr id="185" name="CustomShape 2"/>
+            <a:endParaRPr b="0" lang="en-US" sz="2400" spc="-1" strike="noStrike">
+              <a:solidFill>
+                <a:srgbClr val="000000"/>
+              </a:solidFill>
+              <a:latin typeface="Arial"/>
+            </a:endParaRPr>
+          </a:p>
+        </p:txBody>
+      </p:sp>
+      <p:sp>
+        <p:nvSpPr>
+          <p:cNvPr id="183" name="CustomShape 2"/>
           <p:cNvSpPr/>
           <p:nvPr/>
         </p:nvSpPr>
         <p:spPr>
           <a:xfrm>
             <a:off x="432720" y="1148040"/>
-            <a:ext cx="10341360" cy="482040"/>
+            <a:ext cx="10341000" cy="481680"/>
           </a:xfrm>
           <a:prstGeom prst="rect">
             <a:avLst/>
@@ -13650,25 +13200,25 @@
               </a:rPr>
               <a:t>Comprehensive Technology (CT)</a:t>
             </a:r>
-            <a:endParaRPr b="0" lang="de-DE" sz="2200" spc="-1" strike="noStrike">
-              <a:solidFill>
-                <a:srgbClr val="000000"/>
-              </a:solidFill>
-              <a:latin typeface="Arial"/>
-            </a:endParaRPr>
-          </a:p>
-        </p:txBody>
-      </p:sp>
-      <p:sp>
-        <p:nvSpPr>
-          <p:cNvPr id="186" name="CustomShape 3"/>
+            <a:endParaRPr b="0" lang="en-US" sz="2200" spc="-1" strike="noStrike">
+              <a:solidFill>
+                <a:srgbClr val="000000"/>
+              </a:solidFill>
+              <a:latin typeface="Arial"/>
+            </a:endParaRPr>
+          </a:p>
+        </p:txBody>
+      </p:sp>
+      <p:sp>
+        <p:nvSpPr>
+          <p:cNvPr id="184" name="CustomShape 3"/>
           <p:cNvSpPr/>
           <p:nvPr/>
         </p:nvSpPr>
         <p:spPr>
           <a:xfrm>
             <a:off x="274320" y="6447960"/>
-            <a:ext cx="11149560" cy="245160"/>
+            <a:ext cx="11149200" cy="245160"/>
           </a:xfrm>
           <a:prstGeom prst="rect">
             <a:avLst/>
@@ -13716,25 +13266,25 @@
               </a:rPr>
               <a:t>Link</a:t>
             </a:r>
-            <a:endParaRPr b="0" lang="de-DE" sz="900" spc="-1" strike="noStrike">
-              <a:solidFill>
-                <a:srgbClr val="000000"/>
-              </a:solidFill>
-              <a:latin typeface="Arial"/>
-            </a:endParaRPr>
-          </a:p>
-        </p:txBody>
-      </p:sp>
-      <p:sp>
-        <p:nvSpPr>
-          <p:cNvPr id="187" name="CustomShape 4"/>
+            <a:endParaRPr b="0" lang="en-US" sz="900" spc="-1" strike="noStrike">
+              <a:solidFill>
+                <a:srgbClr val="000000"/>
+              </a:solidFill>
+              <a:latin typeface="Arial"/>
+            </a:endParaRPr>
+          </a:p>
+        </p:txBody>
+      </p:sp>
+      <p:sp>
+        <p:nvSpPr>
+          <p:cNvPr id="185" name="CustomShape 4"/>
           <p:cNvSpPr/>
           <p:nvPr/>
         </p:nvSpPr>
         <p:spPr>
           <a:xfrm>
             <a:off x="0" y="6091200"/>
-            <a:ext cx="11427480" cy="618480"/>
+            <a:ext cx="11427120" cy="618120"/>
           </a:xfrm>
           <a:prstGeom prst="rect">
             <a:avLst/>
@@ -13780,7 +13330,7 @@
               </a:rPr>
               <a:t>Rising costs for technology eventually causes declines, but no collapse</a:t>
             </a:r>
-            <a:endParaRPr b="0" lang="de-DE" sz="1800" spc="-1" strike="noStrike">
+            <a:endParaRPr b="0" lang="en-US" sz="1800" spc="-1" strike="noStrike">
               <a:solidFill>
                 <a:srgbClr val="000000"/>
               </a:solidFill>
@@ -13791,7 +13341,7 @@
       </p:sp>
       <p:pic>
         <p:nvPicPr>
-          <p:cNvPr id="188" name="Grafik 358" descr=""/>
+          <p:cNvPr id="186" name="Grafik 358" descr=""/>
           <p:cNvPicPr/>
           <p:nvPr/>
         </p:nvPicPr>
@@ -13802,7 +13352,7 @@
         <p:spPr>
           <a:xfrm>
             <a:off x="1600560" y="1828800"/>
-            <a:ext cx="7239960" cy="4176720"/>
+            <a:ext cx="7239600" cy="4176360"/>
           </a:xfrm>
           <a:prstGeom prst="rect">
             <a:avLst/>
@@ -13844,14 +13394,14 @@
       </p:grpSpPr>
       <p:sp>
         <p:nvSpPr>
-          <p:cNvPr id="189" name="CustomShape 1"/>
+          <p:cNvPr id="187" name="CustomShape 1"/>
           <p:cNvSpPr/>
           <p:nvPr/>
         </p:nvSpPr>
         <p:spPr>
           <a:xfrm>
             <a:off x="335520" y="764640"/>
-            <a:ext cx="10735920" cy="486720"/>
+            <a:ext cx="10735560" cy="486360"/>
           </a:xfrm>
           <a:prstGeom prst="rect">
             <a:avLst/>
@@ -13887,25 +13437,25 @@
               </a:rPr>
               <a:t>World3</a:t>
             </a:r>
-            <a:endParaRPr b="0" lang="de-DE" sz="2400" spc="-1" strike="noStrike">
-              <a:solidFill>
-                <a:srgbClr val="000000"/>
-              </a:solidFill>
-              <a:latin typeface="Arial"/>
-            </a:endParaRPr>
-          </a:p>
-        </p:txBody>
-      </p:sp>
-      <p:sp>
-        <p:nvSpPr>
-          <p:cNvPr id="190" name="CustomShape 2"/>
+            <a:endParaRPr b="0" lang="en-US" sz="2400" spc="-1" strike="noStrike">
+              <a:solidFill>
+                <a:srgbClr val="000000"/>
+              </a:solidFill>
+              <a:latin typeface="Arial"/>
+            </a:endParaRPr>
+          </a:p>
+        </p:txBody>
+      </p:sp>
+      <p:sp>
+        <p:nvSpPr>
+          <p:cNvPr id="188" name="CustomShape 2"/>
           <p:cNvSpPr/>
           <p:nvPr/>
         </p:nvSpPr>
         <p:spPr>
           <a:xfrm>
             <a:off x="335520" y="1268280"/>
-            <a:ext cx="10735920" cy="5023440"/>
+            <a:ext cx="10735560" cy="5023080"/>
           </a:xfrm>
           <a:prstGeom prst="rect">
             <a:avLst/>
@@ -13947,7 +13497,7 @@
               </a:rPr>
               <a:t>Varies scenarios based on different assumptions</a:t>
             </a:r>
-            <a:endParaRPr b="0" lang="de-DE" sz="1800" spc="-1" strike="noStrike">
+            <a:endParaRPr b="0" lang="en-US" sz="1800" spc="-1" strike="noStrike">
               <a:solidFill>
                 <a:srgbClr val="000000"/>
               </a:solidFill>
@@ -13979,7 +13529,7 @@
               </a:rPr>
               <a:t>4 popular scenarios:</a:t>
             </a:r>
-            <a:endParaRPr b="0" lang="de-DE" sz="1800" spc="-1" strike="noStrike">
+            <a:endParaRPr b="0" lang="en-US" sz="1800" spc="-1" strike="noStrike">
               <a:solidFill>
                 <a:srgbClr val="000000"/>
               </a:solidFill>
@@ -14011,7 +13561,7 @@
               </a:rPr>
               <a:t>Business-as-usual (BAU)</a:t>
             </a:r>
-            <a:endParaRPr b="0" lang="de-DE" sz="1800" spc="-1" strike="noStrike">
+            <a:endParaRPr b="0" lang="en-US" sz="1800" spc="-1" strike="noStrike">
               <a:solidFill>
                 <a:srgbClr val="000000"/>
               </a:solidFill>
@@ -14043,7 +13593,7 @@
               </a:rPr>
               <a:t>Business-as-usual2 (BAU2) → double the natural resources of BAU</a:t>
             </a:r>
-            <a:endParaRPr b="0" lang="de-DE" sz="1800" spc="-1" strike="noStrike">
+            <a:endParaRPr b="0" lang="en-US" sz="1800" spc="-1" strike="noStrike">
               <a:solidFill>
                 <a:srgbClr val="000000"/>
               </a:solidFill>
@@ -14075,7 +13625,7 @@
               </a:rPr>
               <a:t>Comprehensive Technology (CT) → BAU2 + exceptionally high technological development and adoption rates</a:t>
             </a:r>
-            <a:endParaRPr b="0" lang="de-DE" sz="1800" spc="-1" strike="noStrike">
+            <a:endParaRPr b="0" lang="en-US" sz="1800" spc="-1" strike="noStrike">
               <a:solidFill>
                 <a:srgbClr val="000000"/>
               </a:solidFill>
@@ -14107,25 +13657,25 @@
               </a:rPr>
               <a:t>Stabilized World (SW) → CT + changes in societal values and priorities</a:t>
             </a:r>
-            <a:endParaRPr b="0" lang="de-DE" sz="1800" spc="-1" strike="noStrike">
-              <a:solidFill>
-                <a:srgbClr val="000000"/>
-              </a:solidFill>
-              <a:latin typeface="Arial"/>
-            </a:endParaRPr>
-          </a:p>
-        </p:txBody>
-      </p:sp>
-      <p:sp>
-        <p:nvSpPr>
-          <p:cNvPr id="191" name="CustomShape 3"/>
+            <a:endParaRPr b="0" lang="en-US" sz="1800" spc="-1" strike="noStrike">
+              <a:solidFill>
+                <a:srgbClr val="000000"/>
+              </a:solidFill>
+              <a:latin typeface="Arial"/>
+            </a:endParaRPr>
+          </a:p>
+        </p:txBody>
+      </p:sp>
+      <p:sp>
+        <p:nvSpPr>
+          <p:cNvPr id="189" name="CustomShape 3"/>
           <p:cNvSpPr/>
           <p:nvPr/>
         </p:nvSpPr>
         <p:spPr>
           <a:xfrm>
             <a:off x="432720" y="1148040"/>
-            <a:ext cx="10341360" cy="482040"/>
+            <a:ext cx="10341000" cy="481680"/>
           </a:xfrm>
           <a:prstGeom prst="rect">
             <a:avLst/>
@@ -14161,7 +13711,7 @@
               </a:rPr>
               <a:t>Simulation Results</a:t>
             </a:r>
-            <a:endParaRPr b="0" lang="de-DE" sz="2200" spc="-1" strike="noStrike">
+            <a:endParaRPr b="0" lang="en-US" sz="2200" spc="-1" strike="noStrike">
               <a:solidFill>
                 <a:srgbClr val="000000"/>
               </a:solidFill>
@@ -14202,14 +13752,14 @@
       </p:grpSpPr>
       <p:sp>
         <p:nvSpPr>
-          <p:cNvPr id="192" name="CustomShape 1"/>
+          <p:cNvPr id="190" name="CustomShape 1"/>
           <p:cNvSpPr/>
           <p:nvPr/>
         </p:nvSpPr>
         <p:spPr>
           <a:xfrm>
             <a:off x="335520" y="764640"/>
-            <a:ext cx="10735920" cy="486720"/>
+            <a:ext cx="10735560" cy="486360"/>
           </a:xfrm>
           <a:prstGeom prst="rect">
             <a:avLst/>
@@ -14245,25 +13795,25 @@
               </a:rPr>
               <a:t>World3</a:t>
             </a:r>
-            <a:endParaRPr b="0" lang="de-DE" sz="2400" spc="-1" strike="noStrike">
-              <a:solidFill>
-                <a:srgbClr val="000000"/>
-              </a:solidFill>
-              <a:latin typeface="Arial"/>
-            </a:endParaRPr>
-          </a:p>
-        </p:txBody>
-      </p:sp>
-      <p:sp>
-        <p:nvSpPr>
-          <p:cNvPr id="193" name="CustomShape 2"/>
+            <a:endParaRPr b="0" lang="en-US" sz="2400" spc="-1" strike="noStrike">
+              <a:solidFill>
+                <a:srgbClr val="000000"/>
+              </a:solidFill>
+              <a:latin typeface="Arial"/>
+            </a:endParaRPr>
+          </a:p>
+        </p:txBody>
+      </p:sp>
+      <p:sp>
+        <p:nvSpPr>
+          <p:cNvPr id="191" name="CustomShape 2"/>
           <p:cNvSpPr/>
           <p:nvPr/>
         </p:nvSpPr>
         <p:spPr>
           <a:xfrm>
             <a:off x="432720" y="1148040"/>
-            <a:ext cx="10341360" cy="482040"/>
+            <a:ext cx="10341000" cy="481680"/>
           </a:xfrm>
           <a:prstGeom prst="rect">
             <a:avLst/>
@@ -14299,25 +13849,25 @@
               </a:rPr>
               <a:t>Stabilized World (SW)</a:t>
             </a:r>
-            <a:endParaRPr b="0" lang="de-DE" sz="2200" spc="-1" strike="noStrike">
-              <a:solidFill>
-                <a:srgbClr val="000000"/>
-              </a:solidFill>
-              <a:latin typeface="Arial"/>
-            </a:endParaRPr>
-          </a:p>
-        </p:txBody>
-      </p:sp>
-      <p:sp>
-        <p:nvSpPr>
-          <p:cNvPr id="194" name="CustomShape 3"/>
+            <a:endParaRPr b="0" lang="en-US" sz="2200" spc="-1" strike="noStrike">
+              <a:solidFill>
+                <a:srgbClr val="000000"/>
+              </a:solidFill>
+              <a:latin typeface="Arial"/>
+            </a:endParaRPr>
+          </a:p>
+        </p:txBody>
+      </p:sp>
+      <p:sp>
+        <p:nvSpPr>
+          <p:cNvPr id="192" name="CustomShape 3"/>
           <p:cNvSpPr/>
           <p:nvPr/>
         </p:nvSpPr>
         <p:spPr>
           <a:xfrm>
             <a:off x="274320" y="6447960"/>
-            <a:ext cx="11149560" cy="245160"/>
+            <a:ext cx="11149200" cy="245160"/>
           </a:xfrm>
           <a:prstGeom prst="rect">
             <a:avLst/>
@@ -14365,7 +13915,7 @@
               </a:rPr>
               <a:t>Link</a:t>
             </a:r>
-            <a:endParaRPr b="0" lang="de-DE" sz="900" spc="-1" strike="noStrike">
+            <a:endParaRPr b="0" lang="en-US" sz="900" spc="-1" strike="noStrike">
               <a:solidFill>
                 <a:srgbClr val="000000"/>
               </a:solidFill>
@@ -14376,7 +13926,7 @@
       </p:sp>
       <p:pic>
         <p:nvPicPr>
-          <p:cNvPr id="195" name="Grafik 365" descr=""/>
+          <p:cNvPr id="193" name="Grafik 365" descr=""/>
           <p:cNvPicPr/>
           <p:nvPr/>
         </p:nvPicPr>
@@ -14387,7 +13937,7 @@
         <p:spPr>
           <a:xfrm>
             <a:off x="1600200" y="1813320"/>
-            <a:ext cx="7239960" cy="4176720"/>
+            <a:ext cx="7239600" cy="4176360"/>
           </a:xfrm>
           <a:prstGeom prst="rect">
             <a:avLst/>
@@ -14429,14 +13979,14 @@
       </p:grpSpPr>
       <p:sp>
         <p:nvSpPr>
-          <p:cNvPr id="196" name="CustomShape 1"/>
+          <p:cNvPr id="194" name="CustomShape 1"/>
           <p:cNvSpPr/>
           <p:nvPr/>
         </p:nvSpPr>
         <p:spPr>
           <a:xfrm>
             <a:off x="335520" y="764640"/>
-            <a:ext cx="10735920" cy="486720"/>
+            <a:ext cx="10735560" cy="486360"/>
           </a:xfrm>
           <a:prstGeom prst="rect">
             <a:avLst/>
@@ -14472,25 +14022,25 @@
               </a:rPr>
               <a:t>World3</a:t>
             </a:r>
-            <a:endParaRPr b="0" lang="de-DE" sz="2400" spc="-1" strike="noStrike">
-              <a:solidFill>
-                <a:srgbClr val="000000"/>
-              </a:solidFill>
-              <a:latin typeface="Arial"/>
-            </a:endParaRPr>
-          </a:p>
-        </p:txBody>
-      </p:sp>
-      <p:sp>
-        <p:nvSpPr>
-          <p:cNvPr id="197" name="CustomShape 2"/>
+            <a:endParaRPr b="0" lang="en-US" sz="2400" spc="-1" strike="noStrike">
+              <a:solidFill>
+                <a:srgbClr val="000000"/>
+              </a:solidFill>
+              <a:latin typeface="Arial"/>
+            </a:endParaRPr>
+          </a:p>
+        </p:txBody>
+      </p:sp>
+      <p:sp>
+        <p:nvSpPr>
+          <p:cNvPr id="195" name="CustomShape 2"/>
           <p:cNvSpPr/>
           <p:nvPr/>
         </p:nvSpPr>
         <p:spPr>
           <a:xfrm>
             <a:off x="432720" y="1148040"/>
-            <a:ext cx="10341360" cy="482040"/>
+            <a:ext cx="10341000" cy="481680"/>
           </a:xfrm>
           <a:prstGeom prst="rect">
             <a:avLst/>
@@ -14526,25 +14076,25 @@
               </a:rPr>
               <a:t>Stabilized World (SW)</a:t>
             </a:r>
-            <a:endParaRPr b="0" lang="de-DE" sz="2200" spc="-1" strike="noStrike">
-              <a:solidFill>
-                <a:srgbClr val="000000"/>
-              </a:solidFill>
-              <a:latin typeface="Arial"/>
-            </a:endParaRPr>
-          </a:p>
-        </p:txBody>
-      </p:sp>
-      <p:sp>
-        <p:nvSpPr>
-          <p:cNvPr id="198" name="CustomShape 3"/>
+            <a:endParaRPr b="0" lang="en-US" sz="2200" spc="-1" strike="noStrike">
+              <a:solidFill>
+                <a:srgbClr val="000000"/>
+              </a:solidFill>
+              <a:latin typeface="Arial"/>
+            </a:endParaRPr>
+          </a:p>
+        </p:txBody>
+      </p:sp>
+      <p:sp>
+        <p:nvSpPr>
+          <p:cNvPr id="196" name="CustomShape 3"/>
           <p:cNvSpPr/>
           <p:nvPr/>
         </p:nvSpPr>
         <p:spPr>
           <a:xfrm>
             <a:off x="274320" y="6447960"/>
-            <a:ext cx="11149560" cy="245160"/>
+            <a:ext cx="11149200" cy="245160"/>
           </a:xfrm>
           <a:prstGeom prst="rect">
             <a:avLst/>
@@ -14592,25 +14142,25 @@
               </a:rPr>
               <a:t>Link</a:t>
             </a:r>
-            <a:endParaRPr b="0" lang="de-DE" sz="900" spc="-1" strike="noStrike">
-              <a:solidFill>
-                <a:srgbClr val="000000"/>
-              </a:solidFill>
-              <a:latin typeface="Arial"/>
-            </a:endParaRPr>
-          </a:p>
-        </p:txBody>
-      </p:sp>
-      <p:sp>
-        <p:nvSpPr>
-          <p:cNvPr id="199" name="CustomShape 4"/>
+            <a:endParaRPr b="0" lang="en-US" sz="900" spc="-1" strike="noStrike">
+              <a:solidFill>
+                <a:srgbClr val="000000"/>
+              </a:solidFill>
+              <a:latin typeface="Arial"/>
+            </a:endParaRPr>
+          </a:p>
+        </p:txBody>
+      </p:sp>
+      <p:sp>
+        <p:nvSpPr>
+          <p:cNvPr id="197" name="CustomShape 4"/>
           <p:cNvSpPr/>
           <p:nvPr/>
         </p:nvSpPr>
         <p:spPr>
           <a:xfrm>
             <a:off x="0" y="6055560"/>
-            <a:ext cx="11427480" cy="618480"/>
+            <a:ext cx="11427120" cy="618120"/>
           </a:xfrm>
           <a:prstGeom prst="rect">
             <a:avLst/>
@@ -14656,7 +14206,7 @@
               </a:rPr>
               <a:t>Population stabilizes in the twenty-first century, as does human welfare on a high level</a:t>
             </a:r>
-            <a:endParaRPr b="0" lang="de-DE" sz="1800" spc="-1" strike="noStrike">
+            <a:endParaRPr b="0" lang="en-US" sz="1800" spc="-1" strike="noStrike">
               <a:solidFill>
                 <a:srgbClr val="000000"/>
               </a:solidFill>
@@ -14667,7 +14217,7 @@
       </p:sp>
       <p:pic>
         <p:nvPicPr>
-          <p:cNvPr id="200" name="Grafik 370" descr=""/>
+          <p:cNvPr id="198" name="Grafik 370" descr=""/>
           <p:cNvPicPr/>
           <p:nvPr/>
         </p:nvPicPr>
@@ -14678,7 +14228,7 @@
         <p:spPr>
           <a:xfrm>
             <a:off x="1600560" y="1813320"/>
-            <a:ext cx="7239960" cy="4176720"/>
+            <a:ext cx="7239600" cy="4176360"/>
           </a:xfrm>
           <a:prstGeom prst="rect">
             <a:avLst/>
@@ -14720,14 +14270,14 @@
       </p:grpSpPr>
       <p:sp>
         <p:nvSpPr>
-          <p:cNvPr id="201" name="CustomShape 1"/>
+          <p:cNvPr id="199" name="CustomShape 1"/>
           <p:cNvSpPr/>
           <p:nvPr/>
         </p:nvSpPr>
         <p:spPr>
           <a:xfrm>
             <a:off x="335520" y="764640"/>
-            <a:ext cx="10735920" cy="486720"/>
+            <a:ext cx="10735560" cy="486360"/>
           </a:xfrm>
           <a:prstGeom prst="rect">
             <a:avLst/>
@@ -14763,25 +14313,25 @@
               </a:rPr>
               <a:t>World3</a:t>
             </a:r>
-            <a:endParaRPr b="0" lang="de-DE" sz="2400" spc="-1" strike="noStrike">
-              <a:solidFill>
-                <a:srgbClr val="000000"/>
-              </a:solidFill>
-              <a:latin typeface="Arial"/>
-            </a:endParaRPr>
-          </a:p>
-        </p:txBody>
-      </p:sp>
-      <p:sp>
-        <p:nvSpPr>
-          <p:cNvPr id="202" name="CustomShape 2"/>
+            <a:endParaRPr b="0" lang="en-US" sz="2400" spc="-1" strike="noStrike">
+              <a:solidFill>
+                <a:srgbClr val="000000"/>
+              </a:solidFill>
+              <a:latin typeface="Arial"/>
+            </a:endParaRPr>
+          </a:p>
+        </p:txBody>
+      </p:sp>
+      <p:sp>
+        <p:nvSpPr>
+          <p:cNvPr id="200" name="CustomShape 2"/>
           <p:cNvSpPr/>
           <p:nvPr/>
         </p:nvSpPr>
         <p:spPr>
           <a:xfrm>
             <a:off x="335520" y="1268280"/>
-            <a:ext cx="10735920" cy="5023440"/>
+            <a:ext cx="10735560" cy="5023080"/>
           </a:xfrm>
           <a:prstGeom prst="rect">
             <a:avLst/>
@@ -14823,7 +14373,7 @@
               </a:rPr>
               <a:t>Varies scenarios based on different assumptions</a:t>
             </a:r>
-            <a:endParaRPr b="0" lang="de-DE" sz="1800" spc="-1" strike="noStrike">
+            <a:endParaRPr b="0" lang="en-US" sz="1800" spc="-1" strike="noStrike">
               <a:solidFill>
                 <a:srgbClr val="000000"/>
               </a:solidFill>
@@ -14855,7 +14405,7 @@
               </a:rPr>
               <a:t>4 popular scenarios:</a:t>
             </a:r>
-            <a:endParaRPr b="0" lang="de-DE" sz="1800" spc="-1" strike="noStrike">
+            <a:endParaRPr b="0" lang="en-US" sz="1800" spc="-1" strike="noStrike">
               <a:solidFill>
                 <a:srgbClr val="000000"/>
               </a:solidFill>
@@ -14887,7 +14437,7 @@
               </a:rPr>
               <a:t>Business-as-usual (BAU)</a:t>
             </a:r>
-            <a:endParaRPr b="0" lang="de-DE" sz="1800" spc="-1" strike="noStrike">
+            <a:endParaRPr b="0" lang="en-US" sz="1800" spc="-1" strike="noStrike">
               <a:solidFill>
                 <a:srgbClr val="000000"/>
               </a:solidFill>
@@ -14919,7 +14469,7 @@
               </a:rPr>
               <a:t>Business-as-usual2 (BAU2) → double the natural resources of BAU</a:t>
             </a:r>
-            <a:endParaRPr b="0" lang="de-DE" sz="1800" spc="-1" strike="noStrike">
+            <a:endParaRPr b="0" lang="en-US" sz="1800" spc="-1" strike="noStrike">
               <a:solidFill>
                 <a:srgbClr val="000000"/>
               </a:solidFill>
@@ -14951,7 +14501,7 @@
               </a:rPr>
               <a:t>Comprehensive Technology (CT) → BAU2 + exceptionally high technological development and adoption rates</a:t>
             </a:r>
-            <a:endParaRPr b="0" lang="de-DE" sz="1800" spc="-1" strike="noStrike">
+            <a:endParaRPr b="0" lang="en-US" sz="1800" spc="-1" strike="noStrike">
               <a:solidFill>
                 <a:srgbClr val="000000"/>
               </a:solidFill>
@@ -14983,25 +14533,25 @@
               </a:rPr>
               <a:t>Stabilized Wolrd (SW) → CT + changes in societal values and priorities</a:t>
             </a:r>
-            <a:endParaRPr b="0" lang="de-DE" sz="1800" spc="-1" strike="noStrike">
-              <a:solidFill>
-                <a:srgbClr val="000000"/>
-              </a:solidFill>
-              <a:latin typeface="Arial"/>
-            </a:endParaRPr>
-          </a:p>
-        </p:txBody>
-      </p:sp>
-      <p:sp>
-        <p:nvSpPr>
-          <p:cNvPr id="203" name="CustomShape 3"/>
+            <a:endParaRPr b="0" lang="en-US" sz="1800" spc="-1" strike="noStrike">
+              <a:solidFill>
+                <a:srgbClr val="000000"/>
+              </a:solidFill>
+              <a:latin typeface="Arial"/>
+            </a:endParaRPr>
+          </a:p>
+        </p:txBody>
+      </p:sp>
+      <p:sp>
+        <p:nvSpPr>
+          <p:cNvPr id="201" name="CustomShape 3"/>
           <p:cNvSpPr/>
           <p:nvPr/>
         </p:nvSpPr>
         <p:spPr>
           <a:xfrm>
             <a:off x="432720" y="1148040"/>
-            <a:ext cx="10341360" cy="482040"/>
+            <a:ext cx="10341000" cy="481680"/>
           </a:xfrm>
           <a:prstGeom prst="rect">
             <a:avLst/>
@@ -15037,7 +14587,7 @@
               </a:rPr>
               <a:t>Simulation Results</a:t>
             </a:r>
-            <a:endParaRPr b="0" lang="de-DE" sz="2200" spc="-1" strike="noStrike">
+            <a:endParaRPr b="0" lang="en-US" sz="2200" spc="-1" strike="noStrike">
               <a:solidFill>
                 <a:srgbClr val="000000"/>
               </a:solidFill>
@@ -15078,14 +14628,14 @@
       </p:grpSpPr>
       <p:sp>
         <p:nvSpPr>
-          <p:cNvPr id="204" name="CustomShape 1"/>
+          <p:cNvPr id="202" name="CustomShape 1"/>
           <p:cNvSpPr/>
           <p:nvPr/>
         </p:nvSpPr>
         <p:spPr>
           <a:xfrm>
             <a:off x="335520" y="764640"/>
-            <a:ext cx="10735920" cy="486720"/>
+            <a:ext cx="10735560" cy="486360"/>
           </a:xfrm>
           <a:prstGeom prst="rect">
             <a:avLst/>
@@ -15121,25 +14671,25 @@
               </a:rPr>
               <a:t>World3</a:t>
             </a:r>
-            <a:endParaRPr b="0" lang="de-DE" sz="2400" spc="-1" strike="noStrike">
-              <a:solidFill>
-                <a:srgbClr val="000000"/>
-              </a:solidFill>
-              <a:latin typeface="Arial"/>
-            </a:endParaRPr>
-          </a:p>
-        </p:txBody>
-      </p:sp>
-      <p:sp>
-        <p:nvSpPr>
-          <p:cNvPr id="205" name="CustomShape 2"/>
+            <a:endParaRPr b="0" lang="en-US" sz="2400" spc="-1" strike="noStrike">
+              <a:solidFill>
+                <a:srgbClr val="000000"/>
+              </a:solidFill>
+              <a:latin typeface="Arial"/>
+            </a:endParaRPr>
+          </a:p>
+        </p:txBody>
+      </p:sp>
+      <p:sp>
+        <p:nvSpPr>
+          <p:cNvPr id="203" name="CustomShape 2"/>
           <p:cNvSpPr/>
           <p:nvPr/>
         </p:nvSpPr>
         <p:spPr>
           <a:xfrm>
             <a:off x="335520" y="1268280"/>
-            <a:ext cx="10735920" cy="5023440"/>
+            <a:ext cx="10735560" cy="5023080"/>
           </a:xfrm>
           <a:prstGeom prst="rect">
             <a:avLst/>
@@ -15181,7 +14731,7 @@
               </a:rPr>
               <a:t>So which of the 4 scenarios is closest to our current situation?</a:t>
             </a:r>
-            <a:endParaRPr b="0" lang="de-DE" sz="1800" spc="-1" strike="noStrike">
+            <a:endParaRPr b="0" lang="en-US" sz="1800" spc="-1" strike="noStrike">
               <a:solidFill>
                 <a:srgbClr val="000000"/>
               </a:solidFill>
@@ -15210,7 +14760,7 @@
               </a:rPr>
               <a:t>a) BAU</a:t>
             </a:r>
-            <a:endParaRPr b="0" lang="de-DE" sz="1800" spc="-1" strike="noStrike">
+            <a:endParaRPr b="0" lang="en-US" sz="1800" spc="-1" strike="noStrike">
               <a:solidFill>
                 <a:srgbClr val="000000"/>
               </a:solidFill>
@@ -15239,7 +14789,7 @@
               </a:rPr>
               <a:t>b) BAU2</a:t>
             </a:r>
-            <a:endParaRPr b="0" lang="de-DE" sz="1800" spc="-1" strike="noStrike">
+            <a:endParaRPr b="0" lang="en-US" sz="1800" spc="-1" strike="noStrike">
               <a:solidFill>
                 <a:srgbClr val="000000"/>
               </a:solidFill>
@@ -15268,7 +14818,7 @@
               </a:rPr>
               <a:t>c) CT</a:t>
             </a:r>
-            <a:endParaRPr b="0" lang="de-DE" sz="1800" spc="-1" strike="noStrike">
+            <a:endParaRPr b="0" lang="en-US" sz="1800" spc="-1" strike="noStrike">
               <a:solidFill>
                 <a:srgbClr val="000000"/>
               </a:solidFill>
@@ -15297,25 +14847,25 @@
               </a:rPr>
               <a:t>d) SW</a:t>
             </a:r>
-            <a:endParaRPr b="0" lang="de-DE" sz="1800" spc="-1" strike="noStrike">
-              <a:solidFill>
-                <a:srgbClr val="000000"/>
-              </a:solidFill>
-              <a:latin typeface="Arial"/>
-            </a:endParaRPr>
-          </a:p>
-        </p:txBody>
-      </p:sp>
-      <p:sp>
-        <p:nvSpPr>
-          <p:cNvPr id="206" name="CustomShape 3"/>
+            <a:endParaRPr b="0" lang="en-US" sz="1800" spc="-1" strike="noStrike">
+              <a:solidFill>
+                <a:srgbClr val="000000"/>
+              </a:solidFill>
+              <a:latin typeface="Arial"/>
+            </a:endParaRPr>
+          </a:p>
+        </p:txBody>
+      </p:sp>
+      <p:sp>
+        <p:nvSpPr>
+          <p:cNvPr id="204" name="CustomShape 3"/>
           <p:cNvSpPr/>
           <p:nvPr/>
         </p:nvSpPr>
         <p:spPr>
           <a:xfrm>
             <a:off x="432720" y="1148040"/>
-            <a:ext cx="10341360" cy="482040"/>
+            <a:ext cx="10341000" cy="481680"/>
           </a:xfrm>
           <a:prstGeom prst="rect">
             <a:avLst/>
@@ -15349,9 +14899,9 @@
                 <a:latin typeface="DejaVu Sans"/>
                 <a:ea typeface="DejaVu Sans"/>
               </a:rPr>
-              <a:t>Were are we now?</a:t>
-            </a:r>
-            <a:endParaRPr b="0" lang="de-DE" sz="2200" spc="-1" strike="noStrike">
+              <a:t>Where are we now?</a:t>
+            </a:r>
+            <a:endParaRPr b="0" lang="en-US" sz="2200" spc="-1" strike="noStrike">
               <a:solidFill>
                 <a:srgbClr val="000000"/>
               </a:solidFill>
@@ -15392,14 +14942,14 @@
       </p:grpSpPr>
       <p:sp>
         <p:nvSpPr>
-          <p:cNvPr id="207" name="CustomShape 1"/>
+          <p:cNvPr id="205" name="CustomShape 1"/>
           <p:cNvSpPr/>
           <p:nvPr/>
         </p:nvSpPr>
         <p:spPr>
           <a:xfrm>
             <a:off x="335520" y="764640"/>
-            <a:ext cx="10735920" cy="486720"/>
+            <a:ext cx="10735560" cy="486360"/>
           </a:xfrm>
           <a:prstGeom prst="rect">
             <a:avLst/>
@@ -15435,25 +14985,25 @@
               </a:rPr>
               <a:t>World3</a:t>
             </a:r>
-            <a:endParaRPr b="0" lang="de-DE" sz="2400" spc="-1" strike="noStrike">
-              <a:solidFill>
-                <a:srgbClr val="000000"/>
-              </a:solidFill>
-              <a:latin typeface="Arial"/>
-            </a:endParaRPr>
-          </a:p>
-        </p:txBody>
-      </p:sp>
-      <p:sp>
-        <p:nvSpPr>
-          <p:cNvPr id="208" name="CustomShape 2"/>
+            <a:endParaRPr b="0" lang="en-US" sz="2400" spc="-1" strike="noStrike">
+              <a:solidFill>
+                <a:srgbClr val="000000"/>
+              </a:solidFill>
+              <a:latin typeface="Arial"/>
+            </a:endParaRPr>
+          </a:p>
+        </p:txBody>
+      </p:sp>
+      <p:sp>
+        <p:nvSpPr>
+          <p:cNvPr id="206" name="CustomShape 2"/>
           <p:cNvSpPr/>
           <p:nvPr/>
         </p:nvSpPr>
         <p:spPr>
           <a:xfrm>
             <a:off x="432720" y="1148040"/>
-            <a:ext cx="10341360" cy="482040"/>
+            <a:ext cx="10341000" cy="481680"/>
           </a:xfrm>
           <a:prstGeom prst="rect">
             <a:avLst/>
@@ -15489,25 +15039,25 @@
               </a:rPr>
               <a:t>Sustainability</a:t>
             </a:r>
-            <a:endParaRPr b="0" lang="de-DE" sz="2200" spc="-1" strike="noStrike">
-              <a:solidFill>
-                <a:srgbClr val="000000"/>
-              </a:solidFill>
-              <a:latin typeface="Arial"/>
-            </a:endParaRPr>
-          </a:p>
-        </p:txBody>
-      </p:sp>
-      <p:sp>
-        <p:nvSpPr>
-          <p:cNvPr id="209" name="CustomShape 3"/>
+            <a:endParaRPr b="0" lang="en-US" sz="2200" spc="-1" strike="noStrike">
+              <a:solidFill>
+                <a:srgbClr val="000000"/>
+              </a:solidFill>
+              <a:latin typeface="Arial"/>
+            </a:endParaRPr>
+          </a:p>
+        </p:txBody>
+      </p:sp>
+      <p:sp>
+        <p:nvSpPr>
+          <p:cNvPr id="207" name="CustomShape 3"/>
           <p:cNvSpPr/>
           <p:nvPr/>
         </p:nvSpPr>
         <p:spPr>
           <a:xfrm>
             <a:off x="274320" y="6447960"/>
-            <a:ext cx="11149560" cy="245160"/>
+            <a:ext cx="11149200" cy="245160"/>
           </a:xfrm>
           <a:prstGeom prst="rect">
             <a:avLst/>
@@ -15555,25 +15105,25 @@
               </a:rPr>
               <a:t>Link</a:t>
             </a:r>
-            <a:endParaRPr b="0" lang="de-DE" sz="900" spc="-1" strike="noStrike">
-              <a:solidFill>
-                <a:srgbClr val="000000"/>
-              </a:solidFill>
-              <a:latin typeface="Arial"/>
-            </a:endParaRPr>
-          </a:p>
-        </p:txBody>
-      </p:sp>
-      <p:sp>
-        <p:nvSpPr>
-          <p:cNvPr id="210" name="CustomShape 4"/>
+            <a:endParaRPr b="0" lang="en-US" sz="900" spc="-1" strike="noStrike">
+              <a:solidFill>
+                <a:srgbClr val="000000"/>
+              </a:solidFill>
+              <a:latin typeface="Arial"/>
+            </a:endParaRPr>
+          </a:p>
+        </p:txBody>
+      </p:sp>
+      <p:sp>
+        <p:nvSpPr>
+          <p:cNvPr id="208" name="CustomShape 4"/>
           <p:cNvSpPr/>
           <p:nvPr/>
         </p:nvSpPr>
         <p:spPr>
           <a:xfrm>
             <a:off x="335520" y="1268280"/>
-            <a:ext cx="10735920" cy="5023440"/>
+            <a:ext cx="10735560" cy="5023080"/>
           </a:xfrm>
           <a:prstGeom prst="rect">
             <a:avLst/>
@@ -15615,7 +15165,7 @@
               </a:rPr>
               <a:t>World3 indicates that we are already consuming resources at a faster pace than the planet is able to re-grow/generate them </a:t>
             </a:r>
-            <a:endParaRPr b="0" lang="de-DE" sz="1800" spc="-1" strike="noStrike">
+            <a:endParaRPr b="0" lang="en-US" sz="1800" spc="-1" strike="noStrike">
               <a:solidFill>
                 <a:srgbClr val="000000"/>
               </a:solidFill>
@@ -15644,7 +15194,7 @@
               </a:rPr>
               <a:t>Standard of living is not sustainable</a:t>
             </a:r>
-            <a:endParaRPr b="0" lang="de-DE" sz="1800" spc="-1" strike="noStrike">
+            <a:endParaRPr b="0" lang="en-US" sz="1800" spc="-1" strike="noStrike">
               <a:solidFill>
                 <a:srgbClr val="000000"/>
               </a:solidFill>
@@ -15673,7 +15223,7 @@
               </a:rPr>
               <a:t>Relieving limiting factors is not a solutions → Instead, it is an accelerator towards disaster</a:t>
             </a:r>
-            <a:endParaRPr b="0" lang="de-DE" sz="1800" spc="-1" strike="noStrike">
+            <a:endParaRPr b="0" lang="en-US" sz="1800" spc="-1" strike="noStrike">
               <a:solidFill>
                 <a:srgbClr val="000000"/>
               </a:solidFill>
@@ -15702,7 +15252,7 @@
               </a:rPr>
               <a:t>Preventing the worst-case scenario by reducing consumption</a:t>
             </a:r>
-            <a:endParaRPr b="0" lang="de-DE" sz="1800" spc="-1" strike="noStrike">
+            <a:endParaRPr b="0" lang="en-US" sz="1800" spc="-1" strike="noStrike">
               <a:solidFill>
                 <a:srgbClr val="000000"/>
               </a:solidFill>
@@ -15743,14 +15293,14 @@
       </p:grpSpPr>
       <p:sp>
         <p:nvSpPr>
-          <p:cNvPr id="211" name="CustomShape 1"/>
+          <p:cNvPr id="209" name="CustomShape 1"/>
           <p:cNvSpPr/>
           <p:nvPr/>
         </p:nvSpPr>
         <p:spPr>
           <a:xfrm>
             <a:off x="335520" y="4406760"/>
-            <a:ext cx="10731240" cy="1340280"/>
+            <a:ext cx="10730880" cy="1339920"/>
           </a:xfrm>
           <a:prstGeom prst="rect">
             <a:avLst/>
@@ -15786,25 +15336,25 @@
               </a:rPr>
               <a:t>Criticism</a:t>
             </a:r>
-            <a:endParaRPr b="0" lang="de-DE" sz="3000" spc="-1" strike="noStrike">
-              <a:solidFill>
-                <a:srgbClr val="000000"/>
-              </a:solidFill>
-              <a:latin typeface="Arial"/>
-            </a:endParaRPr>
-          </a:p>
-        </p:txBody>
-      </p:sp>
-      <p:sp>
-        <p:nvSpPr>
-          <p:cNvPr id="212" name="CustomShape 2"/>
+            <a:endParaRPr b="0" lang="en-US" sz="3000" spc="-1" strike="noStrike">
+              <a:solidFill>
+                <a:srgbClr val="000000"/>
+              </a:solidFill>
+              <a:latin typeface="Arial"/>
+            </a:endParaRPr>
+          </a:p>
+        </p:txBody>
+      </p:sp>
+      <p:sp>
+        <p:nvSpPr>
+          <p:cNvPr id="210" name="CustomShape 2"/>
           <p:cNvSpPr/>
           <p:nvPr/>
         </p:nvSpPr>
         <p:spPr>
           <a:xfrm>
             <a:off x="335520" y="2906640"/>
-            <a:ext cx="10731240" cy="1478160"/>
+            <a:ext cx="10730880" cy="1477800"/>
           </a:xfrm>
           <a:prstGeom prst="rect">
             <a:avLst/>
@@ -15872,14 +15422,14 @@
       </p:grpSpPr>
       <p:sp>
         <p:nvSpPr>
-          <p:cNvPr id="213" name="CustomShape 1"/>
+          <p:cNvPr id="211" name="CustomShape 1"/>
           <p:cNvSpPr/>
           <p:nvPr/>
         </p:nvSpPr>
         <p:spPr>
           <a:xfrm>
             <a:off x="335520" y="764640"/>
-            <a:ext cx="10731600" cy="482400"/>
+            <a:ext cx="10731240" cy="482040"/>
           </a:xfrm>
           <a:prstGeom prst="rect">
             <a:avLst/>
@@ -15915,25 +15465,25 @@
               </a:rPr>
               <a:t>Criticism</a:t>
             </a:r>
-            <a:endParaRPr b="0" lang="de-DE" sz="2400" spc="-1" strike="noStrike">
-              <a:solidFill>
-                <a:srgbClr val="000000"/>
-              </a:solidFill>
-              <a:latin typeface="Arial"/>
-            </a:endParaRPr>
-          </a:p>
-        </p:txBody>
-      </p:sp>
-      <p:sp>
-        <p:nvSpPr>
-          <p:cNvPr id="214" name="CustomShape 2"/>
+            <a:endParaRPr b="0" lang="en-US" sz="2400" spc="-1" strike="noStrike">
+              <a:solidFill>
+                <a:srgbClr val="000000"/>
+              </a:solidFill>
+              <a:latin typeface="Arial"/>
+            </a:endParaRPr>
+          </a:p>
+        </p:txBody>
+      </p:sp>
+      <p:sp>
+        <p:nvSpPr>
+          <p:cNvPr id="212" name="CustomShape 2"/>
           <p:cNvSpPr/>
           <p:nvPr/>
         </p:nvSpPr>
         <p:spPr>
           <a:xfrm>
             <a:off x="335520" y="1268640"/>
-            <a:ext cx="10731600" cy="5019120"/>
+            <a:ext cx="10731240" cy="5018760"/>
           </a:xfrm>
           <a:prstGeom prst="rect">
             <a:avLst/>
@@ -15978,7 +15528,7 @@
               </a:rPr>
               <a:t>Model criticized by its creators and others</a:t>
             </a:r>
-            <a:endParaRPr b="0" lang="de-DE" sz="1800" spc="-1" strike="noStrike">
+            <a:endParaRPr b="0" lang="en-US" sz="1800" spc="-1" strike="noStrike">
               <a:solidFill>
                 <a:srgbClr val="000000"/>
               </a:solidFill>
@@ -16020,7 +15570,7 @@
               </a:rPr>
               <a:t>Models of Doom: A Critique of the Limits to Growth.</a:t>
             </a:r>
-            <a:endParaRPr b="0" lang="de-DE" sz="1800" spc="-1" strike="noStrike">
+            <a:endParaRPr b="0" lang="en-US" sz="1800" spc="-1" strike="noStrike">
               <a:solidFill>
                 <a:srgbClr val="000000"/>
               </a:solidFill>
@@ -16092,7 +15642,7 @@
               </a:rPr>
               <a:t>)</a:t>
             </a:r>
-            <a:endParaRPr b="0" lang="de-DE" sz="1800" spc="-1" strike="noStrike">
+            <a:endParaRPr b="0" lang="en-US" sz="1800" spc="-1" strike="noStrike">
               <a:solidFill>
                 <a:srgbClr val="000000"/>
               </a:solidFill>
@@ -16124,7 +15674,7 @@
               </a:rPr>
               <a:t>1972 book did not contain the equations governing the World3 model</a:t>
             </a:r>
-            <a:endParaRPr b="0" lang="de-DE" sz="1800" spc="-1" strike="noStrike">
+            <a:endParaRPr b="0" lang="en-US" sz="1800" spc="-1" strike="noStrike">
               <a:solidFill>
                 <a:srgbClr val="000000"/>
               </a:solidFill>
@@ -16156,7 +15706,7 @@
               </a:rPr>
               <a:t>Subsequently released in a further book in 1974 → Dynamics of Growth in a Finite World  </a:t>
             </a:r>
-            <a:endParaRPr b="0" lang="de-DE" sz="1800" spc="-1" strike="noStrike">
+            <a:endParaRPr b="0" lang="en-US" sz="1800" spc="-1" strike="noStrike">
               <a:solidFill>
                 <a:srgbClr val="000000"/>
               </a:solidFill>
@@ -16197,14 +15747,14 @@
       </p:grpSpPr>
       <p:sp>
         <p:nvSpPr>
-          <p:cNvPr id="215" name="CustomShape 1"/>
+          <p:cNvPr id="213" name="CustomShape 1"/>
           <p:cNvSpPr/>
           <p:nvPr/>
         </p:nvSpPr>
         <p:spPr>
           <a:xfrm>
             <a:off x="335520" y="764640"/>
-            <a:ext cx="10731600" cy="482400"/>
+            <a:ext cx="10731240" cy="482040"/>
           </a:xfrm>
           <a:prstGeom prst="rect">
             <a:avLst/>
@@ -16240,25 +15790,25 @@
               </a:rPr>
               <a:t>Criticism</a:t>
             </a:r>
-            <a:endParaRPr b="0" lang="de-DE" sz="2400" spc="-1" strike="noStrike">
-              <a:solidFill>
-                <a:srgbClr val="000000"/>
-              </a:solidFill>
-              <a:latin typeface="Arial"/>
-            </a:endParaRPr>
-          </a:p>
-        </p:txBody>
-      </p:sp>
-      <p:sp>
-        <p:nvSpPr>
-          <p:cNvPr id="216" name="CustomShape 2"/>
+            <a:endParaRPr b="0" lang="en-US" sz="2400" spc="-1" strike="noStrike">
+              <a:solidFill>
+                <a:srgbClr val="000000"/>
+              </a:solidFill>
+              <a:latin typeface="Arial"/>
+            </a:endParaRPr>
+          </a:p>
+        </p:txBody>
+      </p:sp>
+      <p:sp>
+        <p:nvSpPr>
+          <p:cNvPr id="214" name="CustomShape 2"/>
           <p:cNvSpPr/>
           <p:nvPr/>
         </p:nvSpPr>
         <p:spPr>
           <a:xfrm>
             <a:off x="335520" y="1268640"/>
-            <a:ext cx="10731600" cy="5019120"/>
+            <a:ext cx="10731240" cy="5018760"/>
           </a:xfrm>
           <a:prstGeom prst="rect">
             <a:avLst/>
@@ -16303,7 +15853,7 @@
               </a:rPr>
               <a:t>Heavily criticized by economists → The model questions the fairytale of eternal economic growth</a:t>
             </a:r>
-            <a:endParaRPr b="0" lang="de-DE" sz="1800" spc="-1" strike="noStrike">
+            <a:endParaRPr b="0" lang="en-US" sz="1800" spc="-1" strike="noStrike">
               <a:solidFill>
                 <a:srgbClr val="000000"/>
               </a:solidFill>
@@ -16335,7 +15885,7 @@
               </a:rPr>
               <a:t>Aggregated variables → one resource, one food, one pollutant, one population</a:t>
             </a:r>
-            <a:endParaRPr b="0" lang="de-DE" sz="1800" spc="-1" strike="noStrike">
+            <a:endParaRPr b="0" lang="en-US" sz="1800" spc="-1" strike="noStrike">
               <a:solidFill>
                 <a:srgbClr val="000000"/>
               </a:solidFill>
@@ -16367,7 +15917,7 @@
               </a:rPr>
               <a:t>No geographic structure, no social distinctions. "Average food per capita."</a:t>
             </a:r>
-            <a:endParaRPr b="0" lang="de-DE" sz="1800" spc="-1" strike="noStrike">
+            <a:endParaRPr b="0" lang="en-US" sz="1800" spc="-1" strike="noStrike">
               <a:solidFill>
                 <a:srgbClr val="000000"/>
               </a:solidFill>
@@ -16399,7 +15949,7 @@
               </a:rPr>
               <a:t>Lack of statistical analysis – no error bars</a:t>
             </a:r>
-            <a:endParaRPr b="0" lang="de-DE" sz="1800" spc="-1" strike="noStrike">
+            <a:endParaRPr b="0" lang="en-US" sz="1800" spc="-1" strike="noStrike">
               <a:solidFill>
                 <a:srgbClr val="000000"/>
               </a:solidFill>
@@ -16431,25 +15981,25 @@
               </a:rPr>
               <a:t>Accused of being too complex and oversimplification</a:t>
             </a:r>
-            <a:endParaRPr b="0" lang="de-DE" sz="1800" spc="-1" strike="noStrike">
-              <a:solidFill>
-                <a:srgbClr val="000000"/>
-              </a:solidFill>
-              <a:latin typeface="Arial"/>
-            </a:endParaRPr>
-          </a:p>
-        </p:txBody>
-      </p:sp>
-      <p:sp>
-        <p:nvSpPr>
-          <p:cNvPr id="217" name="CustomShape 3"/>
+            <a:endParaRPr b="0" lang="en-US" sz="1800" spc="-1" strike="noStrike">
+              <a:solidFill>
+                <a:srgbClr val="000000"/>
+              </a:solidFill>
+              <a:latin typeface="Arial"/>
+            </a:endParaRPr>
+          </a:p>
+        </p:txBody>
+      </p:sp>
+      <p:sp>
+        <p:nvSpPr>
+          <p:cNvPr id="215" name="CustomShape 3"/>
           <p:cNvSpPr/>
           <p:nvPr/>
         </p:nvSpPr>
         <p:spPr>
           <a:xfrm>
             <a:off x="263520" y="6492240"/>
-            <a:ext cx="10611360" cy="245160"/>
+            <a:ext cx="10611000" cy="245160"/>
           </a:xfrm>
           <a:prstGeom prst="rect">
             <a:avLst/>
@@ -16497,7 +16047,7 @@
               </a:rPr>
               <a:t>Link</a:t>
             </a:r>
-            <a:endParaRPr b="0" lang="de-DE" sz="900" spc="-1" strike="noStrike">
+            <a:endParaRPr b="0" lang="en-US" sz="900" spc="-1" strike="noStrike">
               <a:solidFill>
                 <a:srgbClr val="000000"/>
               </a:solidFill>
@@ -16538,14 +16088,14 @@
       </p:grpSpPr>
       <p:sp>
         <p:nvSpPr>
-          <p:cNvPr id="57" name="CustomShape 10"/>
+          <p:cNvPr id="55" name="CustomShape 10"/>
           <p:cNvSpPr/>
           <p:nvPr/>
         </p:nvSpPr>
         <p:spPr>
           <a:xfrm>
             <a:off x="335520" y="4406760"/>
-            <a:ext cx="10731240" cy="1340280"/>
+            <a:ext cx="10730880" cy="1339920"/>
           </a:xfrm>
           <a:prstGeom prst="rect">
             <a:avLst/>
@@ -16581,25 +16131,25 @@
               </a:rPr>
               <a:t>Introduction</a:t>
             </a:r>
-            <a:endParaRPr b="0" lang="de-DE" sz="3000" spc="-1" strike="noStrike">
-              <a:solidFill>
-                <a:srgbClr val="000000"/>
-              </a:solidFill>
-              <a:latin typeface="Arial"/>
-            </a:endParaRPr>
-          </a:p>
-        </p:txBody>
-      </p:sp>
-      <p:sp>
-        <p:nvSpPr>
-          <p:cNvPr id="58" name="CustomShape 11"/>
+            <a:endParaRPr b="0" lang="en-US" sz="3000" spc="-1" strike="noStrike">
+              <a:solidFill>
+                <a:srgbClr val="000000"/>
+              </a:solidFill>
+              <a:latin typeface="Arial"/>
+            </a:endParaRPr>
+          </a:p>
+        </p:txBody>
+      </p:sp>
+      <p:sp>
+        <p:nvSpPr>
+          <p:cNvPr id="56" name="CustomShape 11"/>
           <p:cNvSpPr/>
           <p:nvPr/>
         </p:nvSpPr>
         <p:spPr>
           <a:xfrm>
             <a:off x="335520" y="2906640"/>
-            <a:ext cx="10731240" cy="1478160"/>
+            <a:ext cx="10730880" cy="1477800"/>
           </a:xfrm>
           <a:prstGeom prst="rect">
             <a:avLst/>
@@ -16667,14 +16217,14 @@
       </p:grpSpPr>
       <p:sp>
         <p:nvSpPr>
-          <p:cNvPr id="218" name="CustomShape 1"/>
+          <p:cNvPr id="216" name="CustomShape 1"/>
           <p:cNvSpPr/>
           <p:nvPr/>
         </p:nvSpPr>
         <p:spPr>
           <a:xfrm>
             <a:off x="335520" y="4406760"/>
-            <a:ext cx="10731240" cy="1340280"/>
+            <a:ext cx="10730880" cy="1339920"/>
           </a:xfrm>
           <a:prstGeom prst="rect">
             <a:avLst/>
@@ -16710,25 +16260,25 @@
               </a:rPr>
               <a:t>Conclusion</a:t>
             </a:r>
-            <a:endParaRPr b="0" lang="de-DE" sz="3000" spc="-1" strike="noStrike">
-              <a:solidFill>
-                <a:srgbClr val="000000"/>
-              </a:solidFill>
-              <a:latin typeface="Arial"/>
-            </a:endParaRPr>
-          </a:p>
-        </p:txBody>
-      </p:sp>
-      <p:sp>
-        <p:nvSpPr>
-          <p:cNvPr id="219" name="CustomShape 2"/>
+            <a:endParaRPr b="0" lang="en-US" sz="3000" spc="-1" strike="noStrike">
+              <a:solidFill>
+                <a:srgbClr val="000000"/>
+              </a:solidFill>
+              <a:latin typeface="Arial"/>
+            </a:endParaRPr>
+          </a:p>
+        </p:txBody>
+      </p:sp>
+      <p:sp>
+        <p:nvSpPr>
+          <p:cNvPr id="217" name="CustomShape 2"/>
           <p:cNvSpPr/>
           <p:nvPr/>
         </p:nvSpPr>
         <p:spPr>
           <a:xfrm>
             <a:off x="335520" y="2906640"/>
-            <a:ext cx="10731240" cy="1478160"/>
+            <a:ext cx="10730880" cy="1477800"/>
           </a:xfrm>
           <a:prstGeom prst="rect">
             <a:avLst/>
@@ -16796,14 +16346,14 @@
       </p:grpSpPr>
       <p:sp>
         <p:nvSpPr>
-          <p:cNvPr id="220" name="CustomShape 1"/>
+          <p:cNvPr id="218" name="CustomShape 1"/>
           <p:cNvSpPr/>
           <p:nvPr/>
         </p:nvSpPr>
         <p:spPr>
           <a:xfrm>
             <a:off x="335520" y="764640"/>
-            <a:ext cx="10731600" cy="482400"/>
+            <a:ext cx="10731240" cy="482040"/>
           </a:xfrm>
           <a:prstGeom prst="rect">
             <a:avLst/>
@@ -16839,25 +16389,25 @@
               </a:rPr>
               <a:t>Conclusion</a:t>
             </a:r>
-            <a:endParaRPr b="0" lang="de-DE" sz="2400" spc="-1" strike="noStrike">
-              <a:solidFill>
-                <a:srgbClr val="000000"/>
-              </a:solidFill>
-              <a:latin typeface="Arial"/>
-            </a:endParaRPr>
-          </a:p>
-        </p:txBody>
-      </p:sp>
-      <p:sp>
-        <p:nvSpPr>
-          <p:cNvPr id="221" name="CustomShape 2"/>
+            <a:endParaRPr b="0" lang="en-US" sz="2400" spc="-1" strike="noStrike">
+              <a:solidFill>
+                <a:srgbClr val="000000"/>
+              </a:solidFill>
+              <a:latin typeface="Arial"/>
+            </a:endParaRPr>
+          </a:p>
+        </p:txBody>
+      </p:sp>
+      <p:sp>
+        <p:nvSpPr>
+          <p:cNvPr id="219" name="CustomShape 2"/>
           <p:cNvSpPr/>
           <p:nvPr/>
         </p:nvSpPr>
         <p:spPr>
           <a:xfrm>
             <a:off x="335520" y="1268640"/>
-            <a:ext cx="10731600" cy="5019120"/>
+            <a:ext cx="10731240" cy="5018760"/>
           </a:xfrm>
           <a:prstGeom prst="rect">
             <a:avLst/>
@@ -16902,7 +16452,7 @@
               </a:rPr>
               <a:t>Planetary Boundaries </a:t>
             </a:r>
-            <a:endParaRPr b="0" lang="de-DE" sz="1800" spc="-1" strike="noStrike">
+            <a:endParaRPr b="0" lang="en-US" sz="1800" spc="-1" strike="noStrike">
               <a:solidFill>
                 <a:srgbClr val="000000"/>
               </a:solidFill>
@@ -16934,7 +16484,7 @@
               </a:rPr>
               <a:t>World3 (1972)→ Modeling the world using System Dynamics</a:t>
             </a:r>
-            <a:endParaRPr b="0" lang="de-DE" sz="1800" spc="-1" strike="noStrike">
+            <a:endParaRPr b="0" lang="en-US" sz="1800" spc="-1" strike="noStrike">
               <a:solidFill>
                 <a:srgbClr val="000000"/>
               </a:solidFill>
@@ -16966,7 +16516,7 @@
               </a:rPr>
               <a:t>4 commonly used scenarios → BAU, BAU2, CT and SW</a:t>
             </a:r>
-            <a:endParaRPr b="0" lang="de-DE" sz="1800" spc="-1" strike="noStrike">
+            <a:endParaRPr b="0" lang="en-US" sz="1800" spc="-1" strike="noStrike">
               <a:solidFill>
                 <a:srgbClr val="000000"/>
               </a:solidFill>
@@ -16998,7 +16548,7 @@
               </a:rPr>
               <a:t>SW → Goal</a:t>
             </a:r>
-            <a:endParaRPr b="0" lang="de-DE" sz="1800" spc="-1" strike="noStrike">
+            <a:endParaRPr b="0" lang="en-US" sz="1800" spc="-1" strike="noStrike">
               <a:solidFill>
                 <a:srgbClr val="000000"/>
               </a:solidFill>
@@ -17030,7 +16580,7 @@
               </a:rPr>
               <a:t>Widespread criticism but the overall message of the World3 model still holds → unsustainable behavior of humans will lead to a collapse of society</a:t>
             </a:r>
-            <a:endParaRPr b="0" lang="de-DE" sz="1800" spc="-1" strike="noStrike">
+            <a:endParaRPr b="0" lang="en-US" sz="1800" spc="-1" strike="noStrike">
               <a:solidFill>
                 <a:srgbClr val="000000"/>
               </a:solidFill>
@@ -17071,14 +16621,14 @@
       </p:grpSpPr>
       <p:sp>
         <p:nvSpPr>
-          <p:cNvPr id="222" name="CustomShape 1"/>
+          <p:cNvPr id="220" name="CustomShape 1"/>
           <p:cNvSpPr/>
           <p:nvPr/>
         </p:nvSpPr>
         <p:spPr>
           <a:xfrm>
             <a:off x="335520" y="4406760"/>
-            <a:ext cx="10731240" cy="1340280"/>
+            <a:ext cx="10730880" cy="1339920"/>
           </a:xfrm>
           <a:prstGeom prst="rect">
             <a:avLst/>
@@ -17112,27 +16662,27 @@
                 <a:latin typeface="Arial Unicode MS"/>
                 <a:ea typeface="DejaVu Sans"/>
               </a:rPr>
-              <a:t>Exercise E05</a:t>
-            </a:r>
-            <a:endParaRPr b="0" lang="de-DE" sz="3000" spc="-1" strike="noStrike">
-              <a:solidFill>
-                <a:srgbClr val="000000"/>
-              </a:solidFill>
-              <a:latin typeface="Arial"/>
-            </a:endParaRPr>
-          </a:p>
-        </p:txBody>
-      </p:sp>
-      <p:sp>
-        <p:nvSpPr>
-          <p:cNvPr id="223" name="CustomShape 2"/>
+              <a:t>Exercise E04</a:t>
+            </a:r>
+            <a:endParaRPr b="0" lang="en-US" sz="3000" spc="-1" strike="noStrike">
+              <a:solidFill>
+                <a:srgbClr val="000000"/>
+              </a:solidFill>
+              <a:latin typeface="Arial"/>
+            </a:endParaRPr>
+          </a:p>
+        </p:txBody>
+      </p:sp>
+      <p:sp>
+        <p:nvSpPr>
+          <p:cNvPr id="221" name="CustomShape 2"/>
           <p:cNvSpPr/>
           <p:nvPr/>
         </p:nvSpPr>
         <p:spPr>
           <a:xfrm>
             <a:off x="335520" y="2906640"/>
-            <a:ext cx="10731240" cy="1478160"/>
+            <a:ext cx="10730880" cy="1477800"/>
           </a:xfrm>
           <a:prstGeom prst="rect">
             <a:avLst/>
@@ -17200,14 +16750,14 @@
       </p:grpSpPr>
       <p:sp>
         <p:nvSpPr>
-          <p:cNvPr id="224" name="CustomShape 1"/>
+          <p:cNvPr id="222" name="CustomShape 1"/>
           <p:cNvSpPr/>
           <p:nvPr/>
         </p:nvSpPr>
         <p:spPr>
           <a:xfrm>
             <a:off x="335520" y="764640"/>
-            <a:ext cx="10731600" cy="482400"/>
+            <a:ext cx="10731240" cy="482040"/>
           </a:xfrm>
           <a:prstGeom prst="rect">
             <a:avLst/>
@@ -17241,27 +16791,27 @@
                 <a:latin typeface="DejaVu Sans"/>
                 <a:ea typeface="DejaVu Sans"/>
               </a:rPr>
-              <a:t>Exercise E05</a:t>
-            </a:r>
-            <a:endParaRPr b="0" lang="de-DE" sz="2400" spc="-1" strike="noStrike">
-              <a:solidFill>
-                <a:srgbClr val="000000"/>
-              </a:solidFill>
-              <a:latin typeface="Arial"/>
-            </a:endParaRPr>
-          </a:p>
-        </p:txBody>
-      </p:sp>
-      <p:sp>
-        <p:nvSpPr>
-          <p:cNvPr id="225" name="CustomShape 2"/>
+              <a:t>Exercise E04</a:t>
+            </a:r>
+            <a:endParaRPr b="0" lang="en-US" sz="2400" spc="-1" strike="noStrike">
+              <a:solidFill>
+                <a:srgbClr val="000000"/>
+              </a:solidFill>
+              <a:latin typeface="Arial"/>
+            </a:endParaRPr>
+          </a:p>
+        </p:txBody>
+      </p:sp>
+      <p:sp>
+        <p:nvSpPr>
+          <p:cNvPr id="223" name="CustomShape 2"/>
           <p:cNvSpPr/>
           <p:nvPr/>
         </p:nvSpPr>
         <p:spPr>
           <a:xfrm>
             <a:off x="335520" y="1268280"/>
-            <a:ext cx="10731600" cy="5019120"/>
+            <a:ext cx="10731240" cy="5018760"/>
           </a:xfrm>
           <a:prstGeom prst="rect">
             <a:avLst/>
@@ -17287,7 +16837,7 @@
                 <a:spcPct val="100000"/>
               </a:lnSpc>
             </a:pPr>
-            <a:endParaRPr b="0" lang="de-DE" sz="1800" spc="-1" strike="noStrike">
+            <a:endParaRPr b="0" lang="en-US" sz="1800" spc="-1" strike="noStrike">
               <a:solidFill>
                 <a:srgbClr val="000000"/>
               </a:solidFill>
@@ -17319,7 +16869,7 @@
               </a:rPr>
               <a:t>Have a look at the 4 World3 scenarios that we discussed in the lecture (BAU, BAU2, CT, SW) → Note: Have a look at the links to World3 web version and play around with the model and learn about it in more detail.</a:t>
             </a:r>
-            <a:endParaRPr b="0" lang="de-DE" sz="1800" spc="-1" strike="noStrike">
+            <a:endParaRPr b="0" lang="en-US" sz="1800" spc="-1" strike="noStrike">
               <a:solidFill>
                 <a:srgbClr val="000000"/>
               </a:solidFill>
@@ -17351,7 +16901,7 @@
               </a:rPr>
               <a:t>What actions (which policies) could we (humans/politicians) act upon to move the simulation results of the World3 model towards the SW scenario. </a:t>
             </a:r>
-            <a:endParaRPr b="0" lang="de-DE" sz="1800" spc="-1" strike="noStrike">
+            <a:endParaRPr b="0" lang="en-US" sz="1800" spc="-1" strike="noStrike">
               <a:solidFill>
                 <a:srgbClr val="000000"/>
               </a:solidFill>
@@ -17403,7 +16953,7 @@
               </a:rPr>
               <a:t> and describe each of them in 3 or more sentences.</a:t>
             </a:r>
-            <a:endParaRPr b="0" lang="de-DE" sz="1800" spc="-1" strike="noStrike">
+            <a:endParaRPr b="0" lang="en-US" sz="1800" spc="-1" strike="noStrike">
               <a:solidFill>
                 <a:srgbClr val="000000"/>
               </a:solidFill>
@@ -17457,7 +17007,7 @@
               </a:rPr>
               <a:t>.</a:t>
             </a:r>
-            <a:endParaRPr b="0" lang="de-DE" sz="1800" spc="-1" strike="noStrike">
+            <a:endParaRPr b="0" lang="en-US" sz="1800" spc="-1" strike="noStrike">
               <a:solidFill>
                 <a:srgbClr val="000000"/>
               </a:solidFill>
@@ -17473,25 +17023,25 @@
                 <a:spcPts val="360"/>
               </a:spcBef>
             </a:pPr>
-            <a:endParaRPr b="0" lang="de-DE" sz="1800" spc="-1" strike="noStrike">
-              <a:solidFill>
-                <a:srgbClr val="000000"/>
-              </a:solidFill>
-              <a:latin typeface="Arial"/>
-            </a:endParaRPr>
-          </a:p>
-        </p:txBody>
-      </p:sp>
-      <p:sp>
-        <p:nvSpPr>
-          <p:cNvPr id="226" name="CustomShape 3"/>
+            <a:endParaRPr b="0" lang="en-US" sz="1800" spc="-1" strike="noStrike">
+              <a:solidFill>
+                <a:srgbClr val="000000"/>
+              </a:solidFill>
+              <a:latin typeface="Arial"/>
+            </a:endParaRPr>
+          </a:p>
+        </p:txBody>
+      </p:sp>
+      <p:sp>
+        <p:nvSpPr>
+          <p:cNvPr id="224" name="CustomShape 3"/>
           <p:cNvSpPr/>
           <p:nvPr/>
         </p:nvSpPr>
         <p:spPr>
           <a:xfrm>
             <a:off x="432720" y="1148040"/>
-            <a:ext cx="10340640" cy="481320"/>
+            <a:ext cx="10340280" cy="480960"/>
           </a:xfrm>
           <a:prstGeom prst="rect">
             <a:avLst/>
@@ -17527,7 +17077,7 @@
               </a:rPr>
               <a:t>World3</a:t>
             </a:r>
-            <a:endParaRPr b="0" lang="de-DE" sz="2200" spc="-1" strike="noStrike">
+            <a:endParaRPr b="0" lang="en-US" sz="2200" spc="-1" strike="noStrike">
               <a:solidFill>
                 <a:srgbClr val="000000"/>
               </a:solidFill>
@@ -17568,14 +17118,14 @@
       </p:grpSpPr>
       <p:sp>
         <p:nvSpPr>
-          <p:cNvPr id="227" name="CustomShape 1"/>
+          <p:cNvPr id="225" name="CustomShape 1"/>
           <p:cNvSpPr/>
           <p:nvPr/>
         </p:nvSpPr>
         <p:spPr>
           <a:xfrm>
             <a:off x="335520" y="764640"/>
-            <a:ext cx="10735920" cy="486720"/>
+            <a:ext cx="10735560" cy="486360"/>
           </a:xfrm>
           <a:prstGeom prst="rect">
             <a:avLst/>
@@ -17611,25 +17161,25 @@
               </a:rPr>
               <a:t>Additional Resources</a:t>
             </a:r>
-            <a:endParaRPr b="0" lang="de-DE" sz="2400" spc="-1" strike="noStrike">
-              <a:solidFill>
-                <a:srgbClr val="000000"/>
-              </a:solidFill>
-              <a:latin typeface="Arial"/>
-            </a:endParaRPr>
-          </a:p>
-        </p:txBody>
-      </p:sp>
-      <p:sp>
-        <p:nvSpPr>
-          <p:cNvPr id="228" name="CustomShape 2"/>
+            <a:endParaRPr b="0" lang="en-US" sz="2400" spc="-1" strike="noStrike">
+              <a:solidFill>
+                <a:srgbClr val="000000"/>
+              </a:solidFill>
+              <a:latin typeface="Arial"/>
+            </a:endParaRPr>
+          </a:p>
+        </p:txBody>
+      </p:sp>
+      <p:sp>
+        <p:nvSpPr>
+          <p:cNvPr id="226" name="CustomShape 2"/>
           <p:cNvSpPr/>
           <p:nvPr/>
         </p:nvSpPr>
         <p:spPr>
           <a:xfrm>
             <a:off x="335520" y="1268640"/>
-            <a:ext cx="10735920" cy="5023440"/>
+            <a:ext cx="10735560" cy="5023080"/>
           </a:xfrm>
           <a:prstGeom prst="rect">
             <a:avLst/>
@@ -17694,7 +17244,7 @@
               </a:rPr>
               <a:t>.</a:t>
             </a:r>
-            <a:endParaRPr b="0" lang="de-DE" sz="1800" spc="-1" strike="noStrike">
+            <a:endParaRPr b="0" lang="en-US" sz="1800" spc="-1" strike="noStrike">
               <a:solidFill>
                 <a:srgbClr val="000000"/>
               </a:solidFill>
@@ -17746,7 +17296,7 @@
               </a:rPr>
               <a:t>.</a:t>
             </a:r>
-            <a:endParaRPr b="0" lang="de-DE" sz="1800" spc="-1" strike="noStrike">
+            <a:endParaRPr b="0" lang="en-US" sz="1800" spc="-1" strike="noStrike">
               <a:solidFill>
                 <a:srgbClr val="000000"/>
               </a:solidFill>
@@ -17798,7 +17348,7 @@
               </a:rPr>
               <a:t>.</a:t>
             </a:r>
-            <a:endParaRPr b="0" lang="de-DE" sz="1800" spc="-1" strike="noStrike">
+            <a:endParaRPr b="0" lang="en-US" sz="1800" spc="-1" strike="noStrike">
               <a:solidFill>
                 <a:srgbClr val="000000"/>
               </a:solidFill>
@@ -17850,7 +17400,7 @@
               </a:rPr>
               <a:t>.</a:t>
             </a:r>
-            <a:endParaRPr b="0" lang="de-DE" sz="1800" spc="-1" strike="noStrike">
+            <a:endParaRPr b="0" lang="en-US" sz="1800" spc="-1" strike="noStrike">
               <a:solidFill>
                 <a:srgbClr val="000000"/>
               </a:solidFill>
@@ -17894,7 +17444,7 @@
               </a:rPr>
               <a:t>Link</a:t>
             </a:r>
-            <a:endParaRPr b="0" lang="de-DE" sz="1800" spc="-1" strike="noStrike">
+            <a:endParaRPr b="0" lang="en-US" sz="1800" spc="-1" strike="noStrike">
               <a:solidFill>
                 <a:srgbClr val="000000"/>
               </a:solidFill>
@@ -17935,14 +17485,14 @@
       </p:grpSpPr>
       <p:sp>
         <p:nvSpPr>
-          <p:cNvPr id="229" name="CustomShape 1"/>
+          <p:cNvPr id="227" name="CustomShape 1"/>
           <p:cNvSpPr/>
           <p:nvPr/>
         </p:nvSpPr>
         <p:spPr>
           <a:xfrm>
             <a:off x="335520" y="1268640"/>
-            <a:ext cx="10732680" cy="5020200"/>
+            <a:ext cx="10732320" cy="5019840"/>
           </a:xfrm>
           <a:prstGeom prst="rect">
             <a:avLst/>
@@ -17984,25 +17534,25 @@
               </a:rPr>
               <a:t>Questions?</a:t>
             </a:r>
-            <a:endParaRPr b="0" lang="de-DE" sz="4000" spc="-1" strike="noStrike">
-              <a:solidFill>
-                <a:srgbClr val="000000"/>
-              </a:solidFill>
-              <a:latin typeface="Arial"/>
-            </a:endParaRPr>
-          </a:p>
-        </p:txBody>
-      </p:sp>
-      <p:sp>
-        <p:nvSpPr>
-          <p:cNvPr id="230" name="CustomShape 2"/>
+            <a:endParaRPr b="0" lang="en-US" sz="4000" spc="-1" strike="noStrike">
+              <a:solidFill>
+                <a:srgbClr val="000000"/>
+              </a:solidFill>
+              <a:latin typeface="Arial"/>
+            </a:endParaRPr>
+          </a:p>
+        </p:txBody>
+      </p:sp>
+      <p:sp>
+        <p:nvSpPr>
+          <p:cNvPr id="228" name="CustomShape 2"/>
           <p:cNvSpPr/>
           <p:nvPr/>
         </p:nvSpPr>
         <p:spPr>
           <a:xfrm>
             <a:off x="335520" y="764640"/>
-            <a:ext cx="10732680" cy="483480"/>
+            <a:ext cx="10732320" cy="483120"/>
           </a:xfrm>
           <a:prstGeom prst="rect">
             <a:avLst/>
@@ -18070,14 +17620,14 @@
       </p:grpSpPr>
       <p:sp>
         <p:nvSpPr>
-          <p:cNvPr id="59" name="CustomShape 12"/>
+          <p:cNvPr id="57" name="CustomShape 12"/>
           <p:cNvSpPr/>
           <p:nvPr/>
         </p:nvSpPr>
         <p:spPr>
           <a:xfrm>
             <a:off x="335520" y="764640"/>
-            <a:ext cx="10735920" cy="486720"/>
+            <a:ext cx="10735560" cy="486360"/>
           </a:xfrm>
           <a:prstGeom prst="rect">
             <a:avLst/>
@@ -18113,25 +17663,25 @@
               </a:rPr>
               <a:t>Introduction</a:t>
             </a:r>
-            <a:endParaRPr b="0" lang="de-DE" sz="2400" spc="-1" strike="noStrike">
-              <a:solidFill>
-                <a:srgbClr val="000000"/>
-              </a:solidFill>
-              <a:latin typeface="Arial"/>
-            </a:endParaRPr>
-          </a:p>
-        </p:txBody>
-      </p:sp>
-      <p:sp>
-        <p:nvSpPr>
-          <p:cNvPr id="60" name="CustomShape 13"/>
+            <a:endParaRPr b="0" lang="en-US" sz="2400" spc="-1" strike="noStrike">
+              <a:solidFill>
+                <a:srgbClr val="000000"/>
+              </a:solidFill>
+              <a:latin typeface="Arial"/>
+            </a:endParaRPr>
+          </a:p>
+        </p:txBody>
+      </p:sp>
+      <p:sp>
+        <p:nvSpPr>
+          <p:cNvPr id="58" name="CustomShape 13"/>
           <p:cNvSpPr/>
           <p:nvPr/>
         </p:nvSpPr>
         <p:spPr>
           <a:xfrm>
             <a:off x="432720" y="1148040"/>
-            <a:ext cx="10341360" cy="482040"/>
+            <a:ext cx="10341000" cy="481680"/>
           </a:xfrm>
           <a:prstGeom prst="rect">
             <a:avLst/>
@@ -18167,25 +17717,25 @@
               </a:rPr>
               <a:t>Finite Systems – Sandbox / Playground</a:t>
             </a:r>
-            <a:endParaRPr b="0" lang="de-DE" sz="2200" spc="-1" strike="noStrike">
-              <a:solidFill>
-                <a:srgbClr val="000000"/>
-              </a:solidFill>
-              <a:latin typeface="Arial"/>
-            </a:endParaRPr>
-          </a:p>
-        </p:txBody>
-      </p:sp>
-      <p:sp>
-        <p:nvSpPr>
-          <p:cNvPr id="61" name="CustomShape 14"/>
+            <a:endParaRPr b="0" lang="en-US" sz="2200" spc="-1" strike="noStrike">
+              <a:solidFill>
+                <a:srgbClr val="000000"/>
+              </a:solidFill>
+              <a:latin typeface="Arial"/>
+            </a:endParaRPr>
+          </a:p>
+        </p:txBody>
+      </p:sp>
+      <p:sp>
+        <p:nvSpPr>
+          <p:cNvPr id="59" name="CustomShape 14"/>
           <p:cNvSpPr/>
           <p:nvPr/>
         </p:nvSpPr>
         <p:spPr>
           <a:xfrm>
             <a:off x="263520" y="6492240"/>
-            <a:ext cx="10611360" cy="245160"/>
+            <a:ext cx="10611000" cy="245160"/>
           </a:xfrm>
           <a:prstGeom prst="rect">
             <a:avLst/>
@@ -18243,7 +17793,7 @@
               </a:rPr>
               <a:t>.</a:t>
             </a:r>
-            <a:endParaRPr b="0" lang="de-DE" sz="900" spc="-1" strike="noStrike">
+            <a:endParaRPr b="0" lang="en-US" sz="900" spc="-1" strike="noStrike">
               <a:solidFill>
                 <a:srgbClr val="000000"/>
               </a:solidFill>
@@ -18254,7 +17804,7 @@
       </p:sp>
       <p:pic>
         <p:nvPicPr>
-          <p:cNvPr id="62" name="Grafik 1" descr=""/>
+          <p:cNvPr id="60" name="Grafik 1" descr=""/>
           <p:cNvPicPr/>
           <p:nvPr/>
         </p:nvPicPr>
@@ -18265,7 +17815,7 @@
         <p:spPr>
           <a:xfrm>
             <a:off x="2103120" y="2216880"/>
-            <a:ext cx="7439040" cy="3815280"/>
+            <a:ext cx="7438680" cy="3814920"/>
           </a:xfrm>
           <a:prstGeom prst="rect">
             <a:avLst/>
@@ -18307,14 +17857,14 @@
       </p:grpSpPr>
       <p:sp>
         <p:nvSpPr>
-          <p:cNvPr id="63" name="CustomShape 1"/>
+          <p:cNvPr id="61" name="CustomShape 1"/>
           <p:cNvSpPr/>
           <p:nvPr/>
         </p:nvSpPr>
         <p:spPr>
           <a:xfrm>
             <a:off x="335520" y="764640"/>
-            <a:ext cx="10735920" cy="486720"/>
+            <a:ext cx="10735560" cy="486360"/>
           </a:xfrm>
           <a:prstGeom prst="rect">
             <a:avLst/>
@@ -18350,25 +17900,25 @@
               </a:rPr>
               <a:t>Introduction</a:t>
             </a:r>
-            <a:endParaRPr b="0" lang="de-DE" sz="2400" spc="-1" strike="noStrike">
-              <a:solidFill>
-                <a:srgbClr val="000000"/>
-              </a:solidFill>
-              <a:latin typeface="Arial"/>
-            </a:endParaRPr>
-          </a:p>
-        </p:txBody>
-      </p:sp>
-      <p:sp>
-        <p:nvSpPr>
-          <p:cNvPr id="64" name="CustomShape 2"/>
+            <a:endParaRPr b="0" lang="en-US" sz="2400" spc="-1" strike="noStrike">
+              <a:solidFill>
+                <a:srgbClr val="000000"/>
+              </a:solidFill>
+              <a:latin typeface="Arial"/>
+            </a:endParaRPr>
+          </a:p>
+        </p:txBody>
+      </p:sp>
+      <p:sp>
+        <p:nvSpPr>
+          <p:cNvPr id="62" name="CustomShape 2"/>
           <p:cNvSpPr/>
           <p:nvPr/>
         </p:nvSpPr>
         <p:spPr>
           <a:xfrm>
             <a:off x="432720" y="1148040"/>
-            <a:ext cx="10341360" cy="482040"/>
+            <a:ext cx="10341000" cy="481680"/>
           </a:xfrm>
           <a:prstGeom prst="rect">
             <a:avLst/>
@@ -18404,7 +17954,7 @@
               </a:rPr>
               <a:t>Lotka–Volterra Equations (Predator–Prey Equations)</a:t>
             </a:r>
-            <a:endParaRPr b="0" lang="de-DE" sz="2200" spc="-1" strike="noStrike">
+            <a:endParaRPr b="0" lang="en-US" sz="2200" spc="-1" strike="noStrike">
               <a:solidFill>
                 <a:srgbClr val="000000"/>
               </a:solidFill>
@@ -18445,14 +17995,14 @@
       </p:grpSpPr>
       <p:sp>
         <p:nvSpPr>
-          <p:cNvPr id="65" name="CustomShape 1"/>
+          <p:cNvPr id="63" name="CustomShape 1"/>
           <p:cNvSpPr/>
           <p:nvPr/>
         </p:nvSpPr>
         <p:spPr>
           <a:xfrm>
             <a:off x="335520" y="764640"/>
-            <a:ext cx="10735920" cy="486720"/>
+            <a:ext cx="10735560" cy="486360"/>
           </a:xfrm>
           <a:prstGeom prst="rect">
             <a:avLst/>
@@ -18488,25 +18038,25 @@
               </a:rPr>
               <a:t>Introduction</a:t>
             </a:r>
-            <a:endParaRPr b="0" lang="de-DE" sz="2400" spc="-1" strike="noStrike">
-              <a:solidFill>
-                <a:srgbClr val="000000"/>
-              </a:solidFill>
-              <a:latin typeface="Arial"/>
-            </a:endParaRPr>
-          </a:p>
-        </p:txBody>
-      </p:sp>
-      <p:sp>
-        <p:nvSpPr>
-          <p:cNvPr id="66" name="CustomShape 2"/>
+            <a:endParaRPr b="0" lang="en-US" sz="2400" spc="-1" strike="noStrike">
+              <a:solidFill>
+                <a:srgbClr val="000000"/>
+              </a:solidFill>
+              <a:latin typeface="Arial"/>
+            </a:endParaRPr>
+          </a:p>
+        </p:txBody>
+      </p:sp>
+      <p:sp>
+        <p:nvSpPr>
+          <p:cNvPr id="64" name="CustomShape 2"/>
           <p:cNvSpPr/>
           <p:nvPr/>
         </p:nvSpPr>
         <p:spPr>
           <a:xfrm>
             <a:off x="432720" y="1148040"/>
-            <a:ext cx="10341360" cy="482040"/>
+            <a:ext cx="10341000" cy="481680"/>
           </a:xfrm>
           <a:prstGeom prst="rect">
             <a:avLst/>
@@ -18542,25 +18092,25 @@
               </a:rPr>
               <a:t>Lotka–Volterra Equations (Predator–Prey Equations)</a:t>
             </a:r>
-            <a:endParaRPr b="0" lang="de-DE" sz="2200" spc="-1" strike="noStrike">
-              <a:solidFill>
-                <a:srgbClr val="000000"/>
-              </a:solidFill>
-              <a:latin typeface="Arial"/>
-            </a:endParaRPr>
-          </a:p>
-        </p:txBody>
-      </p:sp>
-      <p:sp>
-        <p:nvSpPr>
-          <p:cNvPr id="67" name="CustomShape 3"/>
+            <a:endParaRPr b="0" lang="en-US" sz="2200" spc="-1" strike="noStrike">
+              <a:solidFill>
+                <a:srgbClr val="000000"/>
+              </a:solidFill>
+              <a:latin typeface="Arial"/>
+            </a:endParaRPr>
+          </a:p>
+        </p:txBody>
+      </p:sp>
+      <p:sp>
+        <p:nvSpPr>
+          <p:cNvPr id="65" name="CustomShape 3"/>
           <p:cNvSpPr/>
           <p:nvPr/>
         </p:nvSpPr>
         <p:spPr>
           <a:xfrm>
             <a:off x="263520" y="6492240"/>
-            <a:ext cx="10611360" cy="245160"/>
+            <a:ext cx="10611000" cy="245160"/>
           </a:xfrm>
           <a:prstGeom prst="rect">
             <a:avLst/>
@@ -18618,7 +18168,7 @@
               </a:rPr>
               <a:t>.</a:t>
             </a:r>
-            <a:endParaRPr b="0" lang="de-DE" sz="900" spc="-1" strike="noStrike">
+            <a:endParaRPr b="0" lang="en-US" sz="900" spc="-1" strike="noStrike">
               <a:solidFill>
                 <a:srgbClr val="000000"/>
               </a:solidFill>
@@ -18629,7 +18179,7 @@
       </p:sp>
       <p:pic>
         <p:nvPicPr>
-          <p:cNvPr id="68" name="Grafik 252" descr=""/>
+          <p:cNvPr id="66" name="Grafik 252" descr=""/>
           <p:cNvPicPr/>
           <p:nvPr/>
         </p:nvPicPr>
@@ -18640,7 +18190,7 @@
         <p:spPr>
           <a:xfrm>
             <a:off x="914400" y="2468880"/>
-            <a:ext cx="9506880" cy="3327840"/>
+            <a:ext cx="9506520" cy="3327480"/>
           </a:xfrm>
           <a:prstGeom prst="rect">
             <a:avLst/>
@@ -18682,14 +18232,14 @@
       </p:grpSpPr>
       <p:sp>
         <p:nvSpPr>
-          <p:cNvPr id="69" name="CustomShape 1"/>
+          <p:cNvPr id="67" name="CustomShape 1"/>
           <p:cNvSpPr/>
           <p:nvPr/>
         </p:nvSpPr>
         <p:spPr>
           <a:xfrm>
             <a:off x="335520" y="764640"/>
-            <a:ext cx="10740600" cy="491400"/>
+            <a:ext cx="10740240" cy="491040"/>
           </a:xfrm>
           <a:prstGeom prst="rect">
             <a:avLst/>
@@ -18725,25 +18275,25 @@
               </a:rPr>
               <a:t>Introduction</a:t>
             </a:r>
-            <a:endParaRPr b="0" lang="de-DE" sz="2400" spc="-1" strike="noStrike">
-              <a:solidFill>
-                <a:srgbClr val="000000"/>
-              </a:solidFill>
-              <a:latin typeface="Arial"/>
-            </a:endParaRPr>
-          </a:p>
-        </p:txBody>
-      </p:sp>
-      <p:sp>
-        <p:nvSpPr>
-          <p:cNvPr id="70" name="CustomShape 2"/>
+            <a:endParaRPr b="0" lang="en-US" sz="2400" spc="-1" strike="noStrike">
+              <a:solidFill>
+                <a:srgbClr val="000000"/>
+              </a:solidFill>
+              <a:latin typeface="Arial"/>
+            </a:endParaRPr>
+          </a:p>
+        </p:txBody>
+      </p:sp>
+      <p:sp>
+        <p:nvSpPr>
+          <p:cNvPr id="68" name="CustomShape 2"/>
           <p:cNvSpPr/>
           <p:nvPr/>
         </p:nvSpPr>
         <p:spPr>
           <a:xfrm>
             <a:off x="335520" y="1268640"/>
-            <a:ext cx="10740600" cy="5028120"/>
+            <a:ext cx="10740240" cy="5027760"/>
           </a:xfrm>
           <a:prstGeom prst="rect">
             <a:avLst/>
@@ -18772,7 +18322,7 @@
                 <a:spcPts val="360"/>
               </a:spcBef>
             </a:pPr>
-            <a:endParaRPr b="0" lang="de-DE" sz="1800" spc="-1" strike="noStrike">
+            <a:endParaRPr b="0" lang="en-US" sz="1800" spc="-1" strike="noStrike">
               <a:solidFill>
                 <a:srgbClr val="000000"/>
               </a:solidFill>
@@ -18788,7 +18338,7 @@
                 <a:spcPts val="360"/>
               </a:spcBef>
             </a:pPr>
-            <a:endParaRPr b="0" lang="de-DE" sz="1800" spc="-1" strike="noStrike">
+            <a:endParaRPr b="0" lang="en-US" sz="1800" spc="-1" strike="noStrike">
               <a:solidFill>
                 <a:srgbClr val="000000"/>
               </a:solidFill>
@@ -18799,7 +18349,7 @@
       </p:sp>
       <p:pic>
         <p:nvPicPr>
-          <p:cNvPr id="71" name="Grafik 4_1" descr=""/>
+          <p:cNvPr id="69" name="Grafik 4_1" descr=""/>
           <p:cNvPicPr/>
           <p:nvPr/>
         </p:nvPicPr>
@@ -18810,7 +18360,7 @@
         <p:spPr>
           <a:xfrm>
             <a:off x="2560320" y="1645920"/>
-            <a:ext cx="7011720" cy="4731480"/>
+            <a:ext cx="7011360" cy="4731120"/>
           </a:xfrm>
           <a:prstGeom prst="rect">
             <a:avLst/>
@@ -18822,14 +18372,14 @@
       </p:pic>
       <p:sp>
         <p:nvSpPr>
-          <p:cNvPr id="72" name="CustomShape 3"/>
+          <p:cNvPr id="70" name="CustomShape 3"/>
           <p:cNvSpPr/>
           <p:nvPr/>
         </p:nvSpPr>
         <p:spPr>
           <a:xfrm>
             <a:off x="432720" y="1148040"/>
-            <a:ext cx="10341360" cy="482040"/>
+            <a:ext cx="10341000" cy="481680"/>
           </a:xfrm>
           <a:prstGeom prst="rect">
             <a:avLst/>
@@ -18865,7 +18415,7 @@
               </a:rPr>
               <a:t>The Limits to Growth – 1972 </a:t>
             </a:r>
-            <a:endParaRPr b="0" lang="de-DE" sz="2200" spc="-1" strike="noStrike">
+            <a:endParaRPr b="0" lang="en-US" sz="2200" spc="-1" strike="noStrike">
               <a:solidFill>
                 <a:srgbClr val="000000"/>
               </a:solidFill>

--- a/The-Limits-to-Growth/LTG-L05a-Limits-to-Growth-and-Planetary-Boundaries.pptx
+++ b/The-Limits-to-Growth/LTG-L05a-Limits-to-Growth-and-Planetary-Boundaries.pptx
@@ -868,11 +868,11 @@
         </c:ser>
         <c:gapWidth val="100"/>
         <c:overlap val="100"/>
-        <c:axId val="30463149"/>
-        <c:axId val="72812147"/>
+        <c:axId val="1164339"/>
+        <c:axId val="36191697"/>
       </c:barChart>
       <c:catAx>
-        <c:axId val="30463149"/>
+        <c:axId val="1164339"/>
         <c:scaling>
           <c:orientation val="minMax"/>
         </c:scaling>
@@ -941,7 +941,7 @@
             </a:pPr>
           </a:p>
         </c:txPr>
-        <c:crossAx val="72812147"/>
+        <c:crossAx val="36191697"/>
         <c:crosses val="autoZero"/>
         <c:auto val="1"/>
         <c:lblAlgn val="ctr"/>
@@ -949,7 +949,7 @@
         <c:noMultiLvlLbl val="0"/>
       </c:catAx>
       <c:valAx>
-        <c:axId val="72812147"/>
+        <c:axId val="36191697"/>
         <c:scaling>
           <c:orientation val="minMax"/>
           <c:max val="1"/>
@@ -984,7 +984,7 @@
             </a:pPr>
           </a:p>
         </c:txPr>
-        <c:crossAx val="30463149"/>
+        <c:crossAx val="1164339"/>
         <c:crossBetween val="between"/>
       </c:valAx>
       <c:spPr>
@@ -1218,7 +1218,7 @@
       </p:grpSpPr>
       <p:sp>
         <p:nvSpPr>
-          <p:cNvPr id="139" name="PlaceHolder 1"/>
+          <p:cNvPr id="133" name="PlaceHolder 1"/>
           <p:cNvSpPr>
             <a:spLocks noGrp="1"/>
           </p:cNvSpPr>
@@ -1258,7 +1258,7 @@
       </p:sp>
       <p:sp>
         <p:nvSpPr>
-          <p:cNvPr id="140" name="PlaceHolder 2"/>
+          <p:cNvPr id="134" name="PlaceHolder 2"/>
           <p:cNvSpPr>
             <a:spLocks noGrp="1"/>
           </p:cNvSpPr>
@@ -1301,7 +1301,7 @@
       </p:sp>
       <p:sp>
         <p:nvSpPr>
-          <p:cNvPr id="141" name="PlaceHolder 3"/>
+          <p:cNvPr id="135" name="PlaceHolder 3"/>
           <p:cNvSpPr>
             <a:spLocks noGrp="1"/>
           </p:cNvSpPr>
@@ -1366,7 +1366,7 @@
       </p:grpSpPr>
       <p:sp>
         <p:nvSpPr>
-          <p:cNvPr id="151" name="PlaceHolder 1"/>
+          <p:cNvPr id="145" name="PlaceHolder 1"/>
           <p:cNvSpPr>
             <a:spLocks noGrp="1"/>
           </p:cNvSpPr>
@@ -1410,7 +1410,7 @@
 </file>
 
 <file path=ppt/slideLayouts/slideLayout12.xml><?xml version="1.0" encoding="utf-8"?>
-<p:sldLayout xmlns:a="http://schemas.openxmlformats.org/drawingml/2006/main" xmlns:p="http://schemas.openxmlformats.org/presentationml/2006/main" xmlns:r="http://schemas.openxmlformats.org/officeDocument/2006/relationships" xmlns:p14="http://schemas.microsoft.com/office/powerpoint/2010/main" xmlns:p15="http://schemas.microsoft.com/office/powerpoint/2012/main" xmlns:mc="http://schemas.openxmlformats.org/markup-compatibility/2006" type="mediaAndTx" preserve="1">
+<p:sldLayout xmlns:a="http://schemas.openxmlformats.org/drawingml/2006/main" xmlns:p="http://schemas.openxmlformats.org/presentationml/2006/main" xmlns:r="http://schemas.openxmlformats.org/officeDocument/2006/relationships" xmlns:p14="http://schemas.microsoft.com/office/powerpoint/2010/main" xmlns:p15="http://schemas.microsoft.com/office/powerpoint/2012/main" xmlns:mc="http://schemas.openxmlformats.org/markup-compatibility/2006" type="blank" preserve="1">
   <p:cSld name="Centered Text">
     <p:spTree>
       <p:nvGrpSpPr>
@@ -2258,7 +2258,7 @@
       </p:grpSpPr>
       <p:sp>
         <p:nvSpPr>
-          <p:cNvPr id="114" name="PlaceHolder 1"/>
+          <p:cNvPr id="108" name="PlaceHolder 1"/>
           <p:cNvSpPr>
             <a:spLocks noGrp="1"/>
           </p:cNvSpPr>
@@ -2298,7 +2298,7 @@
       </p:sp>
       <p:sp>
         <p:nvSpPr>
-          <p:cNvPr id="115" name="PlaceHolder 2"/>
+          <p:cNvPr id="109" name="PlaceHolder 2"/>
           <p:cNvSpPr>
             <a:spLocks noGrp="1"/>
           </p:cNvSpPr>
@@ -2363,7 +2363,7 @@
       </p:grpSpPr>
       <p:sp>
         <p:nvSpPr>
-          <p:cNvPr id="126" name="PlaceHolder 1"/>
+          <p:cNvPr id="120" name="PlaceHolder 1"/>
           <p:cNvSpPr>
             <a:spLocks noGrp="1"/>
           </p:cNvSpPr>
@@ -2403,7 +2403,7 @@
       </p:sp>
       <p:sp>
         <p:nvSpPr>
-          <p:cNvPr id="127" name="PlaceHolder 2"/>
+          <p:cNvPr id="121" name="PlaceHolder 2"/>
           <p:cNvSpPr>
             <a:spLocks noGrp="1"/>
           </p:cNvSpPr>
@@ -2482,7 +2482,7 @@
         <p:spPr>
           <a:xfrm>
             <a:off x="11444760" y="0"/>
-            <a:ext cx="727200" cy="6836040"/>
+            <a:ext cx="726840" cy="6835680"/>
           </a:xfrm>
           <a:prstGeom prst="rect">
             <a:avLst/>
@@ -2531,7 +2531,7 @@
         <p:spPr>
           <a:xfrm>
             <a:off x="11438640" y="6453360"/>
-            <a:ext cx="744120" cy="363960"/>
+            <a:ext cx="743760" cy="363960"/>
           </a:xfrm>
           <a:prstGeom prst="rect">
             <a:avLst/>
@@ -2557,7 +2557,7 @@
                 <a:spcPct val="100000"/>
               </a:lnSpc>
             </a:pPr>
-            <a:fld id="{A5BD3F55-B83B-4FA7-83C6-8C11F9AED94B}" type="slidenum">
+            <a:fld id="{32150F6A-29EC-43C7-B935-95D561E1CBEE}" type="slidenum">
               <a:rPr b="0" lang="en-US" sz="1800" spc="-1" strike="noStrike">
                 <a:solidFill>
                   <a:srgbClr val="808080"/>
@@ -2565,7 +2565,7 @@
                 <a:latin typeface="Arial"/>
                 <a:ea typeface="DejaVu Sans"/>
               </a:rPr>
-              <a:t>&lt;number&gt;</a:t>
+              <a:t>16</a:t>
             </a:fld>
             <a:endParaRPr b="0" lang="en-GB" sz="1800" spc="-1" strike="noStrike">
               <a:solidFill>
@@ -2585,7 +2585,7 @@
         <p:spPr>
           <a:xfrm>
             <a:off x="912240" y="1268280"/>
-            <a:ext cx="9194040" cy="347400"/>
+            <a:ext cx="9193680" cy="347040"/>
           </a:xfrm>
           <a:prstGeom prst="rect">
             <a:avLst/>
@@ -2634,7 +2634,7 @@
         <p:spPr>
           <a:xfrm>
             <a:off x="0" y="0"/>
-            <a:ext cx="3038040" cy="547920"/>
+            <a:ext cx="3037680" cy="547560"/>
           </a:xfrm>
           <a:prstGeom prst="rect">
             <a:avLst/>
@@ -2657,7 +2657,7 @@
         <p:spPr>
           <a:xfrm>
             <a:off x="7430400" y="134640"/>
-            <a:ext cx="3683880" cy="500040"/>
+            <a:ext cx="3683520" cy="499680"/>
           </a:xfrm>
           <a:prstGeom prst="rect">
             <a:avLst/>
@@ -2676,7 +2676,7 @@
         <p:spPr>
           <a:xfrm>
             <a:off x="912240" y="1268280"/>
-            <a:ext cx="9194040" cy="347400"/>
+            <a:ext cx="9193680" cy="347040"/>
           </a:xfrm>
           <a:prstGeom prst="rect">
             <a:avLst/>
@@ -2721,7 +2721,7 @@
         <p:spPr>
           <a:xfrm>
             <a:off x="11444760" y="0"/>
-            <a:ext cx="727200" cy="6836040"/>
+            <a:ext cx="726840" cy="6835680"/>
           </a:xfrm>
           <a:prstGeom prst="rect">
             <a:avLst/>
@@ -2770,7 +2770,7 @@
         <p:spPr>
           <a:xfrm>
             <a:off x="0" y="6642720"/>
-            <a:ext cx="12170160" cy="211320"/>
+            <a:ext cx="12169800" cy="211320"/>
           </a:xfrm>
           <a:prstGeom prst="rect">
             <a:avLst/>
@@ -3574,14 +3574,14 @@
       </p:grpSpPr>
       <p:sp>
         <p:nvSpPr>
-          <p:cNvPr id="128" name="CustomShape 1"/>
+          <p:cNvPr id="122" name="CustomShape 1"/>
           <p:cNvSpPr/>
           <p:nvPr/>
         </p:nvSpPr>
         <p:spPr>
           <a:xfrm>
             <a:off x="11444760" y="0"/>
-            <a:ext cx="727200" cy="6836040"/>
+            <a:ext cx="726840" cy="6835680"/>
           </a:xfrm>
           <a:prstGeom prst="rect">
             <a:avLst/>
@@ -3623,14 +3623,14 @@
       </p:sp>
       <p:sp>
         <p:nvSpPr>
-          <p:cNvPr id="129" name="CustomShape 2"/>
+          <p:cNvPr id="123" name="CustomShape 2"/>
           <p:cNvSpPr/>
           <p:nvPr/>
         </p:nvSpPr>
         <p:spPr>
           <a:xfrm>
             <a:off x="11438640" y="6453360"/>
-            <a:ext cx="744120" cy="363960"/>
+            <a:ext cx="743760" cy="363960"/>
           </a:xfrm>
           <a:prstGeom prst="rect">
             <a:avLst/>
@@ -3656,7 +3656,7 @@
                 <a:spcPct val="100000"/>
               </a:lnSpc>
             </a:pPr>
-            <a:fld id="{F9916E69-91B5-482A-8CFF-070D500C2FB3}" type="slidenum">
+            <a:fld id="{FD6C02A0-3EEB-4913-88AD-F09D90B9D219}" type="slidenum">
               <a:rPr b="0" lang="en-US" sz="1800" spc="-1" strike="noStrike">
                 <a:solidFill>
                   <a:srgbClr val="808080"/>
@@ -3664,7 +3664,7 @@
                 <a:latin typeface="Arial"/>
                 <a:ea typeface="DejaVu Sans"/>
               </a:rPr>
-              <a:t>&lt;number&gt;</a:t>
+              <a:t>16</a:t>
             </a:fld>
             <a:endParaRPr b="0" lang="en-GB" sz="1800" spc="-1" strike="noStrike">
               <a:solidFill>
@@ -3677,14 +3677,14 @@
       </p:sp>
       <p:sp>
         <p:nvSpPr>
-          <p:cNvPr id="130" name="CustomShape 3"/>
+          <p:cNvPr id="124" name="CustomShape 3"/>
           <p:cNvSpPr/>
           <p:nvPr/>
         </p:nvSpPr>
         <p:spPr>
           <a:xfrm>
             <a:off x="912240" y="1268280"/>
-            <a:ext cx="9194040" cy="347400"/>
+            <a:ext cx="9193680" cy="347040"/>
           </a:xfrm>
           <a:prstGeom prst="rect">
             <a:avLst/>
@@ -3722,7 +3722,7 @@
       </p:sp>
       <p:pic>
         <p:nvPicPr>
-          <p:cNvPr id="131" name="Picture 19" descr="Logo_TUC_de_RGB"/>
+          <p:cNvPr id="125" name="Picture 19" descr="Logo_TUC_de_RGB"/>
           <p:cNvPicPr/>
           <p:nvPr/>
         </p:nvPicPr>
@@ -3733,7 +3733,7 @@
         <p:spPr>
           <a:xfrm>
             <a:off x="0" y="0"/>
-            <a:ext cx="3038040" cy="547920"/>
+            <a:ext cx="3037680" cy="547560"/>
           </a:xfrm>
           <a:prstGeom prst="rect">
             <a:avLst/>
@@ -3745,7 +3745,7 @@
       </p:pic>
       <p:pic>
         <p:nvPicPr>
-          <p:cNvPr id="132" name="Grafik 2" descr=""/>
+          <p:cNvPr id="126" name="Grafik 2" descr=""/>
           <p:cNvPicPr/>
           <p:nvPr/>
         </p:nvPicPr>
@@ -3756,7 +3756,7 @@
         <p:spPr>
           <a:xfrm>
             <a:off x="7430400" y="134640"/>
-            <a:ext cx="3683880" cy="500040"/>
+            <a:ext cx="3683520" cy="499680"/>
           </a:xfrm>
           <a:prstGeom prst="rect">
             <a:avLst/>
@@ -3768,14 +3768,14 @@
       </p:pic>
       <p:sp>
         <p:nvSpPr>
-          <p:cNvPr id="133" name="CustomShape 4"/>
+          <p:cNvPr id="127" name="CustomShape 4"/>
           <p:cNvSpPr/>
           <p:nvPr/>
         </p:nvSpPr>
         <p:spPr>
           <a:xfrm>
             <a:off x="912240" y="1268280"/>
-            <a:ext cx="9194040" cy="347400"/>
+            <a:ext cx="9193680" cy="347040"/>
           </a:xfrm>
           <a:prstGeom prst="rect">
             <a:avLst/>
@@ -3813,14 +3813,14 @@
       </p:sp>
       <p:sp>
         <p:nvSpPr>
-          <p:cNvPr id="134" name="CustomShape 5"/>
+          <p:cNvPr id="128" name="CustomShape 5"/>
           <p:cNvSpPr/>
           <p:nvPr/>
         </p:nvSpPr>
         <p:spPr>
           <a:xfrm>
             <a:off x="11444760" y="0"/>
-            <a:ext cx="727200" cy="6836040"/>
+            <a:ext cx="726840" cy="6835680"/>
           </a:xfrm>
           <a:prstGeom prst="rect">
             <a:avLst/>
@@ -3862,14 +3862,14 @@
       </p:sp>
       <p:sp>
         <p:nvSpPr>
-          <p:cNvPr id="135" name="CustomShape 6"/>
+          <p:cNvPr id="129" name="CustomShape 6"/>
           <p:cNvSpPr/>
           <p:nvPr/>
         </p:nvSpPr>
         <p:spPr>
           <a:xfrm>
             <a:off x="0" y="6642720"/>
-            <a:ext cx="12170160" cy="211320"/>
+            <a:ext cx="12169800" cy="211320"/>
           </a:xfrm>
           <a:prstGeom prst="rect">
             <a:avLst/>
@@ -3916,7 +3916,7 @@
       </p:sp>
       <p:sp>
         <p:nvSpPr>
-          <p:cNvPr id="136" name="PlaceHolder 1"/>
+          <p:cNvPr id="130" name="PlaceHolder 1"/>
           <p:cNvSpPr>
             <a:spLocks noGrp="1"/>
           </p:cNvSpPr>
@@ -3965,7 +3965,7 @@
       </p:sp>
       <p:sp>
         <p:nvSpPr>
-          <p:cNvPr id="137" name="PlaceHolder 2"/>
+          <p:cNvPr id="131" name="PlaceHolder 2"/>
           <p:cNvSpPr>
             <a:spLocks noGrp="1"/>
           </p:cNvSpPr>
@@ -4190,7 +4190,7 @@
       </p:sp>
       <p:sp>
         <p:nvSpPr>
-          <p:cNvPr id="138" name="PlaceHolder 3"/>
+          <p:cNvPr id="132" name="PlaceHolder 3"/>
           <p:cNvSpPr>
             <a:spLocks noGrp="1"/>
           </p:cNvSpPr>
@@ -4448,14 +4448,14 @@
       </p:grpSpPr>
       <p:sp>
         <p:nvSpPr>
-          <p:cNvPr id="142" name="CustomShape 1"/>
+          <p:cNvPr id="136" name="CustomShape 1"/>
           <p:cNvSpPr/>
           <p:nvPr/>
         </p:nvSpPr>
         <p:spPr>
           <a:xfrm>
             <a:off x="11444760" y="0"/>
-            <a:ext cx="727200" cy="6836040"/>
+            <a:ext cx="726840" cy="6835680"/>
           </a:xfrm>
           <a:prstGeom prst="rect">
             <a:avLst/>
@@ -4497,14 +4497,14 @@
       </p:sp>
       <p:sp>
         <p:nvSpPr>
-          <p:cNvPr id="143" name="CustomShape 2"/>
+          <p:cNvPr id="137" name="CustomShape 2"/>
           <p:cNvSpPr/>
           <p:nvPr/>
         </p:nvSpPr>
         <p:spPr>
           <a:xfrm>
             <a:off x="11438640" y="6453360"/>
-            <a:ext cx="744120" cy="363960"/>
+            <a:ext cx="743760" cy="363960"/>
           </a:xfrm>
           <a:prstGeom prst="rect">
             <a:avLst/>
@@ -4530,7 +4530,7 @@
                 <a:spcPct val="100000"/>
               </a:lnSpc>
             </a:pPr>
-            <a:fld id="{DC2EE542-D793-4353-9DC4-3CB9C32CBF34}" type="slidenum">
+            <a:fld id="{BFDC2245-B07A-4347-ADBF-26C0473F7B8C}" type="slidenum">
               <a:rPr b="0" lang="en-US" sz="1800" spc="-1" strike="noStrike">
                 <a:solidFill>
                   <a:srgbClr val="808080"/>
@@ -4538,7 +4538,7 @@
                 <a:latin typeface="Arial"/>
                 <a:ea typeface="DejaVu Sans"/>
               </a:rPr>
-              <a:t>&lt;number&gt;</a:t>
+              <a:t>16</a:t>
             </a:fld>
             <a:endParaRPr b="0" lang="en-GB" sz="1800" spc="-1" strike="noStrike">
               <a:solidFill>
@@ -4551,14 +4551,14 @@
       </p:sp>
       <p:sp>
         <p:nvSpPr>
-          <p:cNvPr id="144" name="CustomShape 3"/>
+          <p:cNvPr id="138" name="CustomShape 3"/>
           <p:cNvSpPr/>
           <p:nvPr/>
         </p:nvSpPr>
         <p:spPr>
           <a:xfrm>
             <a:off x="912240" y="1268280"/>
-            <a:ext cx="9194040" cy="347400"/>
+            <a:ext cx="9193680" cy="347040"/>
           </a:xfrm>
           <a:prstGeom prst="rect">
             <a:avLst/>
@@ -4596,7 +4596,7 @@
       </p:sp>
       <p:pic>
         <p:nvPicPr>
-          <p:cNvPr id="145" name="Picture 19" descr="Logo_TUC_de_RGB"/>
+          <p:cNvPr id="139" name="Picture 19" descr="Logo_TUC_de_RGB"/>
           <p:cNvPicPr/>
           <p:nvPr/>
         </p:nvPicPr>
@@ -4607,7 +4607,7 @@
         <p:spPr>
           <a:xfrm>
             <a:off x="0" y="0"/>
-            <a:ext cx="3038040" cy="547920"/>
+            <a:ext cx="3037680" cy="547560"/>
           </a:xfrm>
           <a:prstGeom prst="rect">
             <a:avLst/>
@@ -4619,7 +4619,7 @@
       </p:pic>
       <p:pic>
         <p:nvPicPr>
-          <p:cNvPr id="146" name="Grafik 2" descr=""/>
+          <p:cNvPr id="140" name="Grafik 2" descr=""/>
           <p:cNvPicPr/>
           <p:nvPr/>
         </p:nvPicPr>
@@ -4630,7 +4630,7 @@
         <p:spPr>
           <a:xfrm>
             <a:off x="7430400" y="134640"/>
-            <a:ext cx="3683880" cy="500040"/>
+            <a:ext cx="3683520" cy="499680"/>
           </a:xfrm>
           <a:prstGeom prst="rect">
             <a:avLst/>
@@ -4642,14 +4642,14 @@
       </p:pic>
       <p:sp>
         <p:nvSpPr>
-          <p:cNvPr id="147" name="CustomShape 4"/>
+          <p:cNvPr id="141" name="CustomShape 4"/>
           <p:cNvSpPr/>
           <p:nvPr/>
         </p:nvSpPr>
         <p:spPr>
           <a:xfrm>
             <a:off x="912240" y="1268280"/>
-            <a:ext cx="9194040" cy="347400"/>
+            <a:ext cx="9193680" cy="347040"/>
           </a:xfrm>
           <a:prstGeom prst="rect">
             <a:avLst/>
@@ -4687,14 +4687,14 @@
       </p:sp>
       <p:sp>
         <p:nvSpPr>
-          <p:cNvPr id="148" name="CustomShape 5"/>
+          <p:cNvPr id="142" name="CustomShape 5"/>
           <p:cNvSpPr/>
           <p:nvPr/>
         </p:nvSpPr>
         <p:spPr>
           <a:xfrm>
             <a:off x="11444760" y="0"/>
-            <a:ext cx="727200" cy="6836040"/>
+            <a:ext cx="726840" cy="6835680"/>
           </a:xfrm>
           <a:prstGeom prst="rect">
             <a:avLst/>
@@ -4736,14 +4736,14 @@
       </p:sp>
       <p:sp>
         <p:nvSpPr>
-          <p:cNvPr id="149" name="CustomShape 6"/>
+          <p:cNvPr id="143" name="CustomShape 6"/>
           <p:cNvSpPr/>
           <p:nvPr/>
         </p:nvSpPr>
         <p:spPr>
           <a:xfrm>
             <a:off x="0" y="6642720"/>
-            <a:ext cx="12170160" cy="211320"/>
+            <a:ext cx="12169800" cy="211320"/>
           </a:xfrm>
           <a:prstGeom prst="rect">
             <a:avLst/>
@@ -4790,7 +4790,7 @@
       </p:sp>
       <p:sp>
         <p:nvSpPr>
-          <p:cNvPr id="150" name="PlaceHolder 1"/>
+          <p:cNvPr id="144" name="PlaceHolder 1"/>
           <p:cNvSpPr>
             <a:spLocks noGrp="1"/>
           </p:cNvSpPr>
@@ -4826,70 +4826,7 @@
                 </a:solidFill>
                 <a:latin typeface="Arial"/>
               </a:rPr>
-              <a:t>Click </a:t>
-            </a:r>
-            <a:r>
-              <a:rPr b="0" lang="en-GB" sz="1800" spc="-1" strike="noStrike">
-                <a:solidFill>
-                  <a:srgbClr val="000000"/>
-                </a:solidFill>
-                <a:latin typeface="Arial"/>
-              </a:rPr>
-              <a:t>to </a:t>
-            </a:r>
-            <a:r>
-              <a:rPr b="0" lang="en-GB" sz="1800" spc="-1" strike="noStrike">
-                <a:solidFill>
-                  <a:srgbClr val="000000"/>
-                </a:solidFill>
-                <a:latin typeface="Arial"/>
-              </a:rPr>
-              <a:t>edit </a:t>
-            </a:r>
-            <a:r>
-              <a:rPr b="0" lang="en-GB" sz="1800" spc="-1" strike="noStrike">
-                <a:solidFill>
-                  <a:srgbClr val="000000"/>
-                </a:solidFill>
-                <a:latin typeface="Arial"/>
-              </a:rPr>
-              <a:t>the </a:t>
-            </a:r>
-            <a:r>
-              <a:rPr b="0" lang="en-GB" sz="1800" spc="-1" strike="noStrike">
-                <a:solidFill>
-                  <a:srgbClr val="000000"/>
-                </a:solidFill>
-                <a:latin typeface="Arial"/>
-              </a:rPr>
-              <a:t>title </a:t>
-            </a:r>
-            <a:r>
-              <a:rPr b="0" lang="en-GB" sz="1800" spc="-1" strike="noStrike">
-                <a:solidFill>
-                  <a:srgbClr val="000000"/>
-                </a:solidFill>
-                <a:latin typeface="Arial"/>
-              </a:rPr>
-              <a:t>text </a:t>
-            </a:r>
-            <a:r>
-              <a:rPr b="0" lang="en-GB" sz="1800" spc="-1" strike="noStrike">
-                <a:solidFill>
-                  <a:srgbClr val="000000"/>
-                </a:solidFill>
-                <a:latin typeface="Arial"/>
-              </a:rPr>
-              <a:t>form</a:t>
-            </a:r>
-            <a:r>
-              <a:rPr b="0" lang="en-GB" sz="1800" spc="-1" strike="noStrike">
-                <a:solidFill>
-                  <a:srgbClr val="000000"/>
-                </a:solidFill>
-                <a:latin typeface="Arial"/>
-              </a:rPr>
-              <a:t>at</a:t>
+              <a:t>Click to edit the title text format</a:t>
             </a:r>
             <a:endParaRPr b="0" lang="en-GB" sz="1800" spc="-1" strike="noStrike">
               <a:solidFill>
@@ -4935,14 +4872,14 @@
       </p:grpSpPr>
       <p:sp>
         <p:nvSpPr>
-          <p:cNvPr id="152" name="CustomShape 1"/>
+          <p:cNvPr id="146" name="CustomShape 1"/>
           <p:cNvSpPr/>
           <p:nvPr/>
         </p:nvSpPr>
         <p:spPr>
           <a:xfrm>
             <a:off x="11444760" y="0"/>
-            <a:ext cx="727200" cy="6836040"/>
+            <a:ext cx="726840" cy="6835680"/>
           </a:xfrm>
           <a:prstGeom prst="rect">
             <a:avLst/>
@@ -4984,14 +4921,14 @@
       </p:sp>
       <p:sp>
         <p:nvSpPr>
-          <p:cNvPr id="153" name="CustomShape 2"/>
+          <p:cNvPr id="147" name="CustomShape 2"/>
           <p:cNvSpPr/>
           <p:nvPr/>
         </p:nvSpPr>
         <p:spPr>
           <a:xfrm>
             <a:off x="11438640" y="6453360"/>
-            <a:ext cx="744120" cy="363960"/>
+            <a:ext cx="743760" cy="363960"/>
           </a:xfrm>
           <a:prstGeom prst="rect">
             <a:avLst/>
@@ -5017,7 +4954,7 @@
                 <a:spcPct val="100000"/>
               </a:lnSpc>
             </a:pPr>
-            <a:fld id="{9C8404E6-A59E-459D-9B83-6875B436AA0E}" type="slidenum">
+            <a:fld id="{6675B74C-FC9D-4EE6-A371-7576BC6B3E69}" type="slidenum">
               <a:rPr b="0" lang="en-US" sz="1800" spc="-1" strike="noStrike">
                 <a:solidFill>
                   <a:srgbClr val="808080"/>
@@ -5025,7 +4962,7 @@
                 <a:latin typeface="Arial"/>
                 <a:ea typeface="DejaVu Sans"/>
               </a:rPr>
-              <a:t>&lt;number&gt;</a:t>
+              <a:t>16</a:t>
             </a:fld>
             <a:endParaRPr b="0" lang="en-GB" sz="1800" spc="-1" strike="noStrike">
               <a:solidFill>
@@ -5038,14 +4975,14 @@
       </p:sp>
       <p:sp>
         <p:nvSpPr>
-          <p:cNvPr id="154" name="CustomShape 3"/>
+          <p:cNvPr id="148" name="CustomShape 3"/>
           <p:cNvSpPr/>
           <p:nvPr/>
         </p:nvSpPr>
         <p:spPr>
           <a:xfrm>
             <a:off x="912240" y="1268280"/>
-            <a:ext cx="9194040" cy="347400"/>
+            <a:ext cx="9193680" cy="347040"/>
           </a:xfrm>
           <a:prstGeom prst="rect">
             <a:avLst/>
@@ -5083,7 +5020,7 @@
       </p:sp>
       <p:pic>
         <p:nvPicPr>
-          <p:cNvPr id="155" name="Picture 19" descr="Logo_TUC_de_RGB"/>
+          <p:cNvPr id="149" name="Picture 19" descr="Logo_TUC_de_RGB"/>
           <p:cNvPicPr/>
           <p:nvPr/>
         </p:nvPicPr>
@@ -5094,7 +5031,7 @@
         <p:spPr>
           <a:xfrm>
             <a:off x="0" y="0"/>
-            <a:ext cx="3038040" cy="547920"/>
+            <a:ext cx="3037680" cy="547560"/>
           </a:xfrm>
           <a:prstGeom prst="rect">
             <a:avLst/>
@@ -5106,7 +5043,7 @@
       </p:pic>
       <p:pic>
         <p:nvPicPr>
-          <p:cNvPr id="156" name="Grafik 2" descr=""/>
+          <p:cNvPr id="150" name="Grafik 2" descr=""/>
           <p:cNvPicPr/>
           <p:nvPr/>
         </p:nvPicPr>
@@ -5117,7 +5054,7 @@
         <p:spPr>
           <a:xfrm>
             <a:off x="7430400" y="134640"/>
-            <a:ext cx="3683880" cy="500040"/>
+            <a:ext cx="3683520" cy="499680"/>
           </a:xfrm>
           <a:prstGeom prst="rect">
             <a:avLst/>
@@ -5129,14 +5066,14 @@
       </p:pic>
       <p:sp>
         <p:nvSpPr>
-          <p:cNvPr id="157" name="CustomShape 4"/>
+          <p:cNvPr id="151" name="CustomShape 4"/>
           <p:cNvSpPr/>
           <p:nvPr/>
         </p:nvSpPr>
         <p:spPr>
           <a:xfrm>
             <a:off x="912240" y="1268280"/>
-            <a:ext cx="9194040" cy="347400"/>
+            <a:ext cx="9193680" cy="347040"/>
           </a:xfrm>
           <a:prstGeom prst="rect">
             <a:avLst/>
@@ -5174,14 +5111,14 @@
       </p:sp>
       <p:sp>
         <p:nvSpPr>
-          <p:cNvPr id="158" name="CustomShape 5"/>
+          <p:cNvPr id="152" name="CustomShape 5"/>
           <p:cNvSpPr/>
           <p:nvPr/>
         </p:nvSpPr>
         <p:spPr>
           <a:xfrm>
             <a:off x="11444760" y="0"/>
-            <a:ext cx="727200" cy="6836040"/>
+            <a:ext cx="726840" cy="6835680"/>
           </a:xfrm>
           <a:prstGeom prst="rect">
             <a:avLst/>
@@ -5223,14 +5160,14 @@
       </p:sp>
       <p:sp>
         <p:nvSpPr>
-          <p:cNvPr id="159" name="CustomShape 6"/>
+          <p:cNvPr id="153" name="CustomShape 6"/>
           <p:cNvSpPr/>
           <p:nvPr/>
         </p:nvSpPr>
         <p:spPr>
           <a:xfrm>
             <a:off x="0" y="6642720"/>
-            <a:ext cx="12170160" cy="211320"/>
+            <a:ext cx="12169800" cy="211320"/>
           </a:xfrm>
           <a:prstGeom prst="rect">
             <a:avLst/>
@@ -5317,7 +5254,7 @@
         <p:spPr>
           <a:xfrm>
             <a:off x="11444760" y="0"/>
-            <a:ext cx="727200" cy="6836040"/>
+            <a:ext cx="726840" cy="6835680"/>
           </a:xfrm>
           <a:prstGeom prst="rect">
             <a:avLst/>
@@ -5366,7 +5303,7 @@
         <p:spPr>
           <a:xfrm>
             <a:off x="11438640" y="6453360"/>
-            <a:ext cx="744120" cy="363960"/>
+            <a:ext cx="743760" cy="363960"/>
           </a:xfrm>
           <a:prstGeom prst="rect">
             <a:avLst/>
@@ -5392,7 +5329,7 @@
                 <a:spcPct val="100000"/>
               </a:lnSpc>
             </a:pPr>
-            <a:fld id="{D5FE6A87-A5D9-4208-BBA8-235FAF67B118}" type="slidenum">
+            <a:fld id="{AAF7BAFF-F93D-4174-9F21-70573BB463F2}" type="slidenum">
               <a:rPr b="0" lang="en-US" sz="1800" spc="-1" strike="noStrike">
                 <a:solidFill>
                   <a:srgbClr val="808080"/>
@@ -5400,7 +5337,7 @@
                 <a:latin typeface="Arial"/>
                 <a:ea typeface="DejaVu Sans"/>
               </a:rPr>
-              <a:t>&lt;number&gt;</a:t>
+              <a:t>16</a:t>
             </a:fld>
             <a:endParaRPr b="0" lang="en-GB" sz="1800" spc="-1" strike="noStrike">
               <a:solidFill>
@@ -5420,7 +5357,7 @@
         <p:spPr>
           <a:xfrm>
             <a:off x="912240" y="1268280"/>
-            <a:ext cx="9194040" cy="347400"/>
+            <a:ext cx="9193680" cy="347040"/>
           </a:xfrm>
           <a:prstGeom prst="rect">
             <a:avLst/>
@@ -5469,7 +5406,7 @@
         <p:spPr>
           <a:xfrm>
             <a:off x="0" y="0"/>
-            <a:ext cx="3038040" cy="547920"/>
+            <a:ext cx="3037680" cy="547560"/>
           </a:xfrm>
           <a:prstGeom prst="rect">
             <a:avLst/>
@@ -5492,7 +5429,7 @@
         <p:spPr>
           <a:xfrm>
             <a:off x="7430400" y="134640"/>
-            <a:ext cx="3683880" cy="500040"/>
+            <a:ext cx="3683520" cy="499680"/>
           </a:xfrm>
           <a:prstGeom prst="rect">
             <a:avLst/>
@@ -5511,7 +5448,7 @@
         <p:spPr>
           <a:xfrm>
             <a:off x="912240" y="1268280"/>
-            <a:ext cx="9194040" cy="347400"/>
+            <a:ext cx="9193680" cy="347040"/>
           </a:xfrm>
           <a:prstGeom prst="rect">
             <a:avLst/>
@@ -5556,7 +5493,7 @@
         <p:spPr>
           <a:xfrm>
             <a:off x="11444760" y="0"/>
-            <a:ext cx="727200" cy="6836040"/>
+            <a:ext cx="726840" cy="6835680"/>
           </a:xfrm>
           <a:prstGeom prst="rect">
             <a:avLst/>
@@ -5605,7 +5542,7 @@
         <p:spPr>
           <a:xfrm>
             <a:off x="0" y="6642720"/>
-            <a:ext cx="12170160" cy="211320"/>
+            <a:ext cx="12169800" cy="211320"/>
           </a:xfrm>
           <a:prstGeom prst="rect">
             <a:avLst/>
@@ -6416,7 +6353,7 @@
         <p:spPr>
           <a:xfrm>
             <a:off x="11444760" y="0"/>
-            <a:ext cx="727200" cy="6836040"/>
+            <a:ext cx="726840" cy="6835680"/>
           </a:xfrm>
           <a:prstGeom prst="rect">
             <a:avLst/>
@@ -6465,7 +6402,7 @@
         <p:spPr>
           <a:xfrm>
             <a:off x="11438640" y="6453360"/>
-            <a:ext cx="744120" cy="363960"/>
+            <a:ext cx="743760" cy="363960"/>
           </a:xfrm>
           <a:prstGeom prst="rect">
             <a:avLst/>
@@ -6491,7 +6428,7 @@
                 <a:spcPct val="100000"/>
               </a:lnSpc>
             </a:pPr>
-            <a:fld id="{BD4EC16F-0F46-47D9-A246-D81504B0F5DB}" type="slidenum">
+            <a:fld id="{738B611F-EDEB-423C-9F2F-845CF5616194}" type="slidenum">
               <a:rPr b="0" lang="en-US" sz="1800" spc="-1" strike="noStrike">
                 <a:solidFill>
                   <a:srgbClr val="808080"/>
@@ -6499,7 +6436,7 @@
                 <a:latin typeface="Arial"/>
                 <a:ea typeface="DejaVu Sans"/>
               </a:rPr>
-              <a:t>&lt;number&gt;</a:t>
+              <a:t>16</a:t>
             </a:fld>
             <a:endParaRPr b="0" lang="en-GB" sz="1800" spc="-1" strike="noStrike">
               <a:solidFill>
@@ -6519,7 +6456,7 @@
         <p:spPr>
           <a:xfrm>
             <a:off x="912240" y="1268280"/>
-            <a:ext cx="9194040" cy="347400"/>
+            <a:ext cx="9193680" cy="347040"/>
           </a:xfrm>
           <a:prstGeom prst="rect">
             <a:avLst/>
@@ -6568,7 +6505,7 @@
         <p:spPr>
           <a:xfrm>
             <a:off x="0" y="0"/>
-            <a:ext cx="3038040" cy="547920"/>
+            <a:ext cx="3037680" cy="547560"/>
           </a:xfrm>
           <a:prstGeom prst="rect">
             <a:avLst/>
@@ -6591,7 +6528,7 @@
         <p:spPr>
           <a:xfrm>
             <a:off x="7430400" y="134640"/>
-            <a:ext cx="3683880" cy="500040"/>
+            <a:ext cx="3683520" cy="499680"/>
           </a:xfrm>
           <a:prstGeom prst="rect">
             <a:avLst/>
@@ -6610,7 +6547,7 @@
         <p:spPr>
           <a:xfrm>
             <a:off x="912240" y="1268280"/>
-            <a:ext cx="9194040" cy="347400"/>
+            <a:ext cx="9193680" cy="347040"/>
           </a:xfrm>
           <a:prstGeom prst="rect">
             <a:avLst/>
@@ -6655,7 +6592,7 @@
         <p:spPr>
           <a:xfrm>
             <a:off x="11444760" y="0"/>
-            <a:ext cx="727200" cy="6836040"/>
+            <a:ext cx="726840" cy="6835680"/>
           </a:xfrm>
           <a:prstGeom prst="rect">
             <a:avLst/>
@@ -6704,7 +6641,7 @@
         <p:spPr>
           <a:xfrm>
             <a:off x="0" y="6642720"/>
-            <a:ext cx="12170160" cy="211320"/>
+            <a:ext cx="12169800" cy="211320"/>
           </a:xfrm>
           <a:prstGeom prst="rect">
             <a:avLst/>
@@ -7515,7 +7452,7 @@
         <p:spPr>
           <a:xfrm>
             <a:off x="11444760" y="0"/>
-            <a:ext cx="727200" cy="6836040"/>
+            <a:ext cx="726840" cy="6835680"/>
           </a:xfrm>
           <a:prstGeom prst="rect">
             <a:avLst/>
@@ -7564,7 +7501,7 @@
         <p:spPr>
           <a:xfrm>
             <a:off x="11438640" y="6453360"/>
-            <a:ext cx="744120" cy="363960"/>
+            <a:ext cx="743760" cy="363960"/>
           </a:xfrm>
           <a:prstGeom prst="rect">
             <a:avLst/>
@@ -7590,7 +7527,7 @@
                 <a:spcPct val="100000"/>
               </a:lnSpc>
             </a:pPr>
-            <a:fld id="{BA4FC8F8-EC4E-44D8-B9DB-C7F4D7339A37}" type="slidenum">
+            <a:fld id="{346B020F-2C1A-44FD-9B9F-58C040E70DE2}" type="slidenum">
               <a:rPr b="0" lang="en-US" sz="1800" spc="-1" strike="noStrike">
                 <a:solidFill>
                   <a:srgbClr val="808080"/>
@@ -7598,7 +7535,7 @@
                 <a:latin typeface="Arial"/>
                 <a:ea typeface="DejaVu Sans"/>
               </a:rPr>
-              <a:t>&lt;number&gt;</a:t>
+              <a:t>16</a:t>
             </a:fld>
             <a:endParaRPr b="0" lang="en-GB" sz="1800" spc="-1" strike="noStrike">
               <a:solidFill>
@@ -7618,7 +7555,7 @@
         <p:spPr>
           <a:xfrm>
             <a:off x="912240" y="1268280"/>
-            <a:ext cx="9194040" cy="347400"/>
+            <a:ext cx="9193680" cy="347040"/>
           </a:xfrm>
           <a:prstGeom prst="rect">
             <a:avLst/>
@@ -7667,7 +7604,7 @@
         <p:spPr>
           <a:xfrm>
             <a:off x="0" y="0"/>
-            <a:ext cx="3038040" cy="547920"/>
+            <a:ext cx="3037680" cy="547560"/>
           </a:xfrm>
           <a:prstGeom prst="rect">
             <a:avLst/>
@@ -7690,7 +7627,7 @@
         <p:spPr>
           <a:xfrm>
             <a:off x="7430400" y="134640"/>
-            <a:ext cx="3683880" cy="500040"/>
+            <a:ext cx="3683520" cy="499680"/>
           </a:xfrm>
           <a:prstGeom prst="rect">
             <a:avLst/>
@@ -7709,7 +7646,7 @@
         <p:spPr>
           <a:xfrm>
             <a:off x="912240" y="1268280"/>
-            <a:ext cx="9194040" cy="347400"/>
+            <a:ext cx="9193680" cy="347040"/>
           </a:xfrm>
           <a:prstGeom prst="rect">
             <a:avLst/>
@@ -7754,7 +7691,7 @@
         <p:spPr>
           <a:xfrm>
             <a:off x="11444760" y="0"/>
-            <a:ext cx="727200" cy="6836040"/>
+            <a:ext cx="726840" cy="6835680"/>
           </a:xfrm>
           <a:prstGeom prst="rect">
             <a:avLst/>
@@ -7803,7 +7740,7 @@
         <p:spPr>
           <a:xfrm>
             <a:off x="0" y="6642720"/>
-            <a:ext cx="12170160" cy="211320"/>
+            <a:ext cx="12169800" cy="211320"/>
           </a:xfrm>
           <a:prstGeom prst="rect">
             <a:avLst/>
@@ -8389,7 +8326,7 @@
         <p:spPr>
           <a:xfrm>
             <a:off x="11444760" y="0"/>
-            <a:ext cx="727200" cy="6836040"/>
+            <a:ext cx="726840" cy="6835680"/>
           </a:xfrm>
           <a:prstGeom prst="rect">
             <a:avLst/>
@@ -8438,7 +8375,7 @@
         <p:spPr>
           <a:xfrm>
             <a:off x="11438640" y="6453360"/>
-            <a:ext cx="744120" cy="363960"/>
+            <a:ext cx="743760" cy="363960"/>
           </a:xfrm>
           <a:prstGeom prst="rect">
             <a:avLst/>
@@ -8464,7 +8401,7 @@
                 <a:spcPct val="100000"/>
               </a:lnSpc>
             </a:pPr>
-            <a:fld id="{8A68783F-911F-44EC-BB13-EEDA00611F18}" type="slidenum">
+            <a:fld id="{856B4F71-997E-4A9C-8008-96461D489A39}" type="slidenum">
               <a:rPr b="0" lang="en-US" sz="1800" spc="-1" strike="noStrike">
                 <a:solidFill>
                   <a:srgbClr val="808080"/>
@@ -8472,7 +8409,7 @@
                 <a:latin typeface="Arial"/>
                 <a:ea typeface="DejaVu Sans"/>
               </a:rPr>
-              <a:t>&lt;number&gt;</a:t>
+              <a:t>16</a:t>
             </a:fld>
             <a:endParaRPr b="0" lang="en-GB" sz="1800" spc="-1" strike="noStrike">
               <a:solidFill>
@@ -8492,7 +8429,7 @@
         <p:spPr>
           <a:xfrm>
             <a:off x="912240" y="1268280"/>
-            <a:ext cx="9194040" cy="347400"/>
+            <a:ext cx="9193680" cy="347040"/>
           </a:xfrm>
           <a:prstGeom prst="rect">
             <a:avLst/>
@@ -8541,7 +8478,7 @@
         <p:spPr>
           <a:xfrm>
             <a:off x="0" y="0"/>
-            <a:ext cx="3038040" cy="547920"/>
+            <a:ext cx="3037680" cy="547560"/>
           </a:xfrm>
           <a:prstGeom prst="rect">
             <a:avLst/>
@@ -8564,7 +8501,7 @@
         <p:spPr>
           <a:xfrm>
             <a:off x="7430400" y="134640"/>
-            <a:ext cx="3683880" cy="500040"/>
+            <a:ext cx="3683520" cy="499680"/>
           </a:xfrm>
           <a:prstGeom prst="rect">
             <a:avLst/>
@@ -8583,7 +8520,7 @@
         <p:spPr>
           <a:xfrm>
             <a:off x="912240" y="1268280"/>
-            <a:ext cx="9194040" cy="347400"/>
+            <a:ext cx="9193680" cy="347040"/>
           </a:xfrm>
           <a:prstGeom prst="rect">
             <a:avLst/>
@@ -8628,7 +8565,7 @@
         <p:spPr>
           <a:xfrm>
             <a:off x="11444760" y="0"/>
-            <a:ext cx="727200" cy="6836040"/>
+            <a:ext cx="726840" cy="6835680"/>
           </a:xfrm>
           <a:prstGeom prst="rect">
             <a:avLst/>
@@ -8677,7 +8614,7 @@
         <p:spPr>
           <a:xfrm>
             <a:off x="0" y="6642720"/>
-            <a:ext cx="12170160" cy="211320"/>
+            <a:ext cx="12169800" cy="211320"/>
           </a:xfrm>
           <a:prstGeom prst="rect">
             <a:avLst/>
@@ -9713,7 +9650,7 @@
         <p:spPr>
           <a:xfrm>
             <a:off x="11444760" y="0"/>
-            <a:ext cx="727200" cy="6836040"/>
+            <a:ext cx="726840" cy="6835680"/>
           </a:xfrm>
           <a:prstGeom prst="rect">
             <a:avLst/>
@@ -9762,7 +9699,7 @@
         <p:spPr>
           <a:xfrm>
             <a:off x="11438640" y="6453360"/>
-            <a:ext cx="744120" cy="363960"/>
+            <a:ext cx="743760" cy="363960"/>
           </a:xfrm>
           <a:prstGeom prst="rect">
             <a:avLst/>
@@ -9788,7 +9725,7 @@
                 <a:spcPct val="100000"/>
               </a:lnSpc>
             </a:pPr>
-            <a:fld id="{CACE7E82-3C34-4388-BA16-BE2C8BD8DA05}" type="slidenum">
+            <a:fld id="{63DB1EE7-D804-47C4-9B7D-4BCE32098781}" type="slidenum">
               <a:rPr b="0" lang="en-US" sz="1800" spc="-1" strike="noStrike">
                 <a:solidFill>
                   <a:srgbClr val="808080"/>
@@ -9796,7 +9733,7 @@
                 <a:latin typeface="Arial"/>
                 <a:ea typeface="DejaVu Sans"/>
               </a:rPr>
-              <a:t>&lt;number&gt;</a:t>
+              <a:t>16</a:t>
             </a:fld>
             <a:endParaRPr b="0" lang="en-GB" sz="1800" spc="-1" strike="noStrike">
               <a:solidFill>
@@ -9816,7 +9753,7 @@
         <p:spPr>
           <a:xfrm>
             <a:off x="912240" y="1268280"/>
-            <a:ext cx="9194040" cy="347400"/>
+            <a:ext cx="9193680" cy="347040"/>
           </a:xfrm>
           <a:prstGeom prst="rect">
             <a:avLst/>
@@ -9865,7 +9802,7 @@
         <p:spPr>
           <a:xfrm>
             <a:off x="0" y="0"/>
-            <a:ext cx="3038040" cy="547920"/>
+            <a:ext cx="3037680" cy="547560"/>
           </a:xfrm>
           <a:prstGeom prst="rect">
             <a:avLst/>
@@ -9888,7 +9825,7 @@
         <p:spPr>
           <a:xfrm>
             <a:off x="7430400" y="134640"/>
-            <a:ext cx="3683880" cy="500040"/>
+            <a:ext cx="3683520" cy="499680"/>
           </a:xfrm>
           <a:prstGeom prst="rect">
             <a:avLst/>
@@ -9907,7 +9844,7 @@
         <p:spPr>
           <a:xfrm>
             <a:off x="912240" y="1268280"/>
-            <a:ext cx="9194040" cy="347400"/>
+            <a:ext cx="9193680" cy="347040"/>
           </a:xfrm>
           <a:prstGeom prst="rect">
             <a:avLst/>
@@ -9952,7 +9889,7 @@
         <p:spPr>
           <a:xfrm>
             <a:off x="11444760" y="0"/>
-            <a:ext cx="727200" cy="6836040"/>
+            <a:ext cx="726840" cy="6835680"/>
           </a:xfrm>
           <a:prstGeom prst="rect">
             <a:avLst/>
@@ -10001,7 +9938,7 @@
         <p:spPr>
           <a:xfrm>
             <a:off x="0" y="6642720"/>
-            <a:ext cx="12170160" cy="211320"/>
+            <a:ext cx="12169800" cy="211320"/>
           </a:xfrm>
           <a:prstGeom prst="rect">
             <a:avLst/>
@@ -10038,1711 +9975,6 @@
               <a:t>The Limits to Growth – TU Clausthal</a:t>
             </a:r>
             <a:endParaRPr b="0" lang="en-GB" sz="800" spc="-1" strike="noStrike">
-              <a:solidFill>
-                <a:srgbClr val="000000"/>
-              </a:solidFill>
-              <a:latin typeface="Arial"/>
-            </a:endParaRPr>
-          </a:p>
-        </p:txBody>
-      </p:sp>
-      <p:sp>
-        <p:nvSpPr>
-          <p:cNvPr id="88" name="PlaceHolder 1"/>
-          <p:cNvSpPr>
-            <a:spLocks noGrp="1"/>
-          </p:cNvSpPr>
-          <p:nvPr>
-            <p:ph type="title"/>
-          </p:nvPr>
-        </p:nvSpPr>
-        <p:spPr>
-          <a:xfrm>
-            <a:off x="609480" y="273600"/>
-            <a:ext cx="10972080" cy="1144440"/>
-          </a:xfrm>
-          <a:prstGeom prst="rect">
-            <a:avLst/>
-          </a:prstGeom>
-          <a:noFill/>
-          <a:ln w="0">
-            <a:noFill/>
-          </a:ln>
-        </p:spPr>
-        <p:txBody>
-          <a:bodyPr lIns="0" rIns="0" tIns="0" bIns="0" anchor="ctr">
-            <a:noAutofit/>
-          </a:bodyPr>
-          <a:p>
-            <a:pPr indent="0">
-              <a:buNone/>
-            </a:pPr>
-            <a:r>
-              <a:rPr b="0" lang="en-GB" sz="1800" spc="-1" strike="noStrike">
-                <a:solidFill>
-                  <a:srgbClr val="000000"/>
-                </a:solidFill>
-                <a:latin typeface="Arial"/>
-              </a:rPr>
-              <a:t>C</a:t>
-            </a:r>
-            <a:r>
-              <a:rPr b="0" lang="en-GB" sz="1800" spc="-1" strike="noStrike">
-                <a:solidFill>
-                  <a:srgbClr val="000000"/>
-                </a:solidFill>
-                <a:latin typeface="Arial"/>
-              </a:rPr>
-              <a:t>l</a:t>
-            </a:r>
-            <a:r>
-              <a:rPr b="0" lang="en-GB" sz="1800" spc="-1" strike="noStrike">
-                <a:solidFill>
-                  <a:srgbClr val="000000"/>
-                </a:solidFill>
-                <a:latin typeface="Arial"/>
-              </a:rPr>
-              <a:t>i</a:t>
-            </a:r>
-            <a:r>
-              <a:rPr b="0" lang="en-GB" sz="1800" spc="-1" strike="noStrike">
-                <a:solidFill>
-                  <a:srgbClr val="000000"/>
-                </a:solidFill>
-                <a:latin typeface="Arial"/>
-              </a:rPr>
-              <a:t>c</a:t>
-            </a:r>
-            <a:r>
-              <a:rPr b="0" lang="en-GB" sz="1800" spc="-1" strike="noStrike">
-                <a:solidFill>
-                  <a:srgbClr val="000000"/>
-                </a:solidFill>
-                <a:latin typeface="Arial"/>
-              </a:rPr>
-              <a:t>k</a:t>
-            </a:r>
-            <a:r>
-              <a:rPr b="0" lang="en-GB" sz="1800" spc="-1" strike="noStrike">
-                <a:solidFill>
-                  <a:srgbClr val="000000"/>
-                </a:solidFill>
-                <a:latin typeface="Arial"/>
-              </a:rPr>
-              <a:t> </a:t>
-            </a:r>
-            <a:r>
-              <a:rPr b="0" lang="en-GB" sz="1800" spc="-1" strike="noStrike">
-                <a:solidFill>
-                  <a:srgbClr val="000000"/>
-                </a:solidFill>
-                <a:latin typeface="Arial"/>
-              </a:rPr>
-              <a:t>t</a:t>
-            </a:r>
-            <a:r>
-              <a:rPr b="0" lang="en-GB" sz="1800" spc="-1" strike="noStrike">
-                <a:solidFill>
-                  <a:srgbClr val="000000"/>
-                </a:solidFill>
-                <a:latin typeface="Arial"/>
-              </a:rPr>
-              <a:t>o</a:t>
-            </a:r>
-            <a:r>
-              <a:rPr b="0" lang="en-GB" sz="1800" spc="-1" strike="noStrike">
-                <a:solidFill>
-                  <a:srgbClr val="000000"/>
-                </a:solidFill>
-                <a:latin typeface="Arial"/>
-              </a:rPr>
-              <a:t> </a:t>
-            </a:r>
-            <a:r>
-              <a:rPr b="0" lang="en-GB" sz="1800" spc="-1" strike="noStrike">
-                <a:solidFill>
-                  <a:srgbClr val="000000"/>
-                </a:solidFill>
-                <a:latin typeface="Arial"/>
-              </a:rPr>
-              <a:t>e</a:t>
-            </a:r>
-            <a:r>
-              <a:rPr b="0" lang="en-GB" sz="1800" spc="-1" strike="noStrike">
-                <a:solidFill>
-                  <a:srgbClr val="000000"/>
-                </a:solidFill>
-                <a:latin typeface="Arial"/>
-              </a:rPr>
-              <a:t>d</a:t>
-            </a:r>
-            <a:r>
-              <a:rPr b="0" lang="en-GB" sz="1800" spc="-1" strike="noStrike">
-                <a:solidFill>
-                  <a:srgbClr val="000000"/>
-                </a:solidFill>
-                <a:latin typeface="Arial"/>
-              </a:rPr>
-              <a:t>i</a:t>
-            </a:r>
-            <a:r>
-              <a:rPr b="0" lang="en-GB" sz="1800" spc="-1" strike="noStrike">
-                <a:solidFill>
-                  <a:srgbClr val="000000"/>
-                </a:solidFill>
-                <a:latin typeface="Arial"/>
-              </a:rPr>
-              <a:t>t</a:t>
-            </a:r>
-            <a:r>
-              <a:rPr b="0" lang="en-GB" sz="1800" spc="-1" strike="noStrike">
-                <a:solidFill>
-                  <a:srgbClr val="000000"/>
-                </a:solidFill>
-                <a:latin typeface="Arial"/>
-              </a:rPr>
-              <a:t> </a:t>
-            </a:r>
-            <a:r>
-              <a:rPr b="0" lang="en-GB" sz="1800" spc="-1" strike="noStrike">
-                <a:solidFill>
-                  <a:srgbClr val="000000"/>
-                </a:solidFill>
-                <a:latin typeface="Arial"/>
-              </a:rPr>
-              <a:t>t</a:t>
-            </a:r>
-            <a:r>
-              <a:rPr b="0" lang="en-GB" sz="1800" spc="-1" strike="noStrike">
-                <a:solidFill>
-                  <a:srgbClr val="000000"/>
-                </a:solidFill>
-                <a:latin typeface="Arial"/>
-              </a:rPr>
-              <a:t>h</a:t>
-            </a:r>
-            <a:r>
-              <a:rPr b="0" lang="en-GB" sz="1800" spc="-1" strike="noStrike">
-                <a:solidFill>
-                  <a:srgbClr val="000000"/>
-                </a:solidFill>
-                <a:latin typeface="Arial"/>
-              </a:rPr>
-              <a:t>e</a:t>
-            </a:r>
-            <a:r>
-              <a:rPr b="0" lang="en-GB" sz="1800" spc="-1" strike="noStrike">
-                <a:solidFill>
-                  <a:srgbClr val="000000"/>
-                </a:solidFill>
-                <a:latin typeface="Arial"/>
-              </a:rPr>
-              <a:t> </a:t>
-            </a:r>
-            <a:r>
-              <a:rPr b="0" lang="en-GB" sz="1800" spc="-1" strike="noStrike">
-                <a:solidFill>
-                  <a:srgbClr val="000000"/>
-                </a:solidFill>
-                <a:latin typeface="Arial"/>
-              </a:rPr>
-              <a:t>t</a:t>
-            </a:r>
-            <a:r>
-              <a:rPr b="0" lang="en-GB" sz="1800" spc="-1" strike="noStrike">
-                <a:solidFill>
-                  <a:srgbClr val="000000"/>
-                </a:solidFill>
-                <a:latin typeface="Arial"/>
-              </a:rPr>
-              <a:t>i</a:t>
-            </a:r>
-            <a:r>
-              <a:rPr b="0" lang="en-GB" sz="1800" spc="-1" strike="noStrike">
-                <a:solidFill>
-                  <a:srgbClr val="000000"/>
-                </a:solidFill>
-                <a:latin typeface="Arial"/>
-              </a:rPr>
-              <a:t>t</a:t>
-            </a:r>
-            <a:r>
-              <a:rPr b="0" lang="en-GB" sz="1800" spc="-1" strike="noStrike">
-                <a:solidFill>
-                  <a:srgbClr val="000000"/>
-                </a:solidFill>
-                <a:latin typeface="Arial"/>
-              </a:rPr>
-              <a:t>l</a:t>
-            </a:r>
-            <a:r>
-              <a:rPr b="0" lang="en-GB" sz="1800" spc="-1" strike="noStrike">
-                <a:solidFill>
-                  <a:srgbClr val="000000"/>
-                </a:solidFill>
-                <a:latin typeface="Arial"/>
-              </a:rPr>
-              <a:t>e</a:t>
-            </a:r>
-            <a:r>
-              <a:rPr b="0" lang="en-GB" sz="1800" spc="-1" strike="noStrike">
-                <a:solidFill>
-                  <a:srgbClr val="000000"/>
-                </a:solidFill>
-                <a:latin typeface="Arial"/>
-              </a:rPr>
-              <a:t> </a:t>
-            </a:r>
-            <a:r>
-              <a:rPr b="0" lang="en-GB" sz="1800" spc="-1" strike="noStrike">
-                <a:solidFill>
-                  <a:srgbClr val="000000"/>
-                </a:solidFill>
-                <a:latin typeface="Arial"/>
-              </a:rPr>
-              <a:t>t</a:t>
-            </a:r>
-            <a:r>
-              <a:rPr b="0" lang="en-GB" sz="1800" spc="-1" strike="noStrike">
-                <a:solidFill>
-                  <a:srgbClr val="000000"/>
-                </a:solidFill>
-                <a:latin typeface="Arial"/>
-              </a:rPr>
-              <a:t>e</a:t>
-            </a:r>
-            <a:r>
-              <a:rPr b="0" lang="en-GB" sz="1800" spc="-1" strike="noStrike">
-                <a:solidFill>
-                  <a:srgbClr val="000000"/>
-                </a:solidFill>
-                <a:latin typeface="Arial"/>
-              </a:rPr>
-              <a:t>x</a:t>
-            </a:r>
-            <a:r>
-              <a:rPr b="0" lang="en-GB" sz="1800" spc="-1" strike="noStrike">
-                <a:solidFill>
-                  <a:srgbClr val="000000"/>
-                </a:solidFill>
-                <a:latin typeface="Arial"/>
-              </a:rPr>
-              <a:t>t</a:t>
-            </a:r>
-            <a:r>
-              <a:rPr b="0" lang="en-GB" sz="1800" spc="-1" strike="noStrike">
-                <a:solidFill>
-                  <a:srgbClr val="000000"/>
-                </a:solidFill>
-                <a:latin typeface="Arial"/>
-              </a:rPr>
-              <a:t> </a:t>
-            </a:r>
-            <a:r>
-              <a:rPr b="0" lang="en-GB" sz="1800" spc="-1" strike="noStrike">
-                <a:solidFill>
-                  <a:srgbClr val="000000"/>
-                </a:solidFill>
-                <a:latin typeface="Arial"/>
-              </a:rPr>
-              <a:t>f</a:t>
-            </a:r>
-            <a:r>
-              <a:rPr b="0" lang="en-GB" sz="1800" spc="-1" strike="noStrike">
-                <a:solidFill>
-                  <a:srgbClr val="000000"/>
-                </a:solidFill>
-                <a:latin typeface="Arial"/>
-              </a:rPr>
-              <a:t>o</a:t>
-            </a:r>
-            <a:r>
-              <a:rPr b="0" lang="en-GB" sz="1800" spc="-1" strike="noStrike">
-                <a:solidFill>
-                  <a:srgbClr val="000000"/>
-                </a:solidFill>
-                <a:latin typeface="Arial"/>
-              </a:rPr>
-              <a:t>r</a:t>
-            </a:r>
-            <a:r>
-              <a:rPr b="0" lang="en-GB" sz="1800" spc="-1" strike="noStrike">
-                <a:solidFill>
-                  <a:srgbClr val="000000"/>
-                </a:solidFill>
-                <a:latin typeface="Arial"/>
-              </a:rPr>
-              <a:t>m</a:t>
-            </a:r>
-            <a:r>
-              <a:rPr b="0" lang="en-GB" sz="1800" spc="-1" strike="noStrike">
-                <a:solidFill>
-                  <a:srgbClr val="000000"/>
-                </a:solidFill>
-                <a:latin typeface="Arial"/>
-              </a:rPr>
-              <a:t>a</a:t>
-            </a:r>
-            <a:r>
-              <a:rPr b="0" lang="en-GB" sz="1800" spc="-1" strike="noStrike">
-                <a:solidFill>
-                  <a:srgbClr val="000000"/>
-                </a:solidFill>
-                <a:latin typeface="Arial"/>
-              </a:rPr>
-              <a:t>t</a:t>
-            </a:r>
-            <a:endParaRPr b="0" lang="en-GB" sz="1800" spc="-1" strike="noStrike">
-              <a:solidFill>
-                <a:srgbClr val="000000"/>
-              </a:solidFill>
-              <a:latin typeface="Arial"/>
-            </a:endParaRPr>
-          </a:p>
-        </p:txBody>
-      </p:sp>
-      <p:sp>
-        <p:nvSpPr>
-          <p:cNvPr id="89" name="PlaceHolder 2"/>
-          <p:cNvSpPr>
-            <a:spLocks noGrp="1"/>
-          </p:cNvSpPr>
-          <p:nvPr>
-            <p:ph type="body"/>
-          </p:nvPr>
-        </p:nvSpPr>
-        <p:spPr>
-          <a:xfrm>
-            <a:off x="609480" y="1604520"/>
-            <a:ext cx="3532680" cy="1896480"/>
-          </a:xfrm>
-          <a:prstGeom prst="rect">
-            <a:avLst/>
-          </a:prstGeom>
-          <a:noFill/>
-          <a:ln w="0">
-            <a:noFill/>
-          </a:ln>
-        </p:spPr>
-        <p:txBody>
-          <a:bodyPr lIns="0" rIns="0" tIns="0" bIns="0" anchor="t">
-            <a:normAutofit fontScale="62222" lnSpcReduction="20000"/>
-          </a:bodyPr>
-          <a:p>
-            <a:pPr marL="432000" indent="-324000">
-              <a:spcBef>
-                <a:spcPts val="1417"/>
-              </a:spcBef>
-              <a:buClr>
-                <a:srgbClr val="000000"/>
-              </a:buClr>
-              <a:buSzPct val="45000"/>
-              <a:buFont typeface="Wingdings" charset="2"/>
-              <a:buChar char=""/>
-            </a:pPr>
-            <a:r>
-              <a:rPr b="0" lang="en-GB" sz="1800" spc="-1" strike="noStrike">
-                <a:solidFill>
-                  <a:srgbClr val="000000"/>
-                </a:solidFill>
-                <a:latin typeface="Arial"/>
-              </a:rPr>
-              <a:t>Click to edit the outline text format</a:t>
-            </a:r>
-            <a:endParaRPr b="0" lang="en-GB" sz="1800" spc="-1" strike="noStrike">
-              <a:solidFill>
-                <a:srgbClr val="000000"/>
-              </a:solidFill>
-              <a:latin typeface="Arial"/>
-            </a:endParaRPr>
-          </a:p>
-          <a:p>
-            <a:pPr lvl="1" marL="864000" indent="-324000">
-              <a:spcBef>
-                <a:spcPts val="1134"/>
-              </a:spcBef>
-              <a:buClr>
-                <a:srgbClr val="000000"/>
-              </a:buClr>
-              <a:buSzPct val="75000"/>
-              <a:buFont typeface="Symbol" charset="2"/>
-              <a:buChar char=""/>
-            </a:pPr>
-            <a:r>
-              <a:rPr b="0" lang="en-GB" sz="1800" spc="-1" strike="noStrike">
-                <a:solidFill>
-                  <a:srgbClr val="000000"/>
-                </a:solidFill>
-                <a:latin typeface="Arial"/>
-              </a:rPr>
-              <a:t>Second Outline Level</a:t>
-            </a:r>
-            <a:endParaRPr b="0" lang="en-GB" sz="1800" spc="-1" strike="noStrike">
-              <a:solidFill>
-                <a:srgbClr val="000000"/>
-              </a:solidFill>
-              <a:latin typeface="Arial"/>
-            </a:endParaRPr>
-          </a:p>
-          <a:p>
-            <a:pPr lvl="2" marL="1296000" indent="-288000">
-              <a:spcBef>
-                <a:spcPts val="850"/>
-              </a:spcBef>
-              <a:buClr>
-                <a:srgbClr val="000000"/>
-              </a:buClr>
-              <a:buSzPct val="45000"/>
-              <a:buFont typeface="Wingdings" charset="2"/>
-              <a:buChar char=""/>
-            </a:pPr>
-            <a:r>
-              <a:rPr b="0" lang="en-GB" sz="1800" spc="-1" strike="noStrike">
-                <a:solidFill>
-                  <a:srgbClr val="000000"/>
-                </a:solidFill>
-                <a:latin typeface="Arial"/>
-              </a:rPr>
-              <a:t>Third Outline Level</a:t>
-            </a:r>
-            <a:endParaRPr b="0" lang="en-GB" sz="1800" spc="-1" strike="noStrike">
-              <a:solidFill>
-                <a:srgbClr val="000000"/>
-              </a:solidFill>
-              <a:latin typeface="Arial"/>
-            </a:endParaRPr>
-          </a:p>
-          <a:p>
-            <a:pPr lvl="3" marL="1728000" indent="-216000">
-              <a:spcBef>
-                <a:spcPts val="567"/>
-              </a:spcBef>
-              <a:buClr>
-                <a:srgbClr val="000000"/>
-              </a:buClr>
-              <a:buSzPct val="75000"/>
-              <a:buFont typeface="Symbol" charset="2"/>
-              <a:buChar char=""/>
-            </a:pPr>
-            <a:r>
-              <a:rPr b="0" lang="en-GB" sz="1800" spc="-1" strike="noStrike">
-                <a:solidFill>
-                  <a:srgbClr val="000000"/>
-                </a:solidFill>
-                <a:latin typeface="Arial"/>
-              </a:rPr>
-              <a:t>Fourth Outline Level</a:t>
-            </a:r>
-            <a:endParaRPr b="0" lang="en-GB" sz="1800" spc="-1" strike="noStrike">
-              <a:solidFill>
-                <a:srgbClr val="000000"/>
-              </a:solidFill>
-              <a:latin typeface="Arial"/>
-            </a:endParaRPr>
-          </a:p>
-          <a:p>
-            <a:pPr lvl="4" marL="2160000" indent="-216000">
-              <a:spcBef>
-                <a:spcPts val="283"/>
-              </a:spcBef>
-              <a:buClr>
-                <a:srgbClr val="000000"/>
-              </a:buClr>
-              <a:buSzPct val="45000"/>
-              <a:buFont typeface="Wingdings" charset="2"/>
-              <a:buChar char=""/>
-            </a:pPr>
-            <a:r>
-              <a:rPr b="0" lang="en-GB" sz="1800" spc="-1" strike="noStrike">
-                <a:solidFill>
-                  <a:srgbClr val="000000"/>
-                </a:solidFill>
-                <a:latin typeface="Arial"/>
-              </a:rPr>
-              <a:t>Fifth Outline Level</a:t>
-            </a:r>
-            <a:endParaRPr b="0" lang="en-GB" sz="1800" spc="-1" strike="noStrike">
-              <a:solidFill>
-                <a:srgbClr val="000000"/>
-              </a:solidFill>
-              <a:latin typeface="Arial"/>
-            </a:endParaRPr>
-          </a:p>
-          <a:p>
-            <a:pPr lvl="5" marL="2592000" indent="-216000">
-              <a:spcBef>
-                <a:spcPts val="283"/>
-              </a:spcBef>
-              <a:buClr>
-                <a:srgbClr val="000000"/>
-              </a:buClr>
-              <a:buSzPct val="45000"/>
-              <a:buFont typeface="Wingdings" charset="2"/>
-              <a:buChar char=""/>
-            </a:pPr>
-            <a:r>
-              <a:rPr b="0" lang="en-GB" sz="1800" spc="-1" strike="noStrike">
-                <a:solidFill>
-                  <a:srgbClr val="000000"/>
-                </a:solidFill>
-                <a:latin typeface="Arial"/>
-              </a:rPr>
-              <a:t>Sixth Outline Level</a:t>
-            </a:r>
-            <a:endParaRPr b="0" lang="en-GB" sz="1800" spc="-1" strike="noStrike">
-              <a:solidFill>
-                <a:srgbClr val="000000"/>
-              </a:solidFill>
-              <a:latin typeface="Arial"/>
-            </a:endParaRPr>
-          </a:p>
-          <a:p>
-            <a:pPr lvl="6" marL="3024000" indent="-216000">
-              <a:spcBef>
-                <a:spcPts val="283"/>
-              </a:spcBef>
-              <a:buClr>
-                <a:srgbClr val="000000"/>
-              </a:buClr>
-              <a:buSzPct val="45000"/>
-              <a:buFont typeface="Wingdings" charset="2"/>
-              <a:buChar char=""/>
-            </a:pPr>
-            <a:r>
-              <a:rPr b="0" lang="en-GB" sz="1800" spc="-1" strike="noStrike">
-                <a:solidFill>
-                  <a:srgbClr val="000000"/>
-                </a:solidFill>
-                <a:latin typeface="Arial"/>
-              </a:rPr>
-              <a:t>Seventh Outline Level</a:t>
-            </a:r>
-            <a:endParaRPr b="0" lang="en-GB" sz="1800" spc="-1" strike="noStrike">
-              <a:solidFill>
-                <a:srgbClr val="000000"/>
-              </a:solidFill>
-              <a:latin typeface="Arial"/>
-            </a:endParaRPr>
-          </a:p>
-        </p:txBody>
-      </p:sp>
-      <p:sp>
-        <p:nvSpPr>
-          <p:cNvPr id="90" name="PlaceHolder 3"/>
-          <p:cNvSpPr>
-            <a:spLocks noGrp="1"/>
-          </p:cNvSpPr>
-          <p:nvPr>
-            <p:ph type="body"/>
-          </p:nvPr>
-        </p:nvSpPr>
-        <p:spPr>
-          <a:xfrm>
-            <a:off x="4319640" y="1604520"/>
-            <a:ext cx="3532680" cy="1896480"/>
-          </a:xfrm>
-          <a:prstGeom prst="rect">
-            <a:avLst/>
-          </a:prstGeom>
-          <a:noFill/>
-          <a:ln w="0">
-            <a:noFill/>
-          </a:ln>
-        </p:spPr>
-        <p:txBody>
-          <a:bodyPr lIns="0" rIns="0" tIns="0" bIns="0" anchor="t">
-            <a:normAutofit fontScale="62222" lnSpcReduction="20000"/>
-          </a:bodyPr>
-          <a:p>
-            <a:pPr marL="432000" indent="-324000">
-              <a:spcBef>
-                <a:spcPts val="1417"/>
-              </a:spcBef>
-              <a:buClr>
-                <a:srgbClr val="000000"/>
-              </a:buClr>
-              <a:buSzPct val="45000"/>
-              <a:buFont typeface="Wingdings" charset="2"/>
-              <a:buChar char=""/>
-            </a:pPr>
-            <a:r>
-              <a:rPr b="0" lang="en-GB" sz="1800" spc="-1" strike="noStrike">
-                <a:solidFill>
-                  <a:srgbClr val="000000"/>
-                </a:solidFill>
-                <a:latin typeface="Arial"/>
-              </a:rPr>
-              <a:t>Click to edit the outline text format</a:t>
-            </a:r>
-            <a:endParaRPr b="0" lang="en-GB" sz="1800" spc="-1" strike="noStrike">
-              <a:solidFill>
-                <a:srgbClr val="000000"/>
-              </a:solidFill>
-              <a:latin typeface="Arial"/>
-            </a:endParaRPr>
-          </a:p>
-          <a:p>
-            <a:pPr lvl="1" marL="864000" indent="-324000">
-              <a:spcBef>
-                <a:spcPts val="1134"/>
-              </a:spcBef>
-              <a:buClr>
-                <a:srgbClr val="000000"/>
-              </a:buClr>
-              <a:buSzPct val="75000"/>
-              <a:buFont typeface="Symbol" charset="2"/>
-              <a:buChar char=""/>
-            </a:pPr>
-            <a:r>
-              <a:rPr b="0" lang="en-GB" sz="1800" spc="-1" strike="noStrike">
-                <a:solidFill>
-                  <a:srgbClr val="000000"/>
-                </a:solidFill>
-                <a:latin typeface="Arial"/>
-              </a:rPr>
-              <a:t>Second Outline Level</a:t>
-            </a:r>
-            <a:endParaRPr b="0" lang="en-GB" sz="1800" spc="-1" strike="noStrike">
-              <a:solidFill>
-                <a:srgbClr val="000000"/>
-              </a:solidFill>
-              <a:latin typeface="Arial"/>
-            </a:endParaRPr>
-          </a:p>
-          <a:p>
-            <a:pPr lvl="2" marL="1296000" indent="-288000">
-              <a:spcBef>
-                <a:spcPts val="850"/>
-              </a:spcBef>
-              <a:buClr>
-                <a:srgbClr val="000000"/>
-              </a:buClr>
-              <a:buSzPct val="45000"/>
-              <a:buFont typeface="Wingdings" charset="2"/>
-              <a:buChar char=""/>
-            </a:pPr>
-            <a:r>
-              <a:rPr b="0" lang="en-GB" sz="1800" spc="-1" strike="noStrike">
-                <a:solidFill>
-                  <a:srgbClr val="000000"/>
-                </a:solidFill>
-                <a:latin typeface="Arial"/>
-              </a:rPr>
-              <a:t>Third Outline Level</a:t>
-            </a:r>
-            <a:endParaRPr b="0" lang="en-GB" sz="1800" spc="-1" strike="noStrike">
-              <a:solidFill>
-                <a:srgbClr val="000000"/>
-              </a:solidFill>
-              <a:latin typeface="Arial"/>
-            </a:endParaRPr>
-          </a:p>
-          <a:p>
-            <a:pPr lvl="3" marL="1728000" indent="-216000">
-              <a:spcBef>
-                <a:spcPts val="567"/>
-              </a:spcBef>
-              <a:buClr>
-                <a:srgbClr val="000000"/>
-              </a:buClr>
-              <a:buSzPct val="75000"/>
-              <a:buFont typeface="Symbol" charset="2"/>
-              <a:buChar char=""/>
-            </a:pPr>
-            <a:r>
-              <a:rPr b="0" lang="en-GB" sz="1800" spc="-1" strike="noStrike">
-                <a:solidFill>
-                  <a:srgbClr val="000000"/>
-                </a:solidFill>
-                <a:latin typeface="Arial"/>
-              </a:rPr>
-              <a:t>Fourth Outline Level</a:t>
-            </a:r>
-            <a:endParaRPr b="0" lang="en-GB" sz="1800" spc="-1" strike="noStrike">
-              <a:solidFill>
-                <a:srgbClr val="000000"/>
-              </a:solidFill>
-              <a:latin typeface="Arial"/>
-            </a:endParaRPr>
-          </a:p>
-          <a:p>
-            <a:pPr lvl="4" marL="2160000" indent="-216000">
-              <a:spcBef>
-                <a:spcPts val="283"/>
-              </a:spcBef>
-              <a:buClr>
-                <a:srgbClr val="000000"/>
-              </a:buClr>
-              <a:buSzPct val="45000"/>
-              <a:buFont typeface="Wingdings" charset="2"/>
-              <a:buChar char=""/>
-            </a:pPr>
-            <a:r>
-              <a:rPr b="0" lang="en-GB" sz="1800" spc="-1" strike="noStrike">
-                <a:solidFill>
-                  <a:srgbClr val="000000"/>
-                </a:solidFill>
-                <a:latin typeface="Arial"/>
-              </a:rPr>
-              <a:t>Fifth Outline Level</a:t>
-            </a:r>
-            <a:endParaRPr b="0" lang="en-GB" sz="1800" spc="-1" strike="noStrike">
-              <a:solidFill>
-                <a:srgbClr val="000000"/>
-              </a:solidFill>
-              <a:latin typeface="Arial"/>
-            </a:endParaRPr>
-          </a:p>
-          <a:p>
-            <a:pPr lvl="5" marL="2592000" indent="-216000">
-              <a:spcBef>
-                <a:spcPts val="283"/>
-              </a:spcBef>
-              <a:buClr>
-                <a:srgbClr val="000000"/>
-              </a:buClr>
-              <a:buSzPct val="45000"/>
-              <a:buFont typeface="Wingdings" charset="2"/>
-              <a:buChar char=""/>
-            </a:pPr>
-            <a:r>
-              <a:rPr b="0" lang="en-GB" sz="1800" spc="-1" strike="noStrike">
-                <a:solidFill>
-                  <a:srgbClr val="000000"/>
-                </a:solidFill>
-                <a:latin typeface="Arial"/>
-              </a:rPr>
-              <a:t>Sixth Outline Level</a:t>
-            </a:r>
-            <a:endParaRPr b="0" lang="en-GB" sz="1800" spc="-1" strike="noStrike">
-              <a:solidFill>
-                <a:srgbClr val="000000"/>
-              </a:solidFill>
-              <a:latin typeface="Arial"/>
-            </a:endParaRPr>
-          </a:p>
-          <a:p>
-            <a:pPr lvl="6" marL="3024000" indent="-216000">
-              <a:spcBef>
-                <a:spcPts val="283"/>
-              </a:spcBef>
-              <a:buClr>
-                <a:srgbClr val="000000"/>
-              </a:buClr>
-              <a:buSzPct val="45000"/>
-              <a:buFont typeface="Wingdings" charset="2"/>
-              <a:buChar char=""/>
-            </a:pPr>
-            <a:r>
-              <a:rPr b="0" lang="en-GB" sz="1800" spc="-1" strike="noStrike">
-                <a:solidFill>
-                  <a:srgbClr val="000000"/>
-                </a:solidFill>
-                <a:latin typeface="Arial"/>
-              </a:rPr>
-              <a:t>Seventh Outline Level</a:t>
-            </a:r>
-            <a:endParaRPr b="0" lang="en-GB" sz="1800" spc="-1" strike="noStrike">
-              <a:solidFill>
-                <a:srgbClr val="000000"/>
-              </a:solidFill>
-              <a:latin typeface="Arial"/>
-            </a:endParaRPr>
-          </a:p>
-        </p:txBody>
-      </p:sp>
-      <p:sp>
-        <p:nvSpPr>
-          <p:cNvPr id="91" name="PlaceHolder 4"/>
-          <p:cNvSpPr>
-            <a:spLocks noGrp="1"/>
-          </p:cNvSpPr>
-          <p:nvPr>
-            <p:ph type="body"/>
-          </p:nvPr>
-        </p:nvSpPr>
-        <p:spPr>
-          <a:xfrm>
-            <a:off x="8029800" y="1604520"/>
-            <a:ext cx="3532680" cy="1896480"/>
-          </a:xfrm>
-          <a:prstGeom prst="rect">
-            <a:avLst/>
-          </a:prstGeom>
-          <a:noFill/>
-          <a:ln w="0">
-            <a:noFill/>
-          </a:ln>
-        </p:spPr>
-        <p:txBody>
-          <a:bodyPr lIns="0" rIns="0" tIns="0" bIns="0" anchor="t">
-            <a:normAutofit fontScale="62222" lnSpcReduction="20000"/>
-          </a:bodyPr>
-          <a:p>
-            <a:pPr marL="432000" indent="-324000">
-              <a:spcBef>
-                <a:spcPts val="1417"/>
-              </a:spcBef>
-              <a:buClr>
-                <a:srgbClr val="000000"/>
-              </a:buClr>
-              <a:buSzPct val="45000"/>
-              <a:buFont typeface="Wingdings" charset="2"/>
-              <a:buChar char=""/>
-            </a:pPr>
-            <a:r>
-              <a:rPr b="0" lang="en-GB" sz="1800" spc="-1" strike="noStrike">
-                <a:solidFill>
-                  <a:srgbClr val="000000"/>
-                </a:solidFill>
-                <a:latin typeface="Arial"/>
-              </a:rPr>
-              <a:t>Click to edit the outline text format</a:t>
-            </a:r>
-            <a:endParaRPr b="0" lang="en-GB" sz="1800" spc="-1" strike="noStrike">
-              <a:solidFill>
-                <a:srgbClr val="000000"/>
-              </a:solidFill>
-              <a:latin typeface="Arial"/>
-            </a:endParaRPr>
-          </a:p>
-          <a:p>
-            <a:pPr lvl="1" marL="864000" indent="-324000">
-              <a:spcBef>
-                <a:spcPts val="1134"/>
-              </a:spcBef>
-              <a:buClr>
-                <a:srgbClr val="000000"/>
-              </a:buClr>
-              <a:buSzPct val="75000"/>
-              <a:buFont typeface="Symbol" charset="2"/>
-              <a:buChar char=""/>
-            </a:pPr>
-            <a:r>
-              <a:rPr b="0" lang="en-GB" sz="1800" spc="-1" strike="noStrike">
-                <a:solidFill>
-                  <a:srgbClr val="000000"/>
-                </a:solidFill>
-                <a:latin typeface="Arial"/>
-              </a:rPr>
-              <a:t>Second Outline Level</a:t>
-            </a:r>
-            <a:endParaRPr b="0" lang="en-GB" sz="1800" spc="-1" strike="noStrike">
-              <a:solidFill>
-                <a:srgbClr val="000000"/>
-              </a:solidFill>
-              <a:latin typeface="Arial"/>
-            </a:endParaRPr>
-          </a:p>
-          <a:p>
-            <a:pPr lvl="2" marL="1296000" indent="-288000">
-              <a:spcBef>
-                <a:spcPts val="850"/>
-              </a:spcBef>
-              <a:buClr>
-                <a:srgbClr val="000000"/>
-              </a:buClr>
-              <a:buSzPct val="45000"/>
-              <a:buFont typeface="Wingdings" charset="2"/>
-              <a:buChar char=""/>
-            </a:pPr>
-            <a:r>
-              <a:rPr b="0" lang="en-GB" sz="1800" spc="-1" strike="noStrike">
-                <a:solidFill>
-                  <a:srgbClr val="000000"/>
-                </a:solidFill>
-                <a:latin typeface="Arial"/>
-              </a:rPr>
-              <a:t>Third Outline Level</a:t>
-            </a:r>
-            <a:endParaRPr b="0" lang="en-GB" sz="1800" spc="-1" strike="noStrike">
-              <a:solidFill>
-                <a:srgbClr val="000000"/>
-              </a:solidFill>
-              <a:latin typeface="Arial"/>
-            </a:endParaRPr>
-          </a:p>
-          <a:p>
-            <a:pPr lvl="3" marL="1728000" indent="-216000">
-              <a:spcBef>
-                <a:spcPts val="567"/>
-              </a:spcBef>
-              <a:buClr>
-                <a:srgbClr val="000000"/>
-              </a:buClr>
-              <a:buSzPct val="75000"/>
-              <a:buFont typeface="Symbol" charset="2"/>
-              <a:buChar char=""/>
-            </a:pPr>
-            <a:r>
-              <a:rPr b="0" lang="en-GB" sz="1800" spc="-1" strike="noStrike">
-                <a:solidFill>
-                  <a:srgbClr val="000000"/>
-                </a:solidFill>
-                <a:latin typeface="Arial"/>
-              </a:rPr>
-              <a:t>Fourth Outline Level</a:t>
-            </a:r>
-            <a:endParaRPr b="0" lang="en-GB" sz="1800" spc="-1" strike="noStrike">
-              <a:solidFill>
-                <a:srgbClr val="000000"/>
-              </a:solidFill>
-              <a:latin typeface="Arial"/>
-            </a:endParaRPr>
-          </a:p>
-          <a:p>
-            <a:pPr lvl="4" marL="2160000" indent="-216000">
-              <a:spcBef>
-                <a:spcPts val="283"/>
-              </a:spcBef>
-              <a:buClr>
-                <a:srgbClr val="000000"/>
-              </a:buClr>
-              <a:buSzPct val="45000"/>
-              <a:buFont typeface="Wingdings" charset="2"/>
-              <a:buChar char=""/>
-            </a:pPr>
-            <a:r>
-              <a:rPr b="0" lang="en-GB" sz="1800" spc="-1" strike="noStrike">
-                <a:solidFill>
-                  <a:srgbClr val="000000"/>
-                </a:solidFill>
-                <a:latin typeface="Arial"/>
-              </a:rPr>
-              <a:t>Fifth Outline Level</a:t>
-            </a:r>
-            <a:endParaRPr b="0" lang="en-GB" sz="1800" spc="-1" strike="noStrike">
-              <a:solidFill>
-                <a:srgbClr val="000000"/>
-              </a:solidFill>
-              <a:latin typeface="Arial"/>
-            </a:endParaRPr>
-          </a:p>
-          <a:p>
-            <a:pPr lvl="5" marL="2592000" indent="-216000">
-              <a:spcBef>
-                <a:spcPts val="283"/>
-              </a:spcBef>
-              <a:buClr>
-                <a:srgbClr val="000000"/>
-              </a:buClr>
-              <a:buSzPct val="45000"/>
-              <a:buFont typeface="Wingdings" charset="2"/>
-              <a:buChar char=""/>
-            </a:pPr>
-            <a:r>
-              <a:rPr b="0" lang="en-GB" sz="1800" spc="-1" strike="noStrike">
-                <a:solidFill>
-                  <a:srgbClr val="000000"/>
-                </a:solidFill>
-                <a:latin typeface="Arial"/>
-              </a:rPr>
-              <a:t>Sixth Outline Level</a:t>
-            </a:r>
-            <a:endParaRPr b="0" lang="en-GB" sz="1800" spc="-1" strike="noStrike">
-              <a:solidFill>
-                <a:srgbClr val="000000"/>
-              </a:solidFill>
-              <a:latin typeface="Arial"/>
-            </a:endParaRPr>
-          </a:p>
-          <a:p>
-            <a:pPr lvl="6" marL="3024000" indent="-216000">
-              <a:spcBef>
-                <a:spcPts val="283"/>
-              </a:spcBef>
-              <a:buClr>
-                <a:srgbClr val="000000"/>
-              </a:buClr>
-              <a:buSzPct val="45000"/>
-              <a:buFont typeface="Wingdings" charset="2"/>
-              <a:buChar char=""/>
-            </a:pPr>
-            <a:r>
-              <a:rPr b="0" lang="en-GB" sz="1800" spc="-1" strike="noStrike">
-                <a:solidFill>
-                  <a:srgbClr val="000000"/>
-                </a:solidFill>
-                <a:latin typeface="Arial"/>
-              </a:rPr>
-              <a:t>Seventh Outline Level</a:t>
-            </a:r>
-            <a:endParaRPr b="0" lang="en-GB" sz="1800" spc="-1" strike="noStrike">
-              <a:solidFill>
-                <a:srgbClr val="000000"/>
-              </a:solidFill>
-              <a:latin typeface="Arial"/>
-            </a:endParaRPr>
-          </a:p>
-        </p:txBody>
-      </p:sp>
-      <p:sp>
-        <p:nvSpPr>
-          <p:cNvPr id="92" name="PlaceHolder 5"/>
-          <p:cNvSpPr>
-            <a:spLocks noGrp="1"/>
-          </p:cNvSpPr>
-          <p:nvPr>
-            <p:ph type="body"/>
-          </p:nvPr>
-        </p:nvSpPr>
-        <p:spPr>
-          <a:xfrm>
-            <a:off x="609480" y="3682080"/>
-            <a:ext cx="3532680" cy="1896480"/>
-          </a:xfrm>
-          <a:prstGeom prst="rect">
-            <a:avLst/>
-          </a:prstGeom>
-          <a:noFill/>
-          <a:ln w="0">
-            <a:noFill/>
-          </a:ln>
-        </p:spPr>
-        <p:txBody>
-          <a:bodyPr lIns="0" rIns="0" tIns="0" bIns="0" anchor="t">
-            <a:normAutofit fontScale="62222" lnSpcReduction="20000"/>
-          </a:bodyPr>
-          <a:p>
-            <a:pPr marL="432000" indent="-324000">
-              <a:spcBef>
-                <a:spcPts val="1417"/>
-              </a:spcBef>
-              <a:buClr>
-                <a:srgbClr val="000000"/>
-              </a:buClr>
-              <a:buSzPct val="45000"/>
-              <a:buFont typeface="Wingdings" charset="2"/>
-              <a:buChar char=""/>
-            </a:pPr>
-            <a:r>
-              <a:rPr b="0" lang="en-GB" sz="1800" spc="-1" strike="noStrike">
-                <a:solidFill>
-                  <a:srgbClr val="000000"/>
-                </a:solidFill>
-                <a:latin typeface="Arial"/>
-              </a:rPr>
-              <a:t>Click to edit the outline text format</a:t>
-            </a:r>
-            <a:endParaRPr b="0" lang="en-GB" sz="1800" spc="-1" strike="noStrike">
-              <a:solidFill>
-                <a:srgbClr val="000000"/>
-              </a:solidFill>
-              <a:latin typeface="Arial"/>
-            </a:endParaRPr>
-          </a:p>
-          <a:p>
-            <a:pPr lvl="1" marL="864000" indent="-324000">
-              <a:spcBef>
-                <a:spcPts val="1134"/>
-              </a:spcBef>
-              <a:buClr>
-                <a:srgbClr val="000000"/>
-              </a:buClr>
-              <a:buSzPct val="75000"/>
-              <a:buFont typeface="Symbol" charset="2"/>
-              <a:buChar char=""/>
-            </a:pPr>
-            <a:r>
-              <a:rPr b="0" lang="en-GB" sz="1800" spc="-1" strike="noStrike">
-                <a:solidFill>
-                  <a:srgbClr val="000000"/>
-                </a:solidFill>
-                <a:latin typeface="Arial"/>
-              </a:rPr>
-              <a:t>Second Outline Level</a:t>
-            </a:r>
-            <a:endParaRPr b="0" lang="en-GB" sz="1800" spc="-1" strike="noStrike">
-              <a:solidFill>
-                <a:srgbClr val="000000"/>
-              </a:solidFill>
-              <a:latin typeface="Arial"/>
-            </a:endParaRPr>
-          </a:p>
-          <a:p>
-            <a:pPr lvl="2" marL="1296000" indent="-288000">
-              <a:spcBef>
-                <a:spcPts val="850"/>
-              </a:spcBef>
-              <a:buClr>
-                <a:srgbClr val="000000"/>
-              </a:buClr>
-              <a:buSzPct val="45000"/>
-              <a:buFont typeface="Wingdings" charset="2"/>
-              <a:buChar char=""/>
-            </a:pPr>
-            <a:r>
-              <a:rPr b="0" lang="en-GB" sz="1800" spc="-1" strike="noStrike">
-                <a:solidFill>
-                  <a:srgbClr val="000000"/>
-                </a:solidFill>
-                <a:latin typeface="Arial"/>
-              </a:rPr>
-              <a:t>Third Outline Level</a:t>
-            </a:r>
-            <a:endParaRPr b="0" lang="en-GB" sz="1800" spc="-1" strike="noStrike">
-              <a:solidFill>
-                <a:srgbClr val="000000"/>
-              </a:solidFill>
-              <a:latin typeface="Arial"/>
-            </a:endParaRPr>
-          </a:p>
-          <a:p>
-            <a:pPr lvl="3" marL="1728000" indent="-216000">
-              <a:spcBef>
-                <a:spcPts val="567"/>
-              </a:spcBef>
-              <a:buClr>
-                <a:srgbClr val="000000"/>
-              </a:buClr>
-              <a:buSzPct val="75000"/>
-              <a:buFont typeface="Symbol" charset="2"/>
-              <a:buChar char=""/>
-            </a:pPr>
-            <a:r>
-              <a:rPr b="0" lang="en-GB" sz="1800" spc="-1" strike="noStrike">
-                <a:solidFill>
-                  <a:srgbClr val="000000"/>
-                </a:solidFill>
-                <a:latin typeface="Arial"/>
-              </a:rPr>
-              <a:t>Fourth Outline Level</a:t>
-            </a:r>
-            <a:endParaRPr b="0" lang="en-GB" sz="1800" spc="-1" strike="noStrike">
-              <a:solidFill>
-                <a:srgbClr val="000000"/>
-              </a:solidFill>
-              <a:latin typeface="Arial"/>
-            </a:endParaRPr>
-          </a:p>
-          <a:p>
-            <a:pPr lvl="4" marL="2160000" indent="-216000">
-              <a:spcBef>
-                <a:spcPts val="283"/>
-              </a:spcBef>
-              <a:buClr>
-                <a:srgbClr val="000000"/>
-              </a:buClr>
-              <a:buSzPct val="45000"/>
-              <a:buFont typeface="Wingdings" charset="2"/>
-              <a:buChar char=""/>
-            </a:pPr>
-            <a:r>
-              <a:rPr b="0" lang="en-GB" sz="1800" spc="-1" strike="noStrike">
-                <a:solidFill>
-                  <a:srgbClr val="000000"/>
-                </a:solidFill>
-                <a:latin typeface="Arial"/>
-              </a:rPr>
-              <a:t>Fifth Outline Level</a:t>
-            </a:r>
-            <a:endParaRPr b="0" lang="en-GB" sz="1800" spc="-1" strike="noStrike">
-              <a:solidFill>
-                <a:srgbClr val="000000"/>
-              </a:solidFill>
-              <a:latin typeface="Arial"/>
-            </a:endParaRPr>
-          </a:p>
-          <a:p>
-            <a:pPr lvl="5" marL="2592000" indent="-216000">
-              <a:spcBef>
-                <a:spcPts val="283"/>
-              </a:spcBef>
-              <a:buClr>
-                <a:srgbClr val="000000"/>
-              </a:buClr>
-              <a:buSzPct val="45000"/>
-              <a:buFont typeface="Wingdings" charset="2"/>
-              <a:buChar char=""/>
-            </a:pPr>
-            <a:r>
-              <a:rPr b="0" lang="en-GB" sz="1800" spc="-1" strike="noStrike">
-                <a:solidFill>
-                  <a:srgbClr val="000000"/>
-                </a:solidFill>
-                <a:latin typeface="Arial"/>
-              </a:rPr>
-              <a:t>Sixth Outline Level</a:t>
-            </a:r>
-            <a:endParaRPr b="0" lang="en-GB" sz="1800" spc="-1" strike="noStrike">
-              <a:solidFill>
-                <a:srgbClr val="000000"/>
-              </a:solidFill>
-              <a:latin typeface="Arial"/>
-            </a:endParaRPr>
-          </a:p>
-          <a:p>
-            <a:pPr lvl="6" marL="3024000" indent="-216000">
-              <a:spcBef>
-                <a:spcPts val="283"/>
-              </a:spcBef>
-              <a:buClr>
-                <a:srgbClr val="000000"/>
-              </a:buClr>
-              <a:buSzPct val="45000"/>
-              <a:buFont typeface="Wingdings" charset="2"/>
-              <a:buChar char=""/>
-            </a:pPr>
-            <a:r>
-              <a:rPr b="0" lang="en-GB" sz="1800" spc="-1" strike="noStrike">
-                <a:solidFill>
-                  <a:srgbClr val="000000"/>
-                </a:solidFill>
-                <a:latin typeface="Arial"/>
-              </a:rPr>
-              <a:t>Seventh Outline Level</a:t>
-            </a:r>
-            <a:endParaRPr b="0" lang="en-GB" sz="1800" spc="-1" strike="noStrike">
-              <a:solidFill>
-                <a:srgbClr val="000000"/>
-              </a:solidFill>
-              <a:latin typeface="Arial"/>
-            </a:endParaRPr>
-          </a:p>
-        </p:txBody>
-      </p:sp>
-      <p:sp>
-        <p:nvSpPr>
-          <p:cNvPr id="93" name="PlaceHolder 6"/>
-          <p:cNvSpPr>
-            <a:spLocks noGrp="1"/>
-          </p:cNvSpPr>
-          <p:nvPr>
-            <p:ph type="body"/>
-          </p:nvPr>
-        </p:nvSpPr>
-        <p:spPr>
-          <a:xfrm>
-            <a:off x="4319640" y="3682080"/>
-            <a:ext cx="3532680" cy="1896480"/>
-          </a:xfrm>
-          <a:prstGeom prst="rect">
-            <a:avLst/>
-          </a:prstGeom>
-          <a:noFill/>
-          <a:ln w="0">
-            <a:noFill/>
-          </a:ln>
-        </p:spPr>
-        <p:txBody>
-          <a:bodyPr lIns="0" rIns="0" tIns="0" bIns="0" anchor="t">
-            <a:normAutofit fontScale="62222" lnSpcReduction="20000"/>
-          </a:bodyPr>
-          <a:p>
-            <a:pPr marL="432000" indent="-324000">
-              <a:spcBef>
-                <a:spcPts val="1417"/>
-              </a:spcBef>
-              <a:buClr>
-                <a:srgbClr val="000000"/>
-              </a:buClr>
-              <a:buSzPct val="45000"/>
-              <a:buFont typeface="Wingdings" charset="2"/>
-              <a:buChar char=""/>
-            </a:pPr>
-            <a:r>
-              <a:rPr b="0" lang="en-GB" sz="1800" spc="-1" strike="noStrike">
-                <a:solidFill>
-                  <a:srgbClr val="000000"/>
-                </a:solidFill>
-                <a:latin typeface="Arial"/>
-              </a:rPr>
-              <a:t>Click to edit the outline text format</a:t>
-            </a:r>
-            <a:endParaRPr b="0" lang="en-GB" sz="1800" spc="-1" strike="noStrike">
-              <a:solidFill>
-                <a:srgbClr val="000000"/>
-              </a:solidFill>
-              <a:latin typeface="Arial"/>
-            </a:endParaRPr>
-          </a:p>
-          <a:p>
-            <a:pPr lvl="1" marL="864000" indent="-324000">
-              <a:spcBef>
-                <a:spcPts val="1134"/>
-              </a:spcBef>
-              <a:buClr>
-                <a:srgbClr val="000000"/>
-              </a:buClr>
-              <a:buSzPct val="75000"/>
-              <a:buFont typeface="Symbol" charset="2"/>
-              <a:buChar char=""/>
-            </a:pPr>
-            <a:r>
-              <a:rPr b="0" lang="en-GB" sz="1800" spc="-1" strike="noStrike">
-                <a:solidFill>
-                  <a:srgbClr val="000000"/>
-                </a:solidFill>
-                <a:latin typeface="Arial"/>
-              </a:rPr>
-              <a:t>Second Outline Level</a:t>
-            </a:r>
-            <a:endParaRPr b="0" lang="en-GB" sz="1800" spc="-1" strike="noStrike">
-              <a:solidFill>
-                <a:srgbClr val="000000"/>
-              </a:solidFill>
-              <a:latin typeface="Arial"/>
-            </a:endParaRPr>
-          </a:p>
-          <a:p>
-            <a:pPr lvl="2" marL="1296000" indent="-288000">
-              <a:spcBef>
-                <a:spcPts val="850"/>
-              </a:spcBef>
-              <a:buClr>
-                <a:srgbClr val="000000"/>
-              </a:buClr>
-              <a:buSzPct val="45000"/>
-              <a:buFont typeface="Wingdings" charset="2"/>
-              <a:buChar char=""/>
-            </a:pPr>
-            <a:r>
-              <a:rPr b="0" lang="en-GB" sz="1800" spc="-1" strike="noStrike">
-                <a:solidFill>
-                  <a:srgbClr val="000000"/>
-                </a:solidFill>
-                <a:latin typeface="Arial"/>
-              </a:rPr>
-              <a:t>Third Outline Level</a:t>
-            </a:r>
-            <a:endParaRPr b="0" lang="en-GB" sz="1800" spc="-1" strike="noStrike">
-              <a:solidFill>
-                <a:srgbClr val="000000"/>
-              </a:solidFill>
-              <a:latin typeface="Arial"/>
-            </a:endParaRPr>
-          </a:p>
-          <a:p>
-            <a:pPr lvl="3" marL="1728000" indent="-216000">
-              <a:spcBef>
-                <a:spcPts val="567"/>
-              </a:spcBef>
-              <a:buClr>
-                <a:srgbClr val="000000"/>
-              </a:buClr>
-              <a:buSzPct val="75000"/>
-              <a:buFont typeface="Symbol" charset="2"/>
-              <a:buChar char=""/>
-            </a:pPr>
-            <a:r>
-              <a:rPr b="0" lang="en-GB" sz="1800" spc="-1" strike="noStrike">
-                <a:solidFill>
-                  <a:srgbClr val="000000"/>
-                </a:solidFill>
-                <a:latin typeface="Arial"/>
-              </a:rPr>
-              <a:t>Fourth Outline Level</a:t>
-            </a:r>
-            <a:endParaRPr b="0" lang="en-GB" sz="1800" spc="-1" strike="noStrike">
-              <a:solidFill>
-                <a:srgbClr val="000000"/>
-              </a:solidFill>
-              <a:latin typeface="Arial"/>
-            </a:endParaRPr>
-          </a:p>
-          <a:p>
-            <a:pPr lvl="4" marL="2160000" indent="-216000">
-              <a:spcBef>
-                <a:spcPts val="283"/>
-              </a:spcBef>
-              <a:buClr>
-                <a:srgbClr val="000000"/>
-              </a:buClr>
-              <a:buSzPct val="45000"/>
-              <a:buFont typeface="Wingdings" charset="2"/>
-              <a:buChar char=""/>
-            </a:pPr>
-            <a:r>
-              <a:rPr b="0" lang="en-GB" sz="1800" spc="-1" strike="noStrike">
-                <a:solidFill>
-                  <a:srgbClr val="000000"/>
-                </a:solidFill>
-                <a:latin typeface="Arial"/>
-              </a:rPr>
-              <a:t>Fifth Outline Level</a:t>
-            </a:r>
-            <a:endParaRPr b="0" lang="en-GB" sz="1800" spc="-1" strike="noStrike">
-              <a:solidFill>
-                <a:srgbClr val="000000"/>
-              </a:solidFill>
-              <a:latin typeface="Arial"/>
-            </a:endParaRPr>
-          </a:p>
-          <a:p>
-            <a:pPr lvl="5" marL="2592000" indent="-216000">
-              <a:spcBef>
-                <a:spcPts val="283"/>
-              </a:spcBef>
-              <a:buClr>
-                <a:srgbClr val="000000"/>
-              </a:buClr>
-              <a:buSzPct val="45000"/>
-              <a:buFont typeface="Wingdings" charset="2"/>
-              <a:buChar char=""/>
-            </a:pPr>
-            <a:r>
-              <a:rPr b="0" lang="en-GB" sz="1800" spc="-1" strike="noStrike">
-                <a:solidFill>
-                  <a:srgbClr val="000000"/>
-                </a:solidFill>
-                <a:latin typeface="Arial"/>
-              </a:rPr>
-              <a:t>Sixth Outline Level</a:t>
-            </a:r>
-            <a:endParaRPr b="0" lang="en-GB" sz="1800" spc="-1" strike="noStrike">
-              <a:solidFill>
-                <a:srgbClr val="000000"/>
-              </a:solidFill>
-              <a:latin typeface="Arial"/>
-            </a:endParaRPr>
-          </a:p>
-          <a:p>
-            <a:pPr lvl="6" marL="3024000" indent="-216000">
-              <a:spcBef>
-                <a:spcPts val="283"/>
-              </a:spcBef>
-              <a:buClr>
-                <a:srgbClr val="000000"/>
-              </a:buClr>
-              <a:buSzPct val="45000"/>
-              <a:buFont typeface="Wingdings" charset="2"/>
-              <a:buChar char=""/>
-            </a:pPr>
-            <a:r>
-              <a:rPr b="0" lang="en-GB" sz="1800" spc="-1" strike="noStrike">
-                <a:solidFill>
-                  <a:srgbClr val="000000"/>
-                </a:solidFill>
-                <a:latin typeface="Arial"/>
-              </a:rPr>
-              <a:t>Seventh Outline Level</a:t>
-            </a:r>
-            <a:endParaRPr b="0" lang="en-GB" sz="1800" spc="-1" strike="noStrike">
-              <a:solidFill>
-                <a:srgbClr val="000000"/>
-              </a:solidFill>
-              <a:latin typeface="Arial"/>
-            </a:endParaRPr>
-          </a:p>
-        </p:txBody>
-      </p:sp>
-      <p:sp>
-        <p:nvSpPr>
-          <p:cNvPr id="94" name="PlaceHolder 7"/>
-          <p:cNvSpPr>
-            <a:spLocks noGrp="1"/>
-          </p:cNvSpPr>
-          <p:nvPr>
-            <p:ph type="body"/>
-          </p:nvPr>
-        </p:nvSpPr>
-        <p:spPr>
-          <a:xfrm>
-            <a:off x="8029800" y="3682080"/>
-            <a:ext cx="3532680" cy="1896480"/>
-          </a:xfrm>
-          <a:prstGeom prst="rect">
-            <a:avLst/>
-          </a:prstGeom>
-          <a:noFill/>
-          <a:ln w="0">
-            <a:noFill/>
-          </a:ln>
-        </p:spPr>
-        <p:txBody>
-          <a:bodyPr lIns="0" rIns="0" tIns="0" bIns="0" anchor="t">
-            <a:normAutofit fontScale="62222" lnSpcReduction="20000"/>
-          </a:bodyPr>
-          <a:p>
-            <a:pPr marL="432000" indent="-324000">
-              <a:spcBef>
-                <a:spcPts val="1417"/>
-              </a:spcBef>
-              <a:buClr>
-                <a:srgbClr val="000000"/>
-              </a:buClr>
-              <a:buSzPct val="45000"/>
-              <a:buFont typeface="Wingdings" charset="2"/>
-              <a:buChar char=""/>
-            </a:pPr>
-            <a:r>
-              <a:rPr b="0" lang="en-GB" sz="1800" spc="-1" strike="noStrike">
-                <a:solidFill>
-                  <a:srgbClr val="000000"/>
-                </a:solidFill>
-                <a:latin typeface="Arial"/>
-              </a:rPr>
-              <a:t>Click to edit the outline text format</a:t>
-            </a:r>
-            <a:endParaRPr b="0" lang="en-GB" sz="1800" spc="-1" strike="noStrike">
-              <a:solidFill>
-                <a:srgbClr val="000000"/>
-              </a:solidFill>
-              <a:latin typeface="Arial"/>
-            </a:endParaRPr>
-          </a:p>
-          <a:p>
-            <a:pPr lvl="1" marL="864000" indent="-324000">
-              <a:spcBef>
-                <a:spcPts val="1134"/>
-              </a:spcBef>
-              <a:buClr>
-                <a:srgbClr val="000000"/>
-              </a:buClr>
-              <a:buSzPct val="75000"/>
-              <a:buFont typeface="Symbol" charset="2"/>
-              <a:buChar char=""/>
-            </a:pPr>
-            <a:r>
-              <a:rPr b="0" lang="en-GB" sz="1800" spc="-1" strike="noStrike">
-                <a:solidFill>
-                  <a:srgbClr val="000000"/>
-                </a:solidFill>
-                <a:latin typeface="Arial"/>
-              </a:rPr>
-              <a:t>Second Outline Level</a:t>
-            </a:r>
-            <a:endParaRPr b="0" lang="en-GB" sz="1800" spc="-1" strike="noStrike">
-              <a:solidFill>
-                <a:srgbClr val="000000"/>
-              </a:solidFill>
-              <a:latin typeface="Arial"/>
-            </a:endParaRPr>
-          </a:p>
-          <a:p>
-            <a:pPr lvl="2" marL="1296000" indent="-288000">
-              <a:spcBef>
-                <a:spcPts val="850"/>
-              </a:spcBef>
-              <a:buClr>
-                <a:srgbClr val="000000"/>
-              </a:buClr>
-              <a:buSzPct val="45000"/>
-              <a:buFont typeface="Wingdings" charset="2"/>
-              <a:buChar char=""/>
-            </a:pPr>
-            <a:r>
-              <a:rPr b="0" lang="en-GB" sz="1800" spc="-1" strike="noStrike">
-                <a:solidFill>
-                  <a:srgbClr val="000000"/>
-                </a:solidFill>
-                <a:latin typeface="Arial"/>
-              </a:rPr>
-              <a:t>Third Outline Level</a:t>
-            </a:r>
-            <a:endParaRPr b="0" lang="en-GB" sz="1800" spc="-1" strike="noStrike">
-              <a:solidFill>
-                <a:srgbClr val="000000"/>
-              </a:solidFill>
-              <a:latin typeface="Arial"/>
-            </a:endParaRPr>
-          </a:p>
-          <a:p>
-            <a:pPr lvl="3" marL="1728000" indent="-216000">
-              <a:spcBef>
-                <a:spcPts val="567"/>
-              </a:spcBef>
-              <a:buClr>
-                <a:srgbClr val="000000"/>
-              </a:buClr>
-              <a:buSzPct val="75000"/>
-              <a:buFont typeface="Symbol" charset="2"/>
-              <a:buChar char=""/>
-            </a:pPr>
-            <a:r>
-              <a:rPr b="0" lang="en-GB" sz="1800" spc="-1" strike="noStrike">
-                <a:solidFill>
-                  <a:srgbClr val="000000"/>
-                </a:solidFill>
-                <a:latin typeface="Arial"/>
-              </a:rPr>
-              <a:t>Fourth Outline Level</a:t>
-            </a:r>
-            <a:endParaRPr b="0" lang="en-GB" sz="1800" spc="-1" strike="noStrike">
-              <a:solidFill>
-                <a:srgbClr val="000000"/>
-              </a:solidFill>
-              <a:latin typeface="Arial"/>
-            </a:endParaRPr>
-          </a:p>
-          <a:p>
-            <a:pPr lvl="4" marL="2160000" indent="-216000">
-              <a:spcBef>
-                <a:spcPts val="283"/>
-              </a:spcBef>
-              <a:buClr>
-                <a:srgbClr val="000000"/>
-              </a:buClr>
-              <a:buSzPct val="45000"/>
-              <a:buFont typeface="Wingdings" charset="2"/>
-              <a:buChar char=""/>
-            </a:pPr>
-            <a:r>
-              <a:rPr b="0" lang="en-GB" sz="1800" spc="-1" strike="noStrike">
-                <a:solidFill>
-                  <a:srgbClr val="000000"/>
-                </a:solidFill>
-                <a:latin typeface="Arial"/>
-              </a:rPr>
-              <a:t>Fifth Outline Level</a:t>
-            </a:r>
-            <a:endParaRPr b="0" lang="en-GB" sz="1800" spc="-1" strike="noStrike">
-              <a:solidFill>
-                <a:srgbClr val="000000"/>
-              </a:solidFill>
-              <a:latin typeface="Arial"/>
-            </a:endParaRPr>
-          </a:p>
-          <a:p>
-            <a:pPr lvl="5" marL="2592000" indent="-216000">
-              <a:spcBef>
-                <a:spcPts val="283"/>
-              </a:spcBef>
-              <a:buClr>
-                <a:srgbClr val="000000"/>
-              </a:buClr>
-              <a:buSzPct val="45000"/>
-              <a:buFont typeface="Wingdings" charset="2"/>
-              <a:buChar char=""/>
-            </a:pPr>
-            <a:r>
-              <a:rPr b="0" lang="en-GB" sz="1800" spc="-1" strike="noStrike">
-                <a:solidFill>
-                  <a:srgbClr val="000000"/>
-                </a:solidFill>
-                <a:latin typeface="Arial"/>
-              </a:rPr>
-              <a:t>Sixth Outline Level</a:t>
-            </a:r>
-            <a:endParaRPr b="0" lang="en-GB" sz="1800" spc="-1" strike="noStrike">
-              <a:solidFill>
-                <a:srgbClr val="000000"/>
-              </a:solidFill>
-              <a:latin typeface="Arial"/>
-            </a:endParaRPr>
-          </a:p>
-          <a:p>
-            <a:pPr lvl="6" marL="3024000" indent="-216000">
-              <a:spcBef>
-                <a:spcPts val="283"/>
-              </a:spcBef>
-              <a:buClr>
-                <a:srgbClr val="000000"/>
-              </a:buClr>
-              <a:buSzPct val="45000"/>
-              <a:buFont typeface="Wingdings" charset="2"/>
-              <a:buChar char=""/>
-            </a:pPr>
-            <a:r>
-              <a:rPr b="0" lang="en-GB" sz="1800" spc="-1" strike="noStrike">
-                <a:solidFill>
-                  <a:srgbClr val="000000"/>
-                </a:solidFill>
-                <a:latin typeface="Arial"/>
-              </a:rPr>
-              <a:t>Seventh Outline Level</a:t>
-            </a:r>
-            <a:endParaRPr b="0" lang="en-GB" sz="1800" spc="-1" strike="noStrike">
               <a:solidFill>
                 <a:srgbClr val="000000"/>
               </a:solidFill>
@@ -11786,14 +10018,14 @@
       </p:grpSpPr>
       <p:sp>
         <p:nvSpPr>
-          <p:cNvPr id="95" name="CustomShape 1"/>
+          <p:cNvPr id="88" name="CustomShape 1"/>
           <p:cNvSpPr/>
           <p:nvPr/>
         </p:nvSpPr>
         <p:spPr>
           <a:xfrm>
             <a:off x="11444760" y="0"/>
-            <a:ext cx="727200" cy="6836040"/>
+            <a:ext cx="726840" cy="6835680"/>
           </a:xfrm>
           <a:prstGeom prst="rect">
             <a:avLst/>
@@ -11835,14 +10067,14 @@
       </p:sp>
       <p:sp>
         <p:nvSpPr>
-          <p:cNvPr id="96" name="CustomShape 2"/>
+          <p:cNvPr id="89" name="CustomShape 2"/>
           <p:cNvSpPr/>
           <p:nvPr/>
         </p:nvSpPr>
         <p:spPr>
           <a:xfrm>
             <a:off x="11438640" y="6453360"/>
-            <a:ext cx="744120" cy="363960"/>
+            <a:ext cx="743760" cy="363960"/>
           </a:xfrm>
           <a:prstGeom prst="rect">
             <a:avLst/>
@@ -11868,7 +10100,7 @@
                 <a:spcPct val="100000"/>
               </a:lnSpc>
             </a:pPr>
-            <a:fld id="{AC9E8779-4EEB-4B63-8276-8A39A95EBBF8}" type="slidenum">
+            <a:fld id="{281FAC29-2C32-4546-BC77-CB7D16F4C46F}" type="slidenum">
               <a:rPr b="0" lang="en-US" sz="1800" spc="-1" strike="noStrike">
                 <a:solidFill>
                   <a:srgbClr val="808080"/>
@@ -11876,7 +10108,7 @@
                 <a:latin typeface="Arial"/>
                 <a:ea typeface="DejaVu Sans"/>
               </a:rPr>
-              <a:t>&lt;number&gt;</a:t>
+              <a:t>16</a:t>
             </a:fld>
             <a:endParaRPr b="0" lang="en-GB" sz="1800" spc="-1" strike="noStrike">
               <a:solidFill>
@@ -11889,14 +10121,14 @@
       </p:sp>
       <p:sp>
         <p:nvSpPr>
-          <p:cNvPr id="97" name="CustomShape 3"/>
+          <p:cNvPr id="90" name="CustomShape 3"/>
           <p:cNvSpPr/>
           <p:nvPr/>
         </p:nvSpPr>
         <p:spPr>
           <a:xfrm>
             <a:off x="912240" y="1268280"/>
-            <a:ext cx="9194040" cy="347400"/>
+            <a:ext cx="9193680" cy="347040"/>
           </a:xfrm>
           <a:prstGeom prst="rect">
             <a:avLst/>
@@ -11934,7 +10166,7 @@
       </p:sp>
       <p:pic>
         <p:nvPicPr>
-          <p:cNvPr id="98" name="Picture 19" descr="Logo_TUC_de_RGB"/>
+          <p:cNvPr id="91" name="Picture 19" descr="Logo_TUC_de_RGB"/>
           <p:cNvPicPr/>
           <p:nvPr/>
         </p:nvPicPr>
@@ -11945,7 +10177,7 @@
         <p:spPr>
           <a:xfrm>
             <a:off x="0" y="0"/>
-            <a:ext cx="3038040" cy="547920"/>
+            <a:ext cx="3037680" cy="547560"/>
           </a:xfrm>
           <a:prstGeom prst="rect">
             <a:avLst/>
@@ -11957,7 +10189,7 @@
       </p:pic>
       <p:pic>
         <p:nvPicPr>
-          <p:cNvPr id="99" name="Grafik 2" descr=""/>
+          <p:cNvPr id="92" name="Grafik 2" descr=""/>
           <p:cNvPicPr/>
           <p:nvPr/>
         </p:nvPicPr>
@@ -11968,7 +10200,7 @@
         <p:spPr>
           <a:xfrm>
             <a:off x="7430400" y="134640"/>
-            <a:ext cx="3683880" cy="500040"/>
+            <a:ext cx="3683520" cy="499680"/>
           </a:xfrm>
           <a:prstGeom prst="rect">
             <a:avLst/>
@@ -11980,14 +10212,14 @@
       </p:pic>
       <p:sp>
         <p:nvSpPr>
-          <p:cNvPr id="100" name="CustomShape 4"/>
+          <p:cNvPr id="93" name="CustomShape 4"/>
           <p:cNvSpPr/>
           <p:nvPr/>
         </p:nvSpPr>
         <p:spPr>
           <a:xfrm>
             <a:off x="912240" y="1268280"/>
-            <a:ext cx="9194040" cy="347400"/>
+            <a:ext cx="9193680" cy="347040"/>
           </a:xfrm>
           <a:prstGeom prst="rect">
             <a:avLst/>
@@ -12025,14 +10257,14 @@
       </p:sp>
       <p:sp>
         <p:nvSpPr>
-          <p:cNvPr id="101" name="CustomShape 5"/>
+          <p:cNvPr id="94" name="CustomShape 5"/>
           <p:cNvSpPr/>
           <p:nvPr/>
         </p:nvSpPr>
         <p:spPr>
           <a:xfrm>
             <a:off x="11444760" y="0"/>
-            <a:ext cx="727200" cy="6836040"/>
+            <a:ext cx="726840" cy="6835680"/>
           </a:xfrm>
           <a:prstGeom prst="rect">
             <a:avLst/>
@@ -12074,14 +10306,14 @@
       </p:sp>
       <p:sp>
         <p:nvSpPr>
-          <p:cNvPr id="102" name="CustomShape 6"/>
+          <p:cNvPr id="95" name="CustomShape 6"/>
           <p:cNvSpPr/>
           <p:nvPr/>
         </p:nvSpPr>
         <p:spPr>
           <a:xfrm>
             <a:off x="0" y="6642720"/>
-            <a:ext cx="12170160" cy="211320"/>
+            <a:ext cx="12169800" cy="211320"/>
           </a:xfrm>
           <a:prstGeom prst="rect">
             <a:avLst/>
@@ -12128,7 +10360,7 @@
       </p:sp>
       <p:sp>
         <p:nvSpPr>
-          <p:cNvPr id="103" name="PlaceHolder 1"/>
+          <p:cNvPr id="96" name="PlaceHolder 1"/>
           <p:cNvSpPr>
             <a:spLocks noGrp="1"/>
           </p:cNvSpPr>
@@ -12177,7 +10409,7 @@
       </p:sp>
       <p:sp>
         <p:nvSpPr>
-          <p:cNvPr id="104" name="PlaceHolder 2"/>
+          <p:cNvPr id="97" name="PlaceHolder 2"/>
           <p:cNvSpPr>
             <a:spLocks noGrp="1"/>
           </p:cNvSpPr>
@@ -12435,14 +10667,14 @@
       </p:grpSpPr>
       <p:sp>
         <p:nvSpPr>
-          <p:cNvPr id="105" name="CustomShape 1"/>
+          <p:cNvPr id="98" name="CustomShape 1"/>
           <p:cNvSpPr/>
           <p:nvPr/>
         </p:nvSpPr>
         <p:spPr>
           <a:xfrm>
             <a:off x="11444760" y="0"/>
-            <a:ext cx="727200" cy="6836040"/>
+            <a:ext cx="726840" cy="6835680"/>
           </a:xfrm>
           <a:prstGeom prst="rect">
             <a:avLst/>
@@ -12484,14 +10716,14 @@
       </p:sp>
       <p:sp>
         <p:nvSpPr>
-          <p:cNvPr id="106" name="CustomShape 2"/>
+          <p:cNvPr id="99" name="CustomShape 2"/>
           <p:cNvSpPr/>
           <p:nvPr/>
         </p:nvSpPr>
         <p:spPr>
           <a:xfrm>
             <a:off x="11438640" y="6453360"/>
-            <a:ext cx="744120" cy="363960"/>
+            <a:ext cx="743760" cy="363960"/>
           </a:xfrm>
           <a:prstGeom prst="rect">
             <a:avLst/>
@@ -12517,7 +10749,7 @@
                 <a:spcPct val="100000"/>
               </a:lnSpc>
             </a:pPr>
-            <a:fld id="{8131C1AD-0D33-434D-863A-8AAB9CA6E71C}" type="slidenum">
+            <a:fld id="{6D5C91A8-713B-4E81-9B8D-2753F3B6BD5C}" type="slidenum">
               <a:rPr b="0" lang="en-US" sz="1800" spc="-1" strike="noStrike">
                 <a:solidFill>
                   <a:srgbClr val="808080"/>
@@ -12525,7 +10757,7 @@
                 <a:latin typeface="Arial"/>
                 <a:ea typeface="DejaVu Sans"/>
               </a:rPr>
-              <a:t>&lt;number&gt;</a:t>
+              <a:t>16</a:t>
             </a:fld>
             <a:endParaRPr b="0" lang="en-GB" sz="1800" spc="-1" strike="noStrike">
               <a:solidFill>
@@ -12538,14 +10770,14 @@
       </p:sp>
       <p:sp>
         <p:nvSpPr>
-          <p:cNvPr id="107" name="CustomShape 3"/>
+          <p:cNvPr id="100" name="CustomShape 3"/>
           <p:cNvSpPr/>
           <p:nvPr/>
         </p:nvSpPr>
         <p:spPr>
           <a:xfrm>
             <a:off x="912240" y="1268280"/>
-            <a:ext cx="9194040" cy="347400"/>
+            <a:ext cx="9193680" cy="347040"/>
           </a:xfrm>
           <a:prstGeom prst="rect">
             <a:avLst/>
@@ -12583,7 +10815,7 @@
       </p:sp>
       <p:pic>
         <p:nvPicPr>
-          <p:cNvPr id="108" name="Picture 19" descr="Logo_TUC_de_RGB"/>
+          <p:cNvPr id="101" name="Picture 19" descr="Logo_TUC_de_RGB"/>
           <p:cNvPicPr/>
           <p:nvPr/>
         </p:nvPicPr>
@@ -12594,7 +10826,7 @@
         <p:spPr>
           <a:xfrm>
             <a:off x="0" y="0"/>
-            <a:ext cx="3038040" cy="547920"/>
+            <a:ext cx="3037680" cy="547560"/>
           </a:xfrm>
           <a:prstGeom prst="rect">
             <a:avLst/>
@@ -12606,7 +10838,7 @@
       </p:pic>
       <p:pic>
         <p:nvPicPr>
-          <p:cNvPr id="109" name="Grafik 2" descr=""/>
+          <p:cNvPr id="102" name="Grafik 2" descr=""/>
           <p:cNvPicPr/>
           <p:nvPr/>
         </p:nvPicPr>
@@ -12617,7 +10849,7 @@
         <p:spPr>
           <a:xfrm>
             <a:off x="7430400" y="134640"/>
-            <a:ext cx="3683880" cy="500040"/>
+            <a:ext cx="3683520" cy="499680"/>
           </a:xfrm>
           <a:prstGeom prst="rect">
             <a:avLst/>
@@ -12629,14 +10861,14 @@
       </p:pic>
       <p:sp>
         <p:nvSpPr>
-          <p:cNvPr id="110" name="CustomShape 4"/>
+          <p:cNvPr id="103" name="CustomShape 4"/>
           <p:cNvSpPr/>
           <p:nvPr/>
         </p:nvSpPr>
         <p:spPr>
           <a:xfrm>
             <a:off x="912240" y="1268280"/>
-            <a:ext cx="9194040" cy="347400"/>
+            <a:ext cx="9193680" cy="347040"/>
           </a:xfrm>
           <a:prstGeom prst="rect">
             <a:avLst/>
@@ -12674,14 +10906,14 @@
       </p:sp>
       <p:sp>
         <p:nvSpPr>
-          <p:cNvPr id="111" name="CustomShape 5"/>
+          <p:cNvPr id="104" name="CustomShape 5"/>
           <p:cNvSpPr/>
           <p:nvPr/>
         </p:nvSpPr>
         <p:spPr>
           <a:xfrm>
             <a:off x="11444760" y="0"/>
-            <a:ext cx="727200" cy="6836040"/>
+            <a:ext cx="726840" cy="6835680"/>
           </a:xfrm>
           <a:prstGeom prst="rect">
             <a:avLst/>
@@ -12723,14 +10955,14 @@
       </p:sp>
       <p:sp>
         <p:nvSpPr>
-          <p:cNvPr id="112" name="CustomShape 6"/>
+          <p:cNvPr id="105" name="CustomShape 6"/>
           <p:cNvSpPr/>
           <p:nvPr/>
         </p:nvSpPr>
         <p:spPr>
           <a:xfrm>
             <a:off x="0" y="6642720"/>
-            <a:ext cx="12170160" cy="211320"/>
+            <a:ext cx="12169800" cy="211320"/>
           </a:xfrm>
           <a:prstGeom prst="rect">
             <a:avLst/>
@@ -12777,7 +11009,7 @@
       </p:sp>
       <p:sp>
         <p:nvSpPr>
-          <p:cNvPr id="113" name="PlaceHolder 1"/>
+          <p:cNvPr id="106" name="PlaceHolder 1"/>
           <p:cNvSpPr>
             <a:spLocks noGrp="1"/>
           </p:cNvSpPr>
@@ -12814,6 +11046,231 @@
                 <a:latin typeface="Arial"/>
               </a:rPr>
               <a:t>Click to edit the title text format</a:t>
+            </a:r>
+            <a:endParaRPr b="0" lang="en-GB" sz="1800" spc="-1" strike="noStrike">
+              <a:solidFill>
+                <a:srgbClr val="000000"/>
+              </a:solidFill>
+              <a:latin typeface="Arial"/>
+            </a:endParaRPr>
+          </a:p>
+        </p:txBody>
+      </p:sp>
+      <p:sp>
+        <p:nvSpPr>
+          <p:cNvPr id="107" name="PlaceHolder 2"/>
+          <p:cNvSpPr>
+            <a:spLocks noGrp="1"/>
+          </p:cNvSpPr>
+          <p:nvPr>
+            <p:ph type="body"/>
+          </p:nvPr>
+        </p:nvSpPr>
+        <p:spPr>
+          <a:xfrm>
+            <a:off x="609480" y="1604520"/>
+            <a:ext cx="10972080" cy="3976920"/>
+          </a:xfrm>
+          <a:prstGeom prst="rect">
+            <a:avLst/>
+          </a:prstGeom>
+          <a:noFill/>
+          <a:ln w="0">
+            <a:noFill/>
+          </a:ln>
+        </p:spPr>
+        <p:txBody>
+          <a:bodyPr lIns="0" rIns="0" tIns="0" bIns="0" anchor="t">
+            <a:normAutofit/>
+          </a:bodyPr>
+          <a:p>
+            <a:pPr marL="432000" indent="-324000">
+              <a:spcBef>
+                <a:spcPts val="1417"/>
+              </a:spcBef>
+              <a:buClr>
+                <a:srgbClr val="000000"/>
+              </a:buClr>
+              <a:buSzPct val="45000"/>
+              <a:buFont typeface="Wingdings" charset="2"/>
+              <a:buChar char=""/>
+            </a:pPr>
+            <a:r>
+              <a:rPr b="0" lang="en-GB" sz="1800" spc="-1" strike="noStrike">
+                <a:solidFill>
+                  <a:srgbClr val="000000"/>
+                </a:solidFill>
+                <a:latin typeface="Arial"/>
+              </a:rPr>
+              <a:t>Click to edit the outline text format</a:t>
+            </a:r>
+            <a:endParaRPr b="0" lang="en-GB" sz="1800" spc="-1" strike="noStrike">
+              <a:solidFill>
+                <a:srgbClr val="000000"/>
+              </a:solidFill>
+              <a:latin typeface="Arial"/>
+            </a:endParaRPr>
+          </a:p>
+          <a:p>
+            <a:pPr lvl="1" marL="864000" indent="-324000">
+              <a:spcBef>
+                <a:spcPts val="1134"/>
+              </a:spcBef>
+              <a:buClr>
+                <a:srgbClr val="000000"/>
+              </a:buClr>
+              <a:buSzPct val="75000"/>
+              <a:buFont typeface="Symbol" charset="2"/>
+              <a:buChar char=""/>
+            </a:pPr>
+            <a:r>
+              <a:rPr b="0" lang="en-GB" sz="1800" spc="-1" strike="noStrike">
+                <a:solidFill>
+                  <a:srgbClr val="000000"/>
+                </a:solidFill>
+                <a:latin typeface="Arial"/>
+              </a:rPr>
+              <a:t>Second Outline Level</a:t>
+            </a:r>
+            <a:endParaRPr b="0" lang="en-GB" sz="1800" spc="-1" strike="noStrike">
+              <a:solidFill>
+                <a:srgbClr val="000000"/>
+              </a:solidFill>
+              <a:latin typeface="Arial"/>
+            </a:endParaRPr>
+          </a:p>
+          <a:p>
+            <a:pPr lvl="2" marL="1296000" indent="-288000">
+              <a:spcBef>
+                <a:spcPts val="850"/>
+              </a:spcBef>
+              <a:buClr>
+                <a:srgbClr val="000000"/>
+              </a:buClr>
+              <a:buSzPct val="45000"/>
+              <a:buFont typeface="Wingdings" charset="2"/>
+              <a:buChar char=""/>
+            </a:pPr>
+            <a:r>
+              <a:rPr b="0" lang="en-GB" sz="1800" spc="-1" strike="noStrike">
+                <a:solidFill>
+                  <a:srgbClr val="000000"/>
+                </a:solidFill>
+                <a:latin typeface="Arial"/>
+              </a:rPr>
+              <a:t>Third Outline Level</a:t>
+            </a:r>
+            <a:endParaRPr b="0" lang="en-GB" sz="1800" spc="-1" strike="noStrike">
+              <a:solidFill>
+                <a:srgbClr val="000000"/>
+              </a:solidFill>
+              <a:latin typeface="Arial"/>
+            </a:endParaRPr>
+          </a:p>
+          <a:p>
+            <a:pPr lvl="3" marL="1728000" indent="-216000">
+              <a:spcBef>
+                <a:spcPts val="567"/>
+              </a:spcBef>
+              <a:buClr>
+                <a:srgbClr val="000000"/>
+              </a:buClr>
+              <a:buSzPct val="75000"/>
+              <a:buFont typeface="Symbol" charset="2"/>
+              <a:buChar char=""/>
+            </a:pPr>
+            <a:r>
+              <a:rPr b="0" lang="en-GB" sz="1800" spc="-1" strike="noStrike">
+                <a:solidFill>
+                  <a:srgbClr val="000000"/>
+                </a:solidFill>
+                <a:latin typeface="Arial"/>
+              </a:rPr>
+              <a:t>Fourth Outline Level</a:t>
+            </a:r>
+            <a:endParaRPr b="0" lang="en-GB" sz="1800" spc="-1" strike="noStrike">
+              <a:solidFill>
+                <a:srgbClr val="000000"/>
+              </a:solidFill>
+              <a:latin typeface="Arial"/>
+            </a:endParaRPr>
+          </a:p>
+          <a:p>
+            <a:pPr lvl="4" marL="2160000" indent="-216000">
+              <a:spcBef>
+                <a:spcPts val="283"/>
+              </a:spcBef>
+              <a:buClr>
+                <a:srgbClr val="000000"/>
+              </a:buClr>
+              <a:buSzPct val="45000"/>
+              <a:buFont typeface="Wingdings" charset="2"/>
+              <a:buChar char=""/>
+            </a:pPr>
+            <a:r>
+              <a:rPr b="0" lang="en-GB" sz="1800" spc="-1" strike="noStrike">
+                <a:solidFill>
+                  <a:srgbClr val="000000"/>
+                </a:solidFill>
+                <a:latin typeface="Arial"/>
+              </a:rPr>
+              <a:t>Fifth Outline Level</a:t>
+            </a:r>
+            <a:endParaRPr b="0" lang="en-GB" sz="1800" spc="-1" strike="noStrike">
+              <a:solidFill>
+                <a:srgbClr val="000000"/>
+              </a:solidFill>
+              <a:latin typeface="Arial"/>
+            </a:endParaRPr>
+          </a:p>
+          <a:p>
+            <a:pPr lvl="5" marL="2592000" indent="-216000">
+              <a:spcBef>
+                <a:spcPts val="283"/>
+              </a:spcBef>
+              <a:buClr>
+                <a:srgbClr val="000000"/>
+              </a:buClr>
+              <a:buSzPct val="45000"/>
+              <a:buFont typeface="Wingdings" charset="2"/>
+              <a:buChar char=""/>
+            </a:pPr>
+            <a:r>
+              <a:rPr b="0" lang="en-GB" sz="1800" spc="-1" strike="noStrike">
+                <a:solidFill>
+                  <a:srgbClr val="000000"/>
+                </a:solidFill>
+                <a:latin typeface="Arial"/>
+              </a:rPr>
+              <a:t>Sixth Outline Level</a:t>
+            </a:r>
+            <a:endParaRPr b="0" lang="en-GB" sz="1800" spc="-1" strike="noStrike">
+              <a:solidFill>
+                <a:srgbClr val="000000"/>
+              </a:solidFill>
+              <a:latin typeface="Arial"/>
+            </a:endParaRPr>
+          </a:p>
+          <a:p>
+            <a:pPr lvl="6" marL="3024000" indent="-216000">
+              <a:spcBef>
+                <a:spcPts val="283"/>
+              </a:spcBef>
+              <a:buClr>
+                <a:srgbClr val="000000"/>
+              </a:buClr>
+              <a:buSzPct val="45000"/>
+              <a:buFont typeface="Wingdings" charset="2"/>
+              <a:buChar char=""/>
+            </a:pPr>
+            <a:r>
+              <a:rPr b="0" lang="en-GB" sz="1800" spc="-1" strike="noStrike">
+                <a:solidFill>
+                  <a:srgbClr val="000000"/>
+                </a:solidFill>
+                <a:latin typeface="Arial"/>
+              </a:rPr>
+              <a:t>Seventh Outline Level</a:t>
             </a:r>
             <a:endParaRPr b="0" lang="en-GB" sz="1800" spc="-1" strike="noStrike">
               <a:solidFill>
@@ -12859,14 +11316,14 @@
       </p:grpSpPr>
       <p:sp>
         <p:nvSpPr>
-          <p:cNvPr id="116" name="CustomShape 1"/>
+          <p:cNvPr id="110" name="CustomShape 1"/>
           <p:cNvSpPr/>
           <p:nvPr/>
         </p:nvSpPr>
         <p:spPr>
           <a:xfrm>
             <a:off x="11444760" y="0"/>
-            <a:ext cx="727200" cy="6836040"/>
+            <a:ext cx="726840" cy="6835680"/>
           </a:xfrm>
           <a:prstGeom prst="rect">
             <a:avLst/>
@@ -12908,14 +11365,14 @@
       </p:sp>
       <p:sp>
         <p:nvSpPr>
-          <p:cNvPr id="117" name="CustomShape 2"/>
+          <p:cNvPr id="111" name="CustomShape 2"/>
           <p:cNvSpPr/>
           <p:nvPr/>
         </p:nvSpPr>
         <p:spPr>
           <a:xfrm>
             <a:off x="11438640" y="6453360"/>
-            <a:ext cx="744120" cy="363960"/>
+            <a:ext cx="743760" cy="363960"/>
           </a:xfrm>
           <a:prstGeom prst="rect">
             <a:avLst/>
@@ -12941,7 +11398,7 @@
                 <a:spcPct val="100000"/>
               </a:lnSpc>
             </a:pPr>
-            <a:fld id="{6EAEA0BC-512D-4313-A80A-D73FA580073A}" type="slidenum">
+            <a:fld id="{C6FE71E6-7B62-45D3-86B7-420051F89737}" type="slidenum">
               <a:rPr b="0" lang="en-US" sz="1800" spc="-1" strike="noStrike">
                 <a:solidFill>
                   <a:srgbClr val="808080"/>
@@ -12949,7 +11406,7 @@
                 <a:latin typeface="Arial"/>
                 <a:ea typeface="DejaVu Sans"/>
               </a:rPr>
-              <a:t>&lt;number&gt;</a:t>
+              <a:t>16</a:t>
             </a:fld>
             <a:endParaRPr b="0" lang="en-GB" sz="1800" spc="-1" strike="noStrike">
               <a:solidFill>
@@ -12962,14 +11419,14 @@
       </p:sp>
       <p:sp>
         <p:nvSpPr>
-          <p:cNvPr id="118" name="CustomShape 3"/>
+          <p:cNvPr id="112" name="CustomShape 3"/>
           <p:cNvSpPr/>
           <p:nvPr/>
         </p:nvSpPr>
         <p:spPr>
           <a:xfrm>
             <a:off x="912240" y="1268280"/>
-            <a:ext cx="9194040" cy="347400"/>
+            <a:ext cx="9193680" cy="347040"/>
           </a:xfrm>
           <a:prstGeom prst="rect">
             <a:avLst/>
@@ -13007,7 +11464,7 @@
       </p:sp>
       <p:pic>
         <p:nvPicPr>
-          <p:cNvPr id="119" name="Picture 19" descr="Logo_TUC_de_RGB"/>
+          <p:cNvPr id="113" name="Picture 19" descr="Logo_TUC_de_RGB"/>
           <p:cNvPicPr/>
           <p:nvPr/>
         </p:nvPicPr>
@@ -13018,7 +11475,7 @@
         <p:spPr>
           <a:xfrm>
             <a:off x="0" y="0"/>
-            <a:ext cx="3038040" cy="547920"/>
+            <a:ext cx="3037680" cy="547560"/>
           </a:xfrm>
           <a:prstGeom prst="rect">
             <a:avLst/>
@@ -13030,7 +11487,7 @@
       </p:pic>
       <p:pic>
         <p:nvPicPr>
-          <p:cNvPr id="120" name="Grafik 2" descr=""/>
+          <p:cNvPr id="114" name="Grafik 2" descr=""/>
           <p:cNvPicPr/>
           <p:nvPr/>
         </p:nvPicPr>
@@ -13041,7 +11498,7 @@
         <p:spPr>
           <a:xfrm>
             <a:off x="7430400" y="134640"/>
-            <a:ext cx="3683880" cy="500040"/>
+            <a:ext cx="3683520" cy="499680"/>
           </a:xfrm>
           <a:prstGeom prst="rect">
             <a:avLst/>
@@ -13053,14 +11510,14 @@
       </p:pic>
       <p:sp>
         <p:nvSpPr>
-          <p:cNvPr id="121" name="CustomShape 4"/>
+          <p:cNvPr id="115" name="CustomShape 4"/>
           <p:cNvSpPr/>
           <p:nvPr/>
         </p:nvSpPr>
         <p:spPr>
           <a:xfrm>
             <a:off x="912240" y="1268280"/>
-            <a:ext cx="9194040" cy="347400"/>
+            <a:ext cx="9193680" cy="347040"/>
           </a:xfrm>
           <a:prstGeom prst="rect">
             <a:avLst/>
@@ -13098,14 +11555,14 @@
       </p:sp>
       <p:sp>
         <p:nvSpPr>
-          <p:cNvPr id="122" name="CustomShape 5"/>
+          <p:cNvPr id="116" name="CustomShape 5"/>
           <p:cNvSpPr/>
           <p:nvPr/>
         </p:nvSpPr>
         <p:spPr>
           <a:xfrm>
             <a:off x="11444760" y="0"/>
-            <a:ext cx="727200" cy="6836040"/>
+            <a:ext cx="726840" cy="6835680"/>
           </a:xfrm>
           <a:prstGeom prst="rect">
             <a:avLst/>
@@ -13147,14 +11604,14 @@
       </p:sp>
       <p:sp>
         <p:nvSpPr>
-          <p:cNvPr id="123" name="CustomShape 6"/>
+          <p:cNvPr id="117" name="CustomShape 6"/>
           <p:cNvSpPr/>
           <p:nvPr/>
         </p:nvSpPr>
         <p:spPr>
           <a:xfrm>
             <a:off x="0" y="6642720"/>
-            <a:ext cx="12170160" cy="211320"/>
+            <a:ext cx="12169800" cy="211320"/>
           </a:xfrm>
           <a:prstGeom prst="rect">
             <a:avLst/>
@@ -13201,7 +11658,7 @@
       </p:sp>
       <p:sp>
         <p:nvSpPr>
-          <p:cNvPr id="124" name="PlaceHolder 1"/>
+          <p:cNvPr id="118" name="PlaceHolder 1"/>
           <p:cNvSpPr>
             <a:spLocks noGrp="1"/>
           </p:cNvSpPr>
@@ -13250,7 +11707,7 @@
       </p:sp>
       <p:sp>
         <p:nvSpPr>
-          <p:cNvPr id="125" name="PlaceHolder 2"/>
+          <p:cNvPr id="119" name="PlaceHolder 2"/>
           <p:cNvSpPr>
             <a:spLocks noGrp="1"/>
           </p:cNvSpPr>
@@ -13501,14 +11958,14 @@
       </p:grpSpPr>
       <p:sp>
         <p:nvSpPr>
-          <p:cNvPr id="160" name="CustomShape 1"/>
+          <p:cNvPr id="154" name="CustomShape 1"/>
           <p:cNvSpPr/>
           <p:nvPr/>
         </p:nvSpPr>
         <p:spPr>
           <a:xfrm>
             <a:off x="527400" y="1412640"/>
-            <a:ext cx="10347120" cy="1133640"/>
+            <a:ext cx="10346760" cy="1133280"/>
           </a:xfrm>
           <a:prstGeom prst="rect">
             <a:avLst/>
@@ -13555,14 +12012,14 @@
       </p:sp>
       <p:sp>
         <p:nvSpPr>
-          <p:cNvPr id="161" name="CustomShape 2"/>
+          <p:cNvPr id="155" name="CustomShape 2"/>
           <p:cNvSpPr/>
           <p:nvPr/>
         </p:nvSpPr>
         <p:spPr>
           <a:xfrm>
             <a:off x="527400" y="2852640"/>
-            <a:ext cx="10347120" cy="2354400"/>
+            <a:ext cx="10346760" cy="2354040"/>
           </a:xfrm>
           <a:prstGeom prst="rect">
             <a:avLst/>
@@ -13650,26 +12107,7 @@
             </a:endParaRPr>
           </a:p>
           <a:p>
-            <a:pPr algn="ctr">
-              <a:lnSpc>
-                <a:spcPct val="100000"/>
-              </a:lnSpc>
-              <a:spcBef>
-                <a:spcPts val="241"/>
-              </a:spcBef>
-              <a:tabLst>
-                <a:tab algn="l" pos="0"/>
-              </a:tabLst>
-            </a:pPr>
-            <a:endParaRPr b="0" lang="en-GB" sz="2400" spc="-1" strike="noStrike">
-              <a:solidFill>
-                <a:srgbClr val="000000"/>
-              </a:solidFill>
-              <a:latin typeface="Arial"/>
-            </a:endParaRPr>
-          </a:p>
-          <a:p>
-            <a:pPr algn="ctr">
+            <a:pPr algn="ctr" defTabSz="914400">
               <a:lnSpc>
                 <a:spcPct val="100000"/>
               </a:lnSpc>
@@ -13718,6 +12156,45 @@
                 <a:ea typeface="DejaVu Sans"/>
               </a:rPr>
               <a:t>M.Sc. Anant Sujatanagarjuna</a:t>
+            </a:r>
+            <a:endParaRPr b="0" lang="en-GB" sz="1600" spc="-1" strike="noStrike">
+              <a:solidFill>
+                <a:srgbClr val="000000"/>
+              </a:solidFill>
+              <a:latin typeface="Arial"/>
+            </a:endParaRPr>
+          </a:p>
+          <a:p>
+            <a:pPr algn="ctr" defTabSz="914400">
+              <a:lnSpc>
+                <a:spcPct val="100000"/>
+              </a:lnSpc>
+              <a:spcBef>
+                <a:spcPts val="320"/>
+              </a:spcBef>
+              <a:tabLst>
+                <a:tab algn="l" pos="0"/>
+              </a:tabLst>
+            </a:pPr>
+            <a:r>
+              <a:rPr b="0" lang="en-US" sz="1600" spc="-1" strike="noStrike">
+                <a:solidFill>
+                  <a:srgbClr val="000000"/>
+                </a:solidFill>
+                <a:latin typeface="DejaVu Sans"/>
+                <a:ea typeface="DejaVu Sans"/>
+              </a:rPr>
+              <a:t> </a:t>
+            </a:r>
+            <a:r>
+              <a:rPr b="0" lang="en-US" sz="1600" spc="-1" strike="noStrike">
+                <a:solidFill>
+                  <a:srgbClr val="000000"/>
+                </a:solidFill>
+                <a:latin typeface="DejaVu Sans"/>
+                <a:ea typeface="DejaVu Sans"/>
+              </a:rPr>
+              <a:t>M.Sc. Nelly Nicaise Nyeck Mbialeu</a:t>
             </a:r>
             <a:endParaRPr b="0" lang="en-GB" sz="1600" spc="-1" strike="noStrike">
               <a:solidFill>
@@ -13760,14 +12237,14 @@
       </p:grpSpPr>
       <p:sp>
         <p:nvSpPr>
-          <p:cNvPr id="206" name="CustomShape 1"/>
+          <p:cNvPr id="200" name="CustomShape 1"/>
           <p:cNvSpPr/>
           <p:nvPr/>
         </p:nvSpPr>
         <p:spPr>
           <a:xfrm>
             <a:off x="335520" y="764640"/>
-            <a:ext cx="10739160" cy="489960"/>
+            <a:ext cx="10738800" cy="489600"/>
           </a:xfrm>
           <a:prstGeom prst="rect">
             <a:avLst/>
@@ -13814,14 +12291,14 @@
       </p:sp>
       <p:sp>
         <p:nvSpPr>
-          <p:cNvPr id="207" name="CustomShape 2"/>
+          <p:cNvPr id="201" name="CustomShape 2"/>
           <p:cNvSpPr/>
           <p:nvPr/>
         </p:nvSpPr>
         <p:spPr>
           <a:xfrm>
             <a:off x="335520" y="1267560"/>
-            <a:ext cx="10739160" cy="5026680"/>
+            <a:ext cx="10738800" cy="5026320"/>
           </a:xfrm>
           <a:prstGeom prst="rect">
             <a:avLst/>
@@ -13877,7 +12354,7 @@
       </p:sp>
       <p:pic>
         <p:nvPicPr>
-          <p:cNvPr id="208" name="Inhaltsplatzhalter 5_1" descr=""/>
+          <p:cNvPr id="202" name="Inhaltsplatzhalter 5_1" descr=""/>
           <p:cNvPicPr/>
           <p:nvPr/>
         </p:nvPicPr>
@@ -13888,7 +12365,7 @@
         <p:spPr>
           <a:xfrm>
             <a:off x="3885480" y="1632960"/>
-            <a:ext cx="4406400" cy="4490280"/>
+            <a:ext cx="4406040" cy="4489920"/>
           </a:xfrm>
           <a:prstGeom prst="rect">
             <a:avLst/>
@@ -13905,14 +12382,14 @@
       </p:pic>
       <p:sp>
         <p:nvSpPr>
-          <p:cNvPr id="209" name="CustomShape 3"/>
+          <p:cNvPr id="203" name="CustomShape 3"/>
           <p:cNvSpPr/>
           <p:nvPr/>
         </p:nvSpPr>
         <p:spPr>
           <a:xfrm>
             <a:off x="263520" y="6411600"/>
-            <a:ext cx="10241640" cy="382680"/>
+            <a:ext cx="10241280" cy="382680"/>
           </a:xfrm>
           <a:prstGeom prst="rect">
             <a:avLst/>
@@ -13981,14 +12458,14 @@
       </p:sp>
       <p:sp>
         <p:nvSpPr>
-          <p:cNvPr id="210" name="CustomShape 4"/>
+          <p:cNvPr id="204" name="CustomShape 4"/>
           <p:cNvSpPr/>
           <p:nvPr/>
         </p:nvSpPr>
         <p:spPr>
           <a:xfrm>
             <a:off x="432720" y="1148040"/>
-            <a:ext cx="10339920" cy="480600"/>
+            <a:ext cx="10339560" cy="480240"/>
           </a:xfrm>
           <a:prstGeom prst="rect">
             <a:avLst/>
@@ -14065,14 +12542,14 @@
       </p:grpSpPr>
       <p:sp>
         <p:nvSpPr>
-          <p:cNvPr id="211" name="CustomShape 1"/>
+          <p:cNvPr id="205" name="CustomShape 1"/>
           <p:cNvSpPr/>
           <p:nvPr/>
         </p:nvSpPr>
         <p:spPr>
           <a:xfrm>
             <a:off x="335520" y="764640"/>
-            <a:ext cx="10739160" cy="489960"/>
+            <a:ext cx="10738800" cy="489600"/>
           </a:xfrm>
           <a:prstGeom prst="rect">
             <a:avLst/>
@@ -14119,14 +12596,14 @@
       </p:sp>
       <p:sp>
         <p:nvSpPr>
-          <p:cNvPr id="212" name="CustomShape 2"/>
+          <p:cNvPr id="206" name="CustomShape 2"/>
           <p:cNvSpPr/>
           <p:nvPr/>
         </p:nvSpPr>
         <p:spPr>
           <a:xfrm>
             <a:off x="335520" y="1268640"/>
-            <a:ext cx="10739160" cy="5026680"/>
+            <a:ext cx="10738800" cy="5026320"/>
           </a:xfrm>
           <a:prstGeom prst="rect">
             <a:avLst/>
@@ -14182,7 +12659,7 @@
       </p:sp>
       <p:pic>
         <p:nvPicPr>
-          <p:cNvPr id="213" name="Grafik 4_0" descr=""/>
+          <p:cNvPr id="207" name="Grafik 4_0" descr=""/>
           <p:cNvPicPr/>
           <p:nvPr/>
         </p:nvPicPr>
@@ -14193,7 +12670,7 @@
         <p:spPr>
           <a:xfrm>
             <a:off x="1128960" y="1847520"/>
-            <a:ext cx="4952880" cy="3560400"/>
+            <a:ext cx="4952520" cy="3560040"/>
           </a:xfrm>
           <a:prstGeom prst="rect">
             <a:avLst/>
@@ -14205,7 +12682,7 @@
       </p:pic>
       <p:pic>
         <p:nvPicPr>
-          <p:cNvPr id="214" name="Grafik 4_3" descr=""/>
+          <p:cNvPr id="208" name="Grafik 4_3" descr=""/>
           <p:cNvPicPr/>
           <p:nvPr/>
         </p:nvPicPr>
@@ -14216,7 +12693,7 @@
         <p:spPr>
           <a:xfrm>
             <a:off x="6732360" y="1434960"/>
-            <a:ext cx="3461400" cy="4398840"/>
+            <a:ext cx="3461040" cy="4398480"/>
           </a:xfrm>
           <a:prstGeom prst="rect">
             <a:avLst/>
@@ -14228,14 +12705,14 @@
       </p:pic>
       <p:sp>
         <p:nvSpPr>
-          <p:cNvPr id="215" name="CustomShape 3"/>
+          <p:cNvPr id="209" name="CustomShape 3"/>
           <p:cNvSpPr/>
           <p:nvPr/>
         </p:nvSpPr>
         <p:spPr>
           <a:xfrm>
             <a:off x="432720" y="1148040"/>
-            <a:ext cx="10339920" cy="480600"/>
+            <a:ext cx="10339560" cy="480240"/>
           </a:xfrm>
           <a:prstGeom prst="rect">
             <a:avLst/>
@@ -14312,14 +12789,14 @@
       </p:grpSpPr>
       <p:sp>
         <p:nvSpPr>
-          <p:cNvPr id="216" name="CustomShape 1"/>
+          <p:cNvPr id="210" name="CustomShape 1"/>
           <p:cNvSpPr/>
           <p:nvPr/>
         </p:nvSpPr>
         <p:spPr>
           <a:xfrm>
             <a:off x="335520" y="764640"/>
-            <a:ext cx="10739160" cy="489960"/>
+            <a:ext cx="10738800" cy="489600"/>
           </a:xfrm>
           <a:prstGeom prst="rect">
             <a:avLst/>
@@ -14366,14 +12843,14 @@
       </p:sp>
       <p:sp>
         <p:nvSpPr>
-          <p:cNvPr id="217" name="CustomShape 2"/>
+          <p:cNvPr id="211" name="CustomShape 2"/>
           <p:cNvSpPr/>
           <p:nvPr/>
         </p:nvSpPr>
         <p:spPr>
           <a:xfrm>
             <a:off x="335520" y="1268640"/>
-            <a:ext cx="10739160" cy="5026680"/>
+            <a:ext cx="10738800" cy="5026320"/>
           </a:xfrm>
           <a:prstGeom prst="rect">
             <a:avLst/>
@@ -14429,14 +12906,14 @@
       </p:sp>
       <p:sp>
         <p:nvSpPr>
-          <p:cNvPr id="218" name="CustomShape 3"/>
+          <p:cNvPr id="212" name="CustomShape 3"/>
           <p:cNvSpPr/>
           <p:nvPr/>
         </p:nvSpPr>
         <p:spPr>
           <a:xfrm>
             <a:off x="3719880" y="2853000"/>
-            <a:ext cx="3960000" cy="1725120"/>
+            <a:ext cx="3959640" cy="1724760"/>
           </a:xfrm>
           <a:prstGeom prst="rect">
             <a:avLst/>
@@ -14491,14 +12968,14 @@
       </p:sp>
       <p:sp>
         <p:nvSpPr>
-          <p:cNvPr id="219" name="CustomShape 4"/>
+          <p:cNvPr id="213" name="CustomShape 4"/>
           <p:cNvSpPr/>
           <p:nvPr/>
         </p:nvSpPr>
         <p:spPr>
           <a:xfrm>
             <a:off x="432720" y="1148040"/>
-            <a:ext cx="10339920" cy="480600"/>
+            <a:ext cx="10339560" cy="480240"/>
           </a:xfrm>
           <a:prstGeom prst="rect">
             <a:avLst/>
@@ -14545,14 +13022,14 @@
       </p:sp>
       <p:sp>
         <p:nvSpPr>
-          <p:cNvPr id="220" name="CustomShape 5"/>
+          <p:cNvPr id="214" name="CustomShape 5"/>
           <p:cNvSpPr/>
           <p:nvPr/>
         </p:nvSpPr>
         <p:spPr>
           <a:xfrm>
             <a:off x="3749040" y="3574440"/>
-            <a:ext cx="3960000" cy="1725120"/>
+            <a:ext cx="3959640" cy="1724760"/>
           </a:xfrm>
           <a:prstGeom prst="rect">
             <a:avLst/>
@@ -14637,14 +13114,14 @@
       </p:grpSpPr>
       <p:sp>
         <p:nvSpPr>
-          <p:cNvPr id="221" name="CustomShape 1"/>
+          <p:cNvPr id="215" name="CustomShape 1"/>
           <p:cNvSpPr/>
           <p:nvPr/>
         </p:nvSpPr>
         <p:spPr>
           <a:xfrm>
             <a:off x="335520" y="4406760"/>
-            <a:ext cx="10729800" cy="1338840"/>
+            <a:ext cx="10729440" cy="1338480"/>
           </a:xfrm>
           <a:prstGeom prst="rect">
             <a:avLst/>
@@ -14691,14 +13168,14 @@
       </p:sp>
       <p:sp>
         <p:nvSpPr>
-          <p:cNvPr id="222" name="CustomShape 2"/>
+          <p:cNvPr id="216" name="CustomShape 2"/>
           <p:cNvSpPr/>
           <p:nvPr/>
         </p:nvSpPr>
         <p:spPr>
           <a:xfrm>
             <a:off x="335520" y="2906640"/>
-            <a:ext cx="10729800" cy="1476720"/>
+            <a:ext cx="10729440" cy="1476360"/>
           </a:xfrm>
           <a:prstGeom prst="rect">
             <a:avLst/>
@@ -14766,14 +13243,14 @@
       </p:grpSpPr>
       <p:sp>
         <p:nvSpPr>
-          <p:cNvPr id="223" name="CustomShape 1"/>
+          <p:cNvPr id="217" name="CustomShape 1"/>
           <p:cNvSpPr/>
           <p:nvPr/>
         </p:nvSpPr>
         <p:spPr>
           <a:xfrm>
             <a:off x="335520" y="764640"/>
-            <a:ext cx="10734480" cy="485280"/>
+            <a:ext cx="10734120" cy="484920"/>
           </a:xfrm>
           <a:prstGeom prst="rect">
             <a:avLst/>
@@ -14820,14 +13297,14 @@
       </p:sp>
       <p:sp>
         <p:nvSpPr>
-          <p:cNvPr id="224" name="CustomShape 2"/>
+          <p:cNvPr id="218" name="CustomShape 2"/>
           <p:cNvSpPr/>
           <p:nvPr/>
         </p:nvSpPr>
         <p:spPr>
           <a:xfrm>
             <a:off x="335520" y="1268280"/>
-            <a:ext cx="10734480" cy="5022000"/>
+            <a:ext cx="10734120" cy="5021640"/>
           </a:xfrm>
           <a:prstGeom prst="rect">
             <a:avLst/>
@@ -14986,14 +13463,14 @@
       </p:sp>
       <p:sp>
         <p:nvSpPr>
-          <p:cNvPr id="225" name="CustomShape 3"/>
+          <p:cNvPr id="219" name="CustomShape 3"/>
           <p:cNvSpPr/>
           <p:nvPr/>
         </p:nvSpPr>
         <p:spPr>
           <a:xfrm>
             <a:off x="432720" y="1148040"/>
-            <a:ext cx="10339920" cy="480600"/>
+            <a:ext cx="10339560" cy="480240"/>
           </a:xfrm>
           <a:prstGeom prst="rect">
             <a:avLst/>
@@ -15070,14 +13547,14 @@
       </p:grpSpPr>
       <p:sp>
         <p:nvSpPr>
-          <p:cNvPr id="226" name="CustomShape 1"/>
+          <p:cNvPr id="220" name="CustomShape 1"/>
           <p:cNvSpPr/>
           <p:nvPr/>
         </p:nvSpPr>
         <p:spPr>
           <a:xfrm>
             <a:off x="335520" y="764640"/>
-            <a:ext cx="10734480" cy="485280"/>
+            <a:ext cx="10734120" cy="484920"/>
           </a:xfrm>
           <a:prstGeom prst="rect">
             <a:avLst/>
@@ -15124,14 +13601,14 @@
       </p:sp>
       <p:sp>
         <p:nvSpPr>
-          <p:cNvPr id="227" name="CustomShape 2"/>
+          <p:cNvPr id="221" name="CustomShape 2"/>
           <p:cNvSpPr/>
           <p:nvPr/>
         </p:nvSpPr>
         <p:spPr>
           <a:xfrm>
             <a:off x="335520" y="1268280"/>
-            <a:ext cx="10734480" cy="5022000"/>
+            <a:ext cx="10734120" cy="5021640"/>
           </a:xfrm>
           <a:prstGeom prst="rect">
             <a:avLst/>
@@ -15296,14 +13773,14 @@
       </p:sp>
       <p:sp>
         <p:nvSpPr>
-          <p:cNvPr id="228" name="CustomShape 3"/>
+          <p:cNvPr id="222" name="CustomShape 3"/>
           <p:cNvSpPr/>
           <p:nvPr/>
         </p:nvSpPr>
         <p:spPr>
           <a:xfrm>
             <a:off x="432720" y="1148040"/>
-            <a:ext cx="10339920" cy="480600"/>
+            <a:ext cx="10339560" cy="480240"/>
           </a:xfrm>
           <a:prstGeom prst="rect">
             <a:avLst/>
@@ -15380,7 +13857,7 @@
       </p:grpSpPr>
       <p:pic>
         <p:nvPicPr>
-          <p:cNvPr id="229" name="Grafik 4" descr=""/>
+          <p:cNvPr id="223" name="Grafik 4" descr=""/>
           <p:cNvPicPr/>
           <p:nvPr/>
         </p:nvPicPr>
@@ -15392,7 +13869,7 @@
         <p:spPr>
           <a:xfrm>
             <a:off x="1800000" y="1260000"/>
-            <a:ext cx="9179640" cy="5408280"/>
+            <a:ext cx="9179280" cy="5407920"/>
           </a:xfrm>
           <a:prstGeom prst="rect">
             <a:avLst/>
@@ -15404,14 +13881,14 @@
       </p:pic>
       <p:sp>
         <p:nvSpPr>
-          <p:cNvPr id="230" name="CustomShape 1"/>
+          <p:cNvPr id="224" name="CustomShape 1"/>
           <p:cNvSpPr/>
           <p:nvPr/>
         </p:nvSpPr>
         <p:spPr>
           <a:xfrm>
             <a:off x="335520" y="764640"/>
-            <a:ext cx="10734480" cy="485280"/>
+            <a:ext cx="10734120" cy="484920"/>
           </a:xfrm>
           <a:prstGeom prst="rect">
             <a:avLst/>
@@ -15458,14 +13935,14 @@
       </p:sp>
       <p:sp>
         <p:nvSpPr>
-          <p:cNvPr id="231" name="CustomShape 3"/>
+          <p:cNvPr id="225" name="CustomShape 3"/>
           <p:cNvSpPr/>
           <p:nvPr/>
         </p:nvSpPr>
         <p:spPr>
           <a:xfrm>
             <a:off x="432720" y="1148040"/>
-            <a:ext cx="10339920" cy="480600"/>
+            <a:ext cx="10339560" cy="480240"/>
           </a:xfrm>
           <a:prstGeom prst="rect">
             <a:avLst/>
@@ -15542,14 +14019,14 @@
       </p:grpSpPr>
       <p:sp>
         <p:nvSpPr>
-          <p:cNvPr id="232" name="CustomShape 1"/>
+          <p:cNvPr id="226" name="CustomShape 1"/>
           <p:cNvSpPr/>
           <p:nvPr/>
         </p:nvSpPr>
         <p:spPr>
           <a:xfrm>
             <a:off x="335520" y="764640"/>
-            <a:ext cx="10734480" cy="485280"/>
+            <a:ext cx="10734120" cy="484920"/>
           </a:xfrm>
           <a:prstGeom prst="rect">
             <a:avLst/>
@@ -15596,7 +14073,7 @@
       </p:sp>
       <p:pic>
         <p:nvPicPr>
-          <p:cNvPr id="233" name="" descr=""/>
+          <p:cNvPr id="227" name="" descr=""/>
           <p:cNvPicPr/>
           <p:nvPr/>
         </p:nvPicPr>
@@ -15607,7 +14084,7 @@
         <p:spPr>
           <a:xfrm>
             <a:off x="0" y="1260000"/>
-            <a:ext cx="11748960" cy="5040000"/>
+            <a:ext cx="11748600" cy="5039640"/>
           </a:xfrm>
           <a:prstGeom prst="rect">
             <a:avLst/>
@@ -15619,14 +14096,14 @@
       </p:pic>
       <p:sp>
         <p:nvSpPr>
-          <p:cNvPr id="234" name="CustomShape 19"/>
+          <p:cNvPr id="228" name="CustomShape 19"/>
           <p:cNvSpPr/>
           <p:nvPr/>
         </p:nvSpPr>
         <p:spPr>
           <a:xfrm>
             <a:off x="263520" y="6300000"/>
-            <a:ext cx="10609920" cy="365400"/>
+            <a:ext cx="10609560" cy="364680"/>
           </a:xfrm>
           <a:prstGeom prst="rect">
             <a:avLst/>
@@ -15660,17 +14137,7 @@
                 <a:latin typeface="Roboto"/>
                 <a:ea typeface="Roboto"/>
               </a:rPr>
-              <a:t>The evolution of the planetary boundaries framework. Licenced under CC BY-NC-ND 3.0 (Credit: Azote for Stockholm Resilience Centre, Stockholm University. Based on Richardson et al. 2023, </a:t>
-            </a:r>
-            <a:r>
-              <a:rPr b="0" lang="en-US" sz="900" spc="-1" strike="noStrike">
-                <a:solidFill>
-                  <a:srgbClr val="a6a6a6"/>
-                </a:solidFill>
-                <a:latin typeface="Roboto"/>
-                <a:ea typeface="Roboto"/>
-              </a:rPr>
-              <a:t>Steffen et al. 2015, and Rockström et al. 2009) </a:t>
+              <a:t>The evolution of the planetary boundaries framework. Licenced under CC BY-NC-ND 3.0 (Credit: Azote for Stockholm Resilience Centre, Stockholm University. Based on Richardson et al. 2023, Steffen et al. 2015, and Rockström et al. 2009) </a:t>
             </a:r>
             <a:endParaRPr b="0" lang="en-GB" sz="900" spc="-1" strike="noStrike">
               <a:solidFill>
@@ -15713,14 +14180,14 @@
       </p:grpSpPr>
       <p:sp>
         <p:nvSpPr>
-          <p:cNvPr id="235" name="CustomShape 20"/>
+          <p:cNvPr id="229" name="CustomShape 20"/>
           <p:cNvSpPr/>
           <p:nvPr/>
         </p:nvSpPr>
         <p:spPr>
           <a:xfrm>
             <a:off x="335520" y="764640"/>
-            <a:ext cx="10734480" cy="485280"/>
+            <a:ext cx="10734120" cy="484920"/>
           </a:xfrm>
           <a:prstGeom prst="rect">
             <a:avLst/>
@@ -15767,14 +14234,14 @@
       </p:sp>
       <p:sp>
         <p:nvSpPr>
-          <p:cNvPr id="236" name="CustomShape 21"/>
+          <p:cNvPr id="230" name="CustomShape 21"/>
           <p:cNvSpPr/>
           <p:nvPr/>
         </p:nvSpPr>
         <p:spPr>
           <a:xfrm>
             <a:off x="263520" y="6300000"/>
-            <a:ext cx="10609920" cy="227880"/>
+            <a:ext cx="10609560" cy="227160"/>
           </a:xfrm>
           <a:prstGeom prst="rect">
             <a:avLst/>
@@ -15821,7 +14288,7 @@
       </p:sp>
       <p:pic>
         <p:nvPicPr>
-          <p:cNvPr id="237" name="" descr=""/>
+          <p:cNvPr id="231" name="" descr=""/>
           <p:cNvPicPr/>
           <p:nvPr/>
         </p:nvPicPr>
@@ -15832,7 +14299,7 @@
         <p:spPr>
           <a:xfrm>
             <a:off x="4319280" y="369000"/>
-            <a:ext cx="6660720" cy="6291000"/>
+            <a:ext cx="6660360" cy="6290640"/>
           </a:xfrm>
           <a:prstGeom prst="rect">
             <a:avLst/>
@@ -15844,14 +14311,14 @@
       </p:pic>
       <p:sp>
         <p:nvSpPr>
-          <p:cNvPr id="238" name="CustomShape 22"/>
+          <p:cNvPr id="232" name="CustomShape 22"/>
           <p:cNvSpPr/>
           <p:nvPr/>
         </p:nvSpPr>
         <p:spPr>
           <a:xfrm>
             <a:off x="432720" y="1148040"/>
-            <a:ext cx="10339920" cy="480600"/>
+            <a:ext cx="10339560" cy="480240"/>
           </a:xfrm>
           <a:prstGeom prst="rect">
             <a:avLst/>
@@ -15898,14 +14365,14 @@
       </p:sp>
       <p:sp>
         <p:nvSpPr>
-          <p:cNvPr id="239" name="CustomShape 23"/>
+          <p:cNvPr id="233" name="CustomShape 23"/>
           <p:cNvSpPr/>
           <p:nvPr/>
         </p:nvSpPr>
         <p:spPr>
           <a:xfrm>
             <a:off x="335520" y="1268280"/>
-            <a:ext cx="4164480" cy="5022000"/>
+            <a:ext cx="4164120" cy="5021640"/>
           </a:xfrm>
           <a:prstGeom prst="rect">
             <a:avLst/>
@@ -16052,14 +14519,14 @@
       </p:grpSpPr>
       <p:sp>
         <p:nvSpPr>
-          <p:cNvPr id="240" name="CustomShape 1"/>
+          <p:cNvPr id="234" name="CustomShape 1"/>
           <p:cNvSpPr/>
           <p:nvPr/>
         </p:nvSpPr>
         <p:spPr>
           <a:xfrm>
             <a:off x="335520" y="4406760"/>
-            <a:ext cx="10729800" cy="1338840"/>
+            <a:ext cx="10729440" cy="1338480"/>
           </a:xfrm>
           <a:prstGeom prst="rect">
             <a:avLst/>
@@ -16106,14 +14573,14 @@
       </p:sp>
       <p:sp>
         <p:nvSpPr>
-          <p:cNvPr id="241" name="CustomShape 2"/>
+          <p:cNvPr id="235" name="CustomShape 2"/>
           <p:cNvSpPr/>
           <p:nvPr/>
         </p:nvSpPr>
         <p:spPr>
           <a:xfrm>
             <a:off x="335520" y="2906640"/>
-            <a:ext cx="10729800" cy="1476720"/>
+            <a:ext cx="10729440" cy="1476360"/>
           </a:xfrm>
           <a:prstGeom prst="rect">
             <a:avLst/>
@@ -16181,14 +14648,14 @@
       </p:grpSpPr>
       <p:sp>
         <p:nvSpPr>
-          <p:cNvPr id="162" name="CustomShape 1"/>
+          <p:cNvPr id="156" name="CustomShape 1"/>
           <p:cNvSpPr/>
           <p:nvPr/>
         </p:nvSpPr>
         <p:spPr>
           <a:xfrm>
             <a:off x="335520" y="764640"/>
-            <a:ext cx="10731240" cy="482040"/>
+            <a:ext cx="10730880" cy="481680"/>
           </a:xfrm>
           <a:prstGeom prst="rect">
             <a:avLst/>
@@ -16235,14 +14702,14 @@
       </p:sp>
       <p:sp>
         <p:nvSpPr>
-          <p:cNvPr id="163" name="CustomShape 2"/>
+          <p:cNvPr id="157" name="CustomShape 2"/>
           <p:cNvSpPr/>
           <p:nvPr/>
         </p:nvSpPr>
         <p:spPr>
           <a:xfrm>
             <a:off x="335520" y="1268280"/>
-            <a:ext cx="10731240" cy="5018760"/>
+            <a:ext cx="10730880" cy="5018400"/>
           </a:xfrm>
           <a:prstGeom prst="rect">
             <a:avLst/>
@@ -16469,14 +14936,14 @@
       </p:grpSpPr>
       <p:sp>
         <p:nvSpPr>
-          <p:cNvPr id="242" name="CustomShape 1"/>
+          <p:cNvPr id="236" name="CustomShape 1"/>
           <p:cNvSpPr/>
           <p:nvPr/>
         </p:nvSpPr>
         <p:spPr>
           <a:xfrm>
             <a:off x="335520" y="764640"/>
-            <a:ext cx="10734480" cy="485280"/>
+            <a:ext cx="10734120" cy="484920"/>
           </a:xfrm>
           <a:prstGeom prst="rect">
             <a:avLst/>
@@ -16523,14 +14990,14 @@
       </p:sp>
       <p:sp>
         <p:nvSpPr>
-          <p:cNvPr id="243" name="CustomShape 2"/>
+          <p:cNvPr id="237" name="CustomShape 2"/>
           <p:cNvSpPr/>
           <p:nvPr/>
         </p:nvSpPr>
         <p:spPr>
           <a:xfrm>
             <a:off x="335520" y="1268280"/>
-            <a:ext cx="10734480" cy="5022000"/>
+            <a:ext cx="10734120" cy="5021640"/>
           </a:xfrm>
           <a:prstGeom prst="rect">
             <a:avLst/>
@@ -16709,14 +15176,14 @@
       </p:sp>
       <p:sp>
         <p:nvSpPr>
-          <p:cNvPr id="244" name="CustomShape 3"/>
+          <p:cNvPr id="238" name="CustomShape 3"/>
           <p:cNvSpPr/>
           <p:nvPr/>
         </p:nvSpPr>
         <p:spPr>
           <a:xfrm>
             <a:off x="432720" y="1148040"/>
-            <a:ext cx="10339920" cy="480600"/>
+            <a:ext cx="10339560" cy="480240"/>
           </a:xfrm>
           <a:prstGeom prst="rect">
             <a:avLst/>
@@ -16793,14 +15260,14 @@
       </p:grpSpPr>
       <p:sp>
         <p:nvSpPr>
-          <p:cNvPr id="245" name="CustomShape 1"/>
+          <p:cNvPr id="239" name="CustomShape 1"/>
           <p:cNvSpPr/>
           <p:nvPr/>
         </p:nvSpPr>
         <p:spPr>
           <a:xfrm>
             <a:off x="335520" y="764640"/>
-            <a:ext cx="10734480" cy="485280"/>
+            <a:ext cx="10734120" cy="484920"/>
           </a:xfrm>
           <a:prstGeom prst="rect">
             <a:avLst/>
@@ -16847,14 +15314,14 @@
       </p:sp>
       <p:sp>
         <p:nvSpPr>
-          <p:cNvPr id="246" name="CustomShape 2"/>
+          <p:cNvPr id="240" name="CustomShape 2"/>
           <p:cNvSpPr/>
           <p:nvPr/>
         </p:nvSpPr>
         <p:spPr>
           <a:xfrm>
             <a:off x="432720" y="1148040"/>
-            <a:ext cx="10339920" cy="480600"/>
+            <a:ext cx="10339560" cy="480240"/>
           </a:xfrm>
           <a:prstGeom prst="rect">
             <a:avLst/>
@@ -16901,14 +15368,14 @@
       </p:sp>
       <p:sp>
         <p:nvSpPr>
-          <p:cNvPr id="247" name="CustomShape 3"/>
+          <p:cNvPr id="241" name="CustomShape 3"/>
           <p:cNvSpPr/>
           <p:nvPr/>
         </p:nvSpPr>
         <p:spPr>
           <a:xfrm>
             <a:off x="274320" y="6447960"/>
-            <a:ext cx="11148120" cy="245160"/>
+            <a:ext cx="11147760" cy="245160"/>
           </a:xfrm>
           <a:prstGeom prst="rect">
             <a:avLst/>
@@ -16967,14 +15434,14 @@
       </p:sp>
       <p:sp>
         <p:nvSpPr>
-          <p:cNvPr id="248" name="CustomShape 4"/>
+          <p:cNvPr id="242" name="CustomShape 4"/>
           <p:cNvSpPr/>
           <p:nvPr/>
         </p:nvSpPr>
         <p:spPr>
           <a:xfrm>
             <a:off x="335520" y="1268280"/>
-            <a:ext cx="10734480" cy="5022000"/>
+            <a:ext cx="10734120" cy="5021640"/>
           </a:xfrm>
           <a:prstGeom prst="rect">
             <a:avLst/>
@@ -17425,14 +15892,14 @@
       </p:grpSpPr>
       <p:sp>
         <p:nvSpPr>
-          <p:cNvPr id="249" name="CustomShape 1"/>
+          <p:cNvPr id="243" name="CustomShape 1"/>
           <p:cNvSpPr/>
           <p:nvPr/>
         </p:nvSpPr>
         <p:spPr>
           <a:xfrm>
             <a:off x="335520" y="764640"/>
-            <a:ext cx="10734480" cy="485280"/>
+            <a:ext cx="10734120" cy="484920"/>
           </a:xfrm>
           <a:prstGeom prst="rect">
             <a:avLst/>
@@ -17479,14 +15946,14 @@
       </p:sp>
       <p:sp>
         <p:nvSpPr>
-          <p:cNvPr id="250" name="CustomShape 2"/>
+          <p:cNvPr id="244" name="CustomShape 2"/>
           <p:cNvSpPr/>
           <p:nvPr/>
         </p:nvSpPr>
         <p:spPr>
           <a:xfrm>
             <a:off x="432720" y="1148040"/>
-            <a:ext cx="10339920" cy="480600"/>
+            <a:ext cx="10339560" cy="480240"/>
           </a:xfrm>
           <a:prstGeom prst="rect">
             <a:avLst/>
@@ -17533,14 +16000,14 @@
       </p:sp>
       <p:sp>
         <p:nvSpPr>
-          <p:cNvPr id="251" name="CustomShape 3"/>
+          <p:cNvPr id="245" name="CustomShape 3"/>
           <p:cNvSpPr/>
           <p:nvPr/>
         </p:nvSpPr>
         <p:spPr>
           <a:xfrm>
             <a:off x="274320" y="6447960"/>
-            <a:ext cx="11148120" cy="245160"/>
+            <a:ext cx="11147760" cy="245160"/>
           </a:xfrm>
           <a:prstGeom prst="rect">
             <a:avLst/>
@@ -17599,14 +16066,14 @@
       </p:sp>
       <p:sp>
         <p:nvSpPr>
-          <p:cNvPr id="252" name="CustomShape 4"/>
+          <p:cNvPr id="246" name="CustomShape 4"/>
           <p:cNvSpPr/>
           <p:nvPr/>
         </p:nvSpPr>
         <p:spPr>
           <a:xfrm>
             <a:off x="335520" y="1268280"/>
-            <a:ext cx="10734480" cy="5022000"/>
+            <a:ext cx="10734120" cy="5021640"/>
           </a:xfrm>
           <a:prstGeom prst="rect">
             <a:avLst/>
@@ -18075,14 +16542,14 @@
       </p:grpSpPr>
       <p:sp>
         <p:nvSpPr>
-          <p:cNvPr id="253" name="CustomShape 1"/>
+          <p:cNvPr id="247" name="CustomShape 1"/>
           <p:cNvSpPr/>
           <p:nvPr/>
         </p:nvSpPr>
         <p:spPr>
           <a:xfrm>
             <a:off x="335520" y="764640"/>
-            <a:ext cx="10734480" cy="485280"/>
+            <a:ext cx="10734120" cy="484920"/>
           </a:xfrm>
           <a:prstGeom prst="rect">
             <a:avLst/>
@@ -18129,14 +16596,14 @@
       </p:sp>
       <p:sp>
         <p:nvSpPr>
-          <p:cNvPr id="254" name="CustomShape 2"/>
+          <p:cNvPr id="248" name="CustomShape 2"/>
           <p:cNvSpPr/>
           <p:nvPr/>
         </p:nvSpPr>
         <p:spPr>
           <a:xfrm>
             <a:off x="432720" y="1148040"/>
-            <a:ext cx="10339920" cy="480600"/>
+            <a:ext cx="10339560" cy="480240"/>
           </a:xfrm>
           <a:prstGeom prst="rect">
             <a:avLst/>
@@ -18183,14 +16650,14 @@
       </p:sp>
       <p:sp>
         <p:nvSpPr>
-          <p:cNvPr id="255" name="CustomShape 3"/>
+          <p:cNvPr id="249" name="CustomShape 3"/>
           <p:cNvSpPr/>
           <p:nvPr/>
         </p:nvSpPr>
         <p:spPr>
           <a:xfrm>
             <a:off x="274320" y="6447960"/>
-            <a:ext cx="11148120" cy="245160"/>
+            <a:ext cx="11147760" cy="245160"/>
           </a:xfrm>
           <a:prstGeom prst="rect">
             <a:avLst/>
@@ -18249,14 +16716,14 @@
       </p:sp>
       <p:sp>
         <p:nvSpPr>
-          <p:cNvPr id="256" name="CustomShape 4"/>
+          <p:cNvPr id="250" name="CustomShape 4"/>
           <p:cNvSpPr/>
           <p:nvPr/>
         </p:nvSpPr>
         <p:spPr>
           <a:xfrm>
             <a:off x="335520" y="1268280"/>
-            <a:ext cx="10734480" cy="5022000"/>
+            <a:ext cx="10734120" cy="5021640"/>
           </a:xfrm>
           <a:prstGeom prst="rect">
             <a:avLst/>
@@ -18767,14 +17234,14 @@
       </p:grpSpPr>
       <p:sp>
         <p:nvSpPr>
-          <p:cNvPr id="257" name="CustomShape 1"/>
+          <p:cNvPr id="251" name="CustomShape 1"/>
           <p:cNvSpPr/>
           <p:nvPr/>
         </p:nvSpPr>
         <p:spPr>
           <a:xfrm>
             <a:off x="335520" y="764640"/>
-            <a:ext cx="10734480" cy="485280"/>
+            <a:ext cx="10734120" cy="484920"/>
           </a:xfrm>
           <a:prstGeom prst="rect">
             <a:avLst/>
@@ -18821,14 +17288,14 @@
       </p:sp>
       <p:sp>
         <p:nvSpPr>
-          <p:cNvPr id="258" name="CustomShape 2"/>
+          <p:cNvPr id="252" name="CustomShape 2"/>
           <p:cNvSpPr/>
           <p:nvPr/>
         </p:nvSpPr>
         <p:spPr>
           <a:xfrm>
             <a:off x="335520" y="1268280"/>
-            <a:ext cx="10734480" cy="5022000"/>
+            <a:ext cx="10734120" cy="5021640"/>
           </a:xfrm>
           <a:prstGeom prst="rect">
             <a:avLst/>
@@ -18990,14 +17457,14 @@
       </p:sp>
       <p:sp>
         <p:nvSpPr>
-          <p:cNvPr id="259" name="CustomShape 3"/>
+          <p:cNvPr id="253" name="CustomShape 3"/>
           <p:cNvSpPr/>
           <p:nvPr/>
         </p:nvSpPr>
         <p:spPr>
           <a:xfrm>
             <a:off x="432720" y="1148040"/>
-            <a:ext cx="10339920" cy="480600"/>
+            <a:ext cx="10339560" cy="480240"/>
           </a:xfrm>
           <a:prstGeom prst="rect">
             <a:avLst/>
@@ -19044,14 +17511,14 @@
       </p:sp>
       <p:sp>
         <p:nvSpPr>
-          <p:cNvPr id="260" name="CustomShape 4"/>
+          <p:cNvPr id="254" name="CustomShape 4"/>
           <p:cNvSpPr/>
           <p:nvPr/>
         </p:nvSpPr>
         <p:spPr>
           <a:xfrm>
             <a:off x="263520" y="6492240"/>
-            <a:ext cx="10609920" cy="245160"/>
+            <a:ext cx="10609560" cy="245160"/>
           </a:xfrm>
           <a:prstGeom prst="rect">
             <a:avLst/>
@@ -19140,14 +17607,14 @@
       </p:grpSpPr>
       <p:sp>
         <p:nvSpPr>
-          <p:cNvPr id="261" name="CustomShape 1"/>
+          <p:cNvPr id="255" name="CustomShape 1"/>
           <p:cNvSpPr/>
           <p:nvPr/>
         </p:nvSpPr>
         <p:spPr>
           <a:xfrm>
             <a:off x="335520" y="764640"/>
-            <a:ext cx="10734480" cy="485280"/>
+            <a:ext cx="10734120" cy="484920"/>
           </a:xfrm>
           <a:prstGeom prst="rect">
             <a:avLst/>
@@ -19194,14 +17661,14 @@
       </p:sp>
       <p:sp>
         <p:nvSpPr>
-          <p:cNvPr id="262" name="CustomShape 2"/>
+          <p:cNvPr id="256" name="CustomShape 2"/>
           <p:cNvSpPr/>
           <p:nvPr/>
         </p:nvSpPr>
         <p:spPr>
           <a:xfrm>
             <a:off x="432720" y="1148040"/>
-            <a:ext cx="10339920" cy="480600"/>
+            <a:ext cx="10339560" cy="480240"/>
           </a:xfrm>
           <a:prstGeom prst="rect">
             <a:avLst/>
@@ -19248,14 +17715,14 @@
       </p:sp>
       <p:sp>
         <p:nvSpPr>
-          <p:cNvPr id="263" name="CustomShape 3"/>
+          <p:cNvPr id="257" name="CustomShape 3"/>
           <p:cNvSpPr/>
           <p:nvPr/>
         </p:nvSpPr>
         <p:spPr>
           <a:xfrm>
             <a:off x="274320" y="6447960"/>
-            <a:ext cx="11148120" cy="245160"/>
+            <a:ext cx="11147760" cy="245160"/>
           </a:xfrm>
           <a:prstGeom prst="rect">
             <a:avLst/>
@@ -19314,7 +17781,7 @@
       </p:sp>
       <p:pic>
         <p:nvPicPr>
-          <p:cNvPr id="264" name="Grafik 301" descr=""/>
+          <p:cNvPr id="258" name="Grafik 301" descr=""/>
           <p:cNvPicPr/>
           <p:nvPr/>
         </p:nvPicPr>
@@ -19325,7 +17792,7 @@
         <p:spPr>
           <a:xfrm>
             <a:off x="879120" y="2670480"/>
-            <a:ext cx="9639720" cy="2720520"/>
+            <a:ext cx="9639360" cy="2720160"/>
           </a:xfrm>
           <a:prstGeom prst="rect">
             <a:avLst/>
@@ -19367,14 +17834,14 @@
       </p:grpSpPr>
       <p:sp>
         <p:nvSpPr>
-          <p:cNvPr id="265" name="CustomShape 1"/>
+          <p:cNvPr id="259" name="CustomShape 1"/>
           <p:cNvSpPr/>
           <p:nvPr/>
         </p:nvSpPr>
         <p:spPr>
           <a:xfrm>
             <a:off x="335520" y="764640"/>
-            <a:ext cx="10734480" cy="485280"/>
+            <a:ext cx="10734120" cy="484920"/>
           </a:xfrm>
           <a:prstGeom prst="rect">
             <a:avLst/>
@@ -19421,14 +17888,14 @@
       </p:sp>
       <p:sp>
         <p:nvSpPr>
-          <p:cNvPr id="266" name="CustomShape 2"/>
+          <p:cNvPr id="260" name="CustomShape 2"/>
           <p:cNvSpPr/>
           <p:nvPr/>
         </p:nvSpPr>
         <p:spPr>
           <a:xfrm>
             <a:off x="335520" y="1268280"/>
-            <a:ext cx="10734480" cy="5022000"/>
+            <a:ext cx="10734120" cy="5021640"/>
           </a:xfrm>
           <a:prstGeom prst="rect">
             <a:avLst/>
@@ -19753,14 +18220,14 @@
       </p:sp>
       <p:sp>
         <p:nvSpPr>
-          <p:cNvPr id="267" name="CustomShape 3"/>
+          <p:cNvPr id="261" name="CustomShape 3"/>
           <p:cNvSpPr/>
           <p:nvPr/>
         </p:nvSpPr>
         <p:spPr>
           <a:xfrm>
             <a:off x="432720" y="1148040"/>
-            <a:ext cx="10339920" cy="480600"/>
+            <a:ext cx="10339560" cy="480240"/>
           </a:xfrm>
           <a:prstGeom prst="rect">
             <a:avLst/>
@@ -19837,14 +18304,14 @@
       </p:grpSpPr>
       <p:sp>
         <p:nvSpPr>
-          <p:cNvPr id="268" name="CustomShape 1"/>
+          <p:cNvPr id="262" name="CustomShape 1"/>
           <p:cNvSpPr/>
           <p:nvPr/>
         </p:nvSpPr>
         <p:spPr>
           <a:xfrm>
             <a:off x="335520" y="764640"/>
-            <a:ext cx="10734480" cy="485280"/>
+            <a:ext cx="10734120" cy="484920"/>
           </a:xfrm>
           <a:prstGeom prst="rect">
             <a:avLst/>
@@ -19891,14 +18358,14 @@
       </p:sp>
       <p:sp>
         <p:nvSpPr>
-          <p:cNvPr id="269" name="CustomShape 2"/>
+          <p:cNvPr id="263" name="CustomShape 2"/>
           <p:cNvSpPr/>
           <p:nvPr/>
         </p:nvSpPr>
         <p:spPr>
           <a:xfrm>
             <a:off x="335520" y="1268280"/>
-            <a:ext cx="10734480" cy="5022000"/>
+            <a:ext cx="10734120" cy="5021640"/>
           </a:xfrm>
           <a:prstGeom prst="rect">
             <a:avLst/>
@@ -20095,14 +18562,14 @@
       </p:sp>
       <p:sp>
         <p:nvSpPr>
-          <p:cNvPr id="270" name="CustomShape 3"/>
+          <p:cNvPr id="264" name="CustomShape 3"/>
           <p:cNvSpPr/>
           <p:nvPr/>
         </p:nvSpPr>
         <p:spPr>
           <a:xfrm>
             <a:off x="432720" y="1148040"/>
-            <a:ext cx="10339920" cy="480600"/>
+            <a:ext cx="10339560" cy="480240"/>
           </a:xfrm>
           <a:prstGeom prst="rect">
             <a:avLst/>
@@ -20179,14 +18646,14 @@
       </p:grpSpPr>
       <p:sp>
         <p:nvSpPr>
-          <p:cNvPr id="271" name="CustomShape 1"/>
+          <p:cNvPr id="265" name="CustomShape 1"/>
           <p:cNvSpPr/>
           <p:nvPr/>
         </p:nvSpPr>
         <p:spPr>
           <a:xfrm>
             <a:off x="335520" y="764640"/>
-            <a:ext cx="10734480" cy="485280"/>
+            <a:ext cx="10734120" cy="484920"/>
           </a:xfrm>
           <a:prstGeom prst="rect">
             <a:avLst/>
@@ -20233,14 +18700,14 @@
       </p:sp>
       <p:sp>
         <p:nvSpPr>
-          <p:cNvPr id="272" name="CustomShape 2"/>
+          <p:cNvPr id="266" name="CustomShape 2"/>
           <p:cNvSpPr/>
           <p:nvPr/>
         </p:nvSpPr>
         <p:spPr>
           <a:xfrm>
             <a:off x="335520" y="1268280"/>
-            <a:ext cx="10734480" cy="5022000"/>
+            <a:ext cx="10734120" cy="5021640"/>
           </a:xfrm>
           <a:prstGeom prst="rect">
             <a:avLst/>
@@ -20380,14 +18847,14 @@
       </p:sp>
       <p:sp>
         <p:nvSpPr>
-          <p:cNvPr id="273" name="CustomShape 3"/>
+          <p:cNvPr id="267" name="CustomShape 3"/>
           <p:cNvSpPr/>
           <p:nvPr/>
         </p:nvSpPr>
         <p:spPr>
           <a:xfrm>
             <a:off x="432720" y="1148040"/>
-            <a:ext cx="10339920" cy="480600"/>
+            <a:ext cx="10339560" cy="480240"/>
           </a:xfrm>
           <a:prstGeom prst="rect">
             <a:avLst/>
@@ -20464,14 +18931,14 @@
       </p:grpSpPr>
       <p:sp>
         <p:nvSpPr>
-          <p:cNvPr id="274" name="CustomShape 1"/>
+          <p:cNvPr id="268" name="CustomShape 1"/>
           <p:cNvSpPr/>
           <p:nvPr/>
         </p:nvSpPr>
         <p:spPr>
           <a:xfrm>
             <a:off x="335520" y="764640"/>
-            <a:ext cx="10734480" cy="485280"/>
+            <a:ext cx="10734120" cy="484920"/>
           </a:xfrm>
           <a:prstGeom prst="rect">
             <a:avLst/>
@@ -20518,14 +18985,14 @@
       </p:sp>
       <p:sp>
         <p:nvSpPr>
-          <p:cNvPr id="275" name="CustomShape 2"/>
+          <p:cNvPr id="269" name="CustomShape 2"/>
           <p:cNvSpPr/>
           <p:nvPr/>
         </p:nvSpPr>
         <p:spPr>
           <a:xfrm>
             <a:off x="335520" y="1268280"/>
-            <a:ext cx="10734480" cy="5022000"/>
+            <a:ext cx="10734120" cy="5021640"/>
           </a:xfrm>
           <a:prstGeom prst="rect">
             <a:avLst/>
@@ -20665,14 +19132,14 @@
       </p:sp>
       <p:sp>
         <p:nvSpPr>
-          <p:cNvPr id="276" name="CustomShape 3"/>
+          <p:cNvPr id="270" name="CustomShape 3"/>
           <p:cNvSpPr/>
           <p:nvPr/>
         </p:nvSpPr>
         <p:spPr>
           <a:xfrm>
             <a:off x="432720" y="1148040"/>
-            <a:ext cx="10339920" cy="480600"/>
+            <a:ext cx="10339560" cy="480240"/>
           </a:xfrm>
           <a:prstGeom prst="rect">
             <a:avLst/>
@@ -20749,14 +19216,14 @@
       </p:grpSpPr>
       <p:sp>
         <p:nvSpPr>
-          <p:cNvPr id="164" name="CustomShape 10"/>
+          <p:cNvPr id="158" name="CustomShape 10"/>
           <p:cNvSpPr/>
           <p:nvPr/>
         </p:nvSpPr>
         <p:spPr>
           <a:xfrm>
             <a:off x="335520" y="4406760"/>
-            <a:ext cx="10729800" cy="1338840"/>
+            <a:ext cx="10729440" cy="1338480"/>
           </a:xfrm>
           <a:prstGeom prst="rect">
             <a:avLst/>
@@ -20803,14 +19270,14 @@
       </p:sp>
       <p:sp>
         <p:nvSpPr>
-          <p:cNvPr id="165" name="CustomShape 11"/>
+          <p:cNvPr id="159" name="CustomShape 11"/>
           <p:cNvSpPr/>
           <p:nvPr/>
         </p:nvSpPr>
         <p:spPr>
           <a:xfrm>
             <a:off x="335520" y="2906640"/>
-            <a:ext cx="10729800" cy="1476720"/>
+            <a:ext cx="10729440" cy="1476360"/>
           </a:xfrm>
           <a:prstGeom prst="rect">
             <a:avLst/>
@@ -20878,14 +19345,14 @@
       </p:grpSpPr>
       <p:sp>
         <p:nvSpPr>
-          <p:cNvPr id="277" name="CustomShape 1"/>
+          <p:cNvPr id="271" name="CustomShape 1"/>
           <p:cNvSpPr/>
           <p:nvPr/>
         </p:nvSpPr>
         <p:spPr>
           <a:xfrm>
             <a:off x="335520" y="764640"/>
-            <a:ext cx="10734480" cy="485280"/>
+            <a:ext cx="10734120" cy="484920"/>
           </a:xfrm>
           <a:prstGeom prst="rect">
             <a:avLst/>
@@ -20932,14 +19399,14 @@
       </p:sp>
       <p:sp>
         <p:nvSpPr>
-          <p:cNvPr id="278" name="CustomShape 2"/>
+          <p:cNvPr id="272" name="CustomShape 2"/>
           <p:cNvSpPr/>
           <p:nvPr/>
         </p:nvSpPr>
         <p:spPr>
           <a:xfrm>
             <a:off x="432720" y="1148040"/>
-            <a:ext cx="10339920" cy="480600"/>
+            <a:ext cx="10339560" cy="480240"/>
           </a:xfrm>
           <a:prstGeom prst="rect">
             <a:avLst/>
@@ -20986,7 +19453,7 @@
       </p:sp>
       <p:pic>
         <p:nvPicPr>
-          <p:cNvPr id="279" name="Grafik 316" descr=""/>
+          <p:cNvPr id="273" name="Grafik 316" descr=""/>
           <p:cNvPicPr/>
           <p:nvPr/>
         </p:nvPicPr>
@@ -20997,7 +19464,7 @@
         <p:spPr>
           <a:xfrm>
             <a:off x="3200760" y="1737360"/>
-            <a:ext cx="5391360" cy="3311640"/>
+            <a:ext cx="5391000" cy="3311280"/>
           </a:xfrm>
           <a:prstGeom prst="rect">
             <a:avLst/>
@@ -21009,14 +19476,14 @@
       </p:pic>
       <p:sp>
         <p:nvSpPr>
-          <p:cNvPr id="280" name="CustomShape 3"/>
+          <p:cNvPr id="274" name="CustomShape 3"/>
           <p:cNvSpPr/>
           <p:nvPr/>
         </p:nvSpPr>
         <p:spPr>
           <a:xfrm>
             <a:off x="263520" y="6492240"/>
-            <a:ext cx="10609920" cy="245160"/>
+            <a:ext cx="10609560" cy="245160"/>
           </a:xfrm>
           <a:prstGeom prst="rect">
             <a:avLst/>
@@ -21075,14 +19542,14 @@
       </p:sp>
       <p:sp>
         <p:nvSpPr>
-          <p:cNvPr id="281" name="CustomShape 4"/>
+          <p:cNvPr id="275" name="CustomShape 4"/>
           <p:cNvSpPr/>
           <p:nvPr/>
         </p:nvSpPr>
         <p:spPr>
           <a:xfrm>
             <a:off x="263520" y="5486400"/>
-            <a:ext cx="10598040" cy="1002600"/>
+            <a:ext cx="10597680" cy="1002240"/>
           </a:xfrm>
           <a:prstGeom prst="roundRect">
             <a:avLst>
@@ -21131,14 +19598,14 @@
       </p:sp>
       <p:sp>
         <p:nvSpPr>
-          <p:cNvPr id="282" name="TextShape 5"/>
+          <p:cNvPr id="276" name="TextShape 5"/>
           <p:cNvSpPr/>
           <p:nvPr/>
         </p:nvSpPr>
         <p:spPr>
           <a:xfrm>
             <a:off x="457200" y="5669280"/>
-            <a:ext cx="10329480" cy="636840"/>
+            <a:ext cx="10329120" cy="636480"/>
           </a:xfrm>
           <a:prstGeom prst="rect">
             <a:avLst/>
@@ -21225,14 +19692,14 @@
       </p:grpSpPr>
       <p:sp>
         <p:nvSpPr>
-          <p:cNvPr id="283" name="CustomShape 1"/>
+          <p:cNvPr id="277" name="CustomShape 1"/>
           <p:cNvSpPr/>
           <p:nvPr/>
         </p:nvSpPr>
         <p:spPr>
           <a:xfrm>
             <a:off x="335520" y="764640"/>
-            <a:ext cx="10734480" cy="485280"/>
+            <a:ext cx="10734120" cy="484920"/>
           </a:xfrm>
           <a:prstGeom prst="rect">
             <a:avLst/>
@@ -21279,14 +19746,14 @@
       </p:sp>
       <p:sp>
         <p:nvSpPr>
-          <p:cNvPr id="284" name="CustomShape 2"/>
+          <p:cNvPr id="278" name="CustomShape 2"/>
           <p:cNvSpPr/>
           <p:nvPr/>
         </p:nvSpPr>
         <p:spPr>
           <a:xfrm>
             <a:off x="335520" y="1268280"/>
-            <a:ext cx="10734480" cy="5022000"/>
+            <a:ext cx="10734120" cy="5021640"/>
           </a:xfrm>
           <a:prstGeom prst="rect">
             <a:avLst/>
@@ -21475,14 +19942,14 @@
       </p:sp>
       <p:sp>
         <p:nvSpPr>
-          <p:cNvPr id="285" name="CustomShape 3"/>
+          <p:cNvPr id="279" name="CustomShape 3"/>
           <p:cNvSpPr/>
           <p:nvPr/>
         </p:nvSpPr>
         <p:spPr>
           <a:xfrm>
             <a:off x="432720" y="1148040"/>
-            <a:ext cx="10339920" cy="480600"/>
+            <a:ext cx="10339560" cy="480240"/>
           </a:xfrm>
           <a:prstGeom prst="rect">
             <a:avLst/>
@@ -21559,14 +20026,14 @@
       </p:grpSpPr>
       <p:sp>
         <p:nvSpPr>
-          <p:cNvPr id="286" name="CustomShape 1"/>
+          <p:cNvPr id="280" name="CustomShape 1"/>
           <p:cNvSpPr/>
           <p:nvPr/>
         </p:nvSpPr>
         <p:spPr>
           <a:xfrm>
             <a:off x="335520" y="764640"/>
-            <a:ext cx="10734480" cy="485280"/>
+            <a:ext cx="10734120" cy="484920"/>
           </a:xfrm>
           <a:prstGeom prst="rect">
             <a:avLst/>
@@ -21613,14 +20080,14 @@
       </p:sp>
       <p:sp>
         <p:nvSpPr>
-          <p:cNvPr id="287" name="CustomShape 2"/>
+          <p:cNvPr id="281" name="CustomShape 2"/>
           <p:cNvSpPr/>
           <p:nvPr/>
         </p:nvSpPr>
         <p:spPr>
           <a:xfrm>
             <a:off x="335520" y="1268280"/>
-            <a:ext cx="10734480" cy="5022000"/>
+            <a:ext cx="10734120" cy="5021640"/>
           </a:xfrm>
           <a:prstGeom prst="rect">
             <a:avLst/>
@@ -21815,14 +20282,14 @@
       </p:sp>
       <p:sp>
         <p:nvSpPr>
-          <p:cNvPr id="288" name="CustomShape 3"/>
+          <p:cNvPr id="282" name="CustomShape 3"/>
           <p:cNvSpPr/>
           <p:nvPr/>
         </p:nvSpPr>
         <p:spPr>
           <a:xfrm>
             <a:off x="432720" y="1148040"/>
-            <a:ext cx="10339920" cy="480600"/>
+            <a:ext cx="10339560" cy="480240"/>
           </a:xfrm>
           <a:prstGeom prst="rect">
             <a:avLst/>
@@ -21899,14 +20366,14 @@
       </p:grpSpPr>
       <p:sp>
         <p:nvSpPr>
-          <p:cNvPr id="289" name="CustomShape 1"/>
+          <p:cNvPr id="283" name="CustomShape 1"/>
           <p:cNvSpPr/>
           <p:nvPr/>
         </p:nvSpPr>
         <p:spPr>
           <a:xfrm>
             <a:off x="335520" y="764640"/>
-            <a:ext cx="10734480" cy="485280"/>
+            <a:ext cx="10734120" cy="484920"/>
           </a:xfrm>
           <a:prstGeom prst="rect">
             <a:avLst/>
@@ -21953,14 +20420,14 @@
       </p:sp>
       <p:sp>
         <p:nvSpPr>
-          <p:cNvPr id="290" name="CustomShape 2"/>
+          <p:cNvPr id="284" name="CustomShape 2"/>
           <p:cNvSpPr/>
           <p:nvPr/>
         </p:nvSpPr>
         <p:spPr>
           <a:xfrm>
             <a:off x="432720" y="1148040"/>
-            <a:ext cx="10339920" cy="480600"/>
+            <a:ext cx="10339560" cy="480240"/>
           </a:xfrm>
           <a:prstGeom prst="rect">
             <a:avLst/>
@@ -22007,14 +20474,14 @@
       </p:sp>
       <p:sp>
         <p:nvSpPr>
-          <p:cNvPr id="291" name="CustomShape 3"/>
+          <p:cNvPr id="285" name="CustomShape 3"/>
           <p:cNvSpPr/>
           <p:nvPr/>
         </p:nvSpPr>
         <p:spPr>
           <a:xfrm>
             <a:off x="274320" y="6447960"/>
-            <a:ext cx="11148120" cy="245160"/>
+            <a:ext cx="11147760" cy="245160"/>
           </a:xfrm>
           <a:prstGeom prst="rect">
             <a:avLst/>
@@ -22073,7 +20540,7 @@
       </p:sp>
       <p:pic>
         <p:nvPicPr>
-          <p:cNvPr id="292" name="Grafik 329" descr=""/>
+          <p:cNvPr id="286" name="Grafik 329" descr=""/>
           <p:cNvPicPr/>
           <p:nvPr/>
         </p:nvPicPr>
@@ -22084,7 +20551,7 @@
         <p:spPr>
           <a:xfrm>
             <a:off x="1719000" y="1755000"/>
-            <a:ext cx="7253640" cy="4147920"/>
+            <a:ext cx="7253280" cy="4147560"/>
           </a:xfrm>
           <a:prstGeom prst="rect">
             <a:avLst/>
@@ -22126,14 +20593,14 @@
       </p:grpSpPr>
       <p:sp>
         <p:nvSpPr>
-          <p:cNvPr id="293" name="CustomShape 1"/>
+          <p:cNvPr id="287" name="CustomShape 1"/>
           <p:cNvSpPr/>
           <p:nvPr/>
         </p:nvSpPr>
         <p:spPr>
           <a:xfrm>
             <a:off x="335520" y="764640"/>
-            <a:ext cx="10734480" cy="485280"/>
+            <a:ext cx="10734120" cy="484920"/>
           </a:xfrm>
           <a:prstGeom prst="rect">
             <a:avLst/>
@@ -22180,14 +20647,14 @@
       </p:sp>
       <p:sp>
         <p:nvSpPr>
-          <p:cNvPr id="294" name="CustomShape 2"/>
+          <p:cNvPr id="288" name="CustomShape 2"/>
           <p:cNvSpPr/>
           <p:nvPr/>
         </p:nvSpPr>
         <p:spPr>
           <a:xfrm>
             <a:off x="432720" y="1148040"/>
-            <a:ext cx="10339920" cy="480600"/>
+            <a:ext cx="10339560" cy="480240"/>
           </a:xfrm>
           <a:prstGeom prst="rect">
             <a:avLst/>
@@ -22234,14 +20701,14 @@
       </p:sp>
       <p:sp>
         <p:nvSpPr>
-          <p:cNvPr id="295" name="CustomShape 3"/>
+          <p:cNvPr id="289" name="CustomShape 3"/>
           <p:cNvSpPr/>
           <p:nvPr/>
         </p:nvSpPr>
         <p:spPr>
           <a:xfrm>
             <a:off x="274320" y="6447960"/>
-            <a:ext cx="11148120" cy="245160"/>
+            <a:ext cx="11147760" cy="245160"/>
           </a:xfrm>
           <a:prstGeom prst="rect">
             <a:avLst/>
@@ -22300,14 +20767,14 @@
       </p:sp>
       <p:sp>
         <p:nvSpPr>
-          <p:cNvPr id="296" name="CustomShape 4"/>
+          <p:cNvPr id="290" name="CustomShape 4"/>
           <p:cNvSpPr/>
           <p:nvPr/>
         </p:nvSpPr>
         <p:spPr>
           <a:xfrm>
             <a:off x="-720000" y="5982480"/>
-            <a:ext cx="11426040" cy="617040"/>
+            <a:ext cx="11425680" cy="616680"/>
           </a:xfrm>
           <a:prstGeom prst="rect">
             <a:avLst/>
@@ -22364,7 +20831,7 @@
       </p:sp>
       <p:pic>
         <p:nvPicPr>
-          <p:cNvPr id="297" name="Grafik 334" descr=""/>
+          <p:cNvPr id="291" name="Grafik 334" descr=""/>
           <p:cNvPicPr/>
           <p:nvPr/>
         </p:nvPicPr>
@@ -22375,7 +20842,7 @@
         <p:spPr>
           <a:xfrm>
             <a:off x="1719360" y="1755360"/>
-            <a:ext cx="7247520" cy="4147920"/>
+            <a:ext cx="7247160" cy="4147560"/>
           </a:xfrm>
           <a:prstGeom prst="rect">
             <a:avLst/>
@@ -22417,14 +20884,14 @@
       </p:grpSpPr>
       <p:sp>
         <p:nvSpPr>
-          <p:cNvPr id="298" name="CustomShape 1"/>
+          <p:cNvPr id="292" name="CustomShape 1"/>
           <p:cNvSpPr/>
           <p:nvPr/>
         </p:nvSpPr>
         <p:spPr>
           <a:xfrm>
             <a:off x="335520" y="764640"/>
-            <a:ext cx="10734480" cy="485280"/>
+            <a:ext cx="10734120" cy="484920"/>
           </a:xfrm>
           <a:prstGeom prst="rect">
             <a:avLst/>
@@ -22471,14 +20938,14 @@
       </p:sp>
       <p:sp>
         <p:nvSpPr>
-          <p:cNvPr id="299" name="CustomShape 2"/>
+          <p:cNvPr id="293" name="CustomShape 2"/>
           <p:cNvSpPr/>
           <p:nvPr/>
         </p:nvSpPr>
         <p:spPr>
           <a:xfrm>
             <a:off x="335520" y="1268280"/>
-            <a:ext cx="10734480" cy="5022000"/>
+            <a:ext cx="10734120" cy="5021640"/>
           </a:xfrm>
           <a:prstGeom prst="rect">
             <a:avLst/>
@@ -22679,14 +21146,14 @@
       </p:sp>
       <p:sp>
         <p:nvSpPr>
-          <p:cNvPr id="300" name="CustomShape 3"/>
+          <p:cNvPr id="294" name="CustomShape 3"/>
           <p:cNvSpPr/>
           <p:nvPr/>
         </p:nvSpPr>
         <p:spPr>
           <a:xfrm>
             <a:off x="432720" y="1148040"/>
-            <a:ext cx="10339920" cy="480600"/>
+            <a:ext cx="10339560" cy="480240"/>
           </a:xfrm>
           <a:prstGeom prst="rect">
             <a:avLst/>
@@ -22763,14 +21230,14 @@
       </p:grpSpPr>
       <p:sp>
         <p:nvSpPr>
-          <p:cNvPr id="301" name="CustomShape 1"/>
+          <p:cNvPr id="295" name="CustomShape 1"/>
           <p:cNvSpPr/>
           <p:nvPr/>
         </p:nvSpPr>
         <p:spPr>
           <a:xfrm>
             <a:off x="335520" y="764640"/>
-            <a:ext cx="10734480" cy="485280"/>
+            <a:ext cx="10734120" cy="484920"/>
           </a:xfrm>
           <a:prstGeom prst="rect">
             <a:avLst/>
@@ -22817,14 +21284,14 @@
       </p:sp>
       <p:sp>
         <p:nvSpPr>
-          <p:cNvPr id="302" name="CustomShape 2"/>
+          <p:cNvPr id="296" name="CustomShape 2"/>
           <p:cNvSpPr/>
           <p:nvPr/>
         </p:nvSpPr>
         <p:spPr>
           <a:xfrm>
             <a:off x="432720" y="1148040"/>
-            <a:ext cx="10339920" cy="480600"/>
+            <a:ext cx="10339560" cy="480240"/>
           </a:xfrm>
           <a:prstGeom prst="rect">
             <a:avLst/>
@@ -22871,14 +21338,14 @@
       </p:sp>
       <p:sp>
         <p:nvSpPr>
-          <p:cNvPr id="303" name="CustomShape 3"/>
+          <p:cNvPr id="297" name="CustomShape 3"/>
           <p:cNvSpPr/>
           <p:nvPr/>
         </p:nvSpPr>
         <p:spPr>
           <a:xfrm>
             <a:off x="274320" y="6447960"/>
-            <a:ext cx="11148120" cy="245160"/>
+            <a:ext cx="11147760" cy="245160"/>
           </a:xfrm>
           <a:prstGeom prst="rect">
             <a:avLst/>
@@ -22937,7 +21404,7 @@
       </p:sp>
       <p:pic>
         <p:nvPicPr>
-          <p:cNvPr id="304" name="Grafik 341" descr=""/>
+          <p:cNvPr id="298" name="Grafik 341" descr=""/>
           <p:cNvPicPr/>
           <p:nvPr/>
         </p:nvPicPr>
@@ -22948,7 +21415,7 @@
         <p:spPr>
           <a:xfrm>
             <a:off x="1719000" y="1755720"/>
-            <a:ext cx="7192800" cy="4150800"/>
+            <a:ext cx="7192440" cy="4150440"/>
           </a:xfrm>
           <a:prstGeom prst="rect">
             <a:avLst/>
@@ -22990,14 +21457,14 @@
       </p:grpSpPr>
       <p:sp>
         <p:nvSpPr>
-          <p:cNvPr id="305" name="CustomShape 6"/>
+          <p:cNvPr id="299" name="CustomShape 6"/>
           <p:cNvSpPr/>
           <p:nvPr/>
         </p:nvSpPr>
         <p:spPr>
           <a:xfrm>
             <a:off x="335520" y="764640"/>
-            <a:ext cx="10734480" cy="485280"/>
+            <a:ext cx="10734120" cy="484920"/>
           </a:xfrm>
           <a:prstGeom prst="rect">
             <a:avLst/>
@@ -23044,14 +21511,14 @@
       </p:sp>
       <p:sp>
         <p:nvSpPr>
-          <p:cNvPr id="306" name="CustomShape 7"/>
+          <p:cNvPr id="300" name="CustomShape 7"/>
           <p:cNvSpPr/>
           <p:nvPr/>
         </p:nvSpPr>
         <p:spPr>
           <a:xfrm>
             <a:off x="432720" y="1148040"/>
-            <a:ext cx="10339920" cy="480600"/>
+            <a:ext cx="10339560" cy="480240"/>
           </a:xfrm>
           <a:prstGeom prst="rect">
             <a:avLst/>
@@ -23098,14 +21565,14 @@
       </p:sp>
       <p:sp>
         <p:nvSpPr>
-          <p:cNvPr id="307" name="CustomShape 8"/>
+          <p:cNvPr id="301" name="CustomShape 8"/>
           <p:cNvSpPr/>
           <p:nvPr/>
         </p:nvSpPr>
         <p:spPr>
           <a:xfrm>
             <a:off x="274320" y="6447960"/>
-            <a:ext cx="11148120" cy="245160"/>
+            <a:ext cx="11147760" cy="245160"/>
           </a:xfrm>
           <a:prstGeom prst="rect">
             <a:avLst/>
@@ -23164,14 +21631,14 @@
       </p:sp>
       <p:sp>
         <p:nvSpPr>
-          <p:cNvPr id="308" name="CustomShape 9"/>
+          <p:cNvPr id="302" name="CustomShape 9"/>
           <p:cNvSpPr/>
           <p:nvPr/>
         </p:nvSpPr>
         <p:spPr>
           <a:xfrm>
             <a:off x="1503000" y="5971320"/>
-            <a:ext cx="7878600" cy="617040"/>
+            <a:ext cx="7878240" cy="616680"/>
           </a:xfrm>
           <a:prstGeom prst="rect">
             <a:avLst/>
@@ -23228,7 +21695,7 @@
       </p:sp>
       <p:pic>
         <p:nvPicPr>
-          <p:cNvPr id="309" name="Grafik 346" descr=""/>
+          <p:cNvPr id="303" name="Grafik 346" descr=""/>
           <p:cNvPicPr/>
           <p:nvPr/>
         </p:nvPicPr>
@@ -23239,7 +21706,7 @@
         <p:spPr>
           <a:xfrm>
             <a:off x="1719000" y="1755720"/>
-            <a:ext cx="7192800" cy="4150800"/>
+            <a:ext cx="7192440" cy="4150440"/>
           </a:xfrm>
           <a:prstGeom prst="rect">
             <a:avLst/>
@@ -23281,14 +21748,14 @@
       </p:grpSpPr>
       <p:sp>
         <p:nvSpPr>
-          <p:cNvPr id="310" name="CustomShape 1"/>
+          <p:cNvPr id="304" name="CustomShape 1"/>
           <p:cNvSpPr/>
           <p:nvPr/>
         </p:nvSpPr>
         <p:spPr>
           <a:xfrm>
             <a:off x="335520" y="764640"/>
-            <a:ext cx="10734480" cy="485280"/>
+            <a:ext cx="10734120" cy="484920"/>
           </a:xfrm>
           <a:prstGeom prst="rect">
             <a:avLst/>
@@ -23335,14 +21802,14 @@
       </p:sp>
       <p:sp>
         <p:nvSpPr>
-          <p:cNvPr id="311" name="CustomShape 2"/>
+          <p:cNvPr id="305" name="CustomShape 2"/>
           <p:cNvSpPr/>
           <p:nvPr/>
         </p:nvSpPr>
         <p:spPr>
           <a:xfrm>
             <a:off x="335520" y="1268280"/>
-            <a:ext cx="10734480" cy="5022000"/>
+            <a:ext cx="10734120" cy="5021640"/>
           </a:xfrm>
           <a:prstGeom prst="rect">
             <a:avLst/>
@@ -23549,14 +22016,14 @@
       </p:sp>
       <p:sp>
         <p:nvSpPr>
-          <p:cNvPr id="312" name="CustomShape 3"/>
+          <p:cNvPr id="306" name="CustomShape 3"/>
           <p:cNvSpPr/>
           <p:nvPr/>
         </p:nvSpPr>
         <p:spPr>
           <a:xfrm>
             <a:off x="432720" y="1148040"/>
-            <a:ext cx="10339920" cy="480600"/>
+            <a:ext cx="10339560" cy="480240"/>
           </a:xfrm>
           <a:prstGeom prst="rect">
             <a:avLst/>
@@ -23633,14 +22100,14 @@
       </p:grpSpPr>
       <p:sp>
         <p:nvSpPr>
-          <p:cNvPr id="313" name="CustomShape 1"/>
+          <p:cNvPr id="307" name="CustomShape 1"/>
           <p:cNvSpPr/>
           <p:nvPr/>
         </p:nvSpPr>
         <p:spPr>
           <a:xfrm>
             <a:off x="335520" y="764640"/>
-            <a:ext cx="10734480" cy="485280"/>
+            <a:ext cx="10734120" cy="484920"/>
           </a:xfrm>
           <a:prstGeom prst="rect">
             <a:avLst/>
@@ -23687,14 +22154,14 @@
       </p:sp>
       <p:sp>
         <p:nvSpPr>
-          <p:cNvPr id="314" name="CustomShape 2"/>
+          <p:cNvPr id="308" name="CustomShape 2"/>
           <p:cNvSpPr/>
           <p:nvPr/>
         </p:nvSpPr>
         <p:spPr>
           <a:xfrm>
             <a:off x="432720" y="1148040"/>
-            <a:ext cx="10339920" cy="480600"/>
+            <a:ext cx="10339560" cy="480240"/>
           </a:xfrm>
           <a:prstGeom prst="rect">
             <a:avLst/>
@@ -23741,14 +22208,14 @@
       </p:sp>
       <p:sp>
         <p:nvSpPr>
-          <p:cNvPr id="315" name="CustomShape 3"/>
+          <p:cNvPr id="309" name="CustomShape 3"/>
           <p:cNvSpPr/>
           <p:nvPr/>
         </p:nvSpPr>
         <p:spPr>
           <a:xfrm>
             <a:off x="274320" y="6447960"/>
-            <a:ext cx="11148120" cy="245160"/>
+            <a:ext cx="11147760" cy="245160"/>
           </a:xfrm>
           <a:prstGeom prst="rect">
             <a:avLst/>
@@ -23807,7 +22274,7 @@
       </p:sp>
       <p:pic>
         <p:nvPicPr>
-          <p:cNvPr id="316" name="Grafik 353" descr=""/>
+          <p:cNvPr id="310" name="Grafik 353" descr=""/>
           <p:cNvPicPr/>
           <p:nvPr/>
         </p:nvPicPr>
@@ -23818,7 +22285,7 @@
         <p:spPr>
           <a:xfrm>
             <a:off x="1600200" y="1828800"/>
-            <a:ext cx="7238520" cy="4175280"/>
+            <a:ext cx="7238160" cy="4174920"/>
           </a:xfrm>
           <a:prstGeom prst="rect">
             <a:avLst/>
@@ -23860,14 +22327,14 @@
       </p:grpSpPr>
       <p:sp>
         <p:nvSpPr>
-          <p:cNvPr id="166" name="CustomShape 12"/>
+          <p:cNvPr id="160" name="CustomShape 12"/>
           <p:cNvSpPr/>
           <p:nvPr/>
         </p:nvSpPr>
         <p:spPr>
           <a:xfrm>
             <a:off x="335520" y="764640"/>
-            <a:ext cx="10734480" cy="485280"/>
+            <a:ext cx="10734120" cy="484920"/>
           </a:xfrm>
           <a:prstGeom prst="rect">
             <a:avLst/>
@@ -23914,14 +22381,14 @@
       </p:sp>
       <p:sp>
         <p:nvSpPr>
-          <p:cNvPr id="167" name="CustomShape 13"/>
+          <p:cNvPr id="161" name="CustomShape 13"/>
           <p:cNvSpPr/>
           <p:nvPr/>
         </p:nvSpPr>
         <p:spPr>
           <a:xfrm>
             <a:off x="432720" y="1148040"/>
-            <a:ext cx="10339920" cy="480600"/>
+            <a:ext cx="10339560" cy="480240"/>
           </a:xfrm>
           <a:prstGeom prst="rect">
             <a:avLst/>
@@ -23968,14 +22435,14 @@
       </p:sp>
       <p:sp>
         <p:nvSpPr>
-          <p:cNvPr id="168" name="CustomShape 14"/>
+          <p:cNvPr id="162" name="CustomShape 14"/>
           <p:cNvSpPr/>
           <p:nvPr/>
         </p:nvSpPr>
         <p:spPr>
           <a:xfrm>
             <a:off x="263520" y="6492240"/>
-            <a:ext cx="10609920" cy="245160"/>
+            <a:ext cx="10609560" cy="245160"/>
           </a:xfrm>
           <a:prstGeom prst="rect">
             <a:avLst/>
@@ -24044,7 +22511,7 @@
       </p:sp>
       <p:pic>
         <p:nvPicPr>
-          <p:cNvPr id="169" name="Grafik 1" descr=""/>
+          <p:cNvPr id="163" name="Grafik 1" descr=""/>
           <p:cNvPicPr/>
           <p:nvPr/>
         </p:nvPicPr>
@@ -24055,7 +22522,7 @@
         <p:spPr>
           <a:xfrm>
             <a:off x="2103120" y="2216880"/>
-            <a:ext cx="7437600" cy="3813840"/>
+            <a:ext cx="7437240" cy="3813480"/>
           </a:xfrm>
           <a:prstGeom prst="rect">
             <a:avLst/>
@@ -24097,14 +22564,14 @@
       </p:grpSpPr>
       <p:sp>
         <p:nvSpPr>
-          <p:cNvPr id="317" name="CustomShape 1"/>
+          <p:cNvPr id="311" name="CustomShape 1"/>
           <p:cNvSpPr/>
           <p:nvPr/>
         </p:nvSpPr>
         <p:spPr>
           <a:xfrm>
             <a:off x="335520" y="764640"/>
-            <a:ext cx="10734480" cy="485280"/>
+            <a:ext cx="10734120" cy="484920"/>
           </a:xfrm>
           <a:prstGeom prst="rect">
             <a:avLst/>
@@ -24151,14 +22618,14 @@
       </p:sp>
       <p:sp>
         <p:nvSpPr>
-          <p:cNvPr id="318" name="CustomShape 2"/>
+          <p:cNvPr id="312" name="CustomShape 2"/>
           <p:cNvSpPr/>
           <p:nvPr/>
         </p:nvSpPr>
         <p:spPr>
           <a:xfrm>
             <a:off x="432720" y="1148040"/>
-            <a:ext cx="10339920" cy="480600"/>
+            <a:ext cx="10339560" cy="480240"/>
           </a:xfrm>
           <a:prstGeom prst="rect">
             <a:avLst/>
@@ -24205,14 +22672,14 @@
       </p:sp>
       <p:sp>
         <p:nvSpPr>
-          <p:cNvPr id="319" name="CustomShape 3"/>
+          <p:cNvPr id="313" name="CustomShape 3"/>
           <p:cNvSpPr/>
           <p:nvPr/>
         </p:nvSpPr>
         <p:spPr>
           <a:xfrm>
             <a:off x="274320" y="6447960"/>
-            <a:ext cx="11148120" cy="245160"/>
+            <a:ext cx="11147760" cy="245160"/>
           </a:xfrm>
           <a:prstGeom prst="rect">
             <a:avLst/>
@@ -24271,14 +22738,14 @@
       </p:sp>
       <p:sp>
         <p:nvSpPr>
-          <p:cNvPr id="320" name="CustomShape 4"/>
+          <p:cNvPr id="314" name="CustomShape 4"/>
           <p:cNvSpPr/>
           <p:nvPr/>
         </p:nvSpPr>
         <p:spPr>
           <a:xfrm>
             <a:off x="0" y="6091200"/>
-            <a:ext cx="11426040" cy="617040"/>
+            <a:ext cx="11425680" cy="616680"/>
           </a:xfrm>
           <a:prstGeom prst="rect">
             <a:avLst/>
@@ -24335,7 +22802,7 @@
       </p:sp>
       <p:pic>
         <p:nvPicPr>
-          <p:cNvPr id="321" name="Grafik 358" descr=""/>
+          <p:cNvPr id="315" name="Grafik 358" descr=""/>
           <p:cNvPicPr/>
           <p:nvPr/>
         </p:nvPicPr>
@@ -24346,7 +22813,7 @@
         <p:spPr>
           <a:xfrm>
             <a:off x="1600560" y="1828800"/>
-            <a:ext cx="7238520" cy="4175280"/>
+            <a:ext cx="7238160" cy="4174920"/>
           </a:xfrm>
           <a:prstGeom prst="rect">
             <a:avLst/>
@@ -24388,14 +22855,14 @@
       </p:grpSpPr>
       <p:sp>
         <p:nvSpPr>
-          <p:cNvPr id="322" name="CustomShape 1"/>
+          <p:cNvPr id="316" name="CustomShape 1"/>
           <p:cNvSpPr/>
           <p:nvPr/>
         </p:nvSpPr>
         <p:spPr>
           <a:xfrm>
             <a:off x="335520" y="764640"/>
-            <a:ext cx="10734480" cy="485280"/>
+            <a:ext cx="10734120" cy="484920"/>
           </a:xfrm>
           <a:prstGeom prst="rect">
             <a:avLst/>
@@ -24442,14 +22909,14 @@
       </p:sp>
       <p:sp>
         <p:nvSpPr>
-          <p:cNvPr id="323" name="CustomShape 2"/>
+          <p:cNvPr id="317" name="CustomShape 2"/>
           <p:cNvSpPr/>
           <p:nvPr/>
         </p:nvSpPr>
         <p:spPr>
           <a:xfrm>
             <a:off x="335520" y="1268280"/>
-            <a:ext cx="10734480" cy="5022000"/>
+            <a:ext cx="10734120" cy="5021640"/>
           </a:xfrm>
           <a:prstGeom prst="rect">
             <a:avLst/>
@@ -24662,14 +23129,14 @@
       </p:sp>
       <p:sp>
         <p:nvSpPr>
-          <p:cNvPr id="324" name="CustomShape 3"/>
+          <p:cNvPr id="318" name="CustomShape 3"/>
           <p:cNvSpPr/>
           <p:nvPr/>
         </p:nvSpPr>
         <p:spPr>
           <a:xfrm>
             <a:off x="432720" y="1148040"/>
-            <a:ext cx="10339920" cy="480600"/>
+            <a:ext cx="10339560" cy="480240"/>
           </a:xfrm>
           <a:prstGeom prst="rect">
             <a:avLst/>
@@ -24746,14 +23213,14 @@
       </p:grpSpPr>
       <p:sp>
         <p:nvSpPr>
-          <p:cNvPr id="325" name="CustomShape 1"/>
+          <p:cNvPr id="319" name="CustomShape 1"/>
           <p:cNvSpPr/>
           <p:nvPr/>
         </p:nvSpPr>
         <p:spPr>
           <a:xfrm>
             <a:off x="335520" y="764640"/>
-            <a:ext cx="10734480" cy="485280"/>
+            <a:ext cx="10734120" cy="484920"/>
           </a:xfrm>
           <a:prstGeom prst="rect">
             <a:avLst/>
@@ -24800,14 +23267,14 @@
       </p:sp>
       <p:sp>
         <p:nvSpPr>
-          <p:cNvPr id="326" name="CustomShape 2"/>
+          <p:cNvPr id="320" name="CustomShape 2"/>
           <p:cNvSpPr/>
           <p:nvPr/>
         </p:nvSpPr>
         <p:spPr>
           <a:xfrm>
             <a:off x="432720" y="1148040"/>
-            <a:ext cx="10339920" cy="480600"/>
+            <a:ext cx="10339560" cy="480240"/>
           </a:xfrm>
           <a:prstGeom prst="rect">
             <a:avLst/>
@@ -24854,14 +23321,14 @@
       </p:sp>
       <p:sp>
         <p:nvSpPr>
-          <p:cNvPr id="327" name="CustomShape 3"/>
+          <p:cNvPr id="321" name="CustomShape 3"/>
           <p:cNvSpPr/>
           <p:nvPr/>
         </p:nvSpPr>
         <p:spPr>
           <a:xfrm>
             <a:off x="274320" y="6447960"/>
-            <a:ext cx="11148120" cy="245160"/>
+            <a:ext cx="11147760" cy="245160"/>
           </a:xfrm>
           <a:prstGeom prst="rect">
             <a:avLst/>
@@ -24920,7 +23387,7 @@
       </p:sp>
       <p:pic>
         <p:nvPicPr>
-          <p:cNvPr id="328" name="Grafik 365" descr=""/>
+          <p:cNvPr id="322" name="Grafik 365" descr=""/>
           <p:cNvPicPr/>
           <p:nvPr/>
         </p:nvPicPr>
@@ -24931,7 +23398,7 @@
         <p:spPr>
           <a:xfrm>
             <a:off x="1600200" y="1813320"/>
-            <a:ext cx="7238520" cy="4175280"/>
+            <a:ext cx="7238160" cy="4174920"/>
           </a:xfrm>
           <a:prstGeom prst="rect">
             <a:avLst/>
@@ -24973,14 +23440,14 @@
       </p:grpSpPr>
       <p:sp>
         <p:nvSpPr>
-          <p:cNvPr id="329" name="CustomShape 1"/>
+          <p:cNvPr id="323" name="CustomShape 1"/>
           <p:cNvSpPr/>
           <p:nvPr/>
         </p:nvSpPr>
         <p:spPr>
           <a:xfrm>
             <a:off x="335520" y="764640"/>
-            <a:ext cx="10734480" cy="485280"/>
+            <a:ext cx="10734120" cy="484920"/>
           </a:xfrm>
           <a:prstGeom prst="rect">
             <a:avLst/>
@@ -25027,14 +23494,14 @@
       </p:sp>
       <p:sp>
         <p:nvSpPr>
-          <p:cNvPr id="330" name="CustomShape 2"/>
+          <p:cNvPr id="324" name="CustomShape 2"/>
           <p:cNvSpPr/>
           <p:nvPr/>
         </p:nvSpPr>
         <p:spPr>
           <a:xfrm>
             <a:off x="432720" y="1148040"/>
-            <a:ext cx="10339920" cy="480600"/>
+            <a:ext cx="10339560" cy="480240"/>
           </a:xfrm>
           <a:prstGeom prst="rect">
             <a:avLst/>
@@ -25081,14 +23548,14 @@
       </p:sp>
       <p:sp>
         <p:nvSpPr>
-          <p:cNvPr id="331" name="CustomShape 3"/>
+          <p:cNvPr id="325" name="CustomShape 3"/>
           <p:cNvSpPr/>
           <p:nvPr/>
         </p:nvSpPr>
         <p:spPr>
           <a:xfrm>
             <a:off x="274320" y="6447960"/>
-            <a:ext cx="11148120" cy="245160"/>
+            <a:ext cx="11147760" cy="245160"/>
           </a:xfrm>
           <a:prstGeom prst="rect">
             <a:avLst/>
@@ -25147,14 +23614,14 @@
       </p:sp>
       <p:sp>
         <p:nvSpPr>
-          <p:cNvPr id="332" name="CustomShape 4"/>
+          <p:cNvPr id="326" name="CustomShape 4"/>
           <p:cNvSpPr/>
           <p:nvPr/>
         </p:nvSpPr>
         <p:spPr>
           <a:xfrm>
             <a:off x="0" y="6055560"/>
-            <a:ext cx="11426040" cy="617040"/>
+            <a:ext cx="11425680" cy="616680"/>
           </a:xfrm>
           <a:prstGeom prst="rect">
             <a:avLst/>
@@ -25211,7 +23678,7 @@
       </p:sp>
       <p:pic>
         <p:nvPicPr>
-          <p:cNvPr id="333" name="Grafik 370" descr=""/>
+          <p:cNvPr id="327" name="Grafik 370" descr=""/>
           <p:cNvPicPr/>
           <p:nvPr/>
         </p:nvPicPr>
@@ -25222,7 +23689,7 @@
         <p:spPr>
           <a:xfrm>
             <a:off x="1600560" y="1813320"/>
-            <a:ext cx="7238520" cy="4175280"/>
+            <a:ext cx="7238160" cy="4174920"/>
           </a:xfrm>
           <a:prstGeom prst="rect">
             <a:avLst/>
@@ -25264,14 +23731,14 @@
       </p:grpSpPr>
       <p:sp>
         <p:nvSpPr>
-          <p:cNvPr id="334" name="CustomShape 1"/>
+          <p:cNvPr id="328" name="CustomShape 1"/>
           <p:cNvSpPr/>
           <p:nvPr/>
         </p:nvSpPr>
         <p:spPr>
           <a:xfrm>
             <a:off x="335520" y="764640"/>
-            <a:ext cx="10734480" cy="485280"/>
+            <a:ext cx="10734120" cy="484920"/>
           </a:xfrm>
           <a:prstGeom prst="rect">
             <a:avLst/>
@@ -25318,14 +23785,14 @@
       </p:sp>
       <p:sp>
         <p:nvSpPr>
-          <p:cNvPr id="335" name="CustomShape 2"/>
+          <p:cNvPr id="329" name="CustomShape 2"/>
           <p:cNvSpPr/>
           <p:nvPr/>
         </p:nvSpPr>
         <p:spPr>
           <a:xfrm>
             <a:off x="335520" y="1268280"/>
-            <a:ext cx="10734480" cy="5022000"/>
+            <a:ext cx="10734120" cy="5021640"/>
           </a:xfrm>
           <a:prstGeom prst="rect">
             <a:avLst/>
@@ -25538,14 +24005,14 @@
       </p:sp>
       <p:sp>
         <p:nvSpPr>
-          <p:cNvPr id="336" name="CustomShape 3"/>
+          <p:cNvPr id="330" name="CustomShape 3"/>
           <p:cNvSpPr/>
           <p:nvPr/>
         </p:nvSpPr>
         <p:spPr>
           <a:xfrm>
             <a:off x="432720" y="1148040"/>
-            <a:ext cx="10339920" cy="480600"/>
+            <a:ext cx="10339560" cy="480240"/>
           </a:xfrm>
           <a:prstGeom prst="rect">
             <a:avLst/>
@@ -25622,14 +24089,14 @@
       </p:grpSpPr>
       <p:sp>
         <p:nvSpPr>
-          <p:cNvPr id="337" name="CustomShape 1"/>
+          <p:cNvPr id="331" name="CustomShape 1"/>
           <p:cNvSpPr/>
           <p:nvPr/>
         </p:nvSpPr>
         <p:spPr>
           <a:xfrm>
             <a:off x="335520" y="764640"/>
-            <a:ext cx="10734480" cy="485280"/>
+            <a:ext cx="10734120" cy="484920"/>
           </a:xfrm>
           <a:prstGeom prst="rect">
             <a:avLst/>
@@ -25676,14 +24143,14 @@
       </p:sp>
       <p:sp>
         <p:nvSpPr>
-          <p:cNvPr id="338" name="CustomShape 2"/>
+          <p:cNvPr id="332" name="CustomShape 2"/>
           <p:cNvSpPr/>
           <p:nvPr/>
         </p:nvSpPr>
         <p:spPr>
           <a:xfrm>
             <a:off x="432720" y="1148040"/>
-            <a:ext cx="10339920" cy="480600"/>
+            <a:ext cx="10339560" cy="480240"/>
           </a:xfrm>
           <a:prstGeom prst="rect">
             <a:avLst/>
@@ -25730,14 +24197,14 @@
       </p:sp>
       <p:sp>
         <p:nvSpPr>
-          <p:cNvPr id="339" name="CustomShape 3"/>
+          <p:cNvPr id="333" name="CustomShape 3"/>
           <p:cNvSpPr/>
           <p:nvPr/>
         </p:nvSpPr>
         <p:spPr>
           <a:xfrm>
             <a:off x="274320" y="6447960"/>
-            <a:ext cx="11148120" cy="245160"/>
+            <a:ext cx="11147760" cy="245160"/>
           </a:xfrm>
           <a:prstGeom prst="rect">
             <a:avLst/>
@@ -25796,14 +24263,14 @@
       </p:sp>
       <p:sp>
         <p:nvSpPr>
-          <p:cNvPr id="340" name="CustomShape 4"/>
+          <p:cNvPr id="334" name="CustomShape 4"/>
           <p:cNvSpPr/>
           <p:nvPr/>
         </p:nvSpPr>
         <p:spPr>
           <a:xfrm>
             <a:off x="335520" y="1268280"/>
-            <a:ext cx="10734480" cy="5022000"/>
+            <a:ext cx="10734120" cy="5021640"/>
           </a:xfrm>
           <a:prstGeom prst="rect">
             <a:avLst/>
@@ -25973,14 +24440,14 @@
       </p:grpSpPr>
       <p:sp>
         <p:nvSpPr>
-          <p:cNvPr id="341" name="CustomShape 1"/>
+          <p:cNvPr id="335" name="CustomShape 1"/>
           <p:cNvSpPr/>
           <p:nvPr/>
         </p:nvSpPr>
         <p:spPr>
           <a:xfrm>
             <a:off x="335520" y="764640"/>
-            <a:ext cx="10734480" cy="485280"/>
+            <a:ext cx="10734120" cy="484920"/>
           </a:xfrm>
           <a:prstGeom prst="rect">
             <a:avLst/>
@@ -26027,14 +24494,14 @@
       </p:sp>
       <p:sp>
         <p:nvSpPr>
-          <p:cNvPr id="342" name="CustomShape 2"/>
+          <p:cNvPr id="336" name="CustomShape 2"/>
           <p:cNvSpPr/>
           <p:nvPr/>
         </p:nvSpPr>
         <p:spPr>
           <a:xfrm>
             <a:off x="335520" y="1268280"/>
-            <a:ext cx="10734480" cy="5022000"/>
+            <a:ext cx="10734120" cy="5021640"/>
           </a:xfrm>
           <a:prstGeom prst="rect">
             <a:avLst/>
@@ -26203,14 +24670,14 @@
       </p:sp>
       <p:sp>
         <p:nvSpPr>
-          <p:cNvPr id="343" name="CustomShape 3"/>
+          <p:cNvPr id="337" name="CustomShape 3"/>
           <p:cNvSpPr/>
           <p:nvPr/>
         </p:nvSpPr>
         <p:spPr>
           <a:xfrm>
             <a:off x="432720" y="1148040"/>
-            <a:ext cx="10339920" cy="480600"/>
+            <a:ext cx="10339560" cy="480240"/>
           </a:xfrm>
           <a:prstGeom prst="rect">
             <a:avLst/>
@@ -26287,14 +24754,14 @@
       </p:grpSpPr>
       <p:sp>
         <p:nvSpPr>
-          <p:cNvPr id="344" name="CustomShape 1"/>
+          <p:cNvPr id="338" name="CustomShape 1"/>
           <p:cNvSpPr/>
           <p:nvPr/>
         </p:nvSpPr>
         <p:spPr>
           <a:xfrm>
             <a:off x="335520" y="4406760"/>
-            <a:ext cx="10729800" cy="1338840"/>
+            <a:ext cx="10729440" cy="1338480"/>
           </a:xfrm>
           <a:prstGeom prst="rect">
             <a:avLst/>
@@ -26341,14 +24808,14 @@
       </p:sp>
       <p:sp>
         <p:nvSpPr>
-          <p:cNvPr id="345" name="CustomShape 2"/>
+          <p:cNvPr id="339" name="CustomShape 2"/>
           <p:cNvSpPr/>
           <p:nvPr/>
         </p:nvSpPr>
         <p:spPr>
           <a:xfrm>
             <a:off x="335520" y="2906640"/>
-            <a:ext cx="10729800" cy="1476720"/>
+            <a:ext cx="10729440" cy="1476360"/>
           </a:xfrm>
           <a:prstGeom prst="rect">
             <a:avLst/>
@@ -26416,14 +24883,14 @@
       </p:grpSpPr>
       <p:sp>
         <p:nvSpPr>
-          <p:cNvPr id="346" name="CustomShape 1"/>
+          <p:cNvPr id="340" name="CustomShape 1"/>
           <p:cNvSpPr/>
           <p:nvPr/>
         </p:nvSpPr>
         <p:spPr>
           <a:xfrm>
             <a:off x="335520" y="764640"/>
-            <a:ext cx="10730160" cy="480960"/>
+            <a:ext cx="10729800" cy="480600"/>
           </a:xfrm>
           <a:prstGeom prst="rect">
             <a:avLst/>
@@ -26470,14 +24937,14 @@
       </p:sp>
       <p:sp>
         <p:nvSpPr>
-          <p:cNvPr id="347" name="CustomShape 2"/>
+          <p:cNvPr id="341" name="CustomShape 2"/>
           <p:cNvSpPr/>
           <p:nvPr/>
         </p:nvSpPr>
         <p:spPr>
           <a:xfrm>
             <a:off x="335520" y="1268640"/>
-            <a:ext cx="10730160" cy="5017680"/>
+            <a:ext cx="10729800" cy="5017320"/>
           </a:xfrm>
           <a:prstGeom prst="rect">
             <a:avLst/>
@@ -26741,14 +25208,14 @@
       </p:grpSpPr>
       <p:sp>
         <p:nvSpPr>
-          <p:cNvPr id="348" name="CustomShape 1"/>
+          <p:cNvPr id="342" name="CustomShape 1"/>
           <p:cNvSpPr/>
           <p:nvPr/>
         </p:nvSpPr>
         <p:spPr>
           <a:xfrm>
             <a:off x="335520" y="764640"/>
-            <a:ext cx="10730160" cy="480960"/>
+            <a:ext cx="10729800" cy="480600"/>
           </a:xfrm>
           <a:prstGeom prst="rect">
             <a:avLst/>
@@ -26795,14 +25262,14 @@
       </p:sp>
       <p:sp>
         <p:nvSpPr>
-          <p:cNvPr id="349" name="CustomShape 2"/>
+          <p:cNvPr id="343" name="CustomShape 2"/>
           <p:cNvSpPr/>
           <p:nvPr/>
         </p:nvSpPr>
         <p:spPr>
           <a:xfrm>
             <a:off x="335520" y="1268640"/>
-            <a:ext cx="10730160" cy="5017680"/>
+            <a:ext cx="10729800" cy="5017320"/>
           </a:xfrm>
           <a:prstGeom prst="rect">
             <a:avLst/>
@@ -26986,14 +25453,14 @@
       </p:sp>
       <p:sp>
         <p:nvSpPr>
-          <p:cNvPr id="350" name="CustomShape 3"/>
+          <p:cNvPr id="344" name="CustomShape 3"/>
           <p:cNvSpPr/>
           <p:nvPr/>
         </p:nvSpPr>
         <p:spPr>
           <a:xfrm>
             <a:off x="263520" y="6492240"/>
-            <a:ext cx="10609920" cy="245160"/>
+            <a:ext cx="10609560" cy="245160"/>
           </a:xfrm>
           <a:prstGeom prst="rect">
             <a:avLst/>
@@ -27082,14 +25549,14 @@
       </p:grpSpPr>
       <p:sp>
         <p:nvSpPr>
-          <p:cNvPr id="170" name="CustomShape 15"/>
+          <p:cNvPr id="164" name="CustomShape 15"/>
           <p:cNvSpPr/>
           <p:nvPr/>
         </p:nvSpPr>
         <p:spPr>
           <a:xfrm>
             <a:off x="263520" y="6411600"/>
-            <a:ext cx="6469560" cy="245160"/>
+            <a:ext cx="6469200" cy="245160"/>
           </a:xfrm>
           <a:prstGeom prst="rect">
             <a:avLst/>
@@ -27148,13 +25615,13 @@
       </p:sp>
       <p:graphicFrame>
         <p:nvGraphicFramePr>
-          <p:cNvPr id="171" name="Diagramm 2"/>
+          <p:cNvPr id="165" name="Diagramm 2"/>
           <p:cNvGraphicFramePr/>
           <p:nvPr/>
         </p:nvGraphicFramePr>
         <p:xfrm>
           <a:off x="611640" y="2185200"/>
-          <a:ext cx="10217160" cy="4396320"/>
+          <a:ext cx="10216800" cy="4395960"/>
         </p:xfrm>
         <a:graphic>
           <a:graphicData uri="http://schemas.openxmlformats.org/drawingml/2006/chart">
@@ -27164,14 +25631,14 @@
       </p:graphicFrame>
       <p:sp>
         <p:nvSpPr>
-          <p:cNvPr id="172" name="CustomShape 16"/>
+          <p:cNvPr id="166" name="CustomShape 16"/>
           <p:cNvSpPr/>
           <p:nvPr/>
         </p:nvSpPr>
         <p:spPr>
           <a:xfrm>
             <a:off x="268560" y="2234880"/>
-            <a:ext cx="678240" cy="171360"/>
+            <a:ext cx="677880" cy="171000"/>
           </a:xfrm>
           <a:prstGeom prst="rect">
             <a:avLst/>
@@ -27218,14 +25685,14 @@
       </p:sp>
       <p:sp>
         <p:nvSpPr>
-          <p:cNvPr id="173" name="CustomShape 17"/>
+          <p:cNvPr id="167" name="CustomShape 17"/>
           <p:cNvSpPr/>
           <p:nvPr/>
         </p:nvSpPr>
         <p:spPr>
           <a:xfrm>
             <a:off x="268920" y="2487240"/>
-            <a:ext cx="678240" cy="171360"/>
+            <a:ext cx="677880" cy="171000"/>
           </a:xfrm>
           <a:prstGeom prst="rect">
             <a:avLst/>
@@ -27272,14 +25739,14 @@
       </p:sp>
       <p:sp>
         <p:nvSpPr>
-          <p:cNvPr id="174" name="CustomShape 18"/>
+          <p:cNvPr id="168" name="CustomShape 18"/>
           <p:cNvSpPr/>
           <p:nvPr/>
         </p:nvSpPr>
         <p:spPr>
           <a:xfrm>
             <a:off x="269280" y="5367600"/>
-            <a:ext cx="678240" cy="171360"/>
+            <a:ext cx="677880" cy="171000"/>
           </a:xfrm>
           <a:prstGeom prst="rect">
             <a:avLst/>
@@ -27326,14 +25793,14 @@
       </p:sp>
       <p:sp>
         <p:nvSpPr>
-          <p:cNvPr id="175" name="CustomShape 36"/>
+          <p:cNvPr id="169" name="CustomShape 36"/>
           <p:cNvSpPr/>
           <p:nvPr/>
         </p:nvSpPr>
         <p:spPr>
           <a:xfrm>
             <a:off x="269640" y="5079960"/>
-            <a:ext cx="678240" cy="171360"/>
+            <a:ext cx="677880" cy="171000"/>
           </a:xfrm>
           <a:prstGeom prst="rect">
             <a:avLst/>
@@ -27380,14 +25847,14 @@
       </p:sp>
       <p:sp>
         <p:nvSpPr>
-          <p:cNvPr id="176" name="CustomShape 37"/>
+          <p:cNvPr id="170" name="CustomShape 37"/>
           <p:cNvSpPr/>
           <p:nvPr/>
         </p:nvSpPr>
         <p:spPr>
           <a:xfrm>
             <a:off x="270000" y="4792320"/>
-            <a:ext cx="678240" cy="171360"/>
+            <a:ext cx="677880" cy="171000"/>
           </a:xfrm>
           <a:prstGeom prst="rect">
             <a:avLst/>
@@ -27434,14 +25901,14 @@
       </p:sp>
       <p:sp>
         <p:nvSpPr>
-          <p:cNvPr id="177" name="CustomShape 38"/>
+          <p:cNvPr id="171" name="CustomShape 38"/>
           <p:cNvSpPr/>
           <p:nvPr/>
         </p:nvSpPr>
         <p:spPr>
           <a:xfrm>
             <a:off x="268560" y="4484880"/>
-            <a:ext cx="678240" cy="171360"/>
+            <a:ext cx="677880" cy="171000"/>
           </a:xfrm>
           <a:prstGeom prst="rect">
             <a:avLst/>
@@ -27488,14 +25955,14 @@
       </p:sp>
       <p:sp>
         <p:nvSpPr>
-          <p:cNvPr id="178" name="CustomShape 39"/>
+          <p:cNvPr id="172" name="CustomShape 39"/>
           <p:cNvSpPr/>
           <p:nvPr/>
         </p:nvSpPr>
         <p:spPr>
           <a:xfrm>
             <a:off x="268560" y="4206600"/>
-            <a:ext cx="678240" cy="171360"/>
+            <a:ext cx="677880" cy="171000"/>
           </a:xfrm>
           <a:prstGeom prst="rect">
             <a:avLst/>
@@ -27542,14 +26009,14 @@
       </p:sp>
       <p:sp>
         <p:nvSpPr>
-          <p:cNvPr id="179" name="CustomShape 40"/>
+          <p:cNvPr id="173" name="CustomShape 40"/>
           <p:cNvSpPr/>
           <p:nvPr/>
         </p:nvSpPr>
         <p:spPr>
           <a:xfrm>
             <a:off x="268560" y="3907080"/>
-            <a:ext cx="678240" cy="171360"/>
+            <a:ext cx="677880" cy="171000"/>
           </a:xfrm>
           <a:prstGeom prst="rect">
             <a:avLst/>
@@ -27596,14 +26063,14 @@
       </p:sp>
       <p:sp>
         <p:nvSpPr>
-          <p:cNvPr id="180" name="CustomShape 41"/>
+          <p:cNvPr id="174" name="CustomShape 41"/>
           <p:cNvSpPr/>
           <p:nvPr/>
         </p:nvSpPr>
         <p:spPr>
           <a:xfrm>
             <a:off x="271440" y="3605760"/>
-            <a:ext cx="678240" cy="171360"/>
+            <a:ext cx="677880" cy="171000"/>
           </a:xfrm>
           <a:prstGeom prst="rect">
             <a:avLst/>
@@ -27650,14 +26117,14 @@
       </p:sp>
       <p:sp>
         <p:nvSpPr>
-          <p:cNvPr id="181" name="CustomShape 42"/>
+          <p:cNvPr id="175" name="CustomShape 42"/>
           <p:cNvSpPr/>
           <p:nvPr/>
         </p:nvSpPr>
         <p:spPr>
           <a:xfrm>
             <a:off x="271800" y="3318120"/>
-            <a:ext cx="678240" cy="171360"/>
+            <a:ext cx="677880" cy="171000"/>
           </a:xfrm>
           <a:prstGeom prst="rect">
             <a:avLst/>
@@ -27704,14 +26171,14 @@
       </p:sp>
       <p:sp>
         <p:nvSpPr>
-          <p:cNvPr id="182" name="CustomShape 43"/>
+          <p:cNvPr id="176" name="CustomShape 43"/>
           <p:cNvSpPr/>
           <p:nvPr/>
         </p:nvSpPr>
         <p:spPr>
           <a:xfrm>
             <a:off x="272160" y="3030480"/>
-            <a:ext cx="678240" cy="171360"/>
+            <a:ext cx="677880" cy="171000"/>
           </a:xfrm>
           <a:prstGeom prst="rect">
             <a:avLst/>
@@ -27758,14 +26225,14 @@
       </p:sp>
       <p:sp>
         <p:nvSpPr>
-          <p:cNvPr id="183" name="CustomShape 44"/>
+          <p:cNvPr id="177" name="CustomShape 44"/>
           <p:cNvSpPr/>
           <p:nvPr/>
         </p:nvSpPr>
         <p:spPr>
           <a:xfrm>
             <a:off x="272520" y="2742840"/>
-            <a:ext cx="678240" cy="171360"/>
+            <a:ext cx="677880" cy="171000"/>
           </a:xfrm>
           <a:prstGeom prst="rect">
             <a:avLst/>
@@ -27812,7 +26279,7 @@
       </p:sp>
       <p:pic>
         <p:nvPicPr>
-          <p:cNvPr id="184" name="Grafik 3" descr=""/>
+          <p:cNvPr id="178" name="Grafik 3" descr=""/>
           <p:cNvPicPr/>
           <p:nvPr/>
         </p:nvPicPr>
@@ -27823,7 +26290,7 @@
         <p:spPr>
           <a:xfrm>
             <a:off x="9896760" y="1638000"/>
-            <a:ext cx="811080" cy="493200"/>
+            <a:ext cx="810720" cy="492840"/>
           </a:xfrm>
           <a:prstGeom prst="rect">
             <a:avLst/>
@@ -27835,7 +26302,7 @@
       </p:pic>
       <p:pic>
         <p:nvPicPr>
-          <p:cNvPr id="185" name="Grafik 6" descr=""/>
+          <p:cNvPr id="179" name="Grafik 6" descr=""/>
           <p:cNvPicPr/>
           <p:nvPr/>
         </p:nvPicPr>
@@ -27847,7 +26314,7 @@
         <p:spPr>
           <a:xfrm>
             <a:off x="990360" y="1585440"/>
-            <a:ext cx="449280" cy="493200"/>
+            <a:ext cx="448920" cy="492840"/>
           </a:xfrm>
           <a:prstGeom prst="rect">
             <a:avLst/>
@@ -27859,14 +26326,14 @@
       </p:pic>
       <p:sp>
         <p:nvSpPr>
-          <p:cNvPr id="186" name="CustomShape 45"/>
+          <p:cNvPr id="180" name="CustomShape 45"/>
           <p:cNvSpPr/>
           <p:nvPr/>
         </p:nvSpPr>
         <p:spPr>
           <a:xfrm>
             <a:off x="918360" y="2005200"/>
-            <a:ext cx="751680" cy="217080"/>
+            <a:ext cx="751320" cy="216720"/>
           </a:xfrm>
           <a:prstGeom prst="rect">
             <a:avLst/>
@@ -27913,14 +26380,14 @@
       </p:sp>
       <p:sp>
         <p:nvSpPr>
-          <p:cNvPr id="187" name="CustomShape 46"/>
+          <p:cNvPr id="181" name="CustomShape 46"/>
           <p:cNvSpPr/>
           <p:nvPr/>
         </p:nvSpPr>
         <p:spPr>
           <a:xfrm>
             <a:off x="9918360" y="2034720"/>
-            <a:ext cx="1090440" cy="351360"/>
+            <a:ext cx="1090080" cy="351000"/>
           </a:xfrm>
           <a:prstGeom prst="rect">
             <a:avLst/>
@@ -27967,14 +26434,14 @@
       </p:sp>
       <p:sp>
         <p:nvSpPr>
-          <p:cNvPr id="188" name="CustomShape 47"/>
+          <p:cNvPr id="182" name="CustomShape 47"/>
           <p:cNvSpPr/>
           <p:nvPr/>
         </p:nvSpPr>
         <p:spPr>
           <a:xfrm>
             <a:off x="182880" y="1697040"/>
-            <a:ext cx="10742040" cy="492840"/>
+            <a:ext cx="10741680" cy="492480"/>
           </a:xfrm>
           <a:prstGeom prst="rect">
             <a:avLst/>
@@ -28044,14 +26511,14 @@
       </p:sp>
       <p:sp>
         <p:nvSpPr>
-          <p:cNvPr id="189" name="CustomShape 48"/>
+          <p:cNvPr id="183" name="CustomShape 48"/>
           <p:cNvSpPr/>
           <p:nvPr/>
         </p:nvSpPr>
         <p:spPr>
           <a:xfrm>
             <a:off x="335520" y="764640"/>
-            <a:ext cx="10740600" cy="491400"/>
+            <a:ext cx="10740240" cy="491040"/>
           </a:xfrm>
           <a:prstGeom prst="rect">
             <a:avLst/>
@@ -28098,14 +26565,14 @@
       </p:sp>
       <p:sp>
         <p:nvSpPr>
-          <p:cNvPr id="190" name="CustomShape 49"/>
+          <p:cNvPr id="184" name="CustomShape 49"/>
           <p:cNvSpPr/>
           <p:nvPr/>
         </p:nvSpPr>
         <p:spPr>
           <a:xfrm>
             <a:off x="432720" y="1148040"/>
-            <a:ext cx="10349640" cy="490320"/>
+            <a:ext cx="10349280" cy="489960"/>
           </a:xfrm>
           <a:prstGeom prst="rect">
             <a:avLst/>
@@ -28182,14 +26649,14 @@
       </p:grpSpPr>
       <p:sp>
         <p:nvSpPr>
-          <p:cNvPr id="351" name="CustomShape 1"/>
+          <p:cNvPr id="345" name="CustomShape 1"/>
           <p:cNvSpPr/>
           <p:nvPr/>
         </p:nvSpPr>
         <p:spPr>
           <a:xfrm>
             <a:off x="335520" y="4406760"/>
-            <a:ext cx="10729800" cy="1338840"/>
+            <a:ext cx="10729440" cy="1338480"/>
           </a:xfrm>
           <a:prstGeom prst="rect">
             <a:avLst/>
@@ -28236,14 +26703,14 @@
       </p:sp>
       <p:sp>
         <p:nvSpPr>
-          <p:cNvPr id="352" name="CustomShape 2"/>
+          <p:cNvPr id="346" name="CustomShape 2"/>
           <p:cNvSpPr/>
           <p:nvPr/>
         </p:nvSpPr>
         <p:spPr>
           <a:xfrm>
             <a:off x="335520" y="2906640"/>
-            <a:ext cx="10729800" cy="1476720"/>
+            <a:ext cx="10729440" cy="1476360"/>
           </a:xfrm>
           <a:prstGeom prst="rect">
             <a:avLst/>
@@ -28311,14 +26778,14 @@
       </p:grpSpPr>
       <p:sp>
         <p:nvSpPr>
-          <p:cNvPr id="353" name="CustomShape 1"/>
+          <p:cNvPr id="347" name="CustomShape 1"/>
           <p:cNvSpPr/>
           <p:nvPr/>
         </p:nvSpPr>
         <p:spPr>
           <a:xfrm>
             <a:off x="335520" y="764640"/>
-            <a:ext cx="10730160" cy="480960"/>
+            <a:ext cx="10729800" cy="480600"/>
           </a:xfrm>
           <a:prstGeom prst="rect">
             <a:avLst/>
@@ -28365,14 +26832,14 @@
       </p:sp>
       <p:sp>
         <p:nvSpPr>
-          <p:cNvPr id="354" name="CustomShape 2"/>
+          <p:cNvPr id="348" name="CustomShape 2"/>
           <p:cNvSpPr/>
           <p:nvPr/>
         </p:nvSpPr>
         <p:spPr>
           <a:xfrm>
             <a:off x="335520" y="1268640"/>
-            <a:ext cx="10730160" cy="5017680"/>
+            <a:ext cx="10729800" cy="5017320"/>
           </a:xfrm>
           <a:prstGeom prst="rect">
             <a:avLst/>
@@ -28586,14 +27053,14 @@
       </p:grpSpPr>
       <p:sp>
         <p:nvSpPr>
-          <p:cNvPr id="355" name="CustomShape 1"/>
+          <p:cNvPr id="349" name="CustomShape 1"/>
           <p:cNvSpPr/>
           <p:nvPr/>
         </p:nvSpPr>
         <p:spPr>
           <a:xfrm>
             <a:off x="335520" y="4406760"/>
-            <a:ext cx="10729800" cy="1338840"/>
+            <a:ext cx="10729440" cy="1338480"/>
           </a:xfrm>
           <a:prstGeom prst="rect">
             <a:avLst/>
@@ -28640,14 +27107,14 @@
       </p:sp>
       <p:sp>
         <p:nvSpPr>
-          <p:cNvPr id="356" name="CustomShape 2"/>
+          <p:cNvPr id="350" name="CustomShape 2"/>
           <p:cNvSpPr/>
           <p:nvPr/>
         </p:nvSpPr>
         <p:spPr>
           <a:xfrm>
             <a:off x="335520" y="2906640"/>
-            <a:ext cx="10729800" cy="1476720"/>
+            <a:ext cx="10729440" cy="1476360"/>
           </a:xfrm>
           <a:prstGeom prst="rect">
             <a:avLst/>
@@ -28715,14 +27182,14 @@
       </p:grpSpPr>
       <p:sp>
         <p:nvSpPr>
-          <p:cNvPr id="357" name="CustomShape 1"/>
+          <p:cNvPr id="351" name="CustomShape 1"/>
           <p:cNvSpPr/>
           <p:nvPr/>
         </p:nvSpPr>
         <p:spPr>
           <a:xfrm>
             <a:off x="335520" y="764640"/>
-            <a:ext cx="10730160" cy="480960"/>
+            <a:ext cx="10729800" cy="480600"/>
           </a:xfrm>
           <a:prstGeom prst="rect">
             <a:avLst/>
@@ -28769,14 +27236,14 @@
       </p:sp>
       <p:sp>
         <p:nvSpPr>
-          <p:cNvPr id="358" name="CustomShape 2"/>
+          <p:cNvPr id="352" name="CustomShape 2"/>
           <p:cNvSpPr/>
           <p:nvPr/>
         </p:nvSpPr>
         <p:spPr>
           <a:xfrm>
             <a:off x="335520" y="1268280"/>
-            <a:ext cx="10730160" cy="5017680"/>
+            <a:ext cx="10729800" cy="5017320"/>
           </a:xfrm>
           <a:prstGeom prst="rect">
             <a:avLst/>
@@ -28999,14 +27466,14 @@
       </p:sp>
       <p:sp>
         <p:nvSpPr>
-          <p:cNvPr id="359" name="CustomShape 3"/>
+          <p:cNvPr id="353" name="CustomShape 3"/>
           <p:cNvSpPr/>
           <p:nvPr/>
         </p:nvSpPr>
         <p:spPr>
           <a:xfrm>
             <a:off x="432720" y="1148040"/>
-            <a:ext cx="10339200" cy="479880"/>
+            <a:ext cx="10338840" cy="479520"/>
           </a:xfrm>
           <a:prstGeom prst="rect">
             <a:avLst/>
@@ -29083,14 +27550,14 @@
       </p:grpSpPr>
       <p:sp>
         <p:nvSpPr>
-          <p:cNvPr id="360" name="CustomShape 1"/>
+          <p:cNvPr id="354" name="CustomShape 1"/>
           <p:cNvSpPr/>
           <p:nvPr/>
         </p:nvSpPr>
         <p:spPr>
           <a:xfrm>
             <a:off x="335520" y="764640"/>
-            <a:ext cx="10734480" cy="485280"/>
+            <a:ext cx="10734120" cy="484920"/>
           </a:xfrm>
           <a:prstGeom prst="rect">
             <a:avLst/>
@@ -29137,14 +27604,14 @@
       </p:sp>
       <p:sp>
         <p:nvSpPr>
-          <p:cNvPr id="361" name="CustomShape 2"/>
+          <p:cNvPr id="355" name="CustomShape 2"/>
           <p:cNvSpPr/>
           <p:nvPr/>
         </p:nvSpPr>
         <p:spPr>
           <a:xfrm>
             <a:off x="335520" y="1268640"/>
-            <a:ext cx="10734480" cy="5022000"/>
+            <a:ext cx="10734120" cy="5021640"/>
           </a:xfrm>
           <a:prstGeom prst="rect">
             <a:avLst/>
@@ -29398,10 +27865,11 @@
               <a:t>Planetary Boundaries – Stockholm Resilience Center – </a:t>
             </a:r>
             <a:r>
-              <a:rPr b="0" lang="en-US" sz="1800" spc="-1" strike="noStrike">
-                <a:solidFill>
-                  <a:srgbClr val="000000"/>
-                </a:solidFill>
+              <a:rPr b="0" lang="en-US" sz="1800" spc="-1" strike="noStrike" u="sng">
+                <a:solidFill>
+                  <a:srgbClr val="0000ff"/>
+                </a:solidFill>
+                <a:uFillTx/>
                 <a:latin typeface="DejaVu Sans"/>
                 <a:ea typeface="DejaVu Sans"/>
                 <a:hlinkClick r:id="rId1"/>
@@ -29503,14 +27971,14 @@
       </p:grpSpPr>
       <p:sp>
         <p:nvSpPr>
-          <p:cNvPr id="362" name="CustomShape 1"/>
+          <p:cNvPr id="356" name="CustomShape 1"/>
           <p:cNvSpPr/>
           <p:nvPr/>
         </p:nvSpPr>
         <p:spPr>
           <a:xfrm>
             <a:off x="335520" y="1268640"/>
-            <a:ext cx="10731240" cy="5018760"/>
+            <a:ext cx="10730880" cy="5018400"/>
           </a:xfrm>
           <a:prstGeom prst="rect">
             <a:avLst/>
@@ -29563,14 +28031,14 @@
       </p:sp>
       <p:sp>
         <p:nvSpPr>
-          <p:cNvPr id="363" name="CustomShape 2"/>
+          <p:cNvPr id="357" name="CustomShape 2"/>
           <p:cNvSpPr/>
           <p:nvPr/>
         </p:nvSpPr>
         <p:spPr>
           <a:xfrm>
             <a:off x="335520" y="764640"/>
-            <a:ext cx="10731240" cy="482040"/>
+            <a:ext cx="10730880" cy="481680"/>
           </a:xfrm>
           <a:prstGeom prst="rect">
             <a:avLst/>
@@ -29638,14 +28106,14 @@
       </p:grpSpPr>
       <p:sp>
         <p:nvSpPr>
-          <p:cNvPr id="191" name="CustomShape 1"/>
+          <p:cNvPr id="185" name="CustomShape 1"/>
           <p:cNvSpPr/>
           <p:nvPr/>
         </p:nvSpPr>
         <p:spPr>
           <a:xfrm>
             <a:off x="335520" y="764640"/>
-            <a:ext cx="10734480" cy="485280"/>
+            <a:ext cx="10734120" cy="484920"/>
           </a:xfrm>
           <a:prstGeom prst="rect">
             <a:avLst/>
@@ -29692,14 +28160,14 @@
       </p:sp>
       <p:sp>
         <p:nvSpPr>
-          <p:cNvPr id="192" name="CustomShape 2"/>
+          <p:cNvPr id="186" name="CustomShape 2"/>
           <p:cNvSpPr/>
           <p:nvPr/>
         </p:nvSpPr>
         <p:spPr>
           <a:xfrm>
             <a:off x="432720" y="1148040"/>
-            <a:ext cx="10339920" cy="480600"/>
+            <a:ext cx="10339560" cy="480240"/>
           </a:xfrm>
           <a:prstGeom prst="rect">
             <a:avLst/>
@@ -29776,14 +28244,14 @@
       </p:grpSpPr>
       <p:sp>
         <p:nvSpPr>
-          <p:cNvPr id="193" name="CustomShape 1"/>
+          <p:cNvPr id="187" name="CustomShape 1"/>
           <p:cNvSpPr/>
           <p:nvPr/>
         </p:nvSpPr>
         <p:spPr>
           <a:xfrm>
             <a:off x="335520" y="764640"/>
-            <a:ext cx="10734480" cy="485280"/>
+            <a:ext cx="10734120" cy="484920"/>
           </a:xfrm>
           <a:prstGeom prst="rect">
             <a:avLst/>
@@ -29830,14 +28298,14 @@
       </p:sp>
       <p:sp>
         <p:nvSpPr>
-          <p:cNvPr id="194" name="CustomShape 2"/>
+          <p:cNvPr id="188" name="CustomShape 2"/>
           <p:cNvSpPr/>
           <p:nvPr/>
         </p:nvSpPr>
         <p:spPr>
           <a:xfrm>
             <a:off x="432720" y="1148040"/>
-            <a:ext cx="10339920" cy="480600"/>
+            <a:ext cx="10339560" cy="480240"/>
           </a:xfrm>
           <a:prstGeom prst="rect">
             <a:avLst/>
@@ -29884,14 +28352,14 @@
       </p:sp>
       <p:sp>
         <p:nvSpPr>
-          <p:cNvPr id="195" name="CustomShape 3"/>
+          <p:cNvPr id="189" name="CustomShape 3"/>
           <p:cNvSpPr/>
           <p:nvPr/>
         </p:nvSpPr>
         <p:spPr>
           <a:xfrm>
             <a:off x="263520" y="6492240"/>
-            <a:ext cx="10609920" cy="245160"/>
+            <a:ext cx="10609560" cy="245160"/>
           </a:xfrm>
           <a:prstGeom prst="rect">
             <a:avLst/>
@@ -29960,7 +28428,7 @@
       </p:sp>
       <p:pic>
         <p:nvPicPr>
-          <p:cNvPr id="196" name="Grafik 252" descr=""/>
+          <p:cNvPr id="190" name="Grafik 252" descr=""/>
           <p:cNvPicPr/>
           <p:nvPr/>
         </p:nvPicPr>
@@ -29971,7 +28439,7 @@
         <p:spPr>
           <a:xfrm>
             <a:off x="914400" y="2468880"/>
-            <a:ext cx="9505440" cy="3326400"/>
+            <a:ext cx="9505080" cy="3326040"/>
           </a:xfrm>
           <a:prstGeom prst="rect">
             <a:avLst/>
@@ -30013,14 +28481,14 @@
       </p:grpSpPr>
       <p:sp>
         <p:nvSpPr>
-          <p:cNvPr id="197" name="CustomShape 1"/>
+          <p:cNvPr id="191" name="CustomShape 1"/>
           <p:cNvSpPr/>
           <p:nvPr/>
         </p:nvSpPr>
         <p:spPr>
           <a:xfrm>
             <a:off x="335520" y="764640"/>
-            <a:ext cx="10739160" cy="489960"/>
+            <a:ext cx="10738800" cy="489600"/>
           </a:xfrm>
           <a:prstGeom prst="rect">
             <a:avLst/>
@@ -30067,14 +28535,14 @@
       </p:sp>
       <p:sp>
         <p:nvSpPr>
-          <p:cNvPr id="198" name="CustomShape 2"/>
+          <p:cNvPr id="192" name="CustomShape 2"/>
           <p:cNvSpPr/>
           <p:nvPr/>
         </p:nvSpPr>
         <p:spPr>
           <a:xfrm>
             <a:off x="335520" y="1268640"/>
-            <a:ext cx="10739160" cy="5026680"/>
+            <a:ext cx="10738800" cy="5026320"/>
           </a:xfrm>
           <a:prstGeom prst="rect">
             <a:avLst/>
@@ -30130,7 +28598,7 @@
       </p:sp>
       <p:pic>
         <p:nvPicPr>
-          <p:cNvPr id="199" name="Grafik 4_1" descr=""/>
+          <p:cNvPr id="193" name="Grafik 4_1" descr=""/>
           <p:cNvPicPr/>
           <p:nvPr/>
         </p:nvPicPr>
@@ -30141,7 +28609,7 @@
         <p:spPr>
           <a:xfrm>
             <a:off x="2560320" y="1645920"/>
-            <a:ext cx="7010280" cy="4730040"/>
+            <a:ext cx="7009920" cy="4729680"/>
           </a:xfrm>
           <a:prstGeom prst="rect">
             <a:avLst/>
@@ -30153,14 +28621,14 @@
       </p:pic>
       <p:sp>
         <p:nvSpPr>
-          <p:cNvPr id="200" name="CustomShape 3"/>
+          <p:cNvPr id="194" name="CustomShape 3"/>
           <p:cNvSpPr/>
           <p:nvPr/>
         </p:nvSpPr>
         <p:spPr>
           <a:xfrm>
             <a:off x="432720" y="1148040"/>
-            <a:ext cx="10339920" cy="480600"/>
+            <a:ext cx="10339560" cy="480240"/>
           </a:xfrm>
           <a:prstGeom prst="rect">
             <a:avLst/>
@@ -30237,14 +28705,14 @@
       </p:grpSpPr>
       <p:sp>
         <p:nvSpPr>
-          <p:cNvPr id="201" name="CustomShape 1"/>
+          <p:cNvPr id="195" name="CustomShape 1"/>
           <p:cNvSpPr/>
           <p:nvPr/>
         </p:nvSpPr>
         <p:spPr>
           <a:xfrm>
             <a:off x="335520" y="764640"/>
-            <a:ext cx="10737720" cy="488520"/>
+            <a:ext cx="10737360" cy="488160"/>
           </a:xfrm>
           <a:prstGeom prst="rect">
             <a:avLst/>
@@ -30304,14 +28772,14 @@
       </p:sp>
       <p:sp>
         <p:nvSpPr>
-          <p:cNvPr id="202" name="CustomShape 2"/>
+          <p:cNvPr id="196" name="CustomShape 2"/>
           <p:cNvSpPr/>
           <p:nvPr/>
         </p:nvSpPr>
         <p:spPr>
           <a:xfrm>
             <a:off x="342360" y="1268640"/>
-            <a:ext cx="10628280" cy="5025240"/>
+            <a:ext cx="10627920" cy="5024880"/>
           </a:xfrm>
           <a:prstGeom prst="rect">
             <a:avLst/>
@@ -30444,14 +28912,14 @@
       </p:sp>
       <p:sp>
         <p:nvSpPr>
-          <p:cNvPr id="203" name="CustomShape 3"/>
+          <p:cNvPr id="197" name="CustomShape 3"/>
           <p:cNvSpPr/>
           <p:nvPr/>
         </p:nvSpPr>
         <p:spPr>
           <a:xfrm>
             <a:off x="372600" y="2834640"/>
-            <a:ext cx="10598040" cy="1915920"/>
+            <a:ext cx="10597680" cy="1915560"/>
           </a:xfrm>
           <a:prstGeom prst="roundRect">
             <a:avLst>
@@ -30500,14 +28968,14 @@
       </p:sp>
       <p:sp>
         <p:nvSpPr>
-          <p:cNvPr id="204" name="CustomShape 4"/>
+          <p:cNvPr id="198" name="CustomShape 4"/>
           <p:cNvSpPr/>
           <p:nvPr/>
         </p:nvSpPr>
         <p:spPr>
           <a:xfrm>
             <a:off x="263520" y="6492240"/>
-            <a:ext cx="10609920" cy="227160"/>
+            <a:ext cx="10609560" cy="227160"/>
           </a:xfrm>
           <a:prstGeom prst="rect">
             <a:avLst/>
@@ -30554,14 +29022,14 @@
       </p:sp>
       <p:sp>
         <p:nvSpPr>
-          <p:cNvPr id="205" name="CustomShape 5"/>
+          <p:cNvPr id="199" name="CustomShape 5"/>
           <p:cNvSpPr/>
           <p:nvPr/>
         </p:nvSpPr>
         <p:spPr>
           <a:xfrm>
             <a:off x="432720" y="1148040"/>
-            <a:ext cx="10339920" cy="480600"/>
+            <a:ext cx="10339560" cy="480240"/>
           </a:xfrm>
           <a:prstGeom prst="rect">
             <a:avLst/>
